--- a/img/Figures.pptx
+++ b/img/Figures.pptx
@@ -2,10 +2,11 @@
 <file path=ppt/presentation.xml><?xml version="1.0" encoding="utf-8"?>
 <p:presentation xmlns:a="http://schemas.openxmlformats.org/drawingml/2006/main" xmlns:r="http://schemas.openxmlformats.org/officeDocument/2006/relationships" xmlns:p="http://schemas.openxmlformats.org/presentationml/2006/main" saveSubsetFonts="1">
   <p:sldMasterIdLst>
-    <p:sldMasterId id="2147483684" r:id="rId1"/>
+    <p:sldMasterId id="2147483696" r:id="rId1"/>
   </p:sldMasterIdLst>
   <p:sldIdLst>
     <p:sldId id="259" r:id="rId2"/>
+    <p:sldId id="260" r:id="rId3"/>
   </p:sldIdLst>
   <p:sldSz cx="12192000" cy="6858000"/>
   <p:notesSz cx="6858000" cy="9144000"/>
@@ -104,6 +105,11 @@
       </a:defRPr>
     </a:lvl9pPr>
   </p:defaultTextStyle>
+  <p:extLst>
+    <p:ext uri="{EFAFB233-063F-42B5-8137-9DF3F51BA10A}">
+      <p15:sldGuideLst xmlns:p15="http://schemas.microsoft.com/office/powerpoint/2012/main"/>
+    </p:ext>
+  </p:extLst>
 </p:presentation>
 </file>
 
@@ -238,7 +244,7 @@
           <a:p>
             <a:fld id="{8B2E8D9D-D090-4411-80D3-F46AD0A7E548}" type="datetimeFigureOut">
               <a:rPr lang="en-US" smtClean="0"/>
-              <a:t>6/24/2023</a:t>
+              <a:t>8/18/2023</a:t>
             </a:fld>
             <a:endParaRPr lang="en-US"/>
           </a:p>
@@ -289,7 +295,7 @@
     </p:spTree>
     <p:extLst>
       <p:ext uri="{BB962C8B-B14F-4D97-AF65-F5344CB8AC3E}">
-        <p14:creationId xmlns:p14="http://schemas.microsoft.com/office/powerpoint/2010/main" val="2826113595"/>
+        <p14:creationId xmlns:p14="http://schemas.microsoft.com/office/powerpoint/2010/main" val="1468635380"/>
       </p:ext>
     </p:extLst>
   </p:cSld>
@@ -408,7 +414,7 @@
           <a:p>
             <a:fld id="{8B2E8D9D-D090-4411-80D3-F46AD0A7E548}" type="datetimeFigureOut">
               <a:rPr lang="en-US" smtClean="0"/>
-              <a:t>6/24/2023</a:t>
+              <a:t>8/18/2023</a:t>
             </a:fld>
             <a:endParaRPr lang="en-US"/>
           </a:p>
@@ -459,7 +465,7 @@
     </p:spTree>
     <p:extLst>
       <p:ext uri="{BB962C8B-B14F-4D97-AF65-F5344CB8AC3E}">
-        <p14:creationId xmlns:p14="http://schemas.microsoft.com/office/powerpoint/2010/main" val="2641616700"/>
+        <p14:creationId xmlns:p14="http://schemas.microsoft.com/office/powerpoint/2010/main" val="602907879"/>
       </p:ext>
     </p:extLst>
   </p:cSld>
@@ -588,7 +594,7 @@
           <a:p>
             <a:fld id="{8B2E8D9D-D090-4411-80D3-F46AD0A7E548}" type="datetimeFigureOut">
               <a:rPr lang="en-US" smtClean="0"/>
-              <a:t>6/24/2023</a:t>
+              <a:t>8/18/2023</a:t>
             </a:fld>
             <a:endParaRPr lang="en-US"/>
           </a:p>
@@ -639,7 +645,7 @@
     </p:spTree>
     <p:extLst>
       <p:ext uri="{BB962C8B-B14F-4D97-AF65-F5344CB8AC3E}">
-        <p14:creationId xmlns:p14="http://schemas.microsoft.com/office/powerpoint/2010/main" val="2110369629"/>
+        <p14:creationId xmlns:p14="http://schemas.microsoft.com/office/powerpoint/2010/main" val="3611466128"/>
       </p:ext>
     </p:extLst>
   </p:cSld>
@@ -758,7 +764,7 @@
           <a:p>
             <a:fld id="{8B2E8D9D-D090-4411-80D3-F46AD0A7E548}" type="datetimeFigureOut">
               <a:rPr lang="en-US" smtClean="0"/>
-              <a:t>6/24/2023</a:t>
+              <a:t>8/18/2023</a:t>
             </a:fld>
             <a:endParaRPr lang="en-US"/>
           </a:p>
@@ -809,7 +815,7 @@
     </p:spTree>
     <p:extLst>
       <p:ext uri="{BB962C8B-B14F-4D97-AF65-F5344CB8AC3E}">
-        <p14:creationId xmlns:p14="http://schemas.microsoft.com/office/powerpoint/2010/main" val="500736087"/>
+        <p14:creationId xmlns:p14="http://schemas.microsoft.com/office/powerpoint/2010/main" val="4203032518"/>
       </p:ext>
     </p:extLst>
   </p:cSld>
@@ -1004,7 +1010,7 @@
           <a:p>
             <a:fld id="{8B2E8D9D-D090-4411-80D3-F46AD0A7E548}" type="datetimeFigureOut">
               <a:rPr lang="en-US" smtClean="0"/>
-              <a:t>6/24/2023</a:t>
+              <a:t>8/18/2023</a:t>
             </a:fld>
             <a:endParaRPr lang="en-US"/>
           </a:p>
@@ -1055,7 +1061,7 @@
     </p:spTree>
     <p:extLst>
       <p:ext uri="{BB962C8B-B14F-4D97-AF65-F5344CB8AC3E}">
-        <p14:creationId xmlns:p14="http://schemas.microsoft.com/office/powerpoint/2010/main" val="279396508"/>
+        <p14:creationId xmlns:p14="http://schemas.microsoft.com/office/powerpoint/2010/main" val="2930643272"/>
       </p:ext>
     </p:extLst>
   </p:cSld>
@@ -1236,7 +1242,7 @@
           <a:p>
             <a:fld id="{8B2E8D9D-D090-4411-80D3-F46AD0A7E548}" type="datetimeFigureOut">
               <a:rPr lang="en-US" smtClean="0"/>
-              <a:t>6/24/2023</a:t>
+              <a:t>8/18/2023</a:t>
             </a:fld>
             <a:endParaRPr lang="en-US"/>
           </a:p>
@@ -1287,7 +1293,7 @@
     </p:spTree>
     <p:extLst>
       <p:ext uri="{BB962C8B-B14F-4D97-AF65-F5344CB8AC3E}">
-        <p14:creationId xmlns:p14="http://schemas.microsoft.com/office/powerpoint/2010/main" val="3359711236"/>
+        <p14:creationId xmlns:p14="http://schemas.microsoft.com/office/powerpoint/2010/main" val="2573055594"/>
       </p:ext>
     </p:extLst>
   </p:cSld>
@@ -1603,7 +1609,7 @@
           <a:p>
             <a:fld id="{8B2E8D9D-D090-4411-80D3-F46AD0A7E548}" type="datetimeFigureOut">
               <a:rPr lang="en-US" smtClean="0"/>
-              <a:t>6/24/2023</a:t>
+              <a:t>8/18/2023</a:t>
             </a:fld>
             <a:endParaRPr lang="en-US"/>
           </a:p>
@@ -1654,7 +1660,7 @@
     </p:spTree>
     <p:extLst>
       <p:ext uri="{BB962C8B-B14F-4D97-AF65-F5344CB8AC3E}">
-        <p14:creationId xmlns:p14="http://schemas.microsoft.com/office/powerpoint/2010/main" val="3050666014"/>
+        <p14:creationId xmlns:p14="http://schemas.microsoft.com/office/powerpoint/2010/main" val="4129535625"/>
       </p:ext>
     </p:extLst>
   </p:cSld>
@@ -1721,7 +1727,7 @@
           <a:p>
             <a:fld id="{8B2E8D9D-D090-4411-80D3-F46AD0A7E548}" type="datetimeFigureOut">
               <a:rPr lang="en-US" smtClean="0"/>
-              <a:t>6/24/2023</a:t>
+              <a:t>8/18/2023</a:t>
             </a:fld>
             <a:endParaRPr lang="en-US"/>
           </a:p>
@@ -1772,7 +1778,7 @@
     </p:spTree>
     <p:extLst>
       <p:ext uri="{BB962C8B-B14F-4D97-AF65-F5344CB8AC3E}">
-        <p14:creationId xmlns:p14="http://schemas.microsoft.com/office/powerpoint/2010/main" val="1450691153"/>
+        <p14:creationId xmlns:p14="http://schemas.microsoft.com/office/powerpoint/2010/main" val="4051388606"/>
       </p:ext>
     </p:extLst>
   </p:cSld>
@@ -1816,7 +1822,7 @@
           <a:p>
             <a:fld id="{8B2E8D9D-D090-4411-80D3-F46AD0A7E548}" type="datetimeFigureOut">
               <a:rPr lang="en-US" smtClean="0"/>
-              <a:t>6/24/2023</a:t>
+              <a:t>8/18/2023</a:t>
             </a:fld>
             <a:endParaRPr lang="en-US"/>
           </a:p>
@@ -1867,7 +1873,7 @@
     </p:spTree>
     <p:extLst>
       <p:ext uri="{BB962C8B-B14F-4D97-AF65-F5344CB8AC3E}">
-        <p14:creationId xmlns:p14="http://schemas.microsoft.com/office/powerpoint/2010/main" val="974896435"/>
+        <p14:creationId xmlns:p14="http://schemas.microsoft.com/office/powerpoint/2010/main" val="1143168169"/>
       </p:ext>
     </p:extLst>
   </p:cSld>
@@ -2093,7 +2099,7 @@
           <a:p>
             <a:fld id="{8B2E8D9D-D090-4411-80D3-F46AD0A7E548}" type="datetimeFigureOut">
               <a:rPr lang="en-US" smtClean="0"/>
-              <a:t>6/24/2023</a:t>
+              <a:t>8/18/2023</a:t>
             </a:fld>
             <a:endParaRPr lang="en-US"/>
           </a:p>
@@ -2144,7 +2150,7 @@
     </p:spTree>
     <p:extLst>
       <p:ext uri="{BB962C8B-B14F-4D97-AF65-F5344CB8AC3E}">
-        <p14:creationId xmlns:p14="http://schemas.microsoft.com/office/powerpoint/2010/main" val="1924497340"/>
+        <p14:creationId xmlns:p14="http://schemas.microsoft.com/office/powerpoint/2010/main" val="2592075983"/>
       </p:ext>
     </p:extLst>
   </p:cSld>
@@ -2350,7 +2356,7 @@
           <a:p>
             <a:fld id="{8B2E8D9D-D090-4411-80D3-F46AD0A7E548}" type="datetimeFigureOut">
               <a:rPr lang="en-US" smtClean="0"/>
-              <a:t>6/24/2023</a:t>
+              <a:t>8/18/2023</a:t>
             </a:fld>
             <a:endParaRPr lang="en-US"/>
           </a:p>
@@ -2401,7 +2407,7 @@
     </p:spTree>
     <p:extLst>
       <p:ext uri="{BB962C8B-B14F-4D97-AF65-F5344CB8AC3E}">
-        <p14:creationId xmlns:p14="http://schemas.microsoft.com/office/powerpoint/2010/main" val="1864124236"/>
+        <p14:creationId xmlns:p14="http://schemas.microsoft.com/office/powerpoint/2010/main" val="582207814"/>
       </p:ext>
     </p:extLst>
   </p:cSld>
@@ -2563,7 +2569,7 @@
           <a:p>
             <a:fld id="{8B2E8D9D-D090-4411-80D3-F46AD0A7E548}" type="datetimeFigureOut">
               <a:rPr lang="en-US" smtClean="0"/>
-              <a:t>6/24/2023</a:t>
+              <a:t>8/18/2023</a:t>
             </a:fld>
             <a:endParaRPr lang="en-US"/>
           </a:p>
@@ -2650,23 +2656,23 @@
     </p:spTree>
     <p:extLst>
       <p:ext uri="{BB962C8B-B14F-4D97-AF65-F5344CB8AC3E}">
-        <p14:creationId xmlns:p14="http://schemas.microsoft.com/office/powerpoint/2010/main" val="1270887053"/>
+        <p14:creationId xmlns:p14="http://schemas.microsoft.com/office/powerpoint/2010/main" val="1174678565"/>
       </p:ext>
     </p:extLst>
   </p:cSld>
   <p:clrMap bg1="lt1" tx1="dk1" bg2="lt2" tx2="dk2" accent1="accent1" accent2="accent2" accent3="accent3" accent4="accent4" accent5="accent5" accent6="accent6" hlink="hlink" folHlink="folHlink"/>
   <p:sldLayoutIdLst>
-    <p:sldLayoutId id="2147483685" r:id="rId1"/>
-    <p:sldLayoutId id="2147483686" r:id="rId2"/>
-    <p:sldLayoutId id="2147483687" r:id="rId3"/>
-    <p:sldLayoutId id="2147483688" r:id="rId4"/>
-    <p:sldLayoutId id="2147483689" r:id="rId5"/>
-    <p:sldLayoutId id="2147483690" r:id="rId6"/>
-    <p:sldLayoutId id="2147483691" r:id="rId7"/>
-    <p:sldLayoutId id="2147483692" r:id="rId8"/>
-    <p:sldLayoutId id="2147483693" r:id="rId9"/>
-    <p:sldLayoutId id="2147483694" r:id="rId10"/>
-    <p:sldLayoutId id="2147483695" r:id="rId11"/>
+    <p:sldLayoutId id="2147483697" r:id="rId1"/>
+    <p:sldLayoutId id="2147483698" r:id="rId2"/>
+    <p:sldLayoutId id="2147483699" r:id="rId3"/>
+    <p:sldLayoutId id="2147483700" r:id="rId4"/>
+    <p:sldLayoutId id="2147483701" r:id="rId5"/>
+    <p:sldLayoutId id="2147483702" r:id="rId6"/>
+    <p:sldLayoutId id="2147483703" r:id="rId7"/>
+    <p:sldLayoutId id="2147483704" r:id="rId8"/>
+    <p:sldLayoutId id="2147483705" r:id="rId9"/>
+    <p:sldLayoutId id="2147483706" r:id="rId10"/>
+    <p:sldLayoutId id="2147483707" r:id="rId11"/>
   </p:sldLayoutIdLst>
   <p:txStyles>
     <p:titleStyle>
@@ -6324,7 +6330,7 @@
                 <a:latin typeface="Arial" panose="020B0604020202020204" pitchFamily="34" charset="0"/>
                 <a:cs typeface="Arial" panose="020B0604020202020204" pitchFamily="34" charset="0"/>
               </a:rPr>
-              <a:t>1,139</a:t>
+              <a:t>1,088</a:t>
             </a:r>
           </a:p>
           <a:p>
@@ -6370,7 +6376,7 @@
         <p:spPr>
           <a:xfrm>
             <a:off x="1423897" y="1622602"/>
-            <a:ext cx="2390398" cy="369332"/>
+            <a:ext cx="2390399" cy="369332"/>
           </a:xfrm>
           <a:prstGeom prst="rect">
             <a:avLst/>
@@ -6392,7 +6398,7 @@
                 <a:latin typeface="Arial" panose="020B0604020202020204" pitchFamily="34" charset="0"/>
                 <a:cs typeface="Arial" panose="020B0604020202020204" pitchFamily="34" charset="0"/>
               </a:rPr>
-              <a:t>67 Human Cytokines </a:t>
+              <a:t>64 Human Cytokines </a:t>
             </a:r>
           </a:p>
         </p:txBody>
@@ -6593,10 +6599,4508 @@
 </p:sld>
 </file>
 
+<file path=ppt/slides/slide2.xml><?xml version="1.0" encoding="utf-8"?>
+<p:sld xmlns:a="http://schemas.openxmlformats.org/drawingml/2006/main" xmlns:r="http://schemas.openxmlformats.org/officeDocument/2006/relationships" xmlns:p="http://schemas.openxmlformats.org/presentationml/2006/main">
+  <p:cSld>
+    <p:spTree>
+      <p:nvGrpSpPr>
+        <p:cNvPr id="1" name=""/>
+        <p:cNvGrpSpPr/>
+        <p:nvPr/>
+      </p:nvGrpSpPr>
+      <p:grpSpPr>
+        <a:xfrm>
+          <a:off x="0" y="0"/>
+          <a:ext cx="0" cy="0"/>
+          <a:chOff x="0" y="0"/>
+          <a:chExt cx="0" cy="0"/>
+        </a:xfrm>
+      </p:grpSpPr>
+      <p:sp>
+        <p:nvSpPr>
+          <p:cNvPr id="52" name="Rectangle 51">
+            <a:extLst>
+              <a:ext uri="{FF2B5EF4-FFF2-40B4-BE49-F238E27FC236}">
+                <a16:creationId xmlns:a16="http://schemas.microsoft.com/office/drawing/2014/main" id="{B32EBACD-4ADF-A5B4-738A-7FC847A5FC71}"/>
+              </a:ext>
+            </a:extLst>
+          </p:cNvPr>
+          <p:cNvSpPr/>
+          <p:nvPr/>
+        </p:nvSpPr>
+        <p:spPr>
+          <a:xfrm>
+            <a:off x="-1257300" y="-660400"/>
+            <a:ext cx="16040100" cy="8432800"/>
+          </a:xfrm>
+          <a:prstGeom prst="rect">
+            <a:avLst/>
+          </a:prstGeom>
+          <a:solidFill>
+            <a:schemeClr val="bg1"/>
+          </a:solidFill>
+          <a:ln>
+            <a:noFill/>
+          </a:ln>
+        </p:spPr>
+        <p:style>
+          <a:lnRef idx="2">
+            <a:schemeClr val="accent1">
+              <a:shade val="15000"/>
+            </a:schemeClr>
+          </a:lnRef>
+          <a:fillRef idx="1">
+            <a:schemeClr val="accent1"/>
+          </a:fillRef>
+          <a:effectRef idx="0">
+            <a:schemeClr val="accent1"/>
+          </a:effectRef>
+          <a:fontRef idx="minor">
+            <a:schemeClr val="lt1"/>
+          </a:fontRef>
+        </p:style>
+        <p:txBody>
+          <a:bodyPr rtlCol="0" anchor="ctr"/>
+          <a:lstStyle/>
+          <a:p>
+            <a:pPr algn="ctr"/>
+            <a:endParaRPr lang="en-US"/>
+          </a:p>
+        </p:txBody>
+      </p:sp>
+      <p:cxnSp>
+        <p:nvCxnSpPr>
+          <p:cNvPr id="48" name="Connector: Elbow 47">
+            <a:extLst>
+              <a:ext uri="{FF2B5EF4-FFF2-40B4-BE49-F238E27FC236}">
+                <a16:creationId xmlns:a16="http://schemas.microsoft.com/office/drawing/2014/main" id="{D188D16F-BB6C-6F1F-C348-D4E581B20C5F}"/>
+              </a:ext>
+            </a:extLst>
+          </p:cNvPr>
+          <p:cNvCxnSpPr>
+            <a:stCxn id="26" idx="3"/>
+            <a:endCxn id="46" idx="2"/>
+          </p:cNvCxnSpPr>
+          <p:nvPr/>
+        </p:nvCxnSpPr>
+        <p:spPr>
+          <a:xfrm flipV="1">
+            <a:off x="10762441" y="4574075"/>
+            <a:ext cx="1404159" cy="1369670"/>
+          </a:xfrm>
+          <a:prstGeom prst="bentConnector2">
+            <a:avLst/>
+          </a:prstGeom>
+          <a:ln w="127000">
+            <a:solidFill>
+              <a:schemeClr val="accent6"/>
+            </a:solidFill>
+            <a:tailEnd type="triangle"/>
+          </a:ln>
+        </p:spPr>
+        <p:style>
+          <a:lnRef idx="1">
+            <a:schemeClr val="accent1"/>
+          </a:lnRef>
+          <a:fillRef idx="0">
+            <a:schemeClr val="accent1"/>
+          </a:fillRef>
+          <a:effectRef idx="0">
+            <a:schemeClr val="accent1"/>
+          </a:effectRef>
+          <a:fontRef idx="minor">
+            <a:schemeClr val="tx1"/>
+          </a:fontRef>
+        </p:style>
+      </p:cxnSp>
+      <p:graphicFrame>
+        <p:nvGraphicFramePr>
+          <p:cNvPr id="16" name="Table 15">
+            <a:extLst>
+              <a:ext uri="{FF2B5EF4-FFF2-40B4-BE49-F238E27FC236}">
+                <a16:creationId xmlns:a16="http://schemas.microsoft.com/office/drawing/2014/main" id="{58A9AED5-CBA9-4E8A-BAE7-E9E46469788B}"/>
+              </a:ext>
+            </a:extLst>
+          </p:cNvPr>
+          <p:cNvGraphicFramePr>
+            <a:graphicFrameLocks noGrp="1"/>
+          </p:cNvGraphicFramePr>
+          <p:nvPr>
+            <p:extLst>
+              <p:ext uri="{D42A27DB-BD31-4B8C-83A1-F6EECF244321}">
+                <p14:modId xmlns:p14="http://schemas.microsoft.com/office/powerpoint/2010/main" val="2297485020"/>
+              </p:ext>
+            </p:extLst>
+          </p:nvPr>
+        </p:nvGraphicFramePr>
+        <p:xfrm>
+          <a:off x="815398" y="2354775"/>
+          <a:ext cx="3509461" cy="2641600"/>
+        </p:xfrm>
+        <a:graphic>
+          <a:graphicData uri="http://schemas.openxmlformats.org/drawingml/2006/table">
+            <a:tbl>
+              <a:tblPr firstRow="1" firstCol="1" bandRow="1"/>
+              <a:tblGrid>
+                <a:gridCol w="1521402">
+                  <a:extLst>
+                    <a:ext uri="{9D8B030D-6E8A-4147-A177-3AD203B41FA5}">
+                      <a16:colId xmlns:a16="http://schemas.microsoft.com/office/drawing/2014/main" val="692215564"/>
+                    </a:ext>
+                  </a:extLst>
+                </a:gridCol>
+                <a:gridCol w="752348">
+                  <a:extLst>
+                    <a:ext uri="{9D8B030D-6E8A-4147-A177-3AD203B41FA5}">
+                      <a16:colId xmlns:a16="http://schemas.microsoft.com/office/drawing/2014/main" val="2745094234"/>
+                    </a:ext>
+                  </a:extLst>
+                </a:gridCol>
+                <a:gridCol w="454343">
+                  <a:extLst>
+                    <a:ext uri="{9D8B030D-6E8A-4147-A177-3AD203B41FA5}">
+                      <a16:colId xmlns:a16="http://schemas.microsoft.com/office/drawing/2014/main" val="2925381175"/>
+                    </a:ext>
+                  </a:extLst>
+                </a:gridCol>
+                <a:gridCol w="781368">
+                  <a:extLst>
+                    <a:ext uri="{9D8B030D-6E8A-4147-A177-3AD203B41FA5}">
+                      <a16:colId xmlns:a16="http://schemas.microsoft.com/office/drawing/2014/main" val="3764812946"/>
+                    </a:ext>
+                  </a:extLst>
+                </a:gridCol>
+              </a:tblGrid>
+              <a:tr h="370840">
+                <a:tc>
+                  <a:txBody>
+                    <a:bodyPr/>
+                    <a:lstStyle>
+                      <a:lvl1pPr marL="0" algn="l" defTabSz="914400" rtl="0" eaLnBrk="1" latinLnBrk="0" hangingPunct="1">
+                        <a:defRPr sz="1800" b="1" kern="1200">
+                          <a:solidFill>
+                            <a:schemeClr val="lt1"/>
+                          </a:solidFill>
+                          <a:latin typeface="Segoe UI"/>
+                        </a:defRPr>
+                      </a:lvl1pPr>
+                      <a:lvl2pPr marL="457200" algn="l" defTabSz="914400" rtl="0" eaLnBrk="1" latinLnBrk="0" hangingPunct="1">
+                        <a:defRPr sz="1800" b="1" kern="1200">
+                          <a:solidFill>
+                            <a:schemeClr val="lt1"/>
+                          </a:solidFill>
+                          <a:latin typeface="Segoe UI"/>
+                        </a:defRPr>
+                      </a:lvl2pPr>
+                      <a:lvl3pPr marL="914400" algn="l" defTabSz="914400" rtl="0" eaLnBrk="1" latinLnBrk="0" hangingPunct="1">
+                        <a:defRPr sz="1800" b="1" kern="1200">
+                          <a:solidFill>
+                            <a:schemeClr val="lt1"/>
+                          </a:solidFill>
+                          <a:latin typeface="Segoe UI"/>
+                        </a:defRPr>
+                      </a:lvl3pPr>
+                      <a:lvl4pPr marL="1371600" algn="l" defTabSz="914400" rtl="0" eaLnBrk="1" latinLnBrk="0" hangingPunct="1">
+                        <a:defRPr sz="1800" b="1" kern="1200">
+                          <a:solidFill>
+                            <a:schemeClr val="lt1"/>
+                          </a:solidFill>
+                          <a:latin typeface="Segoe UI"/>
+                        </a:defRPr>
+                      </a:lvl4pPr>
+                      <a:lvl5pPr marL="1828800" algn="l" defTabSz="914400" rtl="0" eaLnBrk="1" latinLnBrk="0" hangingPunct="1">
+                        <a:defRPr sz="1800" b="1" kern="1200">
+                          <a:solidFill>
+                            <a:schemeClr val="lt1"/>
+                          </a:solidFill>
+                          <a:latin typeface="Segoe UI"/>
+                        </a:defRPr>
+                      </a:lvl5pPr>
+                      <a:lvl6pPr marL="2286000" algn="l" defTabSz="914400" rtl="0" eaLnBrk="1" latinLnBrk="0" hangingPunct="1">
+                        <a:defRPr sz="1800" b="1" kern="1200">
+                          <a:solidFill>
+                            <a:schemeClr val="lt1"/>
+                          </a:solidFill>
+                          <a:latin typeface="Segoe UI"/>
+                        </a:defRPr>
+                      </a:lvl6pPr>
+                      <a:lvl7pPr marL="2743200" algn="l" defTabSz="914400" rtl="0" eaLnBrk="1" latinLnBrk="0" hangingPunct="1">
+                        <a:defRPr sz="1800" b="1" kern="1200">
+                          <a:solidFill>
+                            <a:schemeClr val="lt1"/>
+                          </a:solidFill>
+                          <a:latin typeface="Segoe UI"/>
+                        </a:defRPr>
+                      </a:lvl7pPr>
+                      <a:lvl8pPr marL="3200400" algn="l" defTabSz="914400" rtl="0" eaLnBrk="1" latinLnBrk="0" hangingPunct="1">
+                        <a:defRPr sz="1800" b="1" kern="1200">
+                          <a:solidFill>
+                            <a:schemeClr val="lt1"/>
+                          </a:solidFill>
+                          <a:latin typeface="Segoe UI"/>
+                        </a:defRPr>
+                      </a:lvl8pPr>
+                      <a:lvl9pPr marL="3657600" algn="l" defTabSz="914400" rtl="0" eaLnBrk="1" latinLnBrk="0" hangingPunct="1">
+                        <a:defRPr sz="1800" b="1" kern="1200">
+                          <a:solidFill>
+                            <a:schemeClr val="lt1"/>
+                          </a:solidFill>
+                          <a:latin typeface="Segoe UI"/>
+                        </a:defRPr>
+                      </a:lvl9pPr>
+                    </a:lstStyle>
+                    <a:p>
+                      <a:pPr algn="ctr"/>
+                      <a:endParaRPr lang="en-US" sz="1600" dirty="0">
+                        <a:latin typeface="Arial" panose="020B0604020202020204" pitchFamily="34" charset="0"/>
+                        <a:cs typeface="Arial" panose="020B0604020202020204" pitchFamily="34" charset="0"/>
+                      </a:endParaRPr>
+                    </a:p>
+                  </a:txBody>
+                  <a:tcPr>
+                    <a:lnL w="12700" cmpd="sng">
+                      <a:solidFill>
+                        <a:sysClr val="window" lastClr="FFFFFF"/>
+                      </a:solidFill>
+                    </a:lnL>
+                    <a:lnR w="12700" cmpd="sng">
+                      <a:solidFill>
+                        <a:sysClr val="window" lastClr="FFFFFF"/>
+                      </a:solidFill>
+                    </a:lnR>
+                    <a:lnT w="12700" cmpd="sng">
+                      <a:solidFill>
+                        <a:sysClr val="window" lastClr="FFFFFF"/>
+                      </a:solidFill>
+                    </a:lnT>
+                    <a:lnB w="38100" cmpd="sng">
+                      <a:solidFill>
+                        <a:sysClr val="window" lastClr="FFFFFF"/>
+                      </a:solidFill>
+                    </a:lnB>
+                    <a:lnTlToBr w="12700" cmpd="sng">
+                      <a:noFill/>
+                      <a:prstDash val="solid"/>
+                    </a:lnTlToBr>
+                    <a:lnBlToTr w="12700" cmpd="sng">
+                      <a:noFill/>
+                      <a:prstDash val="solid"/>
+                    </a:lnBlToTr>
+                    <a:solidFill>
+                      <a:schemeClr val="accent1">
+                        <a:lumMod val="50000"/>
+                      </a:schemeClr>
+                    </a:solidFill>
+                  </a:tcPr>
+                </a:tc>
+                <a:tc>
+                  <a:txBody>
+                    <a:bodyPr/>
+                    <a:lstStyle>
+                      <a:lvl1pPr marL="0" algn="l" defTabSz="914400" rtl="0" eaLnBrk="1" latinLnBrk="0" hangingPunct="1">
+                        <a:defRPr sz="1800" b="1" kern="1200">
+                          <a:solidFill>
+                            <a:schemeClr val="lt1"/>
+                          </a:solidFill>
+                          <a:latin typeface="Segoe UI"/>
+                        </a:defRPr>
+                      </a:lvl1pPr>
+                      <a:lvl2pPr marL="457200" algn="l" defTabSz="914400" rtl="0" eaLnBrk="1" latinLnBrk="0" hangingPunct="1">
+                        <a:defRPr sz="1800" b="1" kern="1200">
+                          <a:solidFill>
+                            <a:schemeClr val="lt1"/>
+                          </a:solidFill>
+                          <a:latin typeface="Segoe UI"/>
+                        </a:defRPr>
+                      </a:lvl2pPr>
+                      <a:lvl3pPr marL="914400" algn="l" defTabSz="914400" rtl="0" eaLnBrk="1" latinLnBrk="0" hangingPunct="1">
+                        <a:defRPr sz="1800" b="1" kern="1200">
+                          <a:solidFill>
+                            <a:schemeClr val="lt1"/>
+                          </a:solidFill>
+                          <a:latin typeface="Segoe UI"/>
+                        </a:defRPr>
+                      </a:lvl3pPr>
+                      <a:lvl4pPr marL="1371600" algn="l" defTabSz="914400" rtl="0" eaLnBrk="1" latinLnBrk="0" hangingPunct="1">
+                        <a:defRPr sz="1800" b="1" kern="1200">
+                          <a:solidFill>
+                            <a:schemeClr val="lt1"/>
+                          </a:solidFill>
+                          <a:latin typeface="Segoe UI"/>
+                        </a:defRPr>
+                      </a:lvl4pPr>
+                      <a:lvl5pPr marL="1828800" algn="l" defTabSz="914400" rtl="0" eaLnBrk="1" latinLnBrk="0" hangingPunct="1">
+                        <a:defRPr sz="1800" b="1" kern="1200">
+                          <a:solidFill>
+                            <a:schemeClr val="lt1"/>
+                          </a:solidFill>
+                          <a:latin typeface="Segoe UI"/>
+                        </a:defRPr>
+                      </a:lvl5pPr>
+                      <a:lvl6pPr marL="2286000" algn="l" defTabSz="914400" rtl="0" eaLnBrk="1" latinLnBrk="0" hangingPunct="1">
+                        <a:defRPr sz="1800" b="1" kern="1200">
+                          <a:solidFill>
+                            <a:schemeClr val="lt1"/>
+                          </a:solidFill>
+                          <a:latin typeface="Segoe UI"/>
+                        </a:defRPr>
+                      </a:lvl6pPr>
+                      <a:lvl7pPr marL="2743200" algn="l" defTabSz="914400" rtl="0" eaLnBrk="1" latinLnBrk="0" hangingPunct="1">
+                        <a:defRPr sz="1800" b="1" kern="1200">
+                          <a:solidFill>
+                            <a:schemeClr val="lt1"/>
+                          </a:solidFill>
+                          <a:latin typeface="Segoe UI"/>
+                        </a:defRPr>
+                      </a:lvl7pPr>
+                      <a:lvl8pPr marL="3200400" algn="l" defTabSz="914400" rtl="0" eaLnBrk="1" latinLnBrk="0" hangingPunct="1">
+                        <a:defRPr sz="1800" b="1" kern="1200">
+                          <a:solidFill>
+                            <a:schemeClr val="lt1"/>
+                          </a:solidFill>
+                          <a:latin typeface="Segoe UI"/>
+                        </a:defRPr>
+                      </a:lvl8pPr>
+                      <a:lvl9pPr marL="3657600" algn="l" defTabSz="914400" rtl="0" eaLnBrk="1" latinLnBrk="0" hangingPunct="1">
+                        <a:defRPr sz="1800" b="1" kern="1200">
+                          <a:solidFill>
+                            <a:schemeClr val="lt1"/>
+                          </a:solidFill>
+                          <a:latin typeface="Segoe UI"/>
+                        </a:defRPr>
+                      </a:lvl9pPr>
+                    </a:lstStyle>
+                    <a:p>
+                      <a:pPr algn="ctr"/>
+                      <a:r>
+                        <a:rPr lang="en-US" sz="1600" dirty="0">
+                          <a:latin typeface="Arial" panose="020B0604020202020204" pitchFamily="34" charset="0"/>
+                          <a:cs typeface="Arial" panose="020B0604020202020204" pitchFamily="34" charset="0"/>
+                        </a:rPr>
+                        <a:t>CCL1</a:t>
+                      </a:r>
+                      <a:endParaRPr lang="en-US" sz="1600" baseline="-25000" dirty="0">
+                        <a:latin typeface="Arial" panose="020B0604020202020204" pitchFamily="34" charset="0"/>
+                        <a:cs typeface="Arial" panose="020B0604020202020204" pitchFamily="34" charset="0"/>
+                      </a:endParaRPr>
+                    </a:p>
+                  </a:txBody>
+                  <a:tcPr>
+                    <a:lnL w="12700" cmpd="sng">
+                      <a:solidFill>
+                        <a:sysClr val="window" lastClr="FFFFFF"/>
+                      </a:solidFill>
+                    </a:lnL>
+                    <a:lnR w="12700" cmpd="sng">
+                      <a:solidFill>
+                        <a:sysClr val="window" lastClr="FFFFFF"/>
+                      </a:solidFill>
+                    </a:lnR>
+                    <a:lnT w="12700" cmpd="sng">
+                      <a:solidFill>
+                        <a:sysClr val="window" lastClr="FFFFFF"/>
+                      </a:solidFill>
+                    </a:lnT>
+                    <a:lnB w="38100" cmpd="sng">
+                      <a:solidFill>
+                        <a:sysClr val="window" lastClr="FFFFFF"/>
+                      </a:solidFill>
+                    </a:lnB>
+                    <a:lnTlToBr w="12700" cmpd="sng">
+                      <a:noFill/>
+                      <a:prstDash val="solid"/>
+                    </a:lnTlToBr>
+                    <a:lnBlToTr w="12700" cmpd="sng">
+                      <a:noFill/>
+                      <a:prstDash val="solid"/>
+                    </a:lnBlToTr>
+                    <a:solidFill>
+                      <a:schemeClr val="accent1">
+                        <a:lumMod val="50000"/>
+                      </a:schemeClr>
+                    </a:solidFill>
+                  </a:tcPr>
+                </a:tc>
+                <a:tc>
+                  <a:txBody>
+                    <a:bodyPr/>
+                    <a:lstStyle>
+                      <a:lvl1pPr marL="0" algn="l" defTabSz="914400" rtl="0" eaLnBrk="1" latinLnBrk="0" hangingPunct="1">
+                        <a:defRPr sz="1800" b="1" kern="1200">
+                          <a:solidFill>
+                            <a:schemeClr val="lt1"/>
+                          </a:solidFill>
+                          <a:latin typeface="Segoe UI"/>
+                        </a:defRPr>
+                      </a:lvl1pPr>
+                      <a:lvl2pPr marL="457200" algn="l" defTabSz="914400" rtl="0" eaLnBrk="1" latinLnBrk="0" hangingPunct="1">
+                        <a:defRPr sz="1800" b="1" kern="1200">
+                          <a:solidFill>
+                            <a:schemeClr val="lt1"/>
+                          </a:solidFill>
+                          <a:latin typeface="Segoe UI"/>
+                        </a:defRPr>
+                      </a:lvl2pPr>
+                      <a:lvl3pPr marL="914400" algn="l" defTabSz="914400" rtl="0" eaLnBrk="1" latinLnBrk="0" hangingPunct="1">
+                        <a:defRPr sz="1800" b="1" kern="1200">
+                          <a:solidFill>
+                            <a:schemeClr val="lt1"/>
+                          </a:solidFill>
+                          <a:latin typeface="Segoe UI"/>
+                        </a:defRPr>
+                      </a:lvl3pPr>
+                      <a:lvl4pPr marL="1371600" algn="l" defTabSz="914400" rtl="0" eaLnBrk="1" latinLnBrk="0" hangingPunct="1">
+                        <a:defRPr sz="1800" b="1" kern="1200">
+                          <a:solidFill>
+                            <a:schemeClr val="lt1"/>
+                          </a:solidFill>
+                          <a:latin typeface="Segoe UI"/>
+                        </a:defRPr>
+                      </a:lvl4pPr>
+                      <a:lvl5pPr marL="1828800" algn="l" defTabSz="914400" rtl="0" eaLnBrk="1" latinLnBrk="0" hangingPunct="1">
+                        <a:defRPr sz="1800" b="1" kern="1200">
+                          <a:solidFill>
+                            <a:schemeClr val="lt1"/>
+                          </a:solidFill>
+                          <a:latin typeface="Segoe UI"/>
+                        </a:defRPr>
+                      </a:lvl5pPr>
+                      <a:lvl6pPr marL="2286000" algn="l" defTabSz="914400" rtl="0" eaLnBrk="1" latinLnBrk="0" hangingPunct="1">
+                        <a:defRPr sz="1800" b="1" kern="1200">
+                          <a:solidFill>
+                            <a:schemeClr val="lt1"/>
+                          </a:solidFill>
+                          <a:latin typeface="Segoe UI"/>
+                        </a:defRPr>
+                      </a:lvl6pPr>
+                      <a:lvl7pPr marL="2743200" algn="l" defTabSz="914400" rtl="0" eaLnBrk="1" latinLnBrk="0" hangingPunct="1">
+                        <a:defRPr sz="1800" b="1" kern="1200">
+                          <a:solidFill>
+                            <a:schemeClr val="lt1"/>
+                          </a:solidFill>
+                          <a:latin typeface="Segoe UI"/>
+                        </a:defRPr>
+                      </a:lvl7pPr>
+                      <a:lvl8pPr marL="3200400" algn="l" defTabSz="914400" rtl="0" eaLnBrk="1" latinLnBrk="0" hangingPunct="1">
+                        <a:defRPr sz="1800" b="1" kern="1200">
+                          <a:solidFill>
+                            <a:schemeClr val="lt1"/>
+                          </a:solidFill>
+                          <a:latin typeface="Segoe UI"/>
+                        </a:defRPr>
+                      </a:lvl8pPr>
+                      <a:lvl9pPr marL="3657600" algn="l" defTabSz="914400" rtl="0" eaLnBrk="1" latinLnBrk="0" hangingPunct="1">
+                        <a:defRPr sz="1800" b="1" kern="1200">
+                          <a:solidFill>
+                            <a:schemeClr val="lt1"/>
+                          </a:solidFill>
+                          <a:latin typeface="Segoe UI"/>
+                        </a:defRPr>
+                      </a:lvl9pPr>
+                    </a:lstStyle>
+                    <a:p>
+                      <a:pPr algn="ctr"/>
+                      <a:r>
+                        <a:rPr lang="en-US" sz="1600" dirty="0">
+                          <a:latin typeface="Arial" panose="020B0604020202020204" pitchFamily="34" charset="0"/>
+                          <a:cs typeface="Arial" panose="020B0604020202020204" pitchFamily="34" charset="0"/>
+                        </a:rPr>
+                        <a:t>…</a:t>
+                      </a:r>
+                    </a:p>
+                  </a:txBody>
+                  <a:tcPr>
+                    <a:lnL w="12700" cmpd="sng">
+                      <a:solidFill>
+                        <a:sysClr val="window" lastClr="FFFFFF"/>
+                      </a:solidFill>
+                    </a:lnL>
+                    <a:lnR w="12700" cmpd="sng">
+                      <a:solidFill>
+                        <a:sysClr val="window" lastClr="FFFFFF"/>
+                      </a:solidFill>
+                    </a:lnR>
+                    <a:lnT w="12700" cmpd="sng">
+                      <a:solidFill>
+                        <a:sysClr val="window" lastClr="FFFFFF"/>
+                      </a:solidFill>
+                    </a:lnT>
+                    <a:lnB w="38100" cmpd="sng">
+                      <a:solidFill>
+                        <a:sysClr val="window" lastClr="FFFFFF"/>
+                      </a:solidFill>
+                    </a:lnB>
+                    <a:lnTlToBr w="12700" cmpd="sng">
+                      <a:noFill/>
+                      <a:prstDash val="solid"/>
+                    </a:lnTlToBr>
+                    <a:lnBlToTr w="12700" cmpd="sng">
+                      <a:noFill/>
+                      <a:prstDash val="solid"/>
+                    </a:lnBlToTr>
+                    <a:solidFill>
+                      <a:schemeClr val="accent1">
+                        <a:lumMod val="50000"/>
+                      </a:schemeClr>
+                    </a:solidFill>
+                  </a:tcPr>
+                </a:tc>
+                <a:tc>
+                  <a:txBody>
+                    <a:bodyPr/>
+                    <a:lstStyle>
+                      <a:lvl1pPr marL="0" algn="l" defTabSz="914400" rtl="0" eaLnBrk="1" latinLnBrk="0" hangingPunct="1">
+                        <a:defRPr sz="1800" b="1" kern="1200">
+                          <a:solidFill>
+                            <a:schemeClr val="lt1"/>
+                          </a:solidFill>
+                          <a:latin typeface="Segoe UI"/>
+                        </a:defRPr>
+                      </a:lvl1pPr>
+                      <a:lvl2pPr marL="457200" algn="l" defTabSz="914400" rtl="0" eaLnBrk="1" latinLnBrk="0" hangingPunct="1">
+                        <a:defRPr sz="1800" b="1" kern="1200">
+                          <a:solidFill>
+                            <a:schemeClr val="lt1"/>
+                          </a:solidFill>
+                          <a:latin typeface="Segoe UI"/>
+                        </a:defRPr>
+                      </a:lvl2pPr>
+                      <a:lvl3pPr marL="914400" algn="l" defTabSz="914400" rtl="0" eaLnBrk="1" latinLnBrk="0" hangingPunct="1">
+                        <a:defRPr sz="1800" b="1" kern="1200">
+                          <a:solidFill>
+                            <a:schemeClr val="lt1"/>
+                          </a:solidFill>
+                          <a:latin typeface="Segoe UI"/>
+                        </a:defRPr>
+                      </a:lvl3pPr>
+                      <a:lvl4pPr marL="1371600" algn="l" defTabSz="914400" rtl="0" eaLnBrk="1" latinLnBrk="0" hangingPunct="1">
+                        <a:defRPr sz="1800" b="1" kern="1200">
+                          <a:solidFill>
+                            <a:schemeClr val="lt1"/>
+                          </a:solidFill>
+                          <a:latin typeface="Segoe UI"/>
+                        </a:defRPr>
+                      </a:lvl4pPr>
+                      <a:lvl5pPr marL="1828800" algn="l" defTabSz="914400" rtl="0" eaLnBrk="1" latinLnBrk="0" hangingPunct="1">
+                        <a:defRPr sz="1800" b="1" kern="1200">
+                          <a:solidFill>
+                            <a:schemeClr val="lt1"/>
+                          </a:solidFill>
+                          <a:latin typeface="Segoe UI"/>
+                        </a:defRPr>
+                      </a:lvl5pPr>
+                      <a:lvl6pPr marL="2286000" algn="l" defTabSz="914400" rtl="0" eaLnBrk="1" latinLnBrk="0" hangingPunct="1">
+                        <a:defRPr sz="1800" b="1" kern="1200">
+                          <a:solidFill>
+                            <a:schemeClr val="lt1"/>
+                          </a:solidFill>
+                          <a:latin typeface="Segoe UI"/>
+                        </a:defRPr>
+                      </a:lvl6pPr>
+                      <a:lvl7pPr marL="2743200" algn="l" defTabSz="914400" rtl="0" eaLnBrk="1" latinLnBrk="0" hangingPunct="1">
+                        <a:defRPr sz="1800" b="1" kern="1200">
+                          <a:solidFill>
+                            <a:schemeClr val="lt1"/>
+                          </a:solidFill>
+                          <a:latin typeface="Segoe UI"/>
+                        </a:defRPr>
+                      </a:lvl7pPr>
+                      <a:lvl8pPr marL="3200400" algn="l" defTabSz="914400" rtl="0" eaLnBrk="1" latinLnBrk="0" hangingPunct="1">
+                        <a:defRPr sz="1800" b="1" kern="1200">
+                          <a:solidFill>
+                            <a:schemeClr val="lt1"/>
+                          </a:solidFill>
+                          <a:latin typeface="Segoe UI"/>
+                        </a:defRPr>
+                      </a:lvl8pPr>
+                      <a:lvl9pPr marL="3657600" algn="l" defTabSz="914400" rtl="0" eaLnBrk="1" latinLnBrk="0" hangingPunct="1">
+                        <a:defRPr sz="1800" b="1" kern="1200">
+                          <a:solidFill>
+                            <a:schemeClr val="lt1"/>
+                          </a:solidFill>
+                          <a:latin typeface="Segoe UI"/>
+                        </a:defRPr>
+                      </a:lvl9pPr>
+                    </a:lstStyle>
+                    <a:p>
+                      <a:pPr algn="ctr"/>
+                      <a:r>
+                        <a:rPr lang="en-US" sz="1600" dirty="0">
+                          <a:latin typeface="Arial" panose="020B0604020202020204" pitchFamily="34" charset="0"/>
+                          <a:cs typeface="Arial" panose="020B0604020202020204" pitchFamily="34" charset="0"/>
+                        </a:rPr>
+                        <a:t>IL-1</a:t>
+                      </a:r>
+                      <a:r>
+                        <a:rPr lang="el-GR" sz="1600" dirty="0">
+                          <a:latin typeface="Arial" panose="020B0604020202020204" pitchFamily="34" charset="0"/>
+                          <a:cs typeface="Arial" panose="020B0604020202020204" pitchFamily="34" charset="0"/>
+                        </a:rPr>
+                        <a:t>β</a:t>
+                      </a:r>
+                      <a:endParaRPr lang="en-US" sz="1600" baseline="-25000" dirty="0">
+                        <a:latin typeface="Arial" panose="020B0604020202020204" pitchFamily="34" charset="0"/>
+                        <a:cs typeface="Arial" panose="020B0604020202020204" pitchFamily="34" charset="0"/>
+                      </a:endParaRPr>
+                    </a:p>
+                  </a:txBody>
+                  <a:tcPr>
+                    <a:lnL w="12700" cmpd="sng">
+                      <a:solidFill>
+                        <a:sysClr val="window" lastClr="FFFFFF"/>
+                      </a:solidFill>
+                    </a:lnL>
+                    <a:lnR w="12700" cmpd="sng">
+                      <a:solidFill>
+                        <a:sysClr val="window" lastClr="FFFFFF"/>
+                      </a:solidFill>
+                    </a:lnR>
+                    <a:lnT w="12700" cmpd="sng">
+                      <a:solidFill>
+                        <a:sysClr val="window" lastClr="FFFFFF"/>
+                      </a:solidFill>
+                    </a:lnT>
+                    <a:lnB w="38100" cmpd="sng">
+                      <a:solidFill>
+                        <a:sysClr val="window" lastClr="FFFFFF"/>
+                      </a:solidFill>
+                    </a:lnB>
+                    <a:lnTlToBr w="12700" cmpd="sng">
+                      <a:noFill/>
+                      <a:prstDash val="solid"/>
+                    </a:lnTlToBr>
+                    <a:lnBlToTr w="12700" cmpd="sng">
+                      <a:noFill/>
+                      <a:prstDash val="solid"/>
+                    </a:lnBlToTr>
+                    <a:solidFill>
+                      <a:schemeClr val="accent1">
+                        <a:lumMod val="50000"/>
+                      </a:schemeClr>
+                    </a:solidFill>
+                  </a:tcPr>
+                </a:tc>
+                <a:extLst>
+                  <a:ext uri="{0D108BD9-81ED-4DB2-BD59-A6C34878D82A}">
+                    <a16:rowId xmlns:a16="http://schemas.microsoft.com/office/drawing/2014/main" val="842397295"/>
+                  </a:ext>
+                </a:extLst>
+              </a:tr>
+              <a:tr h="370840">
+                <a:tc>
+                  <a:txBody>
+                    <a:bodyPr/>
+                    <a:lstStyle>
+                      <a:lvl1pPr marL="0" algn="l" defTabSz="914400" rtl="0" eaLnBrk="1" latinLnBrk="0" hangingPunct="1">
+                        <a:defRPr sz="1800" b="1" kern="1200">
+                          <a:solidFill>
+                            <a:schemeClr val="lt1"/>
+                          </a:solidFill>
+                          <a:latin typeface="Segoe UI"/>
+                        </a:defRPr>
+                      </a:lvl1pPr>
+                      <a:lvl2pPr marL="457200" algn="l" defTabSz="914400" rtl="0" eaLnBrk="1" latinLnBrk="0" hangingPunct="1">
+                        <a:defRPr sz="1800" b="1" kern="1200">
+                          <a:solidFill>
+                            <a:schemeClr val="lt1"/>
+                          </a:solidFill>
+                          <a:latin typeface="Segoe UI"/>
+                        </a:defRPr>
+                      </a:lvl2pPr>
+                      <a:lvl3pPr marL="914400" algn="l" defTabSz="914400" rtl="0" eaLnBrk="1" latinLnBrk="0" hangingPunct="1">
+                        <a:defRPr sz="1800" b="1" kern="1200">
+                          <a:solidFill>
+                            <a:schemeClr val="lt1"/>
+                          </a:solidFill>
+                          <a:latin typeface="Segoe UI"/>
+                        </a:defRPr>
+                      </a:lvl3pPr>
+                      <a:lvl4pPr marL="1371600" algn="l" defTabSz="914400" rtl="0" eaLnBrk="1" latinLnBrk="0" hangingPunct="1">
+                        <a:defRPr sz="1800" b="1" kern="1200">
+                          <a:solidFill>
+                            <a:schemeClr val="lt1"/>
+                          </a:solidFill>
+                          <a:latin typeface="Segoe UI"/>
+                        </a:defRPr>
+                      </a:lvl4pPr>
+                      <a:lvl5pPr marL="1828800" algn="l" defTabSz="914400" rtl="0" eaLnBrk="1" latinLnBrk="0" hangingPunct="1">
+                        <a:defRPr sz="1800" b="1" kern="1200">
+                          <a:solidFill>
+                            <a:schemeClr val="lt1"/>
+                          </a:solidFill>
+                          <a:latin typeface="Segoe UI"/>
+                        </a:defRPr>
+                      </a:lvl5pPr>
+                      <a:lvl6pPr marL="2286000" algn="l" defTabSz="914400" rtl="0" eaLnBrk="1" latinLnBrk="0" hangingPunct="1">
+                        <a:defRPr sz="1800" b="1" kern="1200">
+                          <a:solidFill>
+                            <a:schemeClr val="lt1"/>
+                          </a:solidFill>
+                          <a:latin typeface="Segoe UI"/>
+                        </a:defRPr>
+                      </a:lvl6pPr>
+                      <a:lvl7pPr marL="2743200" algn="l" defTabSz="914400" rtl="0" eaLnBrk="1" latinLnBrk="0" hangingPunct="1">
+                        <a:defRPr sz="1800" b="1" kern="1200">
+                          <a:solidFill>
+                            <a:schemeClr val="lt1"/>
+                          </a:solidFill>
+                          <a:latin typeface="Segoe UI"/>
+                        </a:defRPr>
+                      </a:lvl7pPr>
+                      <a:lvl8pPr marL="3200400" algn="l" defTabSz="914400" rtl="0" eaLnBrk="1" latinLnBrk="0" hangingPunct="1">
+                        <a:defRPr sz="1800" b="1" kern="1200">
+                          <a:solidFill>
+                            <a:schemeClr val="lt1"/>
+                          </a:solidFill>
+                          <a:latin typeface="Segoe UI"/>
+                        </a:defRPr>
+                      </a:lvl8pPr>
+                      <a:lvl9pPr marL="3657600" algn="l" defTabSz="914400" rtl="0" eaLnBrk="1" latinLnBrk="0" hangingPunct="1">
+                        <a:defRPr sz="1800" b="1" kern="1200">
+                          <a:solidFill>
+                            <a:schemeClr val="lt1"/>
+                          </a:solidFill>
+                          <a:latin typeface="Segoe UI"/>
+                        </a:defRPr>
+                      </a:lvl9pPr>
+                    </a:lstStyle>
+                    <a:p>
+                      <a:pPr algn="l"/>
+                      <a:r>
+                        <a:rPr lang="en-US" sz="1600" dirty="0">
+                          <a:latin typeface="Arial" panose="020B0604020202020204" pitchFamily="34" charset="0"/>
+                          <a:cs typeface="Arial" panose="020B0604020202020204" pitchFamily="34" charset="0"/>
+                        </a:rPr>
+                        <a:t>SARS-</a:t>
+                      </a:r>
+                      <a:r>
+                        <a:rPr lang="en-US" sz="1600" dirty="0" err="1">
+                          <a:latin typeface="Arial" panose="020B0604020202020204" pitchFamily="34" charset="0"/>
+                          <a:cs typeface="Arial" panose="020B0604020202020204" pitchFamily="34" charset="0"/>
+                        </a:rPr>
+                        <a:t>CoV</a:t>
+                      </a:r>
+                      <a:endParaRPr lang="en-US" sz="1600" baseline="-25000" dirty="0">
+                        <a:latin typeface="Arial" panose="020B0604020202020204" pitchFamily="34" charset="0"/>
+                        <a:cs typeface="Arial" panose="020B0604020202020204" pitchFamily="34" charset="0"/>
+                      </a:endParaRPr>
+                    </a:p>
+                  </a:txBody>
+                  <a:tcPr>
+                    <a:lnL w="12700" cmpd="sng">
+                      <a:solidFill>
+                        <a:sysClr val="window" lastClr="FFFFFF"/>
+                      </a:solidFill>
+                    </a:lnL>
+                    <a:lnR w="12700" cmpd="sng">
+                      <a:solidFill>
+                        <a:sysClr val="window" lastClr="FFFFFF"/>
+                      </a:solidFill>
+                    </a:lnR>
+                    <a:lnT w="38100" cmpd="sng">
+                      <a:solidFill>
+                        <a:sysClr val="window" lastClr="FFFFFF"/>
+                      </a:solidFill>
+                    </a:lnT>
+                    <a:lnB w="12700" cmpd="sng">
+                      <a:solidFill>
+                        <a:sysClr val="window" lastClr="FFFFFF"/>
+                      </a:solidFill>
+                    </a:lnB>
+                    <a:lnTlToBr w="12700" cmpd="sng">
+                      <a:noFill/>
+                      <a:prstDash val="solid"/>
+                    </a:lnTlToBr>
+                    <a:lnBlToTr w="12700" cmpd="sng">
+                      <a:noFill/>
+                      <a:prstDash val="solid"/>
+                    </a:lnBlToTr>
+                    <a:solidFill>
+                      <a:schemeClr val="accent1">
+                        <a:lumMod val="50000"/>
+                      </a:schemeClr>
+                    </a:solidFill>
+                  </a:tcPr>
+                </a:tc>
+                <a:tc>
+                  <a:txBody>
+                    <a:bodyPr/>
+                    <a:lstStyle>
+                      <a:lvl1pPr marL="0" algn="l" defTabSz="914400" rtl="0" eaLnBrk="1" latinLnBrk="0" hangingPunct="1">
+                        <a:defRPr sz="1800" kern="1200">
+                          <a:solidFill>
+                            <a:schemeClr val="dk1"/>
+                          </a:solidFill>
+                          <a:latin typeface="Segoe UI"/>
+                        </a:defRPr>
+                      </a:lvl1pPr>
+                      <a:lvl2pPr marL="457200" algn="l" defTabSz="914400" rtl="0" eaLnBrk="1" latinLnBrk="0" hangingPunct="1">
+                        <a:defRPr sz="1800" kern="1200">
+                          <a:solidFill>
+                            <a:schemeClr val="dk1"/>
+                          </a:solidFill>
+                          <a:latin typeface="Segoe UI"/>
+                        </a:defRPr>
+                      </a:lvl2pPr>
+                      <a:lvl3pPr marL="914400" algn="l" defTabSz="914400" rtl="0" eaLnBrk="1" latinLnBrk="0" hangingPunct="1">
+                        <a:defRPr sz="1800" kern="1200">
+                          <a:solidFill>
+                            <a:schemeClr val="dk1"/>
+                          </a:solidFill>
+                          <a:latin typeface="Segoe UI"/>
+                        </a:defRPr>
+                      </a:lvl3pPr>
+                      <a:lvl4pPr marL="1371600" algn="l" defTabSz="914400" rtl="0" eaLnBrk="1" latinLnBrk="0" hangingPunct="1">
+                        <a:defRPr sz="1800" kern="1200">
+                          <a:solidFill>
+                            <a:schemeClr val="dk1"/>
+                          </a:solidFill>
+                          <a:latin typeface="Segoe UI"/>
+                        </a:defRPr>
+                      </a:lvl4pPr>
+                      <a:lvl5pPr marL="1828800" algn="l" defTabSz="914400" rtl="0" eaLnBrk="1" latinLnBrk="0" hangingPunct="1">
+                        <a:defRPr sz="1800" kern="1200">
+                          <a:solidFill>
+                            <a:schemeClr val="dk1"/>
+                          </a:solidFill>
+                          <a:latin typeface="Segoe UI"/>
+                        </a:defRPr>
+                      </a:lvl5pPr>
+                      <a:lvl6pPr marL="2286000" algn="l" defTabSz="914400" rtl="0" eaLnBrk="1" latinLnBrk="0" hangingPunct="1">
+                        <a:defRPr sz="1800" kern="1200">
+                          <a:solidFill>
+                            <a:schemeClr val="dk1"/>
+                          </a:solidFill>
+                          <a:latin typeface="Segoe UI"/>
+                        </a:defRPr>
+                      </a:lvl6pPr>
+                      <a:lvl7pPr marL="2743200" algn="l" defTabSz="914400" rtl="0" eaLnBrk="1" latinLnBrk="0" hangingPunct="1">
+                        <a:defRPr sz="1800" kern="1200">
+                          <a:solidFill>
+                            <a:schemeClr val="dk1"/>
+                          </a:solidFill>
+                          <a:latin typeface="Segoe UI"/>
+                        </a:defRPr>
+                      </a:lvl7pPr>
+                      <a:lvl8pPr marL="3200400" algn="l" defTabSz="914400" rtl="0" eaLnBrk="1" latinLnBrk="0" hangingPunct="1">
+                        <a:defRPr sz="1800" kern="1200">
+                          <a:solidFill>
+                            <a:schemeClr val="dk1"/>
+                          </a:solidFill>
+                          <a:latin typeface="Segoe UI"/>
+                        </a:defRPr>
+                      </a:lvl8pPr>
+                      <a:lvl9pPr marL="3657600" algn="l" defTabSz="914400" rtl="0" eaLnBrk="1" latinLnBrk="0" hangingPunct="1">
+                        <a:defRPr sz="1800" kern="1200">
+                          <a:solidFill>
+                            <a:schemeClr val="dk1"/>
+                          </a:solidFill>
+                          <a:latin typeface="Segoe UI"/>
+                        </a:defRPr>
+                      </a:lvl9pPr>
+                    </a:lstStyle>
+                    <a:p>
+                      <a:pPr algn="ctr"/>
+                      <a:endParaRPr lang="en-US" sz="1600">
+                        <a:latin typeface="Arial" panose="020B0604020202020204" pitchFamily="34" charset="0"/>
+                        <a:cs typeface="Arial" panose="020B0604020202020204" pitchFamily="34" charset="0"/>
+                      </a:endParaRPr>
+                    </a:p>
+                  </a:txBody>
+                  <a:tcPr>
+                    <a:lnL w="12700" cmpd="sng">
+                      <a:solidFill>
+                        <a:sysClr val="window" lastClr="FFFFFF"/>
+                      </a:solidFill>
+                    </a:lnL>
+                    <a:lnR w="12700" cmpd="sng">
+                      <a:solidFill>
+                        <a:sysClr val="window" lastClr="FFFFFF"/>
+                      </a:solidFill>
+                    </a:lnR>
+                    <a:lnT w="38100" cmpd="sng">
+                      <a:solidFill>
+                        <a:sysClr val="window" lastClr="FFFFFF"/>
+                      </a:solidFill>
+                    </a:lnT>
+                    <a:lnB w="12700" cmpd="sng">
+                      <a:solidFill>
+                        <a:sysClr val="window" lastClr="FFFFFF"/>
+                      </a:solidFill>
+                    </a:lnB>
+                    <a:lnTlToBr w="12700" cmpd="sng">
+                      <a:noFill/>
+                      <a:prstDash val="solid"/>
+                    </a:lnTlToBr>
+                    <a:lnBlToTr w="12700" cmpd="sng">
+                      <a:noFill/>
+                      <a:prstDash val="solid"/>
+                    </a:lnBlToTr>
+                    <a:solidFill>
+                      <a:schemeClr val="accent1">
+                        <a:lumMod val="40000"/>
+                        <a:lumOff val="60000"/>
+                      </a:schemeClr>
+                    </a:solidFill>
+                  </a:tcPr>
+                </a:tc>
+                <a:tc>
+                  <a:txBody>
+                    <a:bodyPr/>
+                    <a:lstStyle>
+                      <a:lvl1pPr marL="0" algn="l" defTabSz="914400" rtl="0" eaLnBrk="1" latinLnBrk="0" hangingPunct="1">
+                        <a:defRPr sz="1800" kern="1200">
+                          <a:solidFill>
+                            <a:schemeClr val="dk1"/>
+                          </a:solidFill>
+                          <a:latin typeface="Segoe UI"/>
+                        </a:defRPr>
+                      </a:lvl1pPr>
+                      <a:lvl2pPr marL="457200" algn="l" defTabSz="914400" rtl="0" eaLnBrk="1" latinLnBrk="0" hangingPunct="1">
+                        <a:defRPr sz="1800" kern="1200">
+                          <a:solidFill>
+                            <a:schemeClr val="dk1"/>
+                          </a:solidFill>
+                          <a:latin typeface="Segoe UI"/>
+                        </a:defRPr>
+                      </a:lvl2pPr>
+                      <a:lvl3pPr marL="914400" algn="l" defTabSz="914400" rtl="0" eaLnBrk="1" latinLnBrk="0" hangingPunct="1">
+                        <a:defRPr sz="1800" kern="1200">
+                          <a:solidFill>
+                            <a:schemeClr val="dk1"/>
+                          </a:solidFill>
+                          <a:latin typeface="Segoe UI"/>
+                        </a:defRPr>
+                      </a:lvl3pPr>
+                      <a:lvl4pPr marL="1371600" algn="l" defTabSz="914400" rtl="0" eaLnBrk="1" latinLnBrk="0" hangingPunct="1">
+                        <a:defRPr sz="1800" kern="1200">
+                          <a:solidFill>
+                            <a:schemeClr val="dk1"/>
+                          </a:solidFill>
+                          <a:latin typeface="Segoe UI"/>
+                        </a:defRPr>
+                      </a:lvl4pPr>
+                      <a:lvl5pPr marL="1828800" algn="l" defTabSz="914400" rtl="0" eaLnBrk="1" latinLnBrk="0" hangingPunct="1">
+                        <a:defRPr sz="1800" kern="1200">
+                          <a:solidFill>
+                            <a:schemeClr val="dk1"/>
+                          </a:solidFill>
+                          <a:latin typeface="Segoe UI"/>
+                        </a:defRPr>
+                      </a:lvl5pPr>
+                      <a:lvl6pPr marL="2286000" algn="l" defTabSz="914400" rtl="0" eaLnBrk="1" latinLnBrk="0" hangingPunct="1">
+                        <a:defRPr sz="1800" kern="1200">
+                          <a:solidFill>
+                            <a:schemeClr val="dk1"/>
+                          </a:solidFill>
+                          <a:latin typeface="Segoe UI"/>
+                        </a:defRPr>
+                      </a:lvl6pPr>
+                      <a:lvl7pPr marL="2743200" algn="l" defTabSz="914400" rtl="0" eaLnBrk="1" latinLnBrk="0" hangingPunct="1">
+                        <a:defRPr sz="1800" kern="1200">
+                          <a:solidFill>
+                            <a:schemeClr val="dk1"/>
+                          </a:solidFill>
+                          <a:latin typeface="Segoe UI"/>
+                        </a:defRPr>
+                      </a:lvl7pPr>
+                      <a:lvl8pPr marL="3200400" algn="l" defTabSz="914400" rtl="0" eaLnBrk="1" latinLnBrk="0" hangingPunct="1">
+                        <a:defRPr sz="1800" kern="1200">
+                          <a:solidFill>
+                            <a:schemeClr val="dk1"/>
+                          </a:solidFill>
+                          <a:latin typeface="Segoe UI"/>
+                        </a:defRPr>
+                      </a:lvl8pPr>
+                      <a:lvl9pPr marL="3657600" algn="l" defTabSz="914400" rtl="0" eaLnBrk="1" latinLnBrk="0" hangingPunct="1">
+                        <a:defRPr sz="1800" kern="1200">
+                          <a:solidFill>
+                            <a:schemeClr val="dk1"/>
+                          </a:solidFill>
+                          <a:latin typeface="Segoe UI"/>
+                        </a:defRPr>
+                      </a:lvl9pPr>
+                    </a:lstStyle>
+                    <a:p>
+                      <a:pPr algn="ctr"/>
+                      <a:endParaRPr lang="en-US" sz="1600" dirty="0">
+                        <a:latin typeface="Arial" panose="020B0604020202020204" pitchFamily="34" charset="0"/>
+                        <a:cs typeface="Arial" panose="020B0604020202020204" pitchFamily="34" charset="0"/>
+                      </a:endParaRPr>
+                    </a:p>
+                  </a:txBody>
+                  <a:tcPr>
+                    <a:lnL w="12700" cmpd="sng">
+                      <a:solidFill>
+                        <a:sysClr val="window" lastClr="FFFFFF"/>
+                      </a:solidFill>
+                    </a:lnL>
+                    <a:lnR w="12700" cmpd="sng">
+                      <a:solidFill>
+                        <a:sysClr val="window" lastClr="FFFFFF"/>
+                      </a:solidFill>
+                    </a:lnR>
+                    <a:lnT w="38100" cmpd="sng">
+                      <a:solidFill>
+                        <a:sysClr val="window" lastClr="FFFFFF"/>
+                      </a:solidFill>
+                    </a:lnT>
+                    <a:lnB w="12700" cmpd="sng">
+                      <a:solidFill>
+                        <a:sysClr val="window" lastClr="FFFFFF"/>
+                      </a:solidFill>
+                    </a:lnB>
+                    <a:lnTlToBr w="12700" cmpd="sng">
+                      <a:noFill/>
+                      <a:prstDash val="solid"/>
+                    </a:lnTlToBr>
+                    <a:lnBlToTr w="12700" cmpd="sng">
+                      <a:noFill/>
+                      <a:prstDash val="solid"/>
+                    </a:lnBlToTr>
+                    <a:solidFill>
+                      <a:schemeClr val="accent1">
+                        <a:lumMod val="40000"/>
+                        <a:lumOff val="60000"/>
+                      </a:schemeClr>
+                    </a:solidFill>
+                  </a:tcPr>
+                </a:tc>
+                <a:tc>
+                  <a:txBody>
+                    <a:bodyPr/>
+                    <a:lstStyle>
+                      <a:lvl1pPr marL="0" algn="l" defTabSz="914400" rtl="0" eaLnBrk="1" latinLnBrk="0" hangingPunct="1">
+                        <a:defRPr sz="1800" kern="1200">
+                          <a:solidFill>
+                            <a:schemeClr val="dk1"/>
+                          </a:solidFill>
+                          <a:latin typeface="Segoe UI"/>
+                        </a:defRPr>
+                      </a:lvl1pPr>
+                      <a:lvl2pPr marL="457200" algn="l" defTabSz="914400" rtl="0" eaLnBrk="1" latinLnBrk="0" hangingPunct="1">
+                        <a:defRPr sz="1800" kern="1200">
+                          <a:solidFill>
+                            <a:schemeClr val="dk1"/>
+                          </a:solidFill>
+                          <a:latin typeface="Segoe UI"/>
+                        </a:defRPr>
+                      </a:lvl2pPr>
+                      <a:lvl3pPr marL="914400" algn="l" defTabSz="914400" rtl="0" eaLnBrk="1" latinLnBrk="0" hangingPunct="1">
+                        <a:defRPr sz="1800" kern="1200">
+                          <a:solidFill>
+                            <a:schemeClr val="dk1"/>
+                          </a:solidFill>
+                          <a:latin typeface="Segoe UI"/>
+                        </a:defRPr>
+                      </a:lvl3pPr>
+                      <a:lvl4pPr marL="1371600" algn="l" defTabSz="914400" rtl="0" eaLnBrk="1" latinLnBrk="0" hangingPunct="1">
+                        <a:defRPr sz="1800" kern="1200">
+                          <a:solidFill>
+                            <a:schemeClr val="dk1"/>
+                          </a:solidFill>
+                          <a:latin typeface="Segoe UI"/>
+                        </a:defRPr>
+                      </a:lvl4pPr>
+                      <a:lvl5pPr marL="1828800" algn="l" defTabSz="914400" rtl="0" eaLnBrk="1" latinLnBrk="0" hangingPunct="1">
+                        <a:defRPr sz="1800" kern="1200">
+                          <a:solidFill>
+                            <a:schemeClr val="dk1"/>
+                          </a:solidFill>
+                          <a:latin typeface="Segoe UI"/>
+                        </a:defRPr>
+                      </a:lvl5pPr>
+                      <a:lvl6pPr marL="2286000" algn="l" defTabSz="914400" rtl="0" eaLnBrk="1" latinLnBrk="0" hangingPunct="1">
+                        <a:defRPr sz="1800" kern="1200">
+                          <a:solidFill>
+                            <a:schemeClr val="dk1"/>
+                          </a:solidFill>
+                          <a:latin typeface="Segoe UI"/>
+                        </a:defRPr>
+                      </a:lvl6pPr>
+                      <a:lvl7pPr marL="2743200" algn="l" defTabSz="914400" rtl="0" eaLnBrk="1" latinLnBrk="0" hangingPunct="1">
+                        <a:defRPr sz="1800" kern="1200">
+                          <a:solidFill>
+                            <a:schemeClr val="dk1"/>
+                          </a:solidFill>
+                          <a:latin typeface="Segoe UI"/>
+                        </a:defRPr>
+                      </a:lvl7pPr>
+                      <a:lvl8pPr marL="3200400" algn="l" defTabSz="914400" rtl="0" eaLnBrk="1" latinLnBrk="0" hangingPunct="1">
+                        <a:defRPr sz="1800" kern="1200">
+                          <a:solidFill>
+                            <a:schemeClr val="dk1"/>
+                          </a:solidFill>
+                          <a:latin typeface="Segoe UI"/>
+                        </a:defRPr>
+                      </a:lvl8pPr>
+                      <a:lvl9pPr marL="3657600" algn="l" defTabSz="914400" rtl="0" eaLnBrk="1" latinLnBrk="0" hangingPunct="1">
+                        <a:defRPr sz="1800" kern="1200">
+                          <a:solidFill>
+                            <a:schemeClr val="dk1"/>
+                          </a:solidFill>
+                          <a:latin typeface="Segoe UI"/>
+                        </a:defRPr>
+                      </a:lvl9pPr>
+                    </a:lstStyle>
+                    <a:p>
+                      <a:pPr algn="ctr"/>
+                      <a:endParaRPr lang="en-US" sz="1600" dirty="0">
+                        <a:latin typeface="Arial" panose="020B0604020202020204" pitchFamily="34" charset="0"/>
+                        <a:cs typeface="Arial" panose="020B0604020202020204" pitchFamily="34" charset="0"/>
+                      </a:endParaRPr>
+                    </a:p>
+                  </a:txBody>
+                  <a:tcPr>
+                    <a:lnL w="12700" cmpd="sng">
+                      <a:solidFill>
+                        <a:sysClr val="window" lastClr="FFFFFF"/>
+                      </a:solidFill>
+                    </a:lnL>
+                    <a:lnR w="12700" cmpd="sng">
+                      <a:solidFill>
+                        <a:sysClr val="window" lastClr="FFFFFF"/>
+                      </a:solidFill>
+                    </a:lnR>
+                    <a:lnT w="38100" cmpd="sng">
+                      <a:solidFill>
+                        <a:sysClr val="window" lastClr="FFFFFF"/>
+                      </a:solidFill>
+                    </a:lnT>
+                    <a:lnB w="12700" cmpd="sng">
+                      <a:solidFill>
+                        <a:sysClr val="window" lastClr="FFFFFF"/>
+                      </a:solidFill>
+                    </a:lnB>
+                    <a:lnTlToBr w="12700" cmpd="sng">
+                      <a:noFill/>
+                      <a:prstDash val="solid"/>
+                    </a:lnTlToBr>
+                    <a:lnBlToTr w="12700" cmpd="sng">
+                      <a:noFill/>
+                      <a:prstDash val="solid"/>
+                    </a:lnBlToTr>
+                    <a:solidFill>
+                      <a:schemeClr val="accent1">
+                        <a:lumMod val="40000"/>
+                        <a:lumOff val="60000"/>
+                      </a:schemeClr>
+                    </a:solidFill>
+                  </a:tcPr>
+                </a:tc>
+                <a:extLst>
+                  <a:ext uri="{0D108BD9-81ED-4DB2-BD59-A6C34878D82A}">
+                    <a16:rowId xmlns:a16="http://schemas.microsoft.com/office/drawing/2014/main" val="361819280"/>
+                  </a:ext>
+                </a:extLst>
+              </a:tr>
+              <a:tr h="370840">
+                <a:tc>
+                  <a:txBody>
+                    <a:bodyPr/>
+                    <a:lstStyle>
+                      <a:lvl1pPr marL="0" algn="l" defTabSz="914400" rtl="0" eaLnBrk="1" latinLnBrk="0" hangingPunct="1">
+                        <a:defRPr sz="1800" b="1" kern="1200">
+                          <a:solidFill>
+                            <a:schemeClr val="lt1"/>
+                          </a:solidFill>
+                          <a:latin typeface="Segoe UI"/>
+                        </a:defRPr>
+                      </a:lvl1pPr>
+                      <a:lvl2pPr marL="457200" algn="l" defTabSz="914400" rtl="0" eaLnBrk="1" latinLnBrk="0" hangingPunct="1">
+                        <a:defRPr sz="1800" b="1" kern="1200">
+                          <a:solidFill>
+                            <a:schemeClr val="lt1"/>
+                          </a:solidFill>
+                          <a:latin typeface="Segoe UI"/>
+                        </a:defRPr>
+                      </a:lvl2pPr>
+                      <a:lvl3pPr marL="914400" algn="l" defTabSz="914400" rtl="0" eaLnBrk="1" latinLnBrk="0" hangingPunct="1">
+                        <a:defRPr sz="1800" b="1" kern="1200">
+                          <a:solidFill>
+                            <a:schemeClr val="lt1"/>
+                          </a:solidFill>
+                          <a:latin typeface="Segoe UI"/>
+                        </a:defRPr>
+                      </a:lvl3pPr>
+                      <a:lvl4pPr marL="1371600" algn="l" defTabSz="914400" rtl="0" eaLnBrk="1" latinLnBrk="0" hangingPunct="1">
+                        <a:defRPr sz="1800" b="1" kern="1200">
+                          <a:solidFill>
+                            <a:schemeClr val="lt1"/>
+                          </a:solidFill>
+                          <a:latin typeface="Segoe UI"/>
+                        </a:defRPr>
+                      </a:lvl4pPr>
+                      <a:lvl5pPr marL="1828800" algn="l" defTabSz="914400" rtl="0" eaLnBrk="1" latinLnBrk="0" hangingPunct="1">
+                        <a:defRPr sz="1800" b="1" kern="1200">
+                          <a:solidFill>
+                            <a:schemeClr val="lt1"/>
+                          </a:solidFill>
+                          <a:latin typeface="Segoe UI"/>
+                        </a:defRPr>
+                      </a:lvl5pPr>
+                      <a:lvl6pPr marL="2286000" algn="l" defTabSz="914400" rtl="0" eaLnBrk="1" latinLnBrk="0" hangingPunct="1">
+                        <a:defRPr sz="1800" b="1" kern="1200">
+                          <a:solidFill>
+                            <a:schemeClr val="lt1"/>
+                          </a:solidFill>
+                          <a:latin typeface="Segoe UI"/>
+                        </a:defRPr>
+                      </a:lvl6pPr>
+                      <a:lvl7pPr marL="2743200" algn="l" defTabSz="914400" rtl="0" eaLnBrk="1" latinLnBrk="0" hangingPunct="1">
+                        <a:defRPr sz="1800" b="1" kern="1200">
+                          <a:solidFill>
+                            <a:schemeClr val="lt1"/>
+                          </a:solidFill>
+                          <a:latin typeface="Segoe UI"/>
+                        </a:defRPr>
+                      </a:lvl7pPr>
+                      <a:lvl8pPr marL="3200400" algn="l" defTabSz="914400" rtl="0" eaLnBrk="1" latinLnBrk="0" hangingPunct="1">
+                        <a:defRPr sz="1800" b="1" kern="1200">
+                          <a:solidFill>
+                            <a:schemeClr val="lt1"/>
+                          </a:solidFill>
+                          <a:latin typeface="Segoe UI"/>
+                        </a:defRPr>
+                      </a:lvl8pPr>
+                      <a:lvl9pPr marL="3657600" algn="l" defTabSz="914400" rtl="0" eaLnBrk="1" latinLnBrk="0" hangingPunct="1">
+                        <a:defRPr sz="1800" b="1" kern="1200">
+                          <a:solidFill>
+                            <a:schemeClr val="lt1"/>
+                          </a:solidFill>
+                          <a:latin typeface="Segoe UI"/>
+                        </a:defRPr>
+                      </a:lvl9pPr>
+                    </a:lstStyle>
+                    <a:p>
+                      <a:pPr marL="0" marR="0" lvl="0" indent="0" algn="l" defTabSz="914400" rtl="0" eaLnBrk="1" fontAlgn="auto" latinLnBrk="0" hangingPunct="1">
+                        <a:lnSpc>
+                          <a:spcPct val="100000"/>
+                        </a:lnSpc>
+                        <a:spcBef>
+                          <a:spcPts val="0"/>
+                        </a:spcBef>
+                        <a:spcAft>
+                          <a:spcPts val="0"/>
+                        </a:spcAft>
+                        <a:buClrTx/>
+                        <a:buSzTx/>
+                        <a:buFontTx/>
+                        <a:buNone/>
+                        <a:tabLst/>
+                        <a:defRPr/>
+                      </a:pPr>
+                      <a:r>
+                        <a:rPr lang="en-US" sz="1600" dirty="0">
+                          <a:latin typeface="Arial" panose="020B0604020202020204" pitchFamily="34" charset="0"/>
+                          <a:cs typeface="Arial" panose="020B0604020202020204" pitchFamily="34" charset="0"/>
+                        </a:rPr>
+                        <a:t>SARS-CoV-2 (Wuhan)</a:t>
+                      </a:r>
+                      <a:endParaRPr lang="en-US" sz="1600" baseline="-25000" dirty="0">
+                        <a:latin typeface="Arial" panose="020B0604020202020204" pitchFamily="34" charset="0"/>
+                        <a:cs typeface="Arial" panose="020B0604020202020204" pitchFamily="34" charset="0"/>
+                      </a:endParaRPr>
+                    </a:p>
+                  </a:txBody>
+                  <a:tcPr>
+                    <a:lnL w="12700" cmpd="sng">
+                      <a:solidFill>
+                        <a:sysClr val="window" lastClr="FFFFFF"/>
+                      </a:solidFill>
+                    </a:lnL>
+                    <a:lnR w="12700" cmpd="sng">
+                      <a:solidFill>
+                        <a:sysClr val="window" lastClr="FFFFFF"/>
+                      </a:solidFill>
+                    </a:lnR>
+                    <a:lnT w="12700" cmpd="sng">
+                      <a:solidFill>
+                        <a:sysClr val="window" lastClr="FFFFFF"/>
+                      </a:solidFill>
+                    </a:lnT>
+                    <a:lnB w="12700" cmpd="sng">
+                      <a:solidFill>
+                        <a:sysClr val="window" lastClr="FFFFFF"/>
+                      </a:solidFill>
+                    </a:lnB>
+                    <a:lnTlToBr w="12700" cmpd="sng">
+                      <a:noFill/>
+                      <a:prstDash val="solid"/>
+                    </a:lnTlToBr>
+                    <a:lnBlToTr w="12700" cmpd="sng">
+                      <a:noFill/>
+                      <a:prstDash val="solid"/>
+                    </a:lnBlToTr>
+                    <a:solidFill>
+                      <a:schemeClr val="accent1">
+                        <a:lumMod val="50000"/>
+                      </a:schemeClr>
+                    </a:solidFill>
+                  </a:tcPr>
+                </a:tc>
+                <a:tc>
+                  <a:txBody>
+                    <a:bodyPr/>
+                    <a:lstStyle>
+                      <a:lvl1pPr marL="0" algn="l" defTabSz="914400" rtl="0" eaLnBrk="1" latinLnBrk="0" hangingPunct="1">
+                        <a:defRPr sz="1800" kern="1200">
+                          <a:solidFill>
+                            <a:schemeClr val="dk1"/>
+                          </a:solidFill>
+                          <a:latin typeface="Segoe UI"/>
+                        </a:defRPr>
+                      </a:lvl1pPr>
+                      <a:lvl2pPr marL="457200" algn="l" defTabSz="914400" rtl="0" eaLnBrk="1" latinLnBrk="0" hangingPunct="1">
+                        <a:defRPr sz="1800" kern="1200">
+                          <a:solidFill>
+                            <a:schemeClr val="dk1"/>
+                          </a:solidFill>
+                          <a:latin typeface="Segoe UI"/>
+                        </a:defRPr>
+                      </a:lvl2pPr>
+                      <a:lvl3pPr marL="914400" algn="l" defTabSz="914400" rtl="0" eaLnBrk="1" latinLnBrk="0" hangingPunct="1">
+                        <a:defRPr sz="1800" kern="1200">
+                          <a:solidFill>
+                            <a:schemeClr val="dk1"/>
+                          </a:solidFill>
+                          <a:latin typeface="Segoe UI"/>
+                        </a:defRPr>
+                      </a:lvl3pPr>
+                      <a:lvl4pPr marL="1371600" algn="l" defTabSz="914400" rtl="0" eaLnBrk="1" latinLnBrk="0" hangingPunct="1">
+                        <a:defRPr sz="1800" kern="1200">
+                          <a:solidFill>
+                            <a:schemeClr val="dk1"/>
+                          </a:solidFill>
+                          <a:latin typeface="Segoe UI"/>
+                        </a:defRPr>
+                      </a:lvl4pPr>
+                      <a:lvl5pPr marL="1828800" algn="l" defTabSz="914400" rtl="0" eaLnBrk="1" latinLnBrk="0" hangingPunct="1">
+                        <a:defRPr sz="1800" kern="1200">
+                          <a:solidFill>
+                            <a:schemeClr val="dk1"/>
+                          </a:solidFill>
+                          <a:latin typeface="Segoe UI"/>
+                        </a:defRPr>
+                      </a:lvl5pPr>
+                      <a:lvl6pPr marL="2286000" algn="l" defTabSz="914400" rtl="0" eaLnBrk="1" latinLnBrk="0" hangingPunct="1">
+                        <a:defRPr sz="1800" kern="1200">
+                          <a:solidFill>
+                            <a:schemeClr val="dk1"/>
+                          </a:solidFill>
+                          <a:latin typeface="Segoe UI"/>
+                        </a:defRPr>
+                      </a:lvl6pPr>
+                      <a:lvl7pPr marL="2743200" algn="l" defTabSz="914400" rtl="0" eaLnBrk="1" latinLnBrk="0" hangingPunct="1">
+                        <a:defRPr sz="1800" kern="1200">
+                          <a:solidFill>
+                            <a:schemeClr val="dk1"/>
+                          </a:solidFill>
+                          <a:latin typeface="Segoe UI"/>
+                        </a:defRPr>
+                      </a:lvl7pPr>
+                      <a:lvl8pPr marL="3200400" algn="l" defTabSz="914400" rtl="0" eaLnBrk="1" latinLnBrk="0" hangingPunct="1">
+                        <a:defRPr sz="1800" kern="1200">
+                          <a:solidFill>
+                            <a:schemeClr val="dk1"/>
+                          </a:solidFill>
+                          <a:latin typeface="Segoe UI"/>
+                        </a:defRPr>
+                      </a:lvl8pPr>
+                      <a:lvl9pPr marL="3657600" algn="l" defTabSz="914400" rtl="0" eaLnBrk="1" latinLnBrk="0" hangingPunct="1">
+                        <a:defRPr sz="1800" kern="1200">
+                          <a:solidFill>
+                            <a:schemeClr val="dk1"/>
+                          </a:solidFill>
+                          <a:latin typeface="Segoe UI"/>
+                        </a:defRPr>
+                      </a:lvl9pPr>
+                    </a:lstStyle>
+                    <a:p>
+                      <a:pPr algn="ctr"/>
+                      <a:endParaRPr lang="en-US" sz="1600" dirty="0">
+                        <a:latin typeface="Arial" panose="020B0604020202020204" pitchFamily="34" charset="0"/>
+                        <a:cs typeface="Arial" panose="020B0604020202020204" pitchFamily="34" charset="0"/>
+                      </a:endParaRPr>
+                    </a:p>
+                  </a:txBody>
+                  <a:tcPr>
+                    <a:lnL w="12700" cmpd="sng">
+                      <a:solidFill>
+                        <a:sysClr val="window" lastClr="FFFFFF"/>
+                      </a:solidFill>
+                    </a:lnL>
+                    <a:lnR w="12700" cmpd="sng">
+                      <a:solidFill>
+                        <a:sysClr val="window" lastClr="FFFFFF"/>
+                      </a:solidFill>
+                    </a:lnR>
+                    <a:lnT w="12700" cmpd="sng">
+                      <a:solidFill>
+                        <a:sysClr val="window" lastClr="FFFFFF"/>
+                      </a:solidFill>
+                    </a:lnT>
+                    <a:lnB w="12700" cmpd="sng">
+                      <a:solidFill>
+                        <a:sysClr val="window" lastClr="FFFFFF"/>
+                      </a:solidFill>
+                    </a:lnB>
+                    <a:lnTlToBr w="12700" cmpd="sng">
+                      <a:noFill/>
+                      <a:prstDash val="solid"/>
+                    </a:lnTlToBr>
+                    <a:lnBlToTr w="12700" cmpd="sng">
+                      <a:noFill/>
+                      <a:prstDash val="solid"/>
+                    </a:lnBlToTr>
+                    <a:solidFill>
+                      <a:schemeClr val="accent1">
+                        <a:lumMod val="20000"/>
+                        <a:lumOff val="80000"/>
+                      </a:schemeClr>
+                    </a:solidFill>
+                  </a:tcPr>
+                </a:tc>
+                <a:tc>
+                  <a:txBody>
+                    <a:bodyPr/>
+                    <a:lstStyle>
+                      <a:lvl1pPr marL="0" algn="l" defTabSz="914400" rtl="0" eaLnBrk="1" latinLnBrk="0" hangingPunct="1">
+                        <a:defRPr sz="1800" kern="1200">
+                          <a:solidFill>
+                            <a:schemeClr val="dk1"/>
+                          </a:solidFill>
+                          <a:latin typeface="Segoe UI"/>
+                        </a:defRPr>
+                      </a:lvl1pPr>
+                      <a:lvl2pPr marL="457200" algn="l" defTabSz="914400" rtl="0" eaLnBrk="1" latinLnBrk="0" hangingPunct="1">
+                        <a:defRPr sz="1800" kern="1200">
+                          <a:solidFill>
+                            <a:schemeClr val="dk1"/>
+                          </a:solidFill>
+                          <a:latin typeface="Segoe UI"/>
+                        </a:defRPr>
+                      </a:lvl2pPr>
+                      <a:lvl3pPr marL="914400" algn="l" defTabSz="914400" rtl="0" eaLnBrk="1" latinLnBrk="0" hangingPunct="1">
+                        <a:defRPr sz="1800" kern="1200">
+                          <a:solidFill>
+                            <a:schemeClr val="dk1"/>
+                          </a:solidFill>
+                          <a:latin typeface="Segoe UI"/>
+                        </a:defRPr>
+                      </a:lvl3pPr>
+                      <a:lvl4pPr marL="1371600" algn="l" defTabSz="914400" rtl="0" eaLnBrk="1" latinLnBrk="0" hangingPunct="1">
+                        <a:defRPr sz="1800" kern="1200">
+                          <a:solidFill>
+                            <a:schemeClr val="dk1"/>
+                          </a:solidFill>
+                          <a:latin typeface="Segoe UI"/>
+                        </a:defRPr>
+                      </a:lvl4pPr>
+                      <a:lvl5pPr marL="1828800" algn="l" defTabSz="914400" rtl="0" eaLnBrk="1" latinLnBrk="0" hangingPunct="1">
+                        <a:defRPr sz="1800" kern="1200">
+                          <a:solidFill>
+                            <a:schemeClr val="dk1"/>
+                          </a:solidFill>
+                          <a:latin typeface="Segoe UI"/>
+                        </a:defRPr>
+                      </a:lvl5pPr>
+                      <a:lvl6pPr marL="2286000" algn="l" defTabSz="914400" rtl="0" eaLnBrk="1" latinLnBrk="0" hangingPunct="1">
+                        <a:defRPr sz="1800" kern="1200">
+                          <a:solidFill>
+                            <a:schemeClr val="dk1"/>
+                          </a:solidFill>
+                          <a:latin typeface="Segoe UI"/>
+                        </a:defRPr>
+                      </a:lvl6pPr>
+                      <a:lvl7pPr marL="2743200" algn="l" defTabSz="914400" rtl="0" eaLnBrk="1" latinLnBrk="0" hangingPunct="1">
+                        <a:defRPr sz="1800" kern="1200">
+                          <a:solidFill>
+                            <a:schemeClr val="dk1"/>
+                          </a:solidFill>
+                          <a:latin typeface="Segoe UI"/>
+                        </a:defRPr>
+                      </a:lvl7pPr>
+                      <a:lvl8pPr marL="3200400" algn="l" defTabSz="914400" rtl="0" eaLnBrk="1" latinLnBrk="0" hangingPunct="1">
+                        <a:defRPr sz="1800" kern="1200">
+                          <a:solidFill>
+                            <a:schemeClr val="dk1"/>
+                          </a:solidFill>
+                          <a:latin typeface="Segoe UI"/>
+                        </a:defRPr>
+                      </a:lvl8pPr>
+                      <a:lvl9pPr marL="3657600" algn="l" defTabSz="914400" rtl="0" eaLnBrk="1" latinLnBrk="0" hangingPunct="1">
+                        <a:defRPr sz="1800" kern="1200">
+                          <a:solidFill>
+                            <a:schemeClr val="dk1"/>
+                          </a:solidFill>
+                          <a:latin typeface="Segoe UI"/>
+                        </a:defRPr>
+                      </a:lvl9pPr>
+                    </a:lstStyle>
+                    <a:p>
+                      <a:pPr algn="ctr"/>
+                      <a:endParaRPr lang="en-US" sz="1600" dirty="0">
+                        <a:latin typeface="Arial" panose="020B0604020202020204" pitchFamily="34" charset="0"/>
+                        <a:cs typeface="Arial" panose="020B0604020202020204" pitchFamily="34" charset="0"/>
+                      </a:endParaRPr>
+                    </a:p>
+                  </a:txBody>
+                  <a:tcPr>
+                    <a:lnL w="12700" cmpd="sng">
+                      <a:solidFill>
+                        <a:sysClr val="window" lastClr="FFFFFF"/>
+                      </a:solidFill>
+                    </a:lnL>
+                    <a:lnR w="12700" cmpd="sng">
+                      <a:solidFill>
+                        <a:sysClr val="window" lastClr="FFFFFF"/>
+                      </a:solidFill>
+                    </a:lnR>
+                    <a:lnT w="12700" cmpd="sng">
+                      <a:solidFill>
+                        <a:sysClr val="window" lastClr="FFFFFF"/>
+                      </a:solidFill>
+                    </a:lnT>
+                    <a:lnB w="12700" cmpd="sng">
+                      <a:solidFill>
+                        <a:sysClr val="window" lastClr="FFFFFF"/>
+                      </a:solidFill>
+                    </a:lnB>
+                    <a:lnTlToBr w="12700" cmpd="sng">
+                      <a:noFill/>
+                      <a:prstDash val="solid"/>
+                    </a:lnTlToBr>
+                    <a:lnBlToTr w="12700" cmpd="sng">
+                      <a:noFill/>
+                      <a:prstDash val="solid"/>
+                    </a:lnBlToTr>
+                    <a:solidFill>
+                      <a:schemeClr val="accent1">
+                        <a:lumMod val="20000"/>
+                        <a:lumOff val="80000"/>
+                      </a:schemeClr>
+                    </a:solidFill>
+                  </a:tcPr>
+                </a:tc>
+                <a:tc>
+                  <a:txBody>
+                    <a:bodyPr/>
+                    <a:lstStyle>
+                      <a:lvl1pPr marL="0" algn="l" defTabSz="914400" rtl="0" eaLnBrk="1" latinLnBrk="0" hangingPunct="1">
+                        <a:defRPr sz="1800" kern="1200">
+                          <a:solidFill>
+                            <a:schemeClr val="dk1"/>
+                          </a:solidFill>
+                          <a:latin typeface="Segoe UI"/>
+                        </a:defRPr>
+                      </a:lvl1pPr>
+                      <a:lvl2pPr marL="457200" algn="l" defTabSz="914400" rtl="0" eaLnBrk="1" latinLnBrk="0" hangingPunct="1">
+                        <a:defRPr sz="1800" kern="1200">
+                          <a:solidFill>
+                            <a:schemeClr val="dk1"/>
+                          </a:solidFill>
+                          <a:latin typeface="Segoe UI"/>
+                        </a:defRPr>
+                      </a:lvl2pPr>
+                      <a:lvl3pPr marL="914400" algn="l" defTabSz="914400" rtl="0" eaLnBrk="1" latinLnBrk="0" hangingPunct="1">
+                        <a:defRPr sz="1800" kern="1200">
+                          <a:solidFill>
+                            <a:schemeClr val="dk1"/>
+                          </a:solidFill>
+                          <a:latin typeface="Segoe UI"/>
+                        </a:defRPr>
+                      </a:lvl3pPr>
+                      <a:lvl4pPr marL="1371600" algn="l" defTabSz="914400" rtl="0" eaLnBrk="1" latinLnBrk="0" hangingPunct="1">
+                        <a:defRPr sz="1800" kern="1200">
+                          <a:solidFill>
+                            <a:schemeClr val="dk1"/>
+                          </a:solidFill>
+                          <a:latin typeface="Segoe UI"/>
+                        </a:defRPr>
+                      </a:lvl4pPr>
+                      <a:lvl5pPr marL="1828800" algn="l" defTabSz="914400" rtl="0" eaLnBrk="1" latinLnBrk="0" hangingPunct="1">
+                        <a:defRPr sz="1800" kern="1200">
+                          <a:solidFill>
+                            <a:schemeClr val="dk1"/>
+                          </a:solidFill>
+                          <a:latin typeface="Segoe UI"/>
+                        </a:defRPr>
+                      </a:lvl5pPr>
+                      <a:lvl6pPr marL="2286000" algn="l" defTabSz="914400" rtl="0" eaLnBrk="1" latinLnBrk="0" hangingPunct="1">
+                        <a:defRPr sz="1800" kern="1200">
+                          <a:solidFill>
+                            <a:schemeClr val="dk1"/>
+                          </a:solidFill>
+                          <a:latin typeface="Segoe UI"/>
+                        </a:defRPr>
+                      </a:lvl6pPr>
+                      <a:lvl7pPr marL="2743200" algn="l" defTabSz="914400" rtl="0" eaLnBrk="1" latinLnBrk="0" hangingPunct="1">
+                        <a:defRPr sz="1800" kern="1200">
+                          <a:solidFill>
+                            <a:schemeClr val="dk1"/>
+                          </a:solidFill>
+                          <a:latin typeface="Segoe UI"/>
+                        </a:defRPr>
+                      </a:lvl7pPr>
+                      <a:lvl8pPr marL="3200400" algn="l" defTabSz="914400" rtl="0" eaLnBrk="1" latinLnBrk="0" hangingPunct="1">
+                        <a:defRPr sz="1800" kern="1200">
+                          <a:solidFill>
+                            <a:schemeClr val="dk1"/>
+                          </a:solidFill>
+                          <a:latin typeface="Segoe UI"/>
+                        </a:defRPr>
+                      </a:lvl8pPr>
+                      <a:lvl9pPr marL="3657600" algn="l" defTabSz="914400" rtl="0" eaLnBrk="1" latinLnBrk="0" hangingPunct="1">
+                        <a:defRPr sz="1800" kern="1200">
+                          <a:solidFill>
+                            <a:schemeClr val="dk1"/>
+                          </a:solidFill>
+                          <a:latin typeface="Segoe UI"/>
+                        </a:defRPr>
+                      </a:lvl9pPr>
+                    </a:lstStyle>
+                    <a:p>
+                      <a:pPr algn="ctr"/>
+                      <a:endParaRPr lang="en-US" sz="1600" dirty="0">
+                        <a:latin typeface="Arial" panose="020B0604020202020204" pitchFamily="34" charset="0"/>
+                        <a:cs typeface="Arial" panose="020B0604020202020204" pitchFamily="34" charset="0"/>
+                      </a:endParaRPr>
+                    </a:p>
+                  </a:txBody>
+                  <a:tcPr>
+                    <a:lnL w="12700" cmpd="sng">
+                      <a:solidFill>
+                        <a:sysClr val="window" lastClr="FFFFFF"/>
+                      </a:solidFill>
+                    </a:lnL>
+                    <a:lnR w="12700" cmpd="sng">
+                      <a:solidFill>
+                        <a:sysClr val="window" lastClr="FFFFFF"/>
+                      </a:solidFill>
+                    </a:lnR>
+                    <a:lnT w="12700" cmpd="sng">
+                      <a:solidFill>
+                        <a:sysClr val="window" lastClr="FFFFFF"/>
+                      </a:solidFill>
+                    </a:lnT>
+                    <a:lnB w="12700" cmpd="sng">
+                      <a:solidFill>
+                        <a:sysClr val="window" lastClr="FFFFFF"/>
+                      </a:solidFill>
+                    </a:lnB>
+                    <a:lnTlToBr w="12700" cmpd="sng">
+                      <a:noFill/>
+                      <a:prstDash val="solid"/>
+                    </a:lnTlToBr>
+                    <a:lnBlToTr w="12700" cmpd="sng">
+                      <a:noFill/>
+                      <a:prstDash val="solid"/>
+                    </a:lnBlToTr>
+                    <a:solidFill>
+                      <a:schemeClr val="accent1">
+                        <a:lumMod val="20000"/>
+                        <a:lumOff val="80000"/>
+                      </a:schemeClr>
+                    </a:solidFill>
+                  </a:tcPr>
+                </a:tc>
+                <a:extLst>
+                  <a:ext uri="{0D108BD9-81ED-4DB2-BD59-A6C34878D82A}">
+                    <a16:rowId xmlns:a16="http://schemas.microsoft.com/office/drawing/2014/main" val="2500643595"/>
+                  </a:ext>
+                </a:extLst>
+              </a:tr>
+              <a:tr h="370840">
+                <a:tc>
+                  <a:txBody>
+                    <a:bodyPr/>
+                    <a:lstStyle>
+                      <a:lvl1pPr marL="0" algn="l" defTabSz="914400" rtl="0" eaLnBrk="1" latinLnBrk="0" hangingPunct="1">
+                        <a:defRPr sz="1800" b="1" kern="1200">
+                          <a:solidFill>
+                            <a:schemeClr val="lt1"/>
+                          </a:solidFill>
+                          <a:latin typeface="Segoe UI"/>
+                        </a:defRPr>
+                      </a:lvl1pPr>
+                      <a:lvl2pPr marL="457200" algn="l" defTabSz="914400" rtl="0" eaLnBrk="1" latinLnBrk="0" hangingPunct="1">
+                        <a:defRPr sz="1800" b="1" kern="1200">
+                          <a:solidFill>
+                            <a:schemeClr val="lt1"/>
+                          </a:solidFill>
+                          <a:latin typeface="Segoe UI"/>
+                        </a:defRPr>
+                      </a:lvl2pPr>
+                      <a:lvl3pPr marL="914400" algn="l" defTabSz="914400" rtl="0" eaLnBrk="1" latinLnBrk="0" hangingPunct="1">
+                        <a:defRPr sz="1800" b="1" kern="1200">
+                          <a:solidFill>
+                            <a:schemeClr val="lt1"/>
+                          </a:solidFill>
+                          <a:latin typeface="Segoe UI"/>
+                        </a:defRPr>
+                      </a:lvl3pPr>
+                      <a:lvl4pPr marL="1371600" algn="l" defTabSz="914400" rtl="0" eaLnBrk="1" latinLnBrk="0" hangingPunct="1">
+                        <a:defRPr sz="1800" b="1" kern="1200">
+                          <a:solidFill>
+                            <a:schemeClr val="lt1"/>
+                          </a:solidFill>
+                          <a:latin typeface="Segoe UI"/>
+                        </a:defRPr>
+                      </a:lvl4pPr>
+                      <a:lvl5pPr marL="1828800" algn="l" defTabSz="914400" rtl="0" eaLnBrk="1" latinLnBrk="0" hangingPunct="1">
+                        <a:defRPr sz="1800" b="1" kern="1200">
+                          <a:solidFill>
+                            <a:schemeClr val="lt1"/>
+                          </a:solidFill>
+                          <a:latin typeface="Segoe UI"/>
+                        </a:defRPr>
+                      </a:lvl5pPr>
+                      <a:lvl6pPr marL="2286000" algn="l" defTabSz="914400" rtl="0" eaLnBrk="1" latinLnBrk="0" hangingPunct="1">
+                        <a:defRPr sz="1800" b="1" kern="1200">
+                          <a:solidFill>
+                            <a:schemeClr val="lt1"/>
+                          </a:solidFill>
+                          <a:latin typeface="Segoe UI"/>
+                        </a:defRPr>
+                      </a:lvl6pPr>
+                      <a:lvl7pPr marL="2743200" algn="l" defTabSz="914400" rtl="0" eaLnBrk="1" latinLnBrk="0" hangingPunct="1">
+                        <a:defRPr sz="1800" b="1" kern="1200">
+                          <a:solidFill>
+                            <a:schemeClr val="lt1"/>
+                          </a:solidFill>
+                          <a:latin typeface="Segoe UI"/>
+                        </a:defRPr>
+                      </a:lvl7pPr>
+                      <a:lvl8pPr marL="3200400" algn="l" defTabSz="914400" rtl="0" eaLnBrk="1" latinLnBrk="0" hangingPunct="1">
+                        <a:defRPr sz="1800" b="1" kern="1200">
+                          <a:solidFill>
+                            <a:schemeClr val="lt1"/>
+                          </a:solidFill>
+                          <a:latin typeface="Segoe UI"/>
+                        </a:defRPr>
+                      </a:lvl8pPr>
+                      <a:lvl9pPr marL="3657600" algn="l" defTabSz="914400" rtl="0" eaLnBrk="1" latinLnBrk="0" hangingPunct="1">
+                        <a:defRPr sz="1800" b="1" kern="1200">
+                          <a:solidFill>
+                            <a:schemeClr val="lt1"/>
+                          </a:solidFill>
+                          <a:latin typeface="Segoe UI"/>
+                        </a:defRPr>
+                      </a:lvl9pPr>
+                    </a:lstStyle>
+                    <a:p>
+                      <a:pPr algn="l"/>
+                      <a:r>
+                        <a:rPr lang="en-US" sz="1600" dirty="0">
+                          <a:latin typeface="Arial" panose="020B0604020202020204" pitchFamily="34" charset="0"/>
+                          <a:cs typeface="Arial" panose="020B0604020202020204" pitchFamily="34" charset="0"/>
+                        </a:rPr>
+                        <a:t>…</a:t>
+                      </a:r>
+                    </a:p>
+                  </a:txBody>
+                  <a:tcPr>
+                    <a:lnL w="12700" cmpd="sng">
+                      <a:solidFill>
+                        <a:sysClr val="window" lastClr="FFFFFF"/>
+                      </a:solidFill>
+                    </a:lnL>
+                    <a:lnR w="12700" cmpd="sng">
+                      <a:solidFill>
+                        <a:sysClr val="window" lastClr="FFFFFF"/>
+                      </a:solidFill>
+                    </a:lnR>
+                    <a:lnT w="12700" cmpd="sng">
+                      <a:solidFill>
+                        <a:sysClr val="window" lastClr="FFFFFF"/>
+                      </a:solidFill>
+                    </a:lnT>
+                    <a:lnB w="12700" cmpd="sng">
+                      <a:solidFill>
+                        <a:sysClr val="window" lastClr="FFFFFF"/>
+                      </a:solidFill>
+                    </a:lnB>
+                    <a:lnTlToBr w="12700" cmpd="sng">
+                      <a:noFill/>
+                      <a:prstDash val="solid"/>
+                    </a:lnTlToBr>
+                    <a:lnBlToTr w="12700" cmpd="sng">
+                      <a:noFill/>
+                      <a:prstDash val="solid"/>
+                    </a:lnBlToTr>
+                    <a:solidFill>
+                      <a:schemeClr val="accent1">
+                        <a:lumMod val="50000"/>
+                      </a:schemeClr>
+                    </a:solidFill>
+                  </a:tcPr>
+                </a:tc>
+                <a:tc>
+                  <a:txBody>
+                    <a:bodyPr/>
+                    <a:lstStyle>
+                      <a:lvl1pPr marL="0" algn="l" defTabSz="914400" rtl="0" eaLnBrk="1" latinLnBrk="0" hangingPunct="1">
+                        <a:defRPr sz="1800" kern="1200">
+                          <a:solidFill>
+                            <a:schemeClr val="dk1"/>
+                          </a:solidFill>
+                          <a:latin typeface="Segoe UI"/>
+                        </a:defRPr>
+                      </a:lvl1pPr>
+                      <a:lvl2pPr marL="457200" algn="l" defTabSz="914400" rtl="0" eaLnBrk="1" latinLnBrk="0" hangingPunct="1">
+                        <a:defRPr sz="1800" kern="1200">
+                          <a:solidFill>
+                            <a:schemeClr val="dk1"/>
+                          </a:solidFill>
+                          <a:latin typeface="Segoe UI"/>
+                        </a:defRPr>
+                      </a:lvl2pPr>
+                      <a:lvl3pPr marL="914400" algn="l" defTabSz="914400" rtl="0" eaLnBrk="1" latinLnBrk="0" hangingPunct="1">
+                        <a:defRPr sz="1800" kern="1200">
+                          <a:solidFill>
+                            <a:schemeClr val="dk1"/>
+                          </a:solidFill>
+                          <a:latin typeface="Segoe UI"/>
+                        </a:defRPr>
+                      </a:lvl3pPr>
+                      <a:lvl4pPr marL="1371600" algn="l" defTabSz="914400" rtl="0" eaLnBrk="1" latinLnBrk="0" hangingPunct="1">
+                        <a:defRPr sz="1800" kern="1200">
+                          <a:solidFill>
+                            <a:schemeClr val="dk1"/>
+                          </a:solidFill>
+                          <a:latin typeface="Segoe UI"/>
+                        </a:defRPr>
+                      </a:lvl4pPr>
+                      <a:lvl5pPr marL="1828800" algn="l" defTabSz="914400" rtl="0" eaLnBrk="1" latinLnBrk="0" hangingPunct="1">
+                        <a:defRPr sz="1800" kern="1200">
+                          <a:solidFill>
+                            <a:schemeClr val="dk1"/>
+                          </a:solidFill>
+                          <a:latin typeface="Segoe UI"/>
+                        </a:defRPr>
+                      </a:lvl5pPr>
+                      <a:lvl6pPr marL="2286000" algn="l" defTabSz="914400" rtl="0" eaLnBrk="1" latinLnBrk="0" hangingPunct="1">
+                        <a:defRPr sz="1800" kern="1200">
+                          <a:solidFill>
+                            <a:schemeClr val="dk1"/>
+                          </a:solidFill>
+                          <a:latin typeface="Segoe UI"/>
+                        </a:defRPr>
+                      </a:lvl6pPr>
+                      <a:lvl7pPr marL="2743200" algn="l" defTabSz="914400" rtl="0" eaLnBrk="1" latinLnBrk="0" hangingPunct="1">
+                        <a:defRPr sz="1800" kern="1200">
+                          <a:solidFill>
+                            <a:schemeClr val="dk1"/>
+                          </a:solidFill>
+                          <a:latin typeface="Segoe UI"/>
+                        </a:defRPr>
+                      </a:lvl7pPr>
+                      <a:lvl8pPr marL="3200400" algn="l" defTabSz="914400" rtl="0" eaLnBrk="1" latinLnBrk="0" hangingPunct="1">
+                        <a:defRPr sz="1800" kern="1200">
+                          <a:solidFill>
+                            <a:schemeClr val="dk1"/>
+                          </a:solidFill>
+                          <a:latin typeface="Segoe UI"/>
+                        </a:defRPr>
+                      </a:lvl8pPr>
+                      <a:lvl9pPr marL="3657600" algn="l" defTabSz="914400" rtl="0" eaLnBrk="1" latinLnBrk="0" hangingPunct="1">
+                        <a:defRPr sz="1800" kern="1200">
+                          <a:solidFill>
+                            <a:schemeClr val="dk1"/>
+                          </a:solidFill>
+                          <a:latin typeface="Segoe UI"/>
+                        </a:defRPr>
+                      </a:lvl9pPr>
+                    </a:lstStyle>
+                    <a:p>
+                      <a:pPr algn="ctr"/>
+                      <a:endParaRPr lang="en-US" sz="1600" dirty="0">
+                        <a:latin typeface="Arial" panose="020B0604020202020204" pitchFamily="34" charset="0"/>
+                        <a:cs typeface="Arial" panose="020B0604020202020204" pitchFamily="34" charset="0"/>
+                      </a:endParaRPr>
+                    </a:p>
+                  </a:txBody>
+                  <a:tcPr>
+                    <a:lnL w="12700" cmpd="sng">
+                      <a:solidFill>
+                        <a:sysClr val="window" lastClr="FFFFFF"/>
+                      </a:solidFill>
+                    </a:lnL>
+                    <a:lnR w="12700" cmpd="sng">
+                      <a:solidFill>
+                        <a:sysClr val="window" lastClr="FFFFFF"/>
+                      </a:solidFill>
+                    </a:lnR>
+                    <a:lnT w="12700" cmpd="sng">
+                      <a:solidFill>
+                        <a:sysClr val="window" lastClr="FFFFFF"/>
+                      </a:solidFill>
+                    </a:lnT>
+                    <a:lnB w="12700" cmpd="sng">
+                      <a:solidFill>
+                        <a:sysClr val="window" lastClr="FFFFFF"/>
+                      </a:solidFill>
+                    </a:lnB>
+                    <a:lnTlToBr w="12700" cmpd="sng">
+                      <a:noFill/>
+                      <a:prstDash val="solid"/>
+                    </a:lnTlToBr>
+                    <a:lnBlToTr w="12700" cmpd="sng">
+                      <a:noFill/>
+                      <a:prstDash val="solid"/>
+                    </a:lnBlToTr>
+                    <a:solidFill>
+                      <a:schemeClr val="accent1">
+                        <a:lumMod val="40000"/>
+                        <a:lumOff val="60000"/>
+                      </a:schemeClr>
+                    </a:solidFill>
+                  </a:tcPr>
+                </a:tc>
+                <a:tc>
+                  <a:txBody>
+                    <a:bodyPr/>
+                    <a:lstStyle>
+                      <a:lvl1pPr marL="0" algn="l" defTabSz="914400" rtl="0" eaLnBrk="1" latinLnBrk="0" hangingPunct="1">
+                        <a:defRPr sz="1800" kern="1200">
+                          <a:solidFill>
+                            <a:schemeClr val="dk1"/>
+                          </a:solidFill>
+                          <a:latin typeface="Segoe UI"/>
+                        </a:defRPr>
+                      </a:lvl1pPr>
+                      <a:lvl2pPr marL="457200" algn="l" defTabSz="914400" rtl="0" eaLnBrk="1" latinLnBrk="0" hangingPunct="1">
+                        <a:defRPr sz="1800" kern="1200">
+                          <a:solidFill>
+                            <a:schemeClr val="dk1"/>
+                          </a:solidFill>
+                          <a:latin typeface="Segoe UI"/>
+                        </a:defRPr>
+                      </a:lvl2pPr>
+                      <a:lvl3pPr marL="914400" algn="l" defTabSz="914400" rtl="0" eaLnBrk="1" latinLnBrk="0" hangingPunct="1">
+                        <a:defRPr sz="1800" kern="1200">
+                          <a:solidFill>
+                            <a:schemeClr val="dk1"/>
+                          </a:solidFill>
+                          <a:latin typeface="Segoe UI"/>
+                        </a:defRPr>
+                      </a:lvl3pPr>
+                      <a:lvl4pPr marL="1371600" algn="l" defTabSz="914400" rtl="0" eaLnBrk="1" latinLnBrk="0" hangingPunct="1">
+                        <a:defRPr sz="1800" kern="1200">
+                          <a:solidFill>
+                            <a:schemeClr val="dk1"/>
+                          </a:solidFill>
+                          <a:latin typeface="Segoe UI"/>
+                        </a:defRPr>
+                      </a:lvl4pPr>
+                      <a:lvl5pPr marL="1828800" algn="l" defTabSz="914400" rtl="0" eaLnBrk="1" latinLnBrk="0" hangingPunct="1">
+                        <a:defRPr sz="1800" kern="1200">
+                          <a:solidFill>
+                            <a:schemeClr val="dk1"/>
+                          </a:solidFill>
+                          <a:latin typeface="Segoe UI"/>
+                        </a:defRPr>
+                      </a:lvl5pPr>
+                      <a:lvl6pPr marL="2286000" algn="l" defTabSz="914400" rtl="0" eaLnBrk="1" latinLnBrk="0" hangingPunct="1">
+                        <a:defRPr sz="1800" kern="1200">
+                          <a:solidFill>
+                            <a:schemeClr val="dk1"/>
+                          </a:solidFill>
+                          <a:latin typeface="Segoe UI"/>
+                        </a:defRPr>
+                      </a:lvl6pPr>
+                      <a:lvl7pPr marL="2743200" algn="l" defTabSz="914400" rtl="0" eaLnBrk="1" latinLnBrk="0" hangingPunct="1">
+                        <a:defRPr sz="1800" kern="1200">
+                          <a:solidFill>
+                            <a:schemeClr val="dk1"/>
+                          </a:solidFill>
+                          <a:latin typeface="Segoe UI"/>
+                        </a:defRPr>
+                      </a:lvl7pPr>
+                      <a:lvl8pPr marL="3200400" algn="l" defTabSz="914400" rtl="0" eaLnBrk="1" latinLnBrk="0" hangingPunct="1">
+                        <a:defRPr sz="1800" kern="1200">
+                          <a:solidFill>
+                            <a:schemeClr val="dk1"/>
+                          </a:solidFill>
+                          <a:latin typeface="Segoe UI"/>
+                        </a:defRPr>
+                      </a:lvl8pPr>
+                      <a:lvl9pPr marL="3657600" algn="l" defTabSz="914400" rtl="0" eaLnBrk="1" latinLnBrk="0" hangingPunct="1">
+                        <a:defRPr sz="1800" kern="1200">
+                          <a:solidFill>
+                            <a:schemeClr val="dk1"/>
+                          </a:solidFill>
+                          <a:latin typeface="Segoe UI"/>
+                        </a:defRPr>
+                      </a:lvl9pPr>
+                    </a:lstStyle>
+                    <a:p>
+                      <a:pPr algn="ctr"/>
+                      <a:endParaRPr lang="en-US" sz="1600" dirty="0">
+                        <a:latin typeface="Arial" panose="020B0604020202020204" pitchFamily="34" charset="0"/>
+                        <a:cs typeface="Arial" panose="020B0604020202020204" pitchFamily="34" charset="0"/>
+                      </a:endParaRPr>
+                    </a:p>
+                  </a:txBody>
+                  <a:tcPr>
+                    <a:lnL w="12700" cmpd="sng">
+                      <a:solidFill>
+                        <a:sysClr val="window" lastClr="FFFFFF"/>
+                      </a:solidFill>
+                    </a:lnL>
+                    <a:lnR w="12700" cmpd="sng">
+                      <a:solidFill>
+                        <a:sysClr val="window" lastClr="FFFFFF"/>
+                      </a:solidFill>
+                    </a:lnR>
+                    <a:lnT w="12700" cmpd="sng">
+                      <a:solidFill>
+                        <a:sysClr val="window" lastClr="FFFFFF"/>
+                      </a:solidFill>
+                    </a:lnT>
+                    <a:lnB w="12700" cmpd="sng">
+                      <a:solidFill>
+                        <a:sysClr val="window" lastClr="FFFFFF"/>
+                      </a:solidFill>
+                    </a:lnB>
+                    <a:lnTlToBr w="12700" cmpd="sng">
+                      <a:noFill/>
+                      <a:prstDash val="solid"/>
+                    </a:lnTlToBr>
+                    <a:lnBlToTr w="12700" cmpd="sng">
+                      <a:noFill/>
+                      <a:prstDash val="solid"/>
+                    </a:lnBlToTr>
+                    <a:solidFill>
+                      <a:schemeClr val="accent1">
+                        <a:lumMod val="40000"/>
+                        <a:lumOff val="60000"/>
+                      </a:schemeClr>
+                    </a:solidFill>
+                  </a:tcPr>
+                </a:tc>
+                <a:tc>
+                  <a:txBody>
+                    <a:bodyPr/>
+                    <a:lstStyle>
+                      <a:lvl1pPr marL="0" algn="l" defTabSz="914400" rtl="0" eaLnBrk="1" latinLnBrk="0" hangingPunct="1">
+                        <a:defRPr sz="1800" kern="1200">
+                          <a:solidFill>
+                            <a:schemeClr val="dk1"/>
+                          </a:solidFill>
+                          <a:latin typeface="Segoe UI"/>
+                        </a:defRPr>
+                      </a:lvl1pPr>
+                      <a:lvl2pPr marL="457200" algn="l" defTabSz="914400" rtl="0" eaLnBrk="1" latinLnBrk="0" hangingPunct="1">
+                        <a:defRPr sz="1800" kern="1200">
+                          <a:solidFill>
+                            <a:schemeClr val="dk1"/>
+                          </a:solidFill>
+                          <a:latin typeface="Segoe UI"/>
+                        </a:defRPr>
+                      </a:lvl2pPr>
+                      <a:lvl3pPr marL="914400" algn="l" defTabSz="914400" rtl="0" eaLnBrk="1" latinLnBrk="0" hangingPunct="1">
+                        <a:defRPr sz="1800" kern="1200">
+                          <a:solidFill>
+                            <a:schemeClr val="dk1"/>
+                          </a:solidFill>
+                          <a:latin typeface="Segoe UI"/>
+                        </a:defRPr>
+                      </a:lvl3pPr>
+                      <a:lvl4pPr marL="1371600" algn="l" defTabSz="914400" rtl="0" eaLnBrk="1" latinLnBrk="0" hangingPunct="1">
+                        <a:defRPr sz="1800" kern="1200">
+                          <a:solidFill>
+                            <a:schemeClr val="dk1"/>
+                          </a:solidFill>
+                          <a:latin typeface="Segoe UI"/>
+                        </a:defRPr>
+                      </a:lvl4pPr>
+                      <a:lvl5pPr marL="1828800" algn="l" defTabSz="914400" rtl="0" eaLnBrk="1" latinLnBrk="0" hangingPunct="1">
+                        <a:defRPr sz="1800" kern="1200">
+                          <a:solidFill>
+                            <a:schemeClr val="dk1"/>
+                          </a:solidFill>
+                          <a:latin typeface="Segoe UI"/>
+                        </a:defRPr>
+                      </a:lvl5pPr>
+                      <a:lvl6pPr marL="2286000" algn="l" defTabSz="914400" rtl="0" eaLnBrk="1" latinLnBrk="0" hangingPunct="1">
+                        <a:defRPr sz="1800" kern="1200">
+                          <a:solidFill>
+                            <a:schemeClr val="dk1"/>
+                          </a:solidFill>
+                          <a:latin typeface="Segoe UI"/>
+                        </a:defRPr>
+                      </a:lvl6pPr>
+                      <a:lvl7pPr marL="2743200" algn="l" defTabSz="914400" rtl="0" eaLnBrk="1" latinLnBrk="0" hangingPunct="1">
+                        <a:defRPr sz="1800" kern="1200">
+                          <a:solidFill>
+                            <a:schemeClr val="dk1"/>
+                          </a:solidFill>
+                          <a:latin typeface="Segoe UI"/>
+                        </a:defRPr>
+                      </a:lvl7pPr>
+                      <a:lvl8pPr marL="3200400" algn="l" defTabSz="914400" rtl="0" eaLnBrk="1" latinLnBrk="0" hangingPunct="1">
+                        <a:defRPr sz="1800" kern="1200">
+                          <a:solidFill>
+                            <a:schemeClr val="dk1"/>
+                          </a:solidFill>
+                          <a:latin typeface="Segoe UI"/>
+                        </a:defRPr>
+                      </a:lvl8pPr>
+                      <a:lvl9pPr marL="3657600" algn="l" defTabSz="914400" rtl="0" eaLnBrk="1" latinLnBrk="0" hangingPunct="1">
+                        <a:defRPr sz="1800" kern="1200">
+                          <a:solidFill>
+                            <a:schemeClr val="dk1"/>
+                          </a:solidFill>
+                          <a:latin typeface="Segoe UI"/>
+                        </a:defRPr>
+                      </a:lvl9pPr>
+                    </a:lstStyle>
+                    <a:p>
+                      <a:pPr algn="ctr"/>
+                      <a:endParaRPr lang="en-US" sz="1600" dirty="0">
+                        <a:latin typeface="Arial" panose="020B0604020202020204" pitchFamily="34" charset="0"/>
+                        <a:cs typeface="Arial" panose="020B0604020202020204" pitchFamily="34" charset="0"/>
+                      </a:endParaRPr>
+                    </a:p>
+                  </a:txBody>
+                  <a:tcPr>
+                    <a:lnL w="12700" cmpd="sng">
+                      <a:solidFill>
+                        <a:sysClr val="window" lastClr="FFFFFF"/>
+                      </a:solidFill>
+                    </a:lnL>
+                    <a:lnR w="12700" cmpd="sng">
+                      <a:solidFill>
+                        <a:sysClr val="window" lastClr="FFFFFF"/>
+                      </a:solidFill>
+                    </a:lnR>
+                    <a:lnT w="12700" cmpd="sng">
+                      <a:solidFill>
+                        <a:sysClr val="window" lastClr="FFFFFF"/>
+                      </a:solidFill>
+                    </a:lnT>
+                    <a:lnB w="12700" cmpd="sng">
+                      <a:solidFill>
+                        <a:sysClr val="window" lastClr="FFFFFF"/>
+                      </a:solidFill>
+                    </a:lnB>
+                    <a:lnTlToBr w="12700" cmpd="sng">
+                      <a:noFill/>
+                      <a:prstDash val="solid"/>
+                    </a:lnTlToBr>
+                    <a:lnBlToTr w="12700" cmpd="sng">
+                      <a:noFill/>
+                      <a:prstDash val="solid"/>
+                    </a:lnBlToTr>
+                    <a:solidFill>
+                      <a:schemeClr val="accent1">
+                        <a:lumMod val="40000"/>
+                        <a:lumOff val="60000"/>
+                      </a:schemeClr>
+                    </a:solidFill>
+                  </a:tcPr>
+                </a:tc>
+                <a:extLst>
+                  <a:ext uri="{0D108BD9-81ED-4DB2-BD59-A6C34878D82A}">
+                    <a16:rowId xmlns:a16="http://schemas.microsoft.com/office/drawing/2014/main" val="3534683378"/>
+                  </a:ext>
+                </a:extLst>
+              </a:tr>
+              <a:tr h="370840">
+                <a:tc>
+                  <a:txBody>
+                    <a:bodyPr/>
+                    <a:lstStyle>
+                      <a:lvl1pPr marL="0" algn="l" defTabSz="914400" rtl="0" eaLnBrk="1" latinLnBrk="0" hangingPunct="1">
+                        <a:defRPr sz="1800" b="1" kern="1200">
+                          <a:solidFill>
+                            <a:schemeClr val="lt1"/>
+                          </a:solidFill>
+                          <a:latin typeface="Segoe UI"/>
+                        </a:defRPr>
+                      </a:lvl1pPr>
+                      <a:lvl2pPr marL="457200" algn="l" defTabSz="914400" rtl="0" eaLnBrk="1" latinLnBrk="0" hangingPunct="1">
+                        <a:defRPr sz="1800" b="1" kern="1200">
+                          <a:solidFill>
+                            <a:schemeClr val="lt1"/>
+                          </a:solidFill>
+                          <a:latin typeface="Segoe UI"/>
+                        </a:defRPr>
+                      </a:lvl2pPr>
+                      <a:lvl3pPr marL="914400" algn="l" defTabSz="914400" rtl="0" eaLnBrk="1" latinLnBrk="0" hangingPunct="1">
+                        <a:defRPr sz="1800" b="1" kern="1200">
+                          <a:solidFill>
+                            <a:schemeClr val="lt1"/>
+                          </a:solidFill>
+                          <a:latin typeface="Segoe UI"/>
+                        </a:defRPr>
+                      </a:lvl3pPr>
+                      <a:lvl4pPr marL="1371600" algn="l" defTabSz="914400" rtl="0" eaLnBrk="1" latinLnBrk="0" hangingPunct="1">
+                        <a:defRPr sz="1800" b="1" kern="1200">
+                          <a:solidFill>
+                            <a:schemeClr val="lt1"/>
+                          </a:solidFill>
+                          <a:latin typeface="Segoe UI"/>
+                        </a:defRPr>
+                      </a:lvl4pPr>
+                      <a:lvl5pPr marL="1828800" algn="l" defTabSz="914400" rtl="0" eaLnBrk="1" latinLnBrk="0" hangingPunct="1">
+                        <a:defRPr sz="1800" b="1" kern="1200">
+                          <a:solidFill>
+                            <a:schemeClr val="lt1"/>
+                          </a:solidFill>
+                          <a:latin typeface="Segoe UI"/>
+                        </a:defRPr>
+                      </a:lvl5pPr>
+                      <a:lvl6pPr marL="2286000" algn="l" defTabSz="914400" rtl="0" eaLnBrk="1" latinLnBrk="0" hangingPunct="1">
+                        <a:defRPr sz="1800" b="1" kern="1200">
+                          <a:solidFill>
+                            <a:schemeClr val="lt1"/>
+                          </a:solidFill>
+                          <a:latin typeface="Segoe UI"/>
+                        </a:defRPr>
+                      </a:lvl6pPr>
+                      <a:lvl7pPr marL="2743200" algn="l" defTabSz="914400" rtl="0" eaLnBrk="1" latinLnBrk="0" hangingPunct="1">
+                        <a:defRPr sz="1800" b="1" kern="1200">
+                          <a:solidFill>
+                            <a:schemeClr val="lt1"/>
+                          </a:solidFill>
+                          <a:latin typeface="Segoe UI"/>
+                        </a:defRPr>
+                      </a:lvl7pPr>
+                      <a:lvl8pPr marL="3200400" algn="l" defTabSz="914400" rtl="0" eaLnBrk="1" latinLnBrk="0" hangingPunct="1">
+                        <a:defRPr sz="1800" b="1" kern="1200">
+                          <a:solidFill>
+                            <a:schemeClr val="lt1"/>
+                          </a:solidFill>
+                          <a:latin typeface="Segoe UI"/>
+                        </a:defRPr>
+                      </a:lvl8pPr>
+                      <a:lvl9pPr marL="3657600" algn="l" defTabSz="914400" rtl="0" eaLnBrk="1" latinLnBrk="0" hangingPunct="1">
+                        <a:defRPr sz="1800" b="1" kern="1200">
+                          <a:solidFill>
+                            <a:schemeClr val="lt1"/>
+                          </a:solidFill>
+                          <a:latin typeface="Segoe UI"/>
+                        </a:defRPr>
+                      </a:lvl9pPr>
+                    </a:lstStyle>
+                    <a:p>
+                      <a:pPr marL="0" marR="0" lvl="0" indent="0" algn="l" defTabSz="914400" rtl="0" eaLnBrk="1" fontAlgn="auto" latinLnBrk="0" hangingPunct="1">
+                        <a:lnSpc>
+                          <a:spcPct val="100000"/>
+                        </a:lnSpc>
+                        <a:spcBef>
+                          <a:spcPts val="0"/>
+                        </a:spcBef>
+                        <a:spcAft>
+                          <a:spcPts val="0"/>
+                        </a:spcAft>
+                        <a:buClrTx/>
+                        <a:buSzTx/>
+                        <a:buFontTx/>
+                        <a:buNone/>
+                        <a:tabLst/>
+                        <a:defRPr/>
+                      </a:pPr>
+                      <a:r>
+                        <a:rPr lang="en-US" sz="1600" dirty="0">
+                          <a:latin typeface="Arial" panose="020B0604020202020204" pitchFamily="34" charset="0"/>
+                          <a:cs typeface="Arial" panose="020B0604020202020204" pitchFamily="34" charset="0"/>
+                        </a:rPr>
+                        <a:t>SARS-CoV-2 (XBB)</a:t>
+                      </a:r>
+                      <a:endParaRPr lang="en-US" sz="1600" baseline="-25000" dirty="0">
+                        <a:latin typeface="Arial" panose="020B0604020202020204" pitchFamily="34" charset="0"/>
+                        <a:cs typeface="Arial" panose="020B0604020202020204" pitchFamily="34" charset="0"/>
+                      </a:endParaRPr>
+                    </a:p>
+                  </a:txBody>
+                  <a:tcPr>
+                    <a:lnL w="12700" cmpd="sng">
+                      <a:solidFill>
+                        <a:sysClr val="window" lastClr="FFFFFF"/>
+                      </a:solidFill>
+                    </a:lnL>
+                    <a:lnR w="12700" cmpd="sng">
+                      <a:solidFill>
+                        <a:sysClr val="window" lastClr="FFFFFF"/>
+                      </a:solidFill>
+                    </a:lnR>
+                    <a:lnT w="12700" cmpd="sng">
+                      <a:solidFill>
+                        <a:sysClr val="window" lastClr="FFFFFF"/>
+                      </a:solidFill>
+                    </a:lnT>
+                    <a:lnB w="12700" cmpd="sng">
+                      <a:solidFill>
+                        <a:sysClr val="window" lastClr="FFFFFF"/>
+                      </a:solidFill>
+                    </a:lnB>
+                    <a:lnTlToBr w="12700" cmpd="sng">
+                      <a:noFill/>
+                      <a:prstDash val="solid"/>
+                    </a:lnTlToBr>
+                    <a:lnBlToTr w="12700" cmpd="sng">
+                      <a:noFill/>
+                      <a:prstDash val="solid"/>
+                    </a:lnBlToTr>
+                    <a:solidFill>
+                      <a:schemeClr val="accent1">
+                        <a:lumMod val="50000"/>
+                      </a:schemeClr>
+                    </a:solidFill>
+                  </a:tcPr>
+                </a:tc>
+                <a:tc>
+                  <a:txBody>
+                    <a:bodyPr/>
+                    <a:lstStyle>
+                      <a:lvl1pPr marL="0" algn="l" defTabSz="914400" rtl="0" eaLnBrk="1" latinLnBrk="0" hangingPunct="1">
+                        <a:defRPr sz="1800" kern="1200">
+                          <a:solidFill>
+                            <a:schemeClr val="dk1"/>
+                          </a:solidFill>
+                          <a:latin typeface="Segoe UI"/>
+                        </a:defRPr>
+                      </a:lvl1pPr>
+                      <a:lvl2pPr marL="457200" algn="l" defTabSz="914400" rtl="0" eaLnBrk="1" latinLnBrk="0" hangingPunct="1">
+                        <a:defRPr sz="1800" kern="1200">
+                          <a:solidFill>
+                            <a:schemeClr val="dk1"/>
+                          </a:solidFill>
+                          <a:latin typeface="Segoe UI"/>
+                        </a:defRPr>
+                      </a:lvl2pPr>
+                      <a:lvl3pPr marL="914400" algn="l" defTabSz="914400" rtl="0" eaLnBrk="1" latinLnBrk="0" hangingPunct="1">
+                        <a:defRPr sz="1800" kern="1200">
+                          <a:solidFill>
+                            <a:schemeClr val="dk1"/>
+                          </a:solidFill>
+                          <a:latin typeface="Segoe UI"/>
+                        </a:defRPr>
+                      </a:lvl3pPr>
+                      <a:lvl4pPr marL="1371600" algn="l" defTabSz="914400" rtl="0" eaLnBrk="1" latinLnBrk="0" hangingPunct="1">
+                        <a:defRPr sz="1800" kern="1200">
+                          <a:solidFill>
+                            <a:schemeClr val="dk1"/>
+                          </a:solidFill>
+                          <a:latin typeface="Segoe UI"/>
+                        </a:defRPr>
+                      </a:lvl4pPr>
+                      <a:lvl5pPr marL="1828800" algn="l" defTabSz="914400" rtl="0" eaLnBrk="1" latinLnBrk="0" hangingPunct="1">
+                        <a:defRPr sz="1800" kern="1200">
+                          <a:solidFill>
+                            <a:schemeClr val="dk1"/>
+                          </a:solidFill>
+                          <a:latin typeface="Segoe UI"/>
+                        </a:defRPr>
+                      </a:lvl5pPr>
+                      <a:lvl6pPr marL="2286000" algn="l" defTabSz="914400" rtl="0" eaLnBrk="1" latinLnBrk="0" hangingPunct="1">
+                        <a:defRPr sz="1800" kern="1200">
+                          <a:solidFill>
+                            <a:schemeClr val="dk1"/>
+                          </a:solidFill>
+                          <a:latin typeface="Segoe UI"/>
+                        </a:defRPr>
+                      </a:lvl6pPr>
+                      <a:lvl7pPr marL="2743200" algn="l" defTabSz="914400" rtl="0" eaLnBrk="1" latinLnBrk="0" hangingPunct="1">
+                        <a:defRPr sz="1800" kern="1200">
+                          <a:solidFill>
+                            <a:schemeClr val="dk1"/>
+                          </a:solidFill>
+                          <a:latin typeface="Segoe UI"/>
+                        </a:defRPr>
+                      </a:lvl7pPr>
+                      <a:lvl8pPr marL="3200400" algn="l" defTabSz="914400" rtl="0" eaLnBrk="1" latinLnBrk="0" hangingPunct="1">
+                        <a:defRPr sz="1800" kern="1200">
+                          <a:solidFill>
+                            <a:schemeClr val="dk1"/>
+                          </a:solidFill>
+                          <a:latin typeface="Segoe UI"/>
+                        </a:defRPr>
+                      </a:lvl8pPr>
+                      <a:lvl9pPr marL="3657600" algn="l" defTabSz="914400" rtl="0" eaLnBrk="1" latinLnBrk="0" hangingPunct="1">
+                        <a:defRPr sz="1800" kern="1200">
+                          <a:solidFill>
+                            <a:schemeClr val="dk1"/>
+                          </a:solidFill>
+                          <a:latin typeface="Segoe UI"/>
+                        </a:defRPr>
+                      </a:lvl9pPr>
+                    </a:lstStyle>
+                    <a:p>
+                      <a:pPr algn="ctr"/>
+                      <a:endParaRPr lang="en-US" sz="1600" dirty="0">
+                        <a:latin typeface="Arial" panose="020B0604020202020204" pitchFamily="34" charset="0"/>
+                        <a:cs typeface="Arial" panose="020B0604020202020204" pitchFamily="34" charset="0"/>
+                      </a:endParaRPr>
+                    </a:p>
+                  </a:txBody>
+                  <a:tcPr>
+                    <a:lnL w="12700" cmpd="sng">
+                      <a:solidFill>
+                        <a:sysClr val="window" lastClr="FFFFFF"/>
+                      </a:solidFill>
+                    </a:lnL>
+                    <a:lnR w="12700" cmpd="sng">
+                      <a:solidFill>
+                        <a:sysClr val="window" lastClr="FFFFFF"/>
+                      </a:solidFill>
+                    </a:lnR>
+                    <a:lnT w="12700" cmpd="sng">
+                      <a:solidFill>
+                        <a:sysClr val="window" lastClr="FFFFFF"/>
+                      </a:solidFill>
+                    </a:lnT>
+                    <a:lnB w="12700" cmpd="sng">
+                      <a:solidFill>
+                        <a:sysClr val="window" lastClr="FFFFFF"/>
+                      </a:solidFill>
+                    </a:lnB>
+                    <a:lnTlToBr w="12700" cmpd="sng">
+                      <a:noFill/>
+                      <a:prstDash val="solid"/>
+                    </a:lnTlToBr>
+                    <a:lnBlToTr w="12700" cmpd="sng">
+                      <a:noFill/>
+                      <a:prstDash val="solid"/>
+                    </a:lnBlToTr>
+                    <a:solidFill>
+                      <a:schemeClr val="accent1">
+                        <a:lumMod val="20000"/>
+                        <a:lumOff val="80000"/>
+                      </a:schemeClr>
+                    </a:solidFill>
+                  </a:tcPr>
+                </a:tc>
+                <a:tc>
+                  <a:txBody>
+                    <a:bodyPr/>
+                    <a:lstStyle>
+                      <a:lvl1pPr marL="0" algn="l" defTabSz="914400" rtl="0" eaLnBrk="1" latinLnBrk="0" hangingPunct="1">
+                        <a:defRPr sz="1800" kern="1200">
+                          <a:solidFill>
+                            <a:schemeClr val="dk1"/>
+                          </a:solidFill>
+                          <a:latin typeface="Segoe UI"/>
+                        </a:defRPr>
+                      </a:lvl1pPr>
+                      <a:lvl2pPr marL="457200" algn="l" defTabSz="914400" rtl="0" eaLnBrk="1" latinLnBrk="0" hangingPunct="1">
+                        <a:defRPr sz="1800" kern="1200">
+                          <a:solidFill>
+                            <a:schemeClr val="dk1"/>
+                          </a:solidFill>
+                          <a:latin typeface="Segoe UI"/>
+                        </a:defRPr>
+                      </a:lvl2pPr>
+                      <a:lvl3pPr marL="914400" algn="l" defTabSz="914400" rtl="0" eaLnBrk="1" latinLnBrk="0" hangingPunct="1">
+                        <a:defRPr sz="1800" kern="1200">
+                          <a:solidFill>
+                            <a:schemeClr val="dk1"/>
+                          </a:solidFill>
+                          <a:latin typeface="Segoe UI"/>
+                        </a:defRPr>
+                      </a:lvl3pPr>
+                      <a:lvl4pPr marL="1371600" algn="l" defTabSz="914400" rtl="0" eaLnBrk="1" latinLnBrk="0" hangingPunct="1">
+                        <a:defRPr sz="1800" kern="1200">
+                          <a:solidFill>
+                            <a:schemeClr val="dk1"/>
+                          </a:solidFill>
+                          <a:latin typeface="Segoe UI"/>
+                        </a:defRPr>
+                      </a:lvl4pPr>
+                      <a:lvl5pPr marL="1828800" algn="l" defTabSz="914400" rtl="0" eaLnBrk="1" latinLnBrk="0" hangingPunct="1">
+                        <a:defRPr sz="1800" kern="1200">
+                          <a:solidFill>
+                            <a:schemeClr val="dk1"/>
+                          </a:solidFill>
+                          <a:latin typeface="Segoe UI"/>
+                        </a:defRPr>
+                      </a:lvl5pPr>
+                      <a:lvl6pPr marL="2286000" algn="l" defTabSz="914400" rtl="0" eaLnBrk="1" latinLnBrk="0" hangingPunct="1">
+                        <a:defRPr sz="1800" kern="1200">
+                          <a:solidFill>
+                            <a:schemeClr val="dk1"/>
+                          </a:solidFill>
+                          <a:latin typeface="Segoe UI"/>
+                        </a:defRPr>
+                      </a:lvl6pPr>
+                      <a:lvl7pPr marL="2743200" algn="l" defTabSz="914400" rtl="0" eaLnBrk="1" latinLnBrk="0" hangingPunct="1">
+                        <a:defRPr sz="1800" kern="1200">
+                          <a:solidFill>
+                            <a:schemeClr val="dk1"/>
+                          </a:solidFill>
+                          <a:latin typeface="Segoe UI"/>
+                        </a:defRPr>
+                      </a:lvl7pPr>
+                      <a:lvl8pPr marL="3200400" algn="l" defTabSz="914400" rtl="0" eaLnBrk="1" latinLnBrk="0" hangingPunct="1">
+                        <a:defRPr sz="1800" kern="1200">
+                          <a:solidFill>
+                            <a:schemeClr val="dk1"/>
+                          </a:solidFill>
+                          <a:latin typeface="Segoe UI"/>
+                        </a:defRPr>
+                      </a:lvl8pPr>
+                      <a:lvl9pPr marL="3657600" algn="l" defTabSz="914400" rtl="0" eaLnBrk="1" latinLnBrk="0" hangingPunct="1">
+                        <a:defRPr sz="1800" kern="1200">
+                          <a:solidFill>
+                            <a:schemeClr val="dk1"/>
+                          </a:solidFill>
+                          <a:latin typeface="Segoe UI"/>
+                        </a:defRPr>
+                      </a:lvl9pPr>
+                    </a:lstStyle>
+                    <a:p>
+                      <a:pPr algn="ctr"/>
+                      <a:endParaRPr lang="en-US" sz="1600" dirty="0">
+                        <a:latin typeface="Arial" panose="020B0604020202020204" pitchFamily="34" charset="0"/>
+                        <a:cs typeface="Arial" panose="020B0604020202020204" pitchFamily="34" charset="0"/>
+                      </a:endParaRPr>
+                    </a:p>
+                  </a:txBody>
+                  <a:tcPr>
+                    <a:lnL w="12700" cmpd="sng">
+                      <a:solidFill>
+                        <a:sysClr val="window" lastClr="FFFFFF"/>
+                      </a:solidFill>
+                    </a:lnL>
+                    <a:lnR w="12700" cmpd="sng">
+                      <a:solidFill>
+                        <a:sysClr val="window" lastClr="FFFFFF"/>
+                      </a:solidFill>
+                    </a:lnR>
+                    <a:lnT w="12700" cmpd="sng">
+                      <a:solidFill>
+                        <a:sysClr val="window" lastClr="FFFFFF"/>
+                      </a:solidFill>
+                    </a:lnT>
+                    <a:lnB w="12700" cmpd="sng">
+                      <a:solidFill>
+                        <a:sysClr val="window" lastClr="FFFFFF"/>
+                      </a:solidFill>
+                    </a:lnB>
+                    <a:lnTlToBr w="12700" cmpd="sng">
+                      <a:noFill/>
+                      <a:prstDash val="solid"/>
+                    </a:lnTlToBr>
+                    <a:lnBlToTr w="12700" cmpd="sng">
+                      <a:noFill/>
+                      <a:prstDash val="solid"/>
+                    </a:lnBlToTr>
+                    <a:solidFill>
+                      <a:schemeClr val="accent1">
+                        <a:lumMod val="20000"/>
+                        <a:lumOff val="80000"/>
+                      </a:schemeClr>
+                    </a:solidFill>
+                  </a:tcPr>
+                </a:tc>
+                <a:tc>
+                  <a:txBody>
+                    <a:bodyPr/>
+                    <a:lstStyle>
+                      <a:lvl1pPr marL="0" algn="l" defTabSz="914400" rtl="0" eaLnBrk="1" latinLnBrk="0" hangingPunct="1">
+                        <a:defRPr sz="1800" kern="1200">
+                          <a:solidFill>
+                            <a:schemeClr val="dk1"/>
+                          </a:solidFill>
+                          <a:latin typeface="Segoe UI"/>
+                        </a:defRPr>
+                      </a:lvl1pPr>
+                      <a:lvl2pPr marL="457200" algn="l" defTabSz="914400" rtl="0" eaLnBrk="1" latinLnBrk="0" hangingPunct="1">
+                        <a:defRPr sz="1800" kern="1200">
+                          <a:solidFill>
+                            <a:schemeClr val="dk1"/>
+                          </a:solidFill>
+                          <a:latin typeface="Segoe UI"/>
+                        </a:defRPr>
+                      </a:lvl2pPr>
+                      <a:lvl3pPr marL="914400" algn="l" defTabSz="914400" rtl="0" eaLnBrk="1" latinLnBrk="0" hangingPunct="1">
+                        <a:defRPr sz="1800" kern="1200">
+                          <a:solidFill>
+                            <a:schemeClr val="dk1"/>
+                          </a:solidFill>
+                          <a:latin typeface="Segoe UI"/>
+                        </a:defRPr>
+                      </a:lvl3pPr>
+                      <a:lvl4pPr marL="1371600" algn="l" defTabSz="914400" rtl="0" eaLnBrk="1" latinLnBrk="0" hangingPunct="1">
+                        <a:defRPr sz="1800" kern="1200">
+                          <a:solidFill>
+                            <a:schemeClr val="dk1"/>
+                          </a:solidFill>
+                          <a:latin typeface="Segoe UI"/>
+                        </a:defRPr>
+                      </a:lvl4pPr>
+                      <a:lvl5pPr marL="1828800" algn="l" defTabSz="914400" rtl="0" eaLnBrk="1" latinLnBrk="0" hangingPunct="1">
+                        <a:defRPr sz="1800" kern="1200">
+                          <a:solidFill>
+                            <a:schemeClr val="dk1"/>
+                          </a:solidFill>
+                          <a:latin typeface="Segoe UI"/>
+                        </a:defRPr>
+                      </a:lvl5pPr>
+                      <a:lvl6pPr marL="2286000" algn="l" defTabSz="914400" rtl="0" eaLnBrk="1" latinLnBrk="0" hangingPunct="1">
+                        <a:defRPr sz="1800" kern="1200">
+                          <a:solidFill>
+                            <a:schemeClr val="dk1"/>
+                          </a:solidFill>
+                          <a:latin typeface="Segoe UI"/>
+                        </a:defRPr>
+                      </a:lvl6pPr>
+                      <a:lvl7pPr marL="2743200" algn="l" defTabSz="914400" rtl="0" eaLnBrk="1" latinLnBrk="0" hangingPunct="1">
+                        <a:defRPr sz="1800" kern="1200">
+                          <a:solidFill>
+                            <a:schemeClr val="dk1"/>
+                          </a:solidFill>
+                          <a:latin typeface="Segoe UI"/>
+                        </a:defRPr>
+                      </a:lvl7pPr>
+                      <a:lvl8pPr marL="3200400" algn="l" defTabSz="914400" rtl="0" eaLnBrk="1" latinLnBrk="0" hangingPunct="1">
+                        <a:defRPr sz="1800" kern="1200">
+                          <a:solidFill>
+                            <a:schemeClr val="dk1"/>
+                          </a:solidFill>
+                          <a:latin typeface="Segoe UI"/>
+                        </a:defRPr>
+                      </a:lvl8pPr>
+                      <a:lvl9pPr marL="3657600" algn="l" defTabSz="914400" rtl="0" eaLnBrk="1" latinLnBrk="0" hangingPunct="1">
+                        <a:defRPr sz="1800" kern="1200">
+                          <a:solidFill>
+                            <a:schemeClr val="dk1"/>
+                          </a:solidFill>
+                          <a:latin typeface="Segoe UI"/>
+                        </a:defRPr>
+                      </a:lvl9pPr>
+                    </a:lstStyle>
+                    <a:p>
+                      <a:pPr algn="ctr"/>
+                      <a:endParaRPr lang="en-US" sz="1600" dirty="0">
+                        <a:latin typeface="Arial" panose="020B0604020202020204" pitchFamily="34" charset="0"/>
+                        <a:cs typeface="Arial" panose="020B0604020202020204" pitchFamily="34" charset="0"/>
+                      </a:endParaRPr>
+                    </a:p>
+                  </a:txBody>
+                  <a:tcPr>
+                    <a:lnL w="12700" cmpd="sng">
+                      <a:solidFill>
+                        <a:sysClr val="window" lastClr="FFFFFF"/>
+                      </a:solidFill>
+                    </a:lnL>
+                    <a:lnR w="12700" cmpd="sng">
+                      <a:solidFill>
+                        <a:sysClr val="window" lastClr="FFFFFF"/>
+                      </a:solidFill>
+                    </a:lnR>
+                    <a:lnT w="12700" cmpd="sng">
+                      <a:solidFill>
+                        <a:sysClr val="window" lastClr="FFFFFF"/>
+                      </a:solidFill>
+                    </a:lnT>
+                    <a:lnB w="12700" cmpd="sng">
+                      <a:solidFill>
+                        <a:sysClr val="window" lastClr="FFFFFF"/>
+                      </a:solidFill>
+                    </a:lnB>
+                    <a:lnTlToBr w="12700" cmpd="sng">
+                      <a:noFill/>
+                      <a:prstDash val="solid"/>
+                    </a:lnTlToBr>
+                    <a:lnBlToTr w="12700" cmpd="sng">
+                      <a:noFill/>
+                      <a:prstDash val="solid"/>
+                    </a:lnBlToTr>
+                    <a:solidFill>
+                      <a:schemeClr val="accent1">
+                        <a:lumMod val="20000"/>
+                        <a:lumOff val="80000"/>
+                      </a:schemeClr>
+                    </a:solidFill>
+                  </a:tcPr>
+                </a:tc>
+                <a:extLst>
+                  <a:ext uri="{0D108BD9-81ED-4DB2-BD59-A6C34878D82A}">
+                    <a16:rowId xmlns:a16="http://schemas.microsoft.com/office/drawing/2014/main" val="3600432382"/>
+                  </a:ext>
+                </a:extLst>
+              </a:tr>
+              <a:tr h="370840">
+                <a:tc>
+                  <a:txBody>
+                    <a:bodyPr/>
+                    <a:lstStyle>
+                      <a:lvl1pPr marL="0" algn="l" defTabSz="914400" rtl="0" eaLnBrk="1" latinLnBrk="0" hangingPunct="1">
+                        <a:defRPr sz="1800" b="1" kern="1200">
+                          <a:solidFill>
+                            <a:schemeClr val="lt1"/>
+                          </a:solidFill>
+                          <a:latin typeface="Segoe UI"/>
+                        </a:defRPr>
+                      </a:lvl1pPr>
+                      <a:lvl2pPr marL="457200" algn="l" defTabSz="914400" rtl="0" eaLnBrk="1" latinLnBrk="0" hangingPunct="1">
+                        <a:defRPr sz="1800" b="1" kern="1200">
+                          <a:solidFill>
+                            <a:schemeClr val="lt1"/>
+                          </a:solidFill>
+                          <a:latin typeface="Segoe UI"/>
+                        </a:defRPr>
+                      </a:lvl2pPr>
+                      <a:lvl3pPr marL="914400" algn="l" defTabSz="914400" rtl="0" eaLnBrk="1" latinLnBrk="0" hangingPunct="1">
+                        <a:defRPr sz="1800" b="1" kern="1200">
+                          <a:solidFill>
+                            <a:schemeClr val="lt1"/>
+                          </a:solidFill>
+                          <a:latin typeface="Segoe UI"/>
+                        </a:defRPr>
+                      </a:lvl3pPr>
+                      <a:lvl4pPr marL="1371600" algn="l" defTabSz="914400" rtl="0" eaLnBrk="1" latinLnBrk="0" hangingPunct="1">
+                        <a:defRPr sz="1800" b="1" kern="1200">
+                          <a:solidFill>
+                            <a:schemeClr val="lt1"/>
+                          </a:solidFill>
+                          <a:latin typeface="Segoe UI"/>
+                        </a:defRPr>
+                      </a:lvl4pPr>
+                      <a:lvl5pPr marL="1828800" algn="l" defTabSz="914400" rtl="0" eaLnBrk="1" latinLnBrk="0" hangingPunct="1">
+                        <a:defRPr sz="1800" b="1" kern="1200">
+                          <a:solidFill>
+                            <a:schemeClr val="lt1"/>
+                          </a:solidFill>
+                          <a:latin typeface="Segoe UI"/>
+                        </a:defRPr>
+                      </a:lvl5pPr>
+                      <a:lvl6pPr marL="2286000" algn="l" defTabSz="914400" rtl="0" eaLnBrk="1" latinLnBrk="0" hangingPunct="1">
+                        <a:defRPr sz="1800" b="1" kern="1200">
+                          <a:solidFill>
+                            <a:schemeClr val="lt1"/>
+                          </a:solidFill>
+                          <a:latin typeface="Segoe UI"/>
+                        </a:defRPr>
+                      </a:lvl6pPr>
+                      <a:lvl7pPr marL="2743200" algn="l" defTabSz="914400" rtl="0" eaLnBrk="1" latinLnBrk="0" hangingPunct="1">
+                        <a:defRPr sz="1800" b="1" kern="1200">
+                          <a:solidFill>
+                            <a:schemeClr val="lt1"/>
+                          </a:solidFill>
+                          <a:latin typeface="Segoe UI"/>
+                        </a:defRPr>
+                      </a:lvl7pPr>
+                      <a:lvl8pPr marL="3200400" algn="l" defTabSz="914400" rtl="0" eaLnBrk="1" latinLnBrk="0" hangingPunct="1">
+                        <a:defRPr sz="1800" b="1" kern="1200">
+                          <a:solidFill>
+                            <a:schemeClr val="lt1"/>
+                          </a:solidFill>
+                          <a:latin typeface="Segoe UI"/>
+                        </a:defRPr>
+                      </a:lvl8pPr>
+                      <a:lvl9pPr marL="3657600" algn="l" defTabSz="914400" rtl="0" eaLnBrk="1" latinLnBrk="0" hangingPunct="1">
+                        <a:defRPr sz="1800" b="1" kern="1200">
+                          <a:solidFill>
+                            <a:schemeClr val="lt1"/>
+                          </a:solidFill>
+                          <a:latin typeface="Segoe UI"/>
+                        </a:defRPr>
+                      </a:lvl9pPr>
+                    </a:lstStyle>
+                    <a:p>
+                      <a:pPr algn="l"/>
+                      <a:r>
+                        <a:rPr lang="en-US" sz="1600" dirty="0">
+                          <a:latin typeface="Arial" panose="020B0604020202020204" pitchFamily="34" charset="0"/>
+                          <a:cs typeface="Arial" panose="020B0604020202020204" pitchFamily="34" charset="0"/>
+                        </a:rPr>
+                        <a:t>MERS-</a:t>
+                      </a:r>
+                      <a:r>
+                        <a:rPr lang="en-US" sz="1600" dirty="0" err="1">
+                          <a:latin typeface="Arial" panose="020B0604020202020204" pitchFamily="34" charset="0"/>
+                          <a:cs typeface="Arial" panose="020B0604020202020204" pitchFamily="34" charset="0"/>
+                        </a:rPr>
+                        <a:t>CoV</a:t>
+                      </a:r>
+                      <a:endParaRPr lang="en-US" sz="1600" baseline="-25000" dirty="0">
+                        <a:latin typeface="Arial" panose="020B0604020202020204" pitchFamily="34" charset="0"/>
+                        <a:cs typeface="Arial" panose="020B0604020202020204" pitchFamily="34" charset="0"/>
+                      </a:endParaRPr>
+                    </a:p>
+                  </a:txBody>
+                  <a:tcPr>
+                    <a:lnL w="12700" cmpd="sng">
+                      <a:solidFill>
+                        <a:sysClr val="window" lastClr="FFFFFF"/>
+                      </a:solidFill>
+                    </a:lnL>
+                    <a:lnR w="12700" cmpd="sng">
+                      <a:solidFill>
+                        <a:sysClr val="window" lastClr="FFFFFF"/>
+                      </a:solidFill>
+                    </a:lnR>
+                    <a:lnT w="12700" cmpd="sng">
+                      <a:solidFill>
+                        <a:sysClr val="window" lastClr="FFFFFF"/>
+                      </a:solidFill>
+                    </a:lnT>
+                    <a:lnB w="12700" cmpd="sng">
+                      <a:solidFill>
+                        <a:sysClr val="window" lastClr="FFFFFF"/>
+                      </a:solidFill>
+                    </a:lnB>
+                    <a:lnTlToBr w="12700" cmpd="sng">
+                      <a:noFill/>
+                      <a:prstDash val="solid"/>
+                    </a:lnTlToBr>
+                    <a:lnBlToTr w="12700" cmpd="sng">
+                      <a:noFill/>
+                      <a:prstDash val="solid"/>
+                    </a:lnBlToTr>
+                    <a:solidFill>
+                      <a:schemeClr val="accent1">
+                        <a:lumMod val="50000"/>
+                      </a:schemeClr>
+                    </a:solidFill>
+                  </a:tcPr>
+                </a:tc>
+                <a:tc>
+                  <a:txBody>
+                    <a:bodyPr/>
+                    <a:lstStyle>
+                      <a:lvl1pPr marL="0" algn="l" defTabSz="914400" rtl="0" eaLnBrk="1" latinLnBrk="0" hangingPunct="1">
+                        <a:defRPr sz="1800" kern="1200">
+                          <a:solidFill>
+                            <a:schemeClr val="dk1"/>
+                          </a:solidFill>
+                          <a:latin typeface="Segoe UI"/>
+                        </a:defRPr>
+                      </a:lvl1pPr>
+                      <a:lvl2pPr marL="457200" algn="l" defTabSz="914400" rtl="0" eaLnBrk="1" latinLnBrk="0" hangingPunct="1">
+                        <a:defRPr sz="1800" kern="1200">
+                          <a:solidFill>
+                            <a:schemeClr val="dk1"/>
+                          </a:solidFill>
+                          <a:latin typeface="Segoe UI"/>
+                        </a:defRPr>
+                      </a:lvl2pPr>
+                      <a:lvl3pPr marL="914400" algn="l" defTabSz="914400" rtl="0" eaLnBrk="1" latinLnBrk="0" hangingPunct="1">
+                        <a:defRPr sz="1800" kern="1200">
+                          <a:solidFill>
+                            <a:schemeClr val="dk1"/>
+                          </a:solidFill>
+                          <a:latin typeface="Segoe UI"/>
+                        </a:defRPr>
+                      </a:lvl3pPr>
+                      <a:lvl4pPr marL="1371600" algn="l" defTabSz="914400" rtl="0" eaLnBrk="1" latinLnBrk="0" hangingPunct="1">
+                        <a:defRPr sz="1800" kern="1200">
+                          <a:solidFill>
+                            <a:schemeClr val="dk1"/>
+                          </a:solidFill>
+                          <a:latin typeface="Segoe UI"/>
+                        </a:defRPr>
+                      </a:lvl4pPr>
+                      <a:lvl5pPr marL="1828800" algn="l" defTabSz="914400" rtl="0" eaLnBrk="1" latinLnBrk="0" hangingPunct="1">
+                        <a:defRPr sz="1800" kern="1200">
+                          <a:solidFill>
+                            <a:schemeClr val="dk1"/>
+                          </a:solidFill>
+                          <a:latin typeface="Segoe UI"/>
+                        </a:defRPr>
+                      </a:lvl5pPr>
+                      <a:lvl6pPr marL="2286000" algn="l" defTabSz="914400" rtl="0" eaLnBrk="1" latinLnBrk="0" hangingPunct="1">
+                        <a:defRPr sz="1800" kern="1200">
+                          <a:solidFill>
+                            <a:schemeClr val="dk1"/>
+                          </a:solidFill>
+                          <a:latin typeface="Segoe UI"/>
+                        </a:defRPr>
+                      </a:lvl6pPr>
+                      <a:lvl7pPr marL="2743200" algn="l" defTabSz="914400" rtl="0" eaLnBrk="1" latinLnBrk="0" hangingPunct="1">
+                        <a:defRPr sz="1800" kern="1200">
+                          <a:solidFill>
+                            <a:schemeClr val="dk1"/>
+                          </a:solidFill>
+                          <a:latin typeface="Segoe UI"/>
+                        </a:defRPr>
+                      </a:lvl7pPr>
+                      <a:lvl8pPr marL="3200400" algn="l" defTabSz="914400" rtl="0" eaLnBrk="1" latinLnBrk="0" hangingPunct="1">
+                        <a:defRPr sz="1800" kern="1200">
+                          <a:solidFill>
+                            <a:schemeClr val="dk1"/>
+                          </a:solidFill>
+                          <a:latin typeface="Segoe UI"/>
+                        </a:defRPr>
+                      </a:lvl8pPr>
+                      <a:lvl9pPr marL="3657600" algn="l" defTabSz="914400" rtl="0" eaLnBrk="1" latinLnBrk="0" hangingPunct="1">
+                        <a:defRPr sz="1800" kern="1200">
+                          <a:solidFill>
+                            <a:schemeClr val="dk1"/>
+                          </a:solidFill>
+                          <a:latin typeface="Segoe UI"/>
+                        </a:defRPr>
+                      </a:lvl9pPr>
+                    </a:lstStyle>
+                    <a:p>
+                      <a:pPr algn="ctr"/>
+                      <a:endParaRPr lang="en-US" sz="1600" dirty="0">
+                        <a:latin typeface="Arial" panose="020B0604020202020204" pitchFamily="34" charset="0"/>
+                        <a:cs typeface="Arial" panose="020B0604020202020204" pitchFamily="34" charset="0"/>
+                      </a:endParaRPr>
+                    </a:p>
+                  </a:txBody>
+                  <a:tcPr>
+                    <a:lnL w="12700" cmpd="sng">
+                      <a:solidFill>
+                        <a:sysClr val="window" lastClr="FFFFFF"/>
+                      </a:solidFill>
+                    </a:lnL>
+                    <a:lnR w="12700" cmpd="sng">
+                      <a:solidFill>
+                        <a:sysClr val="window" lastClr="FFFFFF"/>
+                      </a:solidFill>
+                    </a:lnR>
+                    <a:lnT w="12700" cmpd="sng">
+                      <a:solidFill>
+                        <a:sysClr val="window" lastClr="FFFFFF"/>
+                      </a:solidFill>
+                    </a:lnT>
+                    <a:lnB w="12700" cmpd="sng">
+                      <a:solidFill>
+                        <a:sysClr val="window" lastClr="FFFFFF"/>
+                      </a:solidFill>
+                    </a:lnB>
+                    <a:lnTlToBr w="12700" cmpd="sng">
+                      <a:noFill/>
+                      <a:prstDash val="solid"/>
+                    </a:lnTlToBr>
+                    <a:lnBlToTr w="12700" cmpd="sng">
+                      <a:noFill/>
+                      <a:prstDash val="solid"/>
+                    </a:lnBlToTr>
+                    <a:solidFill>
+                      <a:schemeClr val="accent1">
+                        <a:lumMod val="40000"/>
+                        <a:lumOff val="60000"/>
+                      </a:schemeClr>
+                    </a:solidFill>
+                  </a:tcPr>
+                </a:tc>
+                <a:tc>
+                  <a:txBody>
+                    <a:bodyPr/>
+                    <a:lstStyle>
+                      <a:lvl1pPr marL="0" algn="l" defTabSz="914400" rtl="0" eaLnBrk="1" latinLnBrk="0" hangingPunct="1">
+                        <a:defRPr sz="1800" kern="1200">
+                          <a:solidFill>
+                            <a:schemeClr val="dk1"/>
+                          </a:solidFill>
+                          <a:latin typeface="Segoe UI"/>
+                        </a:defRPr>
+                      </a:lvl1pPr>
+                      <a:lvl2pPr marL="457200" algn="l" defTabSz="914400" rtl="0" eaLnBrk="1" latinLnBrk="0" hangingPunct="1">
+                        <a:defRPr sz="1800" kern="1200">
+                          <a:solidFill>
+                            <a:schemeClr val="dk1"/>
+                          </a:solidFill>
+                          <a:latin typeface="Segoe UI"/>
+                        </a:defRPr>
+                      </a:lvl2pPr>
+                      <a:lvl3pPr marL="914400" algn="l" defTabSz="914400" rtl="0" eaLnBrk="1" latinLnBrk="0" hangingPunct="1">
+                        <a:defRPr sz="1800" kern="1200">
+                          <a:solidFill>
+                            <a:schemeClr val="dk1"/>
+                          </a:solidFill>
+                          <a:latin typeface="Segoe UI"/>
+                        </a:defRPr>
+                      </a:lvl3pPr>
+                      <a:lvl4pPr marL="1371600" algn="l" defTabSz="914400" rtl="0" eaLnBrk="1" latinLnBrk="0" hangingPunct="1">
+                        <a:defRPr sz="1800" kern="1200">
+                          <a:solidFill>
+                            <a:schemeClr val="dk1"/>
+                          </a:solidFill>
+                          <a:latin typeface="Segoe UI"/>
+                        </a:defRPr>
+                      </a:lvl4pPr>
+                      <a:lvl5pPr marL="1828800" algn="l" defTabSz="914400" rtl="0" eaLnBrk="1" latinLnBrk="0" hangingPunct="1">
+                        <a:defRPr sz="1800" kern="1200">
+                          <a:solidFill>
+                            <a:schemeClr val="dk1"/>
+                          </a:solidFill>
+                          <a:latin typeface="Segoe UI"/>
+                        </a:defRPr>
+                      </a:lvl5pPr>
+                      <a:lvl6pPr marL="2286000" algn="l" defTabSz="914400" rtl="0" eaLnBrk="1" latinLnBrk="0" hangingPunct="1">
+                        <a:defRPr sz="1800" kern="1200">
+                          <a:solidFill>
+                            <a:schemeClr val="dk1"/>
+                          </a:solidFill>
+                          <a:latin typeface="Segoe UI"/>
+                        </a:defRPr>
+                      </a:lvl6pPr>
+                      <a:lvl7pPr marL="2743200" algn="l" defTabSz="914400" rtl="0" eaLnBrk="1" latinLnBrk="0" hangingPunct="1">
+                        <a:defRPr sz="1800" kern="1200">
+                          <a:solidFill>
+                            <a:schemeClr val="dk1"/>
+                          </a:solidFill>
+                          <a:latin typeface="Segoe UI"/>
+                        </a:defRPr>
+                      </a:lvl7pPr>
+                      <a:lvl8pPr marL="3200400" algn="l" defTabSz="914400" rtl="0" eaLnBrk="1" latinLnBrk="0" hangingPunct="1">
+                        <a:defRPr sz="1800" kern="1200">
+                          <a:solidFill>
+                            <a:schemeClr val="dk1"/>
+                          </a:solidFill>
+                          <a:latin typeface="Segoe UI"/>
+                        </a:defRPr>
+                      </a:lvl8pPr>
+                      <a:lvl9pPr marL="3657600" algn="l" defTabSz="914400" rtl="0" eaLnBrk="1" latinLnBrk="0" hangingPunct="1">
+                        <a:defRPr sz="1800" kern="1200">
+                          <a:solidFill>
+                            <a:schemeClr val="dk1"/>
+                          </a:solidFill>
+                          <a:latin typeface="Segoe UI"/>
+                        </a:defRPr>
+                      </a:lvl9pPr>
+                    </a:lstStyle>
+                    <a:p>
+                      <a:pPr algn="ctr"/>
+                      <a:endParaRPr lang="en-US" sz="1600" dirty="0">
+                        <a:latin typeface="Arial" panose="020B0604020202020204" pitchFamily="34" charset="0"/>
+                        <a:cs typeface="Arial" panose="020B0604020202020204" pitchFamily="34" charset="0"/>
+                      </a:endParaRPr>
+                    </a:p>
+                  </a:txBody>
+                  <a:tcPr>
+                    <a:lnL w="12700" cmpd="sng">
+                      <a:solidFill>
+                        <a:sysClr val="window" lastClr="FFFFFF"/>
+                      </a:solidFill>
+                    </a:lnL>
+                    <a:lnR w="12700" cmpd="sng">
+                      <a:solidFill>
+                        <a:sysClr val="window" lastClr="FFFFFF"/>
+                      </a:solidFill>
+                    </a:lnR>
+                    <a:lnT w="12700" cmpd="sng">
+                      <a:solidFill>
+                        <a:sysClr val="window" lastClr="FFFFFF"/>
+                      </a:solidFill>
+                    </a:lnT>
+                    <a:lnB w="12700" cmpd="sng">
+                      <a:solidFill>
+                        <a:sysClr val="window" lastClr="FFFFFF"/>
+                      </a:solidFill>
+                    </a:lnB>
+                    <a:lnTlToBr w="12700" cmpd="sng">
+                      <a:noFill/>
+                      <a:prstDash val="solid"/>
+                    </a:lnTlToBr>
+                    <a:lnBlToTr w="12700" cmpd="sng">
+                      <a:noFill/>
+                      <a:prstDash val="solid"/>
+                    </a:lnBlToTr>
+                    <a:solidFill>
+                      <a:schemeClr val="accent1">
+                        <a:lumMod val="40000"/>
+                        <a:lumOff val="60000"/>
+                      </a:schemeClr>
+                    </a:solidFill>
+                  </a:tcPr>
+                </a:tc>
+                <a:tc>
+                  <a:txBody>
+                    <a:bodyPr/>
+                    <a:lstStyle>
+                      <a:lvl1pPr marL="0" algn="l" defTabSz="914400" rtl="0" eaLnBrk="1" latinLnBrk="0" hangingPunct="1">
+                        <a:defRPr sz="1800" kern="1200">
+                          <a:solidFill>
+                            <a:schemeClr val="dk1"/>
+                          </a:solidFill>
+                          <a:latin typeface="Segoe UI"/>
+                        </a:defRPr>
+                      </a:lvl1pPr>
+                      <a:lvl2pPr marL="457200" algn="l" defTabSz="914400" rtl="0" eaLnBrk="1" latinLnBrk="0" hangingPunct="1">
+                        <a:defRPr sz="1800" kern="1200">
+                          <a:solidFill>
+                            <a:schemeClr val="dk1"/>
+                          </a:solidFill>
+                          <a:latin typeface="Segoe UI"/>
+                        </a:defRPr>
+                      </a:lvl2pPr>
+                      <a:lvl3pPr marL="914400" algn="l" defTabSz="914400" rtl="0" eaLnBrk="1" latinLnBrk="0" hangingPunct="1">
+                        <a:defRPr sz="1800" kern="1200">
+                          <a:solidFill>
+                            <a:schemeClr val="dk1"/>
+                          </a:solidFill>
+                          <a:latin typeface="Segoe UI"/>
+                        </a:defRPr>
+                      </a:lvl3pPr>
+                      <a:lvl4pPr marL="1371600" algn="l" defTabSz="914400" rtl="0" eaLnBrk="1" latinLnBrk="0" hangingPunct="1">
+                        <a:defRPr sz="1800" kern="1200">
+                          <a:solidFill>
+                            <a:schemeClr val="dk1"/>
+                          </a:solidFill>
+                          <a:latin typeface="Segoe UI"/>
+                        </a:defRPr>
+                      </a:lvl4pPr>
+                      <a:lvl5pPr marL="1828800" algn="l" defTabSz="914400" rtl="0" eaLnBrk="1" latinLnBrk="0" hangingPunct="1">
+                        <a:defRPr sz="1800" kern="1200">
+                          <a:solidFill>
+                            <a:schemeClr val="dk1"/>
+                          </a:solidFill>
+                          <a:latin typeface="Segoe UI"/>
+                        </a:defRPr>
+                      </a:lvl5pPr>
+                      <a:lvl6pPr marL="2286000" algn="l" defTabSz="914400" rtl="0" eaLnBrk="1" latinLnBrk="0" hangingPunct="1">
+                        <a:defRPr sz="1800" kern="1200">
+                          <a:solidFill>
+                            <a:schemeClr val="dk1"/>
+                          </a:solidFill>
+                          <a:latin typeface="Segoe UI"/>
+                        </a:defRPr>
+                      </a:lvl6pPr>
+                      <a:lvl7pPr marL="2743200" algn="l" defTabSz="914400" rtl="0" eaLnBrk="1" latinLnBrk="0" hangingPunct="1">
+                        <a:defRPr sz="1800" kern="1200">
+                          <a:solidFill>
+                            <a:schemeClr val="dk1"/>
+                          </a:solidFill>
+                          <a:latin typeface="Segoe UI"/>
+                        </a:defRPr>
+                      </a:lvl7pPr>
+                      <a:lvl8pPr marL="3200400" algn="l" defTabSz="914400" rtl="0" eaLnBrk="1" latinLnBrk="0" hangingPunct="1">
+                        <a:defRPr sz="1800" kern="1200">
+                          <a:solidFill>
+                            <a:schemeClr val="dk1"/>
+                          </a:solidFill>
+                          <a:latin typeface="Segoe UI"/>
+                        </a:defRPr>
+                      </a:lvl8pPr>
+                      <a:lvl9pPr marL="3657600" algn="l" defTabSz="914400" rtl="0" eaLnBrk="1" latinLnBrk="0" hangingPunct="1">
+                        <a:defRPr sz="1800" kern="1200">
+                          <a:solidFill>
+                            <a:schemeClr val="dk1"/>
+                          </a:solidFill>
+                          <a:latin typeface="Segoe UI"/>
+                        </a:defRPr>
+                      </a:lvl9pPr>
+                    </a:lstStyle>
+                    <a:p>
+                      <a:pPr algn="ctr"/>
+                      <a:endParaRPr lang="en-US" sz="1600" dirty="0">
+                        <a:latin typeface="Arial" panose="020B0604020202020204" pitchFamily="34" charset="0"/>
+                        <a:cs typeface="Arial" panose="020B0604020202020204" pitchFamily="34" charset="0"/>
+                      </a:endParaRPr>
+                    </a:p>
+                  </a:txBody>
+                  <a:tcPr>
+                    <a:lnL w="12700" cmpd="sng">
+                      <a:solidFill>
+                        <a:sysClr val="window" lastClr="FFFFFF"/>
+                      </a:solidFill>
+                    </a:lnL>
+                    <a:lnR w="12700" cmpd="sng">
+                      <a:solidFill>
+                        <a:sysClr val="window" lastClr="FFFFFF"/>
+                      </a:solidFill>
+                    </a:lnR>
+                    <a:lnT w="12700" cmpd="sng">
+                      <a:solidFill>
+                        <a:sysClr val="window" lastClr="FFFFFF"/>
+                      </a:solidFill>
+                    </a:lnT>
+                    <a:lnB w="12700" cmpd="sng">
+                      <a:solidFill>
+                        <a:sysClr val="window" lastClr="FFFFFF"/>
+                      </a:solidFill>
+                    </a:lnB>
+                    <a:lnTlToBr w="12700" cmpd="sng">
+                      <a:noFill/>
+                      <a:prstDash val="solid"/>
+                    </a:lnTlToBr>
+                    <a:lnBlToTr w="12700" cmpd="sng">
+                      <a:noFill/>
+                      <a:prstDash val="solid"/>
+                    </a:lnBlToTr>
+                    <a:solidFill>
+                      <a:schemeClr val="accent1">
+                        <a:lumMod val="40000"/>
+                        <a:lumOff val="60000"/>
+                      </a:schemeClr>
+                    </a:solidFill>
+                  </a:tcPr>
+                </a:tc>
+                <a:extLst>
+                  <a:ext uri="{0D108BD9-81ED-4DB2-BD59-A6C34878D82A}">
+                    <a16:rowId xmlns:a16="http://schemas.microsoft.com/office/drawing/2014/main" val="68335261"/>
+                  </a:ext>
+                </a:extLst>
+              </a:tr>
+            </a:tbl>
+          </a:graphicData>
+        </a:graphic>
+      </p:graphicFrame>
+      <p:sp>
+        <p:nvSpPr>
+          <p:cNvPr id="17" name="Rectangle 16">
+            <a:extLst>
+              <a:ext uri="{FF2B5EF4-FFF2-40B4-BE49-F238E27FC236}">
+                <a16:creationId xmlns:a16="http://schemas.microsoft.com/office/drawing/2014/main" id="{4F890522-B78C-4514-897C-59DB842693F1}"/>
+              </a:ext>
+            </a:extLst>
+          </p:cNvPr>
+          <p:cNvSpPr/>
+          <p:nvPr/>
+        </p:nvSpPr>
+        <p:spPr>
+          <a:xfrm rot="18478249">
+            <a:off x="1999503" y="3203509"/>
+            <a:ext cx="2398413" cy="1200329"/>
+          </a:xfrm>
+          <a:prstGeom prst="rect">
+            <a:avLst/>
+          </a:prstGeom>
+          <a:noFill/>
+        </p:spPr>
+        <p:txBody>
+          <a:bodyPr wrap="none" lIns="91440" tIns="45720" rIns="91440" bIns="45720">
+            <a:spAutoFit/>
+          </a:bodyPr>
+          <a:lstStyle/>
+          <a:p>
+            <a:pPr algn="ctr"/>
+            <a:r>
+              <a:rPr lang="en-US" sz="4000" b="1" dirty="0">
+                <a:ln w="0"/>
+                <a:solidFill>
+                  <a:schemeClr val="accent1">
+                    <a:lumMod val="50000"/>
+                  </a:schemeClr>
+                </a:solidFill>
+                <a:latin typeface="Arial" panose="020B0604020202020204" pitchFamily="34" charset="0"/>
+                <a:cs typeface="Arial" panose="020B0604020202020204" pitchFamily="34" charset="0"/>
+              </a:rPr>
+              <a:t>1,088</a:t>
+            </a:r>
+          </a:p>
+          <a:p>
+            <a:pPr algn="ctr"/>
+            <a:r>
+              <a:rPr lang="en-US" sz="3200" b="1" dirty="0">
+                <a:ln w="0"/>
+                <a:solidFill>
+                  <a:schemeClr val="accent1">
+                    <a:lumMod val="50000"/>
+                  </a:schemeClr>
+                </a:solidFill>
+                <a:latin typeface="Arial" panose="020B0604020202020204" pitchFamily="34" charset="0"/>
+                <a:cs typeface="Arial" panose="020B0604020202020204" pitchFamily="34" charset="0"/>
+              </a:rPr>
+              <a:t>Complexes</a:t>
+            </a:r>
+            <a:endParaRPr lang="en-US" sz="4000" b="1" dirty="0">
+              <a:ln w="0"/>
+              <a:solidFill>
+                <a:schemeClr val="accent1">
+                  <a:lumMod val="50000"/>
+                </a:schemeClr>
+              </a:solidFill>
+              <a:latin typeface="Arial" panose="020B0604020202020204" pitchFamily="34" charset="0"/>
+              <a:cs typeface="Arial" panose="020B0604020202020204" pitchFamily="34" charset="0"/>
+            </a:endParaRPr>
+          </a:p>
+        </p:txBody>
+      </p:sp>
+      <p:sp>
+        <p:nvSpPr>
+          <p:cNvPr id="18" name="TextBox 17">
+            <a:extLst>
+              <a:ext uri="{FF2B5EF4-FFF2-40B4-BE49-F238E27FC236}">
+                <a16:creationId xmlns:a16="http://schemas.microsoft.com/office/drawing/2014/main" id="{305830E1-A5A7-46C5-9969-2283A3861500}"/>
+              </a:ext>
+            </a:extLst>
+          </p:cNvPr>
+          <p:cNvSpPr txBox="1"/>
+          <p:nvPr/>
+        </p:nvSpPr>
+        <p:spPr>
+          <a:xfrm>
+            <a:off x="1398497" y="1622602"/>
+            <a:ext cx="2390399" cy="369332"/>
+          </a:xfrm>
+          <a:prstGeom prst="rect">
+            <a:avLst/>
+          </a:prstGeom>
+          <a:noFill/>
+        </p:spPr>
+        <p:txBody>
+          <a:bodyPr wrap="none" rtlCol="0">
+            <a:spAutoFit/>
+          </a:bodyPr>
+          <a:lstStyle/>
+          <a:p>
+            <a:pPr algn="ctr"/>
+            <a:r>
+              <a:rPr lang="en-US" dirty="0">
+                <a:solidFill>
+                  <a:prstClr val="black"/>
+                </a:solidFill>
+                <a:latin typeface="Arial" panose="020B0604020202020204" pitchFamily="34" charset="0"/>
+                <a:cs typeface="Arial" panose="020B0604020202020204" pitchFamily="34" charset="0"/>
+              </a:rPr>
+              <a:t>64 Human Cytokines </a:t>
+            </a:r>
+          </a:p>
+        </p:txBody>
+      </p:sp>
+      <p:sp>
+        <p:nvSpPr>
+          <p:cNvPr id="19" name="Left Brace 18">
+            <a:extLst>
+              <a:ext uri="{FF2B5EF4-FFF2-40B4-BE49-F238E27FC236}">
+                <a16:creationId xmlns:a16="http://schemas.microsoft.com/office/drawing/2014/main" id="{32582079-4C2D-414C-9BB0-D8555BF2893C}"/>
+              </a:ext>
+            </a:extLst>
+          </p:cNvPr>
+          <p:cNvSpPr/>
+          <p:nvPr/>
+        </p:nvSpPr>
+        <p:spPr>
+          <a:xfrm rot="5400000">
+            <a:off x="2456568" y="442192"/>
+            <a:ext cx="274256" cy="3462325"/>
+          </a:xfrm>
+          <a:prstGeom prst="leftBrace">
+            <a:avLst/>
+          </a:prstGeom>
+          <a:noFill/>
+          <a:ln w="38100" cap="flat" cmpd="sng" algn="ctr">
+            <a:solidFill>
+              <a:schemeClr val="accent1"/>
+            </a:solidFill>
+            <a:prstDash val="solid"/>
+            <a:miter lim="800000"/>
+          </a:ln>
+          <a:effectLst/>
+        </p:spPr>
+        <p:txBody>
+          <a:bodyPr rtlCol="0" anchor="ctr"/>
+          <a:lstStyle/>
+          <a:p>
+            <a:pPr marL="0" marR="0" lvl="0" indent="0" algn="ctr" defTabSz="914400" eaLnBrk="1" fontAlgn="auto" latinLnBrk="0" hangingPunct="1">
+              <a:lnSpc>
+                <a:spcPct val="100000"/>
+              </a:lnSpc>
+              <a:spcBef>
+                <a:spcPts val="0"/>
+              </a:spcBef>
+              <a:spcAft>
+                <a:spcPts val="0"/>
+              </a:spcAft>
+              <a:buClrTx/>
+              <a:buSzTx/>
+              <a:buFontTx/>
+              <a:buNone/>
+              <a:tabLst/>
+              <a:defRPr/>
+            </a:pPr>
+            <a:endParaRPr kumimoji="0" lang="en-US" sz="1800" b="0" i="0" u="none" strike="noStrike" kern="0" cap="none" spc="0" normalizeH="0" baseline="0" noProof="0">
+              <a:ln>
+                <a:noFill/>
+              </a:ln>
+              <a:solidFill>
+                <a:prstClr val="black"/>
+              </a:solidFill>
+              <a:effectLst/>
+              <a:uLnTx/>
+              <a:uFillTx/>
+              <a:latin typeface="Arial" panose="020B0604020202020204" pitchFamily="34" charset="0"/>
+              <a:cs typeface="Arial" panose="020B0604020202020204" pitchFamily="34" charset="0"/>
+            </a:endParaRPr>
+          </a:p>
+        </p:txBody>
+      </p:sp>
+      <p:sp>
+        <p:nvSpPr>
+          <p:cNvPr id="20" name="TextBox 19">
+            <a:extLst>
+              <a:ext uri="{FF2B5EF4-FFF2-40B4-BE49-F238E27FC236}">
+                <a16:creationId xmlns:a16="http://schemas.microsoft.com/office/drawing/2014/main" id="{5B80E5E6-5823-43E5-9C49-DFD70D265E29}"/>
+              </a:ext>
+            </a:extLst>
+          </p:cNvPr>
+          <p:cNvSpPr txBox="1"/>
+          <p:nvPr/>
+        </p:nvSpPr>
+        <p:spPr>
+          <a:xfrm rot="16200000">
+            <a:off x="-501965" y="3551869"/>
+            <a:ext cx="1577676" cy="369332"/>
+          </a:xfrm>
+          <a:prstGeom prst="rect">
+            <a:avLst/>
+          </a:prstGeom>
+          <a:noFill/>
+        </p:spPr>
+        <p:txBody>
+          <a:bodyPr wrap="none" rtlCol="0">
+            <a:spAutoFit/>
+          </a:bodyPr>
+          <a:lstStyle/>
+          <a:p>
+            <a:pPr algn="ctr"/>
+            <a:r>
+              <a:rPr lang="en-US" dirty="0">
+                <a:solidFill>
+                  <a:prstClr val="black"/>
+                </a:solidFill>
+                <a:latin typeface="Arial" panose="020B0604020202020204" pitchFamily="34" charset="0"/>
+                <a:cs typeface="Arial" panose="020B0604020202020204" pitchFamily="34" charset="0"/>
+              </a:rPr>
+              <a:t>17 N Proteins</a:t>
+            </a:r>
+            <a:endParaRPr lang="en-US" i="1" dirty="0">
+              <a:solidFill>
+                <a:prstClr val="black"/>
+              </a:solidFill>
+              <a:latin typeface="Arial" panose="020B0604020202020204" pitchFamily="34" charset="0"/>
+              <a:cs typeface="Arial" panose="020B0604020202020204" pitchFamily="34" charset="0"/>
+            </a:endParaRPr>
+          </a:p>
+        </p:txBody>
+      </p:sp>
+      <p:sp>
+        <p:nvSpPr>
+          <p:cNvPr id="21" name="Left Brace 20">
+            <a:extLst>
+              <a:ext uri="{FF2B5EF4-FFF2-40B4-BE49-F238E27FC236}">
+                <a16:creationId xmlns:a16="http://schemas.microsoft.com/office/drawing/2014/main" id="{AA4F248B-4F85-407F-B459-4D0BDE982F08}"/>
+              </a:ext>
+            </a:extLst>
+          </p:cNvPr>
+          <p:cNvSpPr/>
+          <p:nvPr/>
+        </p:nvSpPr>
+        <p:spPr>
+          <a:xfrm>
+            <a:off x="487089" y="2354775"/>
+            <a:ext cx="297209" cy="2641600"/>
+          </a:xfrm>
+          <a:prstGeom prst="leftBrace">
+            <a:avLst/>
+          </a:prstGeom>
+          <a:noFill/>
+          <a:ln w="38100" cap="flat" cmpd="sng" algn="ctr">
+            <a:solidFill>
+              <a:schemeClr val="accent1"/>
+            </a:solidFill>
+            <a:prstDash val="solid"/>
+            <a:miter lim="800000"/>
+          </a:ln>
+          <a:effectLst/>
+        </p:spPr>
+        <p:txBody>
+          <a:bodyPr rtlCol="0" anchor="ctr"/>
+          <a:lstStyle/>
+          <a:p>
+            <a:pPr marL="0" marR="0" lvl="0" indent="0" algn="ctr" defTabSz="914400" eaLnBrk="1" fontAlgn="auto" latinLnBrk="0" hangingPunct="1">
+              <a:lnSpc>
+                <a:spcPct val="100000"/>
+              </a:lnSpc>
+              <a:spcBef>
+                <a:spcPts val="0"/>
+              </a:spcBef>
+              <a:spcAft>
+                <a:spcPts val="0"/>
+              </a:spcAft>
+              <a:buClrTx/>
+              <a:buSzTx/>
+              <a:buFontTx/>
+              <a:buNone/>
+              <a:tabLst/>
+              <a:defRPr/>
+            </a:pPr>
+            <a:endParaRPr kumimoji="0" lang="en-US" sz="1800" b="0" i="0" u="none" strike="noStrike" kern="0" cap="none" spc="0" normalizeH="0" baseline="0" noProof="0">
+              <a:ln>
+                <a:noFill/>
+              </a:ln>
+              <a:solidFill>
+                <a:prstClr val="black"/>
+              </a:solidFill>
+              <a:effectLst/>
+              <a:uLnTx/>
+              <a:uFillTx/>
+              <a:latin typeface="Arial" panose="020B0604020202020204" pitchFamily="34" charset="0"/>
+              <a:cs typeface="Arial" panose="020B0604020202020204" pitchFamily="34" charset="0"/>
+            </a:endParaRPr>
+          </a:p>
+        </p:txBody>
+      </p:sp>
+      <p:sp>
+        <p:nvSpPr>
+          <p:cNvPr id="5" name="Rectangle 4">
+            <a:extLst>
+              <a:ext uri="{FF2B5EF4-FFF2-40B4-BE49-F238E27FC236}">
+                <a16:creationId xmlns:a16="http://schemas.microsoft.com/office/drawing/2014/main" id="{A6AAB8D8-4653-AEAB-0744-D143F87E54B0}"/>
+              </a:ext>
+            </a:extLst>
+          </p:cNvPr>
+          <p:cNvSpPr/>
+          <p:nvPr/>
+        </p:nvSpPr>
+        <p:spPr>
+          <a:xfrm>
+            <a:off x="5408857" y="2354775"/>
+            <a:ext cx="2282996" cy="1236393"/>
+          </a:xfrm>
+          <a:prstGeom prst="rect">
+            <a:avLst/>
+          </a:prstGeom>
+        </p:spPr>
+        <p:style>
+          <a:lnRef idx="2">
+            <a:schemeClr val="accent4">
+              <a:shade val="15000"/>
+            </a:schemeClr>
+          </a:lnRef>
+          <a:fillRef idx="1">
+            <a:schemeClr val="accent4"/>
+          </a:fillRef>
+          <a:effectRef idx="0">
+            <a:schemeClr val="accent4"/>
+          </a:effectRef>
+          <a:fontRef idx="minor">
+            <a:schemeClr val="lt1"/>
+          </a:fontRef>
+        </p:style>
+        <p:txBody>
+          <a:bodyPr rtlCol="0" anchor="ctr"/>
+          <a:lstStyle/>
+          <a:p>
+            <a:pPr algn="ctr"/>
+            <a:r>
+              <a:rPr lang="en-US" sz="2400" b="1" dirty="0">
+                <a:latin typeface="Arial" panose="020B0604020202020204" pitchFamily="34" charset="0"/>
+                <a:cs typeface="Arial" panose="020B0604020202020204" pitchFamily="34" charset="0"/>
+              </a:rPr>
+              <a:t>600</a:t>
+            </a:r>
+            <a:r>
+              <a:rPr lang="en-US" sz="2400" dirty="0">
+                <a:latin typeface="Arial" panose="020B0604020202020204" pitchFamily="34" charset="0"/>
+                <a:cs typeface="Arial" panose="020B0604020202020204" pitchFamily="34" charset="0"/>
+              </a:rPr>
+              <a:t> HADDOCK</a:t>
+            </a:r>
+          </a:p>
+          <a:p>
+            <a:pPr algn="ctr"/>
+            <a:r>
+              <a:rPr lang="en-US" sz="2400" dirty="0">
+                <a:latin typeface="Arial" panose="020B0604020202020204" pitchFamily="34" charset="0"/>
+                <a:cs typeface="Arial" panose="020B0604020202020204" pitchFamily="34" charset="0"/>
+              </a:rPr>
+              <a:t>Iterations</a:t>
+            </a:r>
+          </a:p>
+        </p:txBody>
+      </p:sp>
+      <p:sp>
+        <p:nvSpPr>
+          <p:cNvPr id="6" name="Rectangle 5">
+            <a:extLst>
+              <a:ext uri="{FF2B5EF4-FFF2-40B4-BE49-F238E27FC236}">
+                <a16:creationId xmlns:a16="http://schemas.microsoft.com/office/drawing/2014/main" id="{E7558A9D-3FFF-CF6C-18C1-8975E3E6F901}"/>
+              </a:ext>
+            </a:extLst>
+          </p:cNvPr>
+          <p:cNvSpPr/>
+          <p:nvPr/>
+        </p:nvSpPr>
+        <p:spPr>
+          <a:xfrm>
+            <a:off x="5408857" y="3732831"/>
+            <a:ext cx="2282996" cy="1236393"/>
+          </a:xfrm>
+          <a:prstGeom prst="rect">
+            <a:avLst/>
+          </a:prstGeom>
+          <a:solidFill>
+            <a:schemeClr val="accent4">
+              <a:lumMod val="75000"/>
+            </a:schemeClr>
+          </a:solidFill>
+        </p:spPr>
+        <p:style>
+          <a:lnRef idx="2">
+            <a:schemeClr val="accent4">
+              <a:shade val="15000"/>
+            </a:schemeClr>
+          </a:lnRef>
+          <a:fillRef idx="1">
+            <a:schemeClr val="accent4"/>
+          </a:fillRef>
+          <a:effectRef idx="0">
+            <a:schemeClr val="accent4"/>
+          </a:effectRef>
+          <a:fontRef idx="minor">
+            <a:schemeClr val="lt1"/>
+          </a:fontRef>
+        </p:style>
+        <p:txBody>
+          <a:bodyPr rtlCol="0" anchor="ctr"/>
+          <a:lstStyle/>
+          <a:p>
+            <a:pPr algn="ctr"/>
+            <a:r>
+              <a:rPr lang="en-US" sz="2400" b="1" dirty="0">
+                <a:latin typeface="Arial" panose="020B0604020202020204" pitchFamily="34" charset="0"/>
+                <a:cs typeface="Arial" panose="020B0604020202020204" pitchFamily="34" charset="0"/>
+              </a:rPr>
+              <a:t>25</a:t>
+            </a:r>
+          </a:p>
+          <a:p>
+            <a:pPr algn="ctr"/>
+            <a:r>
+              <a:rPr lang="en-US" sz="2400" dirty="0">
+                <a:latin typeface="Arial" panose="020B0604020202020204" pitchFamily="34" charset="0"/>
+                <a:cs typeface="Arial" panose="020B0604020202020204" pitchFamily="34" charset="0"/>
+              </a:rPr>
+              <a:t>AlphaFold2</a:t>
+            </a:r>
+          </a:p>
+          <a:p>
+            <a:pPr algn="ctr"/>
+            <a:r>
+              <a:rPr lang="en-US" sz="2400" dirty="0">
+                <a:latin typeface="Arial" panose="020B0604020202020204" pitchFamily="34" charset="0"/>
+                <a:cs typeface="Arial" panose="020B0604020202020204" pitchFamily="34" charset="0"/>
+              </a:rPr>
+              <a:t>Iterations</a:t>
+            </a:r>
+          </a:p>
+        </p:txBody>
+      </p:sp>
+      <p:cxnSp>
+        <p:nvCxnSpPr>
+          <p:cNvPr id="8" name="Straight Arrow Connector 7">
+            <a:extLst>
+              <a:ext uri="{FF2B5EF4-FFF2-40B4-BE49-F238E27FC236}">
+                <a16:creationId xmlns:a16="http://schemas.microsoft.com/office/drawing/2014/main" id="{0E8DA619-C27C-A2CA-6008-6A59E7030F8F}"/>
+              </a:ext>
+            </a:extLst>
+          </p:cNvPr>
+          <p:cNvCxnSpPr>
+            <a:cxnSpLocks/>
+            <a:endCxn id="5" idx="1"/>
+          </p:cNvCxnSpPr>
+          <p:nvPr/>
+        </p:nvCxnSpPr>
+        <p:spPr>
+          <a:xfrm>
+            <a:off x="4324859" y="2972971"/>
+            <a:ext cx="1083998" cy="1"/>
+          </a:xfrm>
+          <a:prstGeom prst="straightConnector1">
+            <a:avLst/>
+          </a:prstGeom>
+          <a:ln w="127000">
+            <a:tailEnd type="triangle"/>
+          </a:ln>
+        </p:spPr>
+        <p:style>
+          <a:lnRef idx="1">
+            <a:schemeClr val="accent1"/>
+          </a:lnRef>
+          <a:fillRef idx="0">
+            <a:schemeClr val="accent1"/>
+          </a:fillRef>
+          <a:effectRef idx="0">
+            <a:schemeClr val="accent1"/>
+          </a:effectRef>
+          <a:fontRef idx="minor">
+            <a:schemeClr val="tx1"/>
+          </a:fontRef>
+        </p:style>
+      </p:cxnSp>
+      <p:cxnSp>
+        <p:nvCxnSpPr>
+          <p:cNvPr id="13" name="Straight Arrow Connector 12">
+            <a:extLst>
+              <a:ext uri="{FF2B5EF4-FFF2-40B4-BE49-F238E27FC236}">
+                <a16:creationId xmlns:a16="http://schemas.microsoft.com/office/drawing/2014/main" id="{0B4193B4-4154-1652-8ECA-08EDA2F09A51}"/>
+              </a:ext>
+            </a:extLst>
+          </p:cNvPr>
+          <p:cNvCxnSpPr>
+            <a:cxnSpLocks/>
+            <a:endCxn id="6" idx="1"/>
+          </p:cNvCxnSpPr>
+          <p:nvPr/>
+        </p:nvCxnSpPr>
+        <p:spPr>
+          <a:xfrm>
+            <a:off x="4324859" y="4351026"/>
+            <a:ext cx="1083998" cy="2"/>
+          </a:xfrm>
+          <a:prstGeom prst="straightConnector1">
+            <a:avLst/>
+          </a:prstGeom>
+          <a:ln w="127000">
+            <a:tailEnd type="triangle"/>
+          </a:ln>
+        </p:spPr>
+        <p:style>
+          <a:lnRef idx="1">
+            <a:schemeClr val="accent1"/>
+          </a:lnRef>
+          <a:fillRef idx="0">
+            <a:schemeClr val="accent1"/>
+          </a:fillRef>
+          <a:effectRef idx="0">
+            <a:schemeClr val="accent1"/>
+          </a:effectRef>
+          <a:fontRef idx="minor">
+            <a:schemeClr val="tx1"/>
+          </a:fontRef>
+        </p:style>
+      </p:cxnSp>
+      <p:sp>
+        <p:nvSpPr>
+          <p:cNvPr id="22" name="Oval 21">
+            <a:extLst>
+              <a:ext uri="{FF2B5EF4-FFF2-40B4-BE49-F238E27FC236}">
+                <a16:creationId xmlns:a16="http://schemas.microsoft.com/office/drawing/2014/main" id="{C5D3057D-31B9-7BB6-184F-3DD15992E1D4}"/>
+              </a:ext>
+            </a:extLst>
+          </p:cNvPr>
+          <p:cNvSpPr/>
+          <p:nvPr/>
+        </p:nvSpPr>
+        <p:spPr>
+          <a:xfrm>
+            <a:off x="4452057" y="2744371"/>
+            <a:ext cx="457200" cy="457200"/>
+          </a:xfrm>
+          <a:prstGeom prst="ellipse">
+            <a:avLst/>
+          </a:prstGeom>
+          <a:ln>
+            <a:noFill/>
+          </a:ln>
+        </p:spPr>
+        <p:style>
+          <a:lnRef idx="2">
+            <a:schemeClr val="accent1">
+              <a:shade val="15000"/>
+            </a:schemeClr>
+          </a:lnRef>
+          <a:fillRef idx="1">
+            <a:schemeClr val="accent1"/>
+          </a:fillRef>
+          <a:effectRef idx="0">
+            <a:schemeClr val="accent1"/>
+          </a:effectRef>
+          <a:fontRef idx="minor">
+            <a:schemeClr val="lt1"/>
+          </a:fontRef>
+        </p:style>
+        <p:txBody>
+          <a:bodyPr rtlCol="0" anchor="ctr"/>
+          <a:lstStyle/>
+          <a:p>
+            <a:pPr algn="ctr"/>
+            <a:endParaRPr lang="en-US"/>
+          </a:p>
+        </p:txBody>
+      </p:sp>
+      <p:pic>
+        <p:nvPicPr>
+          <p:cNvPr id="3" name="Graphic 2" descr="Close">
+            <a:extLst>
+              <a:ext uri="{FF2B5EF4-FFF2-40B4-BE49-F238E27FC236}">
+                <a16:creationId xmlns:a16="http://schemas.microsoft.com/office/drawing/2014/main" id="{F609592E-89F4-4E47-ADB1-38989F9841C6}"/>
+              </a:ext>
+            </a:extLst>
+          </p:cNvPr>
+          <p:cNvPicPr>
+            <a:picLocks noChangeAspect="1"/>
+          </p:cNvPicPr>
+          <p:nvPr/>
+        </p:nvPicPr>
+        <p:blipFill>
+          <a:blip r:embed="rId2">
+            <a:extLst>
+              <a:ext uri="{28A0092B-C50C-407E-A947-70E740481C1C}">
+                <a14:useLocalDpi xmlns:a14="http://schemas.microsoft.com/office/drawing/2010/main" val="0"/>
+              </a:ext>
+              <a:ext uri="{96DAC541-7B7A-43D3-8B79-37D633B846F1}">
+                <asvg:svgBlip xmlns:asvg="http://schemas.microsoft.com/office/drawing/2016/SVG/main" r:embed="rId3"/>
+              </a:ext>
+            </a:extLst>
+          </a:blip>
+          <a:stretch>
+            <a:fillRect/>
+          </a:stretch>
+        </p:blipFill>
+        <p:spPr>
+          <a:xfrm>
+            <a:off x="4541320" y="2835811"/>
+            <a:ext cx="274320" cy="274320"/>
+          </a:xfrm>
+          <a:prstGeom prst="rect">
+            <a:avLst/>
+          </a:prstGeom>
+        </p:spPr>
+      </p:pic>
+      <p:sp>
+        <p:nvSpPr>
+          <p:cNvPr id="23" name="Oval 22">
+            <a:extLst>
+              <a:ext uri="{FF2B5EF4-FFF2-40B4-BE49-F238E27FC236}">
+                <a16:creationId xmlns:a16="http://schemas.microsoft.com/office/drawing/2014/main" id="{84CFE3A8-5D5E-8BAD-625E-1CD8836782CE}"/>
+              </a:ext>
+            </a:extLst>
+          </p:cNvPr>
+          <p:cNvSpPr/>
+          <p:nvPr/>
+        </p:nvSpPr>
+        <p:spPr>
+          <a:xfrm>
+            <a:off x="4452057" y="4122426"/>
+            <a:ext cx="457200" cy="457200"/>
+          </a:xfrm>
+          <a:prstGeom prst="ellipse">
+            <a:avLst/>
+          </a:prstGeom>
+          <a:ln>
+            <a:noFill/>
+          </a:ln>
+        </p:spPr>
+        <p:style>
+          <a:lnRef idx="2">
+            <a:schemeClr val="accent1">
+              <a:shade val="15000"/>
+            </a:schemeClr>
+          </a:lnRef>
+          <a:fillRef idx="1">
+            <a:schemeClr val="accent1"/>
+          </a:fillRef>
+          <a:effectRef idx="0">
+            <a:schemeClr val="accent1"/>
+          </a:effectRef>
+          <a:fontRef idx="minor">
+            <a:schemeClr val="lt1"/>
+          </a:fontRef>
+        </p:style>
+        <p:txBody>
+          <a:bodyPr rtlCol="0" anchor="ctr"/>
+          <a:lstStyle/>
+          <a:p>
+            <a:pPr algn="ctr"/>
+            <a:endParaRPr lang="en-US"/>
+          </a:p>
+        </p:txBody>
+      </p:sp>
+      <p:pic>
+        <p:nvPicPr>
+          <p:cNvPr id="24" name="Graphic 23" descr="Close">
+            <a:extLst>
+              <a:ext uri="{FF2B5EF4-FFF2-40B4-BE49-F238E27FC236}">
+                <a16:creationId xmlns:a16="http://schemas.microsoft.com/office/drawing/2014/main" id="{7A016BB6-C1A0-FBE1-1ABB-8E79048B6D03}"/>
+              </a:ext>
+            </a:extLst>
+          </p:cNvPr>
+          <p:cNvPicPr>
+            <a:picLocks noChangeAspect="1"/>
+          </p:cNvPicPr>
+          <p:nvPr/>
+        </p:nvPicPr>
+        <p:blipFill>
+          <a:blip r:embed="rId2">
+            <a:extLst>
+              <a:ext uri="{28A0092B-C50C-407E-A947-70E740481C1C}">
+                <a14:useLocalDpi xmlns:a14="http://schemas.microsoft.com/office/drawing/2010/main" val="0"/>
+              </a:ext>
+              <a:ext uri="{96DAC541-7B7A-43D3-8B79-37D633B846F1}">
+                <asvg:svgBlip xmlns:asvg="http://schemas.microsoft.com/office/drawing/2016/SVG/main" r:embed="rId3"/>
+              </a:ext>
+            </a:extLst>
+          </a:blip>
+          <a:stretch>
+            <a:fillRect/>
+          </a:stretch>
+        </p:blipFill>
+        <p:spPr>
+          <a:xfrm>
+            <a:off x="4541320" y="4213866"/>
+            <a:ext cx="274320" cy="274320"/>
+          </a:xfrm>
+          <a:prstGeom prst="rect">
+            <a:avLst/>
+          </a:prstGeom>
+        </p:spPr>
+      </p:pic>
+      <p:sp>
+        <p:nvSpPr>
+          <p:cNvPr id="25" name="Flowchart: Alternate Process 24">
+            <a:extLst>
+              <a:ext uri="{FF2B5EF4-FFF2-40B4-BE49-F238E27FC236}">
+                <a16:creationId xmlns:a16="http://schemas.microsoft.com/office/drawing/2014/main" id="{B5A746C8-1BFC-D642-FEF0-EE4A17C631F7}"/>
+              </a:ext>
+            </a:extLst>
+          </p:cNvPr>
+          <p:cNvSpPr/>
+          <p:nvPr/>
+        </p:nvSpPr>
+        <p:spPr>
+          <a:xfrm>
+            <a:off x="7682641" y="1060540"/>
+            <a:ext cx="3079800" cy="633034"/>
+          </a:xfrm>
+          <a:prstGeom prst="flowChartAlternateProcess">
+            <a:avLst/>
+          </a:prstGeom>
+        </p:spPr>
+        <p:style>
+          <a:lnRef idx="2">
+            <a:schemeClr val="accent1">
+              <a:shade val="15000"/>
+            </a:schemeClr>
+          </a:lnRef>
+          <a:fillRef idx="1">
+            <a:schemeClr val="accent1"/>
+          </a:fillRef>
+          <a:effectRef idx="0">
+            <a:schemeClr val="accent1"/>
+          </a:effectRef>
+          <a:fontRef idx="minor">
+            <a:schemeClr val="lt1"/>
+          </a:fontRef>
+        </p:style>
+        <p:txBody>
+          <a:bodyPr rtlCol="0" anchor="ctr"/>
+          <a:lstStyle/>
+          <a:p>
+            <a:pPr algn="ctr"/>
+            <a:r>
+              <a:rPr lang="en-US" dirty="0"/>
+              <a:t>Filter to Best Cluster using van der Waals energies</a:t>
+            </a:r>
+          </a:p>
+        </p:txBody>
+      </p:sp>
+      <p:sp>
+        <p:nvSpPr>
+          <p:cNvPr id="26" name="Flowchart: Alternate Process 25">
+            <a:extLst>
+              <a:ext uri="{FF2B5EF4-FFF2-40B4-BE49-F238E27FC236}">
+                <a16:creationId xmlns:a16="http://schemas.microsoft.com/office/drawing/2014/main" id="{74B17F21-906B-98A7-3C5A-EF7D8767D403}"/>
+              </a:ext>
+            </a:extLst>
+          </p:cNvPr>
+          <p:cNvSpPr/>
+          <p:nvPr/>
+        </p:nvSpPr>
+        <p:spPr>
+          <a:xfrm>
+            <a:off x="7682641" y="5627228"/>
+            <a:ext cx="3079800" cy="633034"/>
+          </a:xfrm>
+          <a:prstGeom prst="flowChartAlternateProcess">
+            <a:avLst/>
+          </a:prstGeom>
+        </p:spPr>
+        <p:style>
+          <a:lnRef idx="2">
+            <a:schemeClr val="accent1">
+              <a:shade val="15000"/>
+            </a:schemeClr>
+          </a:lnRef>
+          <a:fillRef idx="1">
+            <a:schemeClr val="accent1"/>
+          </a:fillRef>
+          <a:effectRef idx="0">
+            <a:schemeClr val="accent1"/>
+          </a:effectRef>
+          <a:fontRef idx="minor">
+            <a:schemeClr val="lt1"/>
+          </a:fontRef>
+        </p:style>
+        <p:txBody>
+          <a:bodyPr rtlCol="0" anchor="ctr"/>
+          <a:lstStyle/>
+          <a:p>
+            <a:pPr algn="ctr"/>
+            <a:r>
+              <a:rPr lang="en-US" dirty="0"/>
+              <a:t>Filter to Best Complex using </a:t>
+            </a:r>
+            <a:r>
+              <a:rPr lang="en-US" dirty="0" err="1"/>
+              <a:t>GDock</a:t>
+            </a:r>
+            <a:r>
+              <a:rPr lang="en-US" dirty="0"/>
+              <a:t> Scores</a:t>
+            </a:r>
+          </a:p>
+        </p:txBody>
+      </p:sp>
+      <p:cxnSp>
+        <p:nvCxnSpPr>
+          <p:cNvPr id="29" name="Straight Arrow Connector 28">
+            <a:extLst>
+              <a:ext uri="{FF2B5EF4-FFF2-40B4-BE49-F238E27FC236}">
+                <a16:creationId xmlns:a16="http://schemas.microsoft.com/office/drawing/2014/main" id="{5FEB2674-C23F-0BA6-60F4-A2BBBDE7BDD1}"/>
+              </a:ext>
+            </a:extLst>
+          </p:cNvPr>
+          <p:cNvCxnSpPr>
+            <a:cxnSpLocks/>
+            <a:stCxn id="38" idx="0"/>
+            <a:endCxn id="25" idx="2"/>
+          </p:cNvCxnSpPr>
+          <p:nvPr/>
+        </p:nvCxnSpPr>
+        <p:spPr>
+          <a:xfrm flipV="1">
+            <a:off x="9222541" y="1693574"/>
+            <a:ext cx="0" cy="676735"/>
+          </a:xfrm>
+          <a:prstGeom prst="straightConnector1">
+            <a:avLst/>
+          </a:prstGeom>
+          <a:ln w="127000">
+            <a:tailEnd type="triangle"/>
+          </a:ln>
+        </p:spPr>
+        <p:style>
+          <a:lnRef idx="1">
+            <a:schemeClr val="accent1"/>
+          </a:lnRef>
+          <a:fillRef idx="0">
+            <a:schemeClr val="accent1"/>
+          </a:fillRef>
+          <a:effectRef idx="0">
+            <a:schemeClr val="accent1"/>
+          </a:effectRef>
+          <a:fontRef idx="minor">
+            <a:schemeClr val="tx1"/>
+          </a:fontRef>
+        </p:style>
+      </p:cxnSp>
+      <p:cxnSp>
+        <p:nvCxnSpPr>
+          <p:cNvPr id="32" name="Straight Arrow Connector 31">
+            <a:extLst>
+              <a:ext uri="{FF2B5EF4-FFF2-40B4-BE49-F238E27FC236}">
+                <a16:creationId xmlns:a16="http://schemas.microsoft.com/office/drawing/2014/main" id="{4751381C-E5D2-76B6-8CD1-7F47F2F94729}"/>
+              </a:ext>
+            </a:extLst>
+          </p:cNvPr>
+          <p:cNvCxnSpPr>
+            <a:cxnSpLocks/>
+            <a:stCxn id="40" idx="2"/>
+            <a:endCxn id="26" idx="0"/>
+          </p:cNvCxnSpPr>
+          <p:nvPr/>
+        </p:nvCxnSpPr>
+        <p:spPr>
+          <a:xfrm>
+            <a:off x="9222541" y="4953690"/>
+            <a:ext cx="0" cy="673538"/>
+          </a:xfrm>
+          <a:prstGeom prst="straightConnector1">
+            <a:avLst/>
+          </a:prstGeom>
+          <a:ln w="127000">
+            <a:tailEnd type="triangle"/>
+          </a:ln>
+        </p:spPr>
+        <p:style>
+          <a:lnRef idx="1">
+            <a:schemeClr val="accent1"/>
+          </a:lnRef>
+          <a:fillRef idx="0">
+            <a:schemeClr val="accent1"/>
+          </a:fillRef>
+          <a:effectRef idx="0">
+            <a:schemeClr val="accent1"/>
+          </a:effectRef>
+          <a:fontRef idx="minor">
+            <a:schemeClr val="tx1"/>
+          </a:fontRef>
+        </p:style>
+      </p:cxnSp>
+      <p:sp>
+        <p:nvSpPr>
+          <p:cNvPr id="36" name="Oval 35">
+            <a:extLst>
+              <a:ext uri="{FF2B5EF4-FFF2-40B4-BE49-F238E27FC236}">
+                <a16:creationId xmlns:a16="http://schemas.microsoft.com/office/drawing/2014/main" id="{668BC7CF-7EA0-D8C1-DD51-4BA7682EA513}"/>
+              </a:ext>
+            </a:extLst>
+          </p:cNvPr>
+          <p:cNvSpPr/>
+          <p:nvPr/>
+        </p:nvSpPr>
+        <p:spPr>
+          <a:xfrm>
+            <a:off x="7826542" y="2744371"/>
+            <a:ext cx="457200" cy="457200"/>
+          </a:xfrm>
+          <a:prstGeom prst="ellipse">
+            <a:avLst/>
+          </a:prstGeom>
+          <a:ln>
+            <a:noFill/>
+          </a:ln>
+        </p:spPr>
+        <p:style>
+          <a:lnRef idx="2">
+            <a:schemeClr val="accent1">
+              <a:shade val="15000"/>
+            </a:schemeClr>
+          </a:lnRef>
+          <a:fillRef idx="1">
+            <a:schemeClr val="accent1"/>
+          </a:fillRef>
+          <a:effectRef idx="0">
+            <a:schemeClr val="accent1"/>
+          </a:effectRef>
+          <a:fontRef idx="minor">
+            <a:schemeClr val="lt1"/>
+          </a:fontRef>
+        </p:style>
+        <p:txBody>
+          <a:bodyPr rtlCol="0" anchor="ctr"/>
+          <a:lstStyle/>
+          <a:p>
+            <a:pPr algn="ctr"/>
+            <a:r>
+              <a:rPr lang="en-US" sz="4000" dirty="0"/>
+              <a:t>=</a:t>
+            </a:r>
+          </a:p>
+        </p:txBody>
+      </p:sp>
+      <p:sp>
+        <p:nvSpPr>
+          <p:cNvPr id="37" name="Oval 36">
+            <a:extLst>
+              <a:ext uri="{FF2B5EF4-FFF2-40B4-BE49-F238E27FC236}">
+                <a16:creationId xmlns:a16="http://schemas.microsoft.com/office/drawing/2014/main" id="{DE38F685-4EA2-5FFD-35F5-B3A8021A3300}"/>
+              </a:ext>
+            </a:extLst>
+          </p:cNvPr>
+          <p:cNvSpPr/>
+          <p:nvPr/>
+        </p:nvSpPr>
+        <p:spPr>
+          <a:xfrm>
+            <a:off x="7826542" y="4123670"/>
+            <a:ext cx="457200" cy="457200"/>
+          </a:xfrm>
+          <a:prstGeom prst="ellipse">
+            <a:avLst/>
+          </a:prstGeom>
+          <a:ln>
+            <a:noFill/>
+          </a:ln>
+        </p:spPr>
+        <p:style>
+          <a:lnRef idx="2">
+            <a:schemeClr val="accent1">
+              <a:shade val="15000"/>
+            </a:schemeClr>
+          </a:lnRef>
+          <a:fillRef idx="1">
+            <a:schemeClr val="accent1"/>
+          </a:fillRef>
+          <a:effectRef idx="0">
+            <a:schemeClr val="accent1"/>
+          </a:effectRef>
+          <a:fontRef idx="minor">
+            <a:schemeClr val="lt1"/>
+          </a:fontRef>
+        </p:style>
+        <p:txBody>
+          <a:bodyPr rtlCol="0" anchor="ctr"/>
+          <a:lstStyle/>
+          <a:p>
+            <a:pPr algn="ctr"/>
+            <a:r>
+              <a:rPr lang="en-US" sz="4000" dirty="0"/>
+              <a:t>=</a:t>
+            </a:r>
+          </a:p>
+        </p:txBody>
+      </p:sp>
+      <p:sp>
+        <p:nvSpPr>
+          <p:cNvPr id="38" name="Rectangle 37">
+            <a:extLst>
+              <a:ext uri="{FF2B5EF4-FFF2-40B4-BE49-F238E27FC236}">
+                <a16:creationId xmlns:a16="http://schemas.microsoft.com/office/drawing/2014/main" id="{D207C1DD-D80E-2A65-2427-C40A9C026958}"/>
+              </a:ext>
+            </a:extLst>
+          </p:cNvPr>
+          <p:cNvSpPr/>
+          <p:nvPr/>
+        </p:nvSpPr>
+        <p:spPr>
+          <a:xfrm>
+            <a:off x="8418431" y="2370309"/>
+            <a:ext cx="1608220" cy="1220859"/>
+          </a:xfrm>
+          <a:prstGeom prst="rect">
+            <a:avLst/>
+          </a:prstGeom>
+          <a:solidFill>
+            <a:schemeClr val="bg1"/>
+          </a:solidFill>
+          <a:ln>
+            <a:solidFill>
+              <a:schemeClr val="accent4"/>
+            </a:solidFill>
+            <a:prstDash val="lgDash"/>
+          </a:ln>
+        </p:spPr>
+        <p:style>
+          <a:lnRef idx="2">
+            <a:schemeClr val="accent4">
+              <a:shade val="15000"/>
+            </a:schemeClr>
+          </a:lnRef>
+          <a:fillRef idx="1">
+            <a:schemeClr val="accent4"/>
+          </a:fillRef>
+          <a:effectRef idx="0">
+            <a:schemeClr val="accent4"/>
+          </a:effectRef>
+          <a:fontRef idx="minor">
+            <a:schemeClr val="lt1"/>
+          </a:fontRef>
+        </p:style>
+        <p:txBody>
+          <a:bodyPr rtlCol="0" anchor="ctr"/>
+          <a:lstStyle/>
+          <a:p>
+            <a:pPr algn="ctr"/>
+            <a:r>
+              <a:rPr lang="en-US" sz="2400" b="1" dirty="0">
+                <a:solidFill>
+                  <a:schemeClr val="accent4"/>
+                </a:solidFill>
+                <a:latin typeface="Arial" panose="020B0604020202020204" pitchFamily="34" charset="0"/>
+                <a:cs typeface="Arial" panose="020B0604020202020204" pitchFamily="34" charset="0"/>
+              </a:rPr>
+              <a:t>652,800</a:t>
+            </a:r>
+          </a:p>
+          <a:p>
+            <a:pPr algn="ctr"/>
+            <a:r>
+              <a:rPr lang="en-US" sz="2400" dirty="0">
+                <a:solidFill>
+                  <a:schemeClr val="accent4"/>
+                </a:solidFill>
+                <a:latin typeface="Arial" panose="020B0604020202020204" pitchFamily="34" charset="0"/>
+                <a:cs typeface="Arial" panose="020B0604020202020204" pitchFamily="34" charset="0"/>
+              </a:rPr>
+              <a:t>PDBs</a:t>
+            </a:r>
+          </a:p>
+        </p:txBody>
+      </p:sp>
+      <p:sp>
+        <p:nvSpPr>
+          <p:cNvPr id="40" name="Rectangle 39">
+            <a:extLst>
+              <a:ext uri="{FF2B5EF4-FFF2-40B4-BE49-F238E27FC236}">
+                <a16:creationId xmlns:a16="http://schemas.microsoft.com/office/drawing/2014/main" id="{20E8799A-3F74-C8D6-A822-3123ADEF33AF}"/>
+              </a:ext>
+            </a:extLst>
+          </p:cNvPr>
+          <p:cNvSpPr/>
+          <p:nvPr/>
+        </p:nvSpPr>
+        <p:spPr>
+          <a:xfrm>
+            <a:off x="8418431" y="3732831"/>
+            <a:ext cx="1608220" cy="1220859"/>
+          </a:xfrm>
+          <a:prstGeom prst="rect">
+            <a:avLst/>
+          </a:prstGeom>
+          <a:solidFill>
+            <a:schemeClr val="bg1"/>
+          </a:solidFill>
+          <a:ln>
+            <a:solidFill>
+              <a:schemeClr val="accent4">
+                <a:lumMod val="75000"/>
+              </a:schemeClr>
+            </a:solidFill>
+            <a:prstDash val="lgDash"/>
+          </a:ln>
+        </p:spPr>
+        <p:style>
+          <a:lnRef idx="2">
+            <a:schemeClr val="accent4">
+              <a:shade val="15000"/>
+            </a:schemeClr>
+          </a:lnRef>
+          <a:fillRef idx="1">
+            <a:schemeClr val="accent4"/>
+          </a:fillRef>
+          <a:effectRef idx="0">
+            <a:schemeClr val="accent4"/>
+          </a:effectRef>
+          <a:fontRef idx="minor">
+            <a:schemeClr val="lt1"/>
+          </a:fontRef>
+        </p:style>
+        <p:txBody>
+          <a:bodyPr rtlCol="0" anchor="ctr"/>
+          <a:lstStyle/>
+          <a:p>
+            <a:pPr algn="ctr"/>
+            <a:r>
+              <a:rPr lang="en-US" sz="2400" b="1" dirty="0">
+                <a:solidFill>
+                  <a:schemeClr val="accent4">
+                    <a:lumMod val="75000"/>
+                  </a:schemeClr>
+                </a:solidFill>
+                <a:latin typeface="Arial" panose="020B0604020202020204" pitchFamily="34" charset="0"/>
+                <a:cs typeface="Arial" panose="020B0604020202020204" pitchFamily="34" charset="0"/>
+              </a:rPr>
+              <a:t>27,200</a:t>
+            </a:r>
+          </a:p>
+          <a:p>
+            <a:pPr algn="ctr"/>
+            <a:r>
+              <a:rPr lang="en-US" sz="2400" dirty="0">
+                <a:solidFill>
+                  <a:schemeClr val="accent4">
+                    <a:lumMod val="75000"/>
+                  </a:schemeClr>
+                </a:solidFill>
+                <a:latin typeface="Arial" panose="020B0604020202020204" pitchFamily="34" charset="0"/>
+                <a:cs typeface="Arial" panose="020B0604020202020204" pitchFamily="34" charset="0"/>
+              </a:rPr>
+              <a:t>PDBs</a:t>
+            </a:r>
+          </a:p>
+        </p:txBody>
+      </p:sp>
+      <p:sp>
+        <p:nvSpPr>
+          <p:cNvPr id="46" name="Rectangle 45">
+            <a:extLst>
+              <a:ext uri="{FF2B5EF4-FFF2-40B4-BE49-F238E27FC236}">
+                <a16:creationId xmlns:a16="http://schemas.microsoft.com/office/drawing/2014/main" id="{0ADA25D9-DC5B-CCDC-618D-87BDBDBC1BC0}"/>
+              </a:ext>
+            </a:extLst>
+          </p:cNvPr>
+          <p:cNvSpPr/>
+          <p:nvPr/>
+        </p:nvSpPr>
+        <p:spPr>
+          <a:xfrm>
+            <a:off x="10541796" y="2758193"/>
+            <a:ext cx="3249608" cy="1815882"/>
+          </a:xfrm>
+          <a:prstGeom prst="rect">
+            <a:avLst/>
+          </a:prstGeom>
+          <a:noFill/>
+        </p:spPr>
+        <p:txBody>
+          <a:bodyPr wrap="square" lIns="91440" tIns="45720" rIns="91440" bIns="45720">
+            <a:spAutoFit/>
+          </a:bodyPr>
+          <a:lstStyle/>
+          <a:p>
+            <a:pPr algn="ctr"/>
+            <a:r>
+              <a:rPr lang="en-US" sz="2800" b="1" dirty="0">
+                <a:ln w="0"/>
+                <a:solidFill>
+                  <a:schemeClr val="accent6"/>
+                </a:solidFill>
+                <a:latin typeface="Arial" panose="020B0604020202020204" pitchFamily="34" charset="0"/>
+                <a:cs typeface="Arial" panose="020B0604020202020204" pitchFamily="34" charset="0"/>
+              </a:rPr>
+              <a:t>Generate and Compare Predicted Docking Metrics</a:t>
+            </a:r>
+          </a:p>
+        </p:txBody>
+      </p:sp>
+      <p:cxnSp>
+        <p:nvCxnSpPr>
+          <p:cNvPr id="49" name="Connector: Elbow 48">
+            <a:extLst>
+              <a:ext uri="{FF2B5EF4-FFF2-40B4-BE49-F238E27FC236}">
+                <a16:creationId xmlns:a16="http://schemas.microsoft.com/office/drawing/2014/main" id="{7C68242F-1697-4BAD-80F7-25BA85B31C35}"/>
+              </a:ext>
+            </a:extLst>
+          </p:cNvPr>
+          <p:cNvCxnSpPr>
+            <a:cxnSpLocks/>
+            <a:stCxn id="25" idx="3"/>
+            <a:endCxn id="46" idx="0"/>
+          </p:cNvCxnSpPr>
+          <p:nvPr/>
+        </p:nvCxnSpPr>
+        <p:spPr>
+          <a:xfrm>
+            <a:off x="10762441" y="1377057"/>
+            <a:ext cx="1404159" cy="1381136"/>
+          </a:xfrm>
+          <a:prstGeom prst="bentConnector2">
+            <a:avLst/>
+          </a:prstGeom>
+          <a:ln w="127000">
+            <a:solidFill>
+              <a:schemeClr val="accent6"/>
+            </a:solidFill>
+            <a:tailEnd type="triangle"/>
+          </a:ln>
+        </p:spPr>
+        <p:style>
+          <a:lnRef idx="1">
+            <a:schemeClr val="accent1"/>
+          </a:lnRef>
+          <a:fillRef idx="0">
+            <a:schemeClr val="accent1"/>
+          </a:fillRef>
+          <a:effectRef idx="0">
+            <a:schemeClr val="accent1"/>
+          </a:effectRef>
+          <a:fontRef idx="minor">
+            <a:schemeClr val="tx1"/>
+          </a:fontRef>
+        </p:style>
+      </p:cxnSp>
+    </p:spTree>
+    <p:extLst>
+      <p:ext uri="{BB962C8B-B14F-4D97-AF65-F5344CB8AC3E}">
+        <p14:creationId xmlns:p14="http://schemas.microsoft.com/office/powerpoint/2010/main" val="1604812373"/>
+      </p:ext>
+    </p:extLst>
+  </p:cSld>
+  <p:clrMapOvr>
+    <a:masterClrMapping/>
+  </p:clrMapOvr>
+</p:sld>
+</file>
+
 <file path=ppt/theme/theme1.xml><?xml version="1.0" encoding="utf-8"?>
 <a:theme xmlns:a="http://schemas.openxmlformats.org/drawingml/2006/main" name="Office Theme">
   <a:themeElements>
-    <a:clrScheme name="Grayscale">
+    <a:clrScheme name="Office Theme">
       <a:dk1>
         <a:sysClr val="windowText" lastClr="000000"/>
       </a:dk1>
@@ -6604,52 +11108,52 @@
         <a:sysClr val="window" lastClr="FFFFFF"/>
       </a:lt1>
       <a:dk2>
-        <a:srgbClr val="000000"/>
+        <a:srgbClr val="44546A"/>
       </a:dk2>
       <a:lt2>
-        <a:srgbClr val="F8F8F8"/>
+        <a:srgbClr val="E7E6E6"/>
       </a:lt2>
       <a:accent1>
-        <a:srgbClr val="DDDDDD"/>
+        <a:srgbClr val="1D9A78"/>
       </a:accent1>
       <a:accent2>
-        <a:srgbClr val="B2B2B2"/>
+        <a:srgbClr val="8BC145"/>
       </a:accent2>
       <a:accent3>
-        <a:srgbClr val="969696"/>
+        <a:srgbClr val="36AFCE"/>
       </a:accent3>
       <a:accent4>
-        <a:srgbClr val="808080"/>
+        <a:srgbClr val="1D6FA9"/>
       </a:accent4>
       <a:accent5>
-        <a:srgbClr val="5F5F5F"/>
+        <a:srgbClr val="B74919"/>
       </a:accent5>
       <a:accent6>
-        <a:srgbClr val="4D4D4D"/>
+        <a:srgbClr val="F19D19"/>
       </a:accent6>
       <a:hlink>
-        <a:srgbClr val="5F5F5F"/>
+        <a:srgbClr val="0563C1"/>
       </a:hlink>
       <a:folHlink>
-        <a:srgbClr val="919191"/>
+        <a:srgbClr val="954F72"/>
       </a:folHlink>
     </a:clrScheme>
-    <a:fontScheme name="Office Theme">
+    <a:fontScheme name="Arial">
       <a:majorFont>
-        <a:latin typeface="Calibri Light" panose="020F0302020204030204"/>
+        <a:latin typeface="Arial" panose="020B0604020202020204"/>
         <a:ea typeface=""/>
         <a:cs typeface=""/>
-        <a:font script="Jpan" typeface="游ゴシック Light"/>
-        <a:font script="Hang" typeface="맑은 고딕"/>
-        <a:font script="Hans" typeface="等线 Light"/>
-        <a:font script="Hant" typeface="新細明體"/>
-        <a:font script="Arab" typeface="Times New Roman"/>
-        <a:font script="Hebr" typeface="Times New Roman"/>
-        <a:font script="Thai" typeface="Angsana New"/>
+        <a:font script="Jpan" typeface="ＭＳ Ｐゴシック"/>
+        <a:font script="Hang" typeface="굴림"/>
+        <a:font script="Hans" typeface="黑体"/>
+        <a:font script="Hant" typeface="微軟正黑體"/>
+        <a:font script="Arab" typeface="Arial"/>
+        <a:font script="Hebr" typeface="Arial"/>
+        <a:font script="Thai" typeface="Cordia New"/>
         <a:font script="Ethi" typeface="Nyala"/>
         <a:font script="Beng" typeface="Vrinda"/>
         <a:font script="Gujr" typeface="Shruti"/>
-        <a:font script="Khmr" typeface="MoolBoran"/>
+        <a:font script="Khmr" typeface="DaunPenh"/>
         <a:font script="Knda" typeface="Tunga"/>
         <a:font script="Guru" typeface="Raavi"/>
         <a:font script="Cans" typeface="Euphemia"/>
@@ -6666,18 +11170,18 @@
         <a:font script="Laoo" typeface="DokChampa"/>
         <a:font script="Sinh" typeface="Iskoola Pota"/>
         <a:font script="Mong" typeface="Mongolian Baiti"/>
-        <a:font script="Viet" typeface="Times New Roman"/>
+        <a:font script="Viet" typeface="Arial"/>
         <a:font script="Uigh" typeface="Microsoft Uighur"/>
         <a:font script="Geor" typeface="Sylfaen"/>
       </a:majorFont>
       <a:minorFont>
-        <a:latin typeface="Calibri" panose="020F0502020204030204"/>
+        <a:latin typeface="Arial" panose="020B0604020202020204"/>
         <a:ea typeface=""/>
         <a:cs typeface=""/>
-        <a:font script="Jpan" typeface="游ゴシック"/>
-        <a:font script="Hang" typeface="맑은 고딕"/>
-        <a:font script="Hans" typeface="等线"/>
-        <a:font script="Hant" typeface="新細明體"/>
+        <a:font script="Jpan" typeface="ＭＳ Ｐゴシック"/>
+        <a:font script="Hang" typeface="굴림"/>
+        <a:font script="Hans" typeface="黑体"/>
+        <a:font script="Hant" typeface="微軟正黑體"/>
         <a:font script="Arab" typeface="Arial"/>
         <a:font script="Hebr" typeface="Arial"/>
         <a:font script="Thai" typeface="Cordia New"/>

--- a/img/Figures.pptx
+++ b/img/Figures.pptx
@@ -7,6 +7,8 @@
   <p:sldIdLst>
     <p:sldId id="259" r:id="rId2"/>
     <p:sldId id="260" r:id="rId3"/>
+    <p:sldId id="261" r:id="rId4"/>
+    <p:sldId id="262" r:id="rId5"/>
   </p:sldIdLst>
   <p:sldSz cx="12192000" cy="6858000"/>
   <p:notesSz cx="6858000" cy="9144000"/>
@@ -244,7 +246,7 @@
           <a:p>
             <a:fld id="{8B2E8D9D-D090-4411-80D3-F46AD0A7E548}" type="datetimeFigureOut">
               <a:rPr lang="en-US" smtClean="0"/>
-              <a:t>8/18/2023</a:t>
+              <a:t>4/15/2024</a:t>
             </a:fld>
             <a:endParaRPr lang="en-US"/>
           </a:p>
@@ -414,7 +416,7 @@
           <a:p>
             <a:fld id="{8B2E8D9D-D090-4411-80D3-F46AD0A7E548}" type="datetimeFigureOut">
               <a:rPr lang="en-US" smtClean="0"/>
-              <a:t>8/18/2023</a:t>
+              <a:t>4/15/2024</a:t>
             </a:fld>
             <a:endParaRPr lang="en-US"/>
           </a:p>
@@ -594,7 +596,7 @@
           <a:p>
             <a:fld id="{8B2E8D9D-D090-4411-80D3-F46AD0A7E548}" type="datetimeFigureOut">
               <a:rPr lang="en-US" smtClean="0"/>
-              <a:t>8/18/2023</a:t>
+              <a:t>4/15/2024</a:t>
             </a:fld>
             <a:endParaRPr lang="en-US"/>
           </a:p>
@@ -764,7 +766,7 @@
           <a:p>
             <a:fld id="{8B2E8D9D-D090-4411-80D3-F46AD0A7E548}" type="datetimeFigureOut">
               <a:rPr lang="en-US" smtClean="0"/>
-              <a:t>8/18/2023</a:t>
+              <a:t>4/15/2024</a:t>
             </a:fld>
             <a:endParaRPr lang="en-US"/>
           </a:p>
@@ -1010,7 +1012,7 @@
           <a:p>
             <a:fld id="{8B2E8D9D-D090-4411-80D3-F46AD0A7E548}" type="datetimeFigureOut">
               <a:rPr lang="en-US" smtClean="0"/>
-              <a:t>8/18/2023</a:t>
+              <a:t>4/15/2024</a:t>
             </a:fld>
             <a:endParaRPr lang="en-US"/>
           </a:p>
@@ -1242,7 +1244,7 @@
           <a:p>
             <a:fld id="{8B2E8D9D-D090-4411-80D3-F46AD0A7E548}" type="datetimeFigureOut">
               <a:rPr lang="en-US" smtClean="0"/>
-              <a:t>8/18/2023</a:t>
+              <a:t>4/15/2024</a:t>
             </a:fld>
             <a:endParaRPr lang="en-US"/>
           </a:p>
@@ -1609,7 +1611,7 @@
           <a:p>
             <a:fld id="{8B2E8D9D-D090-4411-80D3-F46AD0A7E548}" type="datetimeFigureOut">
               <a:rPr lang="en-US" smtClean="0"/>
-              <a:t>8/18/2023</a:t>
+              <a:t>4/15/2024</a:t>
             </a:fld>
             <a:endParaRPr lang="en-US"/>
           </a:p>
@@ -1727,7 +1729,7 @@
           <a:p>
             <a:fld id="{8B2E8D9D-D090-4411-80D3-F46AD0A7E548}" type="datetimeFigureOut">
               <a:rPr lang="en-US" smtClean="0"/>
-              <a:t>8/18/2023</a:t>
+              <a:t>4/15/2024</a:t>
             </a:fld>
             <a:endParaRPr lang="en-US"/>
           </a:p>
@@ -1822,7 +1824,7 @@
           <a:p>
             <a:fld id="{8B2E8D9D-D090-4411-80D3-F46AD0A7E548}" type="datetimeFigureOut">
               <a:rPr lang="en-US" smtClean="0"/>
-              <a:t>8/18/2023</a:t>
+              <a:t>4/15/2024</a:t>
             </a:fld>
             <a:endParaRPr lang="en-US"/>
           </a:p>
@@ -2099,7 +2101,7 @@
           <a:p>
             <a:fld id="{8B2E8D9D-D090-4411-80D3-F46AD0A7E548}" type="datetimeFigureOut">
               <a:rPr lang="en-US" smtClean="0"/>
-              <a:t>8/18/2023</a:t>
+              <a:t>4/15/2024</a:t>
             </a:fld>
             <a:endParaRPr lang="en-US"/>
           </a:p>
@@ -2356,7 +2358,7 @@
           <a:p>
             <a:fld id="{8B2E8D9D-D090-4411-80D3-F46AD0A7E548}" type="datetimeFigureOut">
               <a:rPr lang="en-US" smtClean="0"/>
-              <a:t>8/18/2023</a:t>
+              <a:t>4/15/2024</a:t>
             </a:fld>
             <a:endParaRPr lang="en-US"/>
           </a:p>
@@ -2569,7 +2571,7 @@
           <a:p>
             <a:fld id="{8B2E8D9D-D090-4411-80D3-F46AD0A7E548}" type="datetimeFigureOut">
               <a:rPr lang="en-US" smtClean="0"/>
-              <a:t>8/18/2023</a:t>
+              <a:t>4/15/2024</a:t>
             </a:fld>
             <a:endParaRPr lang="en-US"/>
           </a:p>
@@ -11097,6 +11099,9278 @@
 </p:sld>
 </file>
 
+<file path=ppt/slides/slide3.xml><?xml version="1.0" encoding="utf-8"?>
+<p:sld xmlns:a="http://schemas.openxmlformats.org/drawingml/2006/main" xmlns:r="http://schemas.openxmlformats.org/officeDocument/2006/relationships" xmlns:p="http://schemas.openxmlformats.org/presentationml/2006/main">
+  <p:cSld>
+    <p:spTree>
+      <p:nvGrpSpPr>
+        <p:cNvPr id="1" name="">
+          <a:extLst>
+            <a:ext uri="{FF2B5EF4-FFF2-40B4-BE49-F238E27FC236}">
+              <a16:creationId xmlns:a16="http://schemas.microsoft.com/office/drawing/2014/main" id="{A4A9CAB2-6131-9681-4399-7C7C22EE389D}"/>
+            </a:ext>
+          </a:extLst>
+        </p:cNvPr>
+        <p:cNvGrpSpPr/>
+        <p:nvPr/>
+      </p:nvGrpSpPr>
+      <p:grpSpPr>
+        <a:xfrm>
+          <a:off x="0" y="0"/>
+          <a:ext cx="0" cy="0"/>
+          <a:chOff x="0" y="0"/>
+          <a:chExt cx="0" cy="0"/>
+        </a:xfrm>
+      </p:grpSpPr>
+      <p:sp>
+        <p:nvSpPr>
+          <p:cNvPr id="52" name="Rectangle 51">
+            <a:extLst>
+              <a:ext uri="{FF2B5EF4-FFF2-40B4-BE49-F238E27FC236}">
+                <a16:creationId xmlns:a16="http://schemas.microsoft.com/office/drawing/2014/main" id="{CDB27E12-F4B6-1A17-C1CE-157A4D819A67}"/>
+              </a:ext>
+            </a:extLst>
+          </p:cNvPr>
+          <p:cNvSpPr/>
+          <p:nvPr/>
+        </p:nvSpPr>
+        <p:spPr>
+          <a:xfrm>
+            <a:off x="-1257300" y="-660400"/>
+            <a:ext cx="16040100" cy="8432800"/>
+          </a:xfrm>
+          <a:prstGeom prst="rect">
+            <a:avLst/>
+          </a:prstGeom>
+          <a:solidFill>
+            <a:schemeClr val="bg1"/>
+          </a:solidFill>
+          <a:ln>
+            <a:noFill/>
+          </a:ln>
+        </p:spPr>
+        <p:style>
+          <a:lnRef idx="2">
+            <a:schemeClr val="accent1">
+              <a:shade val="15000"/>
+            </a:schemeClr>
+          </a:lnRef>
+          <a:fillRef idx="1">
+            <a:schemeClr val="accent1"/>
+          </a:fillRef>
+          <a:effectRef idx="0">
+            <a:schemeClr val="accent1"/>
+          </a:effectRef>
+          <a:fontRef idx="minor">
+            <a:schemeClr val="lt1"/>
+          </a:fontRef>
+        </p:style>
+        <p:txBody>
+          <a:bodyPr rtlCol="0" anchor="ctr"/>
+          <a:lstStyle/>
+          <a:p>
+            <a:pPr algn="ctr"/>
+            <a:endParaRPr lang="en-US"/>
+          </a:p>
+        </p:txBody>
+      </p:sp>
+      <p:cxnSp>
+        <p:nvCxnSpPr>
+          <p:cNvPr id="48" name="Connector: Elbow 47">
+            <a:extLst>
+              <a:ext uri="{FF2B5EF4-FFF2-40B4-BE49-F238E27FC236}">
+                <a16:creationId xmlns:a16="http://schemas.microsoft.com/office/drawing/2014/main" id="{96C013EC-C9ED-F841-35A1-63A144D03DB3}"/>
+              </a:ext>
+            </a:extLst>
+          </p:cNvPr>
+          <p:cNvCxnSpPr>
+            <a:stCxn id="26" idx="3"/>
+            <a:endCxn id="46" idx="2"/>
+          </p:cNvCxnSpPr>
+          <p:nvPr/>
+        </p:nvCxnSpPr>
+        <p:spPr>
+          <a:xfrm flipV="1">
+            <a:off x="10762441" y="4574075"/>
+            <a:ext cx="1404159" cy="1369670"/>
+          </a:xfrm>
+          <a:prstGeom prst="bentConnector2">
+            <a:avLst/>
+          </a:prstGeom>
+          <a:ln w="127000">
+            <a:solidFill>
+              <a:schemeClr val="accent6"/>
+            </a:solidFill>
+            <a:tailEnd type="triangle"/>
+          </a:ln>
+        </p:spPr>
+        <p:style>
+          <a:lnRef idx="1">
+            <a:schemeClr val="accent1"/>
+          </a:lnRef>
+          <a:fillRef idx="0">
+            <a:schemeClr val="accent1"/>
+          </a:fillRef>
+          <a:effectRef idx="0">
+            <a:schemeClr val="accent1"/>
+          </a:effectRef>
+          <a:fontRef idx="minor">
+            <a:schemeClr val="tx1"/>
+          </a:fontRef>
+        </p:style>
+      </p:cxnSp>
+      <p:graphicFrame>
+        <p:nvGraphicFramePr>
+          <p:cNvPr id="16" name="Table 15">
+            <a:extLst>
+              <a:ext uri="{FF2B5EF4-FFF2-40B4-BE49-F238E27FC236}">
+                <a16:creationId xmlns:a16="http://schemas.microsoft.com/office/drawing/2014/main" id="{4EEB3D88-A27D-2C54-FA07-19E192286FF8}"/>
+              </a:ext>
+            </a:extLst>
+          </p:cNvPr>
+          <p:cNvGraphicFramePr>
+            <a:graphicFrameLocks noGrp="1"/>
+          </p:cNvGraphicFramePr>
+          <p:nvPr>
+            <p:extLst>
+              <p:ext uri="{D42A27DB-BD31-4B8C-83A1-F6EECF244321}">
+                <p14:modId xmlns:p14="http://schemas.microsoft.com/office/powerpoint/2010/main" val="1753738871"/>
+              </p:ext>
+            </p:extLst>
+          </p:nvPr>
+        </p:nvGraphicFramePr>
+        <p:xfrm>
+          <a:off x="815398" y="2354775"/>
+          <a:ext cx="3509461" cy="2641600"/>
+        </p:xfrm>
+        <a:graphic>
+          <a:graphicData uri="http://schemas.openxmlformats.org/drawingml/2006/table">
+            <a:tbl>
+              <a:tblPr firstRow="1" firstCol="1" bandRow="1"/>
+              <a:tblGrid>
+                <a:gridCol w="1521402">
+                  <a:extLst>
+                    <a:ext uri="{9D8B030D-6E8A-4147-A177-3AD203B41FA5}">
+                      <a16:colId xmlns:a16="http://schemas.microsoft.com/office/drawing/2014/main" val="692215564"/>
+                    </a:ext>
+                  </a:extLst>
+                </a:gridCol>
+                <a:gridCol w="752348">
+                  <a:extLst>
+                    <a:ext uri="{9D8B030D-6E8A-4147-A177-3AD203B41FA5}">
+                      <a16:colId xmlns:a16="http://schemas.microsoft.com/office/drawing/2014/main" val="2745094234"/>
+                    </a:ext>
+                  </a:extLst>
+                </a:gridCol>
+                <a:gridCol w="454343">
+                  <a:extLst>
+                    <a:ext uri="{9D8B030D-6E8A-4147-A177-3AD203B41FA5}">
+                      <a16:colId xmlns:a16="http://schemas.microsoft.com/office/drawing/2014/main" val="2925381175"/>
+                    </a:ext>
+                  </a:extLst>
+                </a:gridCol>
+                <a:gridCol w="781368">
+                  <a:extLst>
+                    <a:ext uri="{9D8B030D-6E8A-4147-A177-3AD203B41FA5}">
+                      <a16:colId xmlns:a16="http://schemas.microsoft.com/office/drawing/2014/main" val="3764812946"/>
+                    </a:ext>
+                  </a:extLst>
+                </a:gridCol>
+              </a:tblGrid>
+              <a:tr h="370840">
+                <a:tc>
+                  <a:txBody>
+                    <a:bodyPr/>
+                    <a:lstStyle>
+                      <a:lvl1pPr marL="0" algn="l" defTabSz="914400" rtl="0" eaLnBrk="1" latinLnBrk="0" hangingPunct="1">
+                        <a:defRPr sz="1800" b="1" kern="1200">
+                          <a:solidFill>
+                            <a:schemeClr val="lt1"/>
+                          </a:solidFill>
+                          <a:latin typeface="Segoe UI"/>
+                        </a:defRPr>
+                      </a:lvl1pPr>
+                      <a:lvl2pPr marL="457200" algn="l" defTabSz="914400" rtl="0" eaLnBrk="1" latinLnBrk="0" hangingPunct="1">
+                        <a:defRPr sz="1800" b="1" kern="1200">
+                          <a:solidFill>
+                            <a:schemeClr val="lt1"/>
+                          </a:solidFill>
+                          <a:latin typeface="Segoe UI"/>
+                        </a:defRPr>
+                      </a:lvl2pPr>
+                      <a:lvl3pPr marL="914400" algn="l" defTabSz="914400" rtl="0" eaLnBrk="1" latinLnBrk="0" hangingPunct="1">
+                        <a:defRPr sz="1800" b="1" kern="1200">
+                          <a:solidFill>
+                            <a:schemeClr val="lt1"/>
+                          </a:solidFill>
+                          <a:latin typeface="Segoe UI"/>
+                        </a:defRPr>
+                      </a:lvl3pPr>
+                      <a:lvl4pPr marL="1371600" algn="l" defTabSz="914400" rtl="0" eaLnBrk="1" latinLnBrk="0" hangingPunct="1">
+                        <a:defRPr sz="1800" b="1" kern="1200">
+                          <a:solidFill>
+                            <a:schemeClr val="lt1"/>
+                          </a:solidFill>
+                          <a:latin typeface="Segoe UI"/>
+                        </a:defRPr>
+                      </a:lvl4pPr>
+                      <a:lvl5pPr marL="1828800" algn="l" defTabSz="914400" rtl="0" eaLnBrk="1" latinLnBrk="0" hangingPunct="1">
+                        <a:defRPr sz="1800" b="1" kern="1200">
+                          <a:solidFill>
+                            <a:schemeClr val="lt1"/>
+                          </a:solidFill>
+                          <a:latin typeface="Segoe UI"/>
+                        </a:defRPr>
+                      </a:lvl5pPr>
+                      <a:lvl6pPr marL="2286000" algn="l" defTabSz="914400" rtl="0" eaLnBrk="1" latinLnBrk="0" hangingPunct="1">
+                        <a:defRPr sz="1800" b="1" kern="1200">
+                          <a:solidFill>
+                            <a:schemeClr val="lt1"/>
+                          </a:solidFill>
+                          <a:latin typeface="Segoe UI"/>
+                        </a:defRPr>
+                      </a:lvl6pPr>
+                      <a:lvl7pPr marL="2743200" algn="l" defTabSz="914400" rtl="0" eaLnBrk="1" latinLnBrk="0" hangingPunct="1">
+                        <a:defRPr sz="1800" b="1" kern="1200">
+                          <a:solidFill>
+                            <a:schemeClr val="lt1"/>
+                          </a:solidFill>
+                          <a:latin typeface="Segoe UI"/>
+                        </a:defRPr>
+                      </a:lvl7pPr>
+                      <a:lvl8pPr marL="3200400" algn="l" defTabSz="914400" rtl="0" eaLnBrk="1" latinLnBrk="0" hangingPunct="1">
+                        <a:defRPr sz="1800" b="1" kern="1200">
+                          <a:solidFill>
+                            <a:schemeClr val="lt1"/>
+                          </a:solidFill>
+                          <a:latin typeface="Segoe UI"/>
+                        </a:defRPr>
+                      </a:lvl8pPr>
+                      <a:lvl9pPr marL="3657600" algn="l" defTabSz="914400" rtl="0" eaLnBrk="1" latinLnBrk="0" hangingPunct="1">
+                        <a:defRPr sz="1800" b="1" kern="1200">
+                          <a:solidFill>
+                            <a:schemeClr val="lt1"/>
+                          </a:solidFill>
+                          <a:latin typeface="Segoe UI"/>
+                        </a:defRPr>
+                      </a:lvl9pPr>
+                    </a:lstStyle>
+                    <a:p>
+                      <a:pPr algn="ctr"/>
+                      <a:endParaRPr lang="en-US" sz="1600" dirty="0">
+                        <a:latin typeface="Arial" panose="020B0604020202020204" pitchFamily="34" charset="0"/>
+                        <a:cs typeface="Arial" panose="020B0604020202020204" pitchFamily="34" charset="0"/>
+                      </a:endParaRPr>
+                    </a:p>
+                  </a:txBody>
+                  <a:tcPr>
+                    <a:lnL w="12700" cmpd="sng">
+                      <a:solidFill>
+                        <a:sysClr val="window" lastClr="FFFFFF"/>
+                      </a:solidFill>
+                    </a:lnL>
+                    <a:lnR w="12700" cmpd="sng">
+                      <a:solidFill>
+                        <a:sysClr val="window" lastClr="FFFFFF"/>
+                      </a:solidFill>
+                    </a:lnR>
+                    <a:lnT w="12700" cmpd="sng">
+                      <a:solidFill>
+                        <a:sysClr val="window" lastClr="FFFFFF"/>
+                      </a:solidFill>
+                    </a:lnT>
+                    <a:lnB w="38100" cmpd="sng">
+                      <a:solidFill>
+                        <a:sysClr val="window" lastClr="FFFFFF"/>
+                      </a:solidFill>
+                    </a:lnB>
+                    <a:lnTlToBr w="12700" cmpd="sng">
+                      <a:noFill/>
+                      <a:prstDash val="solid"/>
+                    </a:lnTlToBr>
+                    <a:lnBlToTr w="12700" cmpd="sng">
+                      <a:noFill/>
+                      <a:prstDash val="solid"/>
+                    </a:lnBlToTr>
+                    <a:solidFill>
+                      <a:schemeClr val="accent1">
+                        <a:lumMod val="50000"/>
+                      </a:schemeClr>
+                    </a:solidFill>
+                  </a:tcPr>
+                </a:tc>
+                <a:tc>
+                  <a:txBody>
+                    <a:bodyPr/>
+                    <a:lstStyle>
+                      <a:lvl1pPr marL="0" algn="l" defTabSz="914400" rtl="0" eaLnBrk="1" latinLnBrk="0" hangingPunct="1">
+                        <a:defRPr sz="1800" b="1" kern="1200">
+                          <a:solidFill>
+                            <a:schemeClr val="lt1"/>
+                          </a:solidFill>
+                          <a:latin typeface="Segoe UI"/>
+                        </a:defRPr>
+                      </a:lvl1pPr>
+                      <a:lvl2pPr marL="457200" algn="l" defTabSz="914400" rtl="0" eaLnBrk="1" latinLnBrk="0" hangingPunct="1">
+                        <a:defRPr sz="1800" b="1" kern="1200">
+                          <a:solidFill>
+                            <a:schemeClr val="lt1"/>
+                          </a:solidFill>
+                          <a:latin typeface="Segoe UI"/>
+                        </a:defRPr>
+                      </a:lvl2pPr>
+                      <a:lvl3pPr marL="914400" algn="l" defTabSz="914400" rtl="0" eaLnBrk="1" latinLnBrk="0" hangingPunct="1">
+                        <a:defRPr sz="1800" b="1" kern="1200">
+                          <a:solidFill>
+                            <a:schemeClr val="lt1"/>
+                          </a:solidFill>
+                          <a:latin typeface="Segoe UI"/>
+                        </a:defRPr>
+                      </a:lvl3pPr>
+                      <a:lvl4pPr marL="1371600" algn="l" defTabSz="914400" rtl="0" eaLnBrk="1" latinLnBrk="0" hangingPunct="1">
+                        <a:defRPr sz="1800" b="1" kern="1200">
+                          <a:solidFill>
+                            <a:schemeClr val="lt1"/>
+                          </a:solidFill>
+                          <a:latin typeface="Segoe UI"/>
+                        </a:defRPr>
+                      </a:lvl4pPr>
+                      <a:lvl5pPr marL="1828800" algn="l" defTabSz="914400" rtl="0" eaLnBrk="1" latinLnBrk="0" hangingPunct="1">
+                        <a:defRPr sz="1800" b="1" kern="1200">
+                          <a:solidFill>
+                            <a:schemeClr val="lt1"/>
+                          </a:solidFill>
+                          <a:latin typeface="Segoe UI"/>
+                        </a:defRPr>
+                      </a:lvl5pPr>
+                      <a:lvl6pPr marL="2286000" algn="l" defTabSz="914400" rtl="0" eaLnBrk="1" latinLnBrk="0" hangingPunct="1">
+                        <a:defRPr sz="1800" b="1" kern="1200">
+                          <a:solidFill>
+                            <a:schemeClr val="lt1"/>
+                          </a:solidFill>
+                          <a:latin typeface="Segoe UI"/>
+                        </a:defRPr>
+                      </a:lvl6pPr>
+                      <a:lvl7pPr marL="2743200" algn="l" defTabSz="914400" rtl="0" eaLnBrk="1" latinLnBrk="0" hangingPunct="1">
+                        <a:defRPr sz="1800" b="1" kern="1200">
+                          <a:solidFill>
+                            <a:schemeClr val="lt1"/>
+                          </a:solidFill>
+                          <a:latin typeface="Segoe UI"/>
+                        </a:defRPr>
+                      </a:lvl7pPr>
+                      <a:lvl8pPr marL="3200400" algn="l" defTabSz="914400" rtl="0" eaLnBrk="1" latinLnBrk="0" hangingPunct="1">
+                        <a:defRPr sz="1800" b="1" kern="1200">
+                          <a:solidFill>
+                            <a:schemeClr val="lt1"/>
+                          </a:solidFill>
+                          <a:latin typeface="Segoe UI"/>
+                        </a:defRPr>
+                      </a:lvl8pPr>
+                      <a:lvl9pPr marL="3657600" algn="l" defTabSz="914400" rtl="0" eaLnBrk="1" latinLnBrk="0" hangingPunct="1">
+                        <a:defRPr sz="1800" b="1" kern="1200">
+                          <a:solidFill>
+                            <a:schemeClr val="lt1"/>
+                          </a:solidFill>
+                          <a:latin typeface="Segoe UI"/>
+                        </a:defRPr>
+                      </a:lvl9pPr>
+                    </a:lstStyle>
+                    <a:p>
+                      <a:pPr algn="ctr"/>
+                      <a:r>
+                        <a:rPr lang="en-US" sz="1600" dirty="0">
+                          <a:latin typeface="Arial" panose="020B0604020202020204" pitchFamily="34" charset="0"/>
+                          <a:cs typeface="Arial" panose="020B0604020202020204" pitchFamily="34" charset="0"/>
+                        </a:rPr>
+                        <a:t>CCL1</a:t>
+                      </a:r>
+                      <a:endParaRPr lang="en-US" sz="1600" baseline="-25000" dirty="0">
+                        <a:latin typeface="Arial" panose="020B0604020202020204" pitchFamily="34" charset="0"/>
+                        <a:cs typeface="Arial" panose="020B0604020202020204" pitchFamily="34" charset="0"/>
+                      </a:endParaRPr>
+                    </a:p>
+                  </a:txBody>
+                  <a:tcPr>
+                    <a:lnL w="12700" cmpd="sng">
+                      <a:solidFill>
+                        <a:sysClr val="window" lastClr="FFFFFF"/>
+                      </a:solidFill>
+                    </a:lnL>
+                    <a:lnR w="12700" cmpd="sng">
+                      <a:solidFill>
+                        <a:sysClr val="window" lastClr="FFFFFF"/>
+                      </a:solidFill>
+                    </a:lnR>
+                    <a:lnT w="12700" cmpd="sng">
+                      <a:solidFill>
+                        <a:sysClr val="window" lastClr="FFFFFF"/>
+                      </a:solidFill>
+                    </a:lnT>
+                    <a:lnB w="38100" cmpd="sng">
+                      <a:solidFill>
+                        <a:sysClr val="window" lastClr="FFFFFF"/>
+                      </a:solidFill>
+                    </a:lnB>
+                    <a:lnTlToBr w="12700" cmpd="sng">
+                      <a:noFill/>
+                      <a:prstDash val="solid"/>
+                    </a:lnTlToBr>
+                    <a:lnBlToTr w="12700" cmpd="sng">
+                      <a:noFill/>
+                      <a:prstDash val="solid"/>
+                    </a:lnBlToTr>
+                    <a:solidFill>
+                      <a:schemeClr val="accent1">
+                        <a:lumMod val="50000"/>
+                      </a:schemeClr>
+                    </a:solidFill>
+                  </a:tcPr>
+                </a:tc>
+                <a:tc>
+                  <a:txBody>
+                    <a:bodyPr/>
+                    <a:lstStyle>
+                      <a:lvl1pPr marL="0" algn="l" defTabSz="914400" rtl="0" eaLnBrk="1" latinLnBrk="0" hangingPunct="1">
+                        <a:defRPr sz="1800" b="1" kern="1200">
+                          <a:solidFill>
+                            <a:schemeClr val="lt1"/>
+                          </a:solidFill>
+                          <a:latin typeface="Segoe UI"/>
+                        </a:defRPr>
+                      </a:lvl1pPr>
+                      <a:lvl2pPr marL="457200" algn="l" defTabSz="914400" rtl="0" eaLnBrk="1" latinLnBrk="0" hangingPunct="1">
+                        <a:defRPr sz="1800" b="1" kern="1200">
+                          <a:solidFill>
+                            <a:schemeClr val="lt1"/>
+                          </a:solidFill>
+                          <a:latin typeface="Segoe UI"/>
+                        </a:defRPr>
+                      </a:lvl2pPr>
+                      <a:lvl3pPr marL="914400" algn="l" defTabSz="914400" rtl="0" eaLnBrk="1" latinLnBrk="0" hangingPunct="1">
+                        <a:defRPr sz="1800" b="1" kern="1200">
+                          <a:solidFill>
+                            <a:schemeClr val="lt1"/>
+                          </a:solidFill>
+                          <a:latin typeface="Segoe UI"/>
+                        </a:defRPr>
+                      </a:lvl3pPr>
+                      <a:lvl4pPr marL="1371600" algn="l" defTabSz="914400" rtl="0" eaLnBrk="1" latinLnBrk="0" hangingPunct="1">
+                        <a:defRPr sz="1800" b="1" kern="1200">
+                          <a:solidFill>
+                            <a:schemeClr val="lt1"/>
+                          </a:solidFill>
+                          <a:latin typeface="Segoe UI"/>
+                        </a:defRPr>
+                      </a:lvl4pPr>
+                      <a:lvl5pPr marL="1828800" algn="l" defTabSz="914400" rtl="0" eaLnBrk="1" latinLnBrk="0" hangingPunct="1">
+                        <a:defRPr sz="1800" b="1" kern="1200">
+                          <a:solidFill>
+                            <a:schemeClr val="lt1"/>
+                          </a:solidFill>
+                          <a:latin typeface="Segoe UI"/>
+                        </a:defRPr>
+                      </a:lvl5pPr>
+                      <a:lvl6pPr marL="2286000" algn="l" defTabSz="914400" rtl="0" eaLnBrk="1" latinLnBrk="0" hangingPunct="1">
+                        <a:defRPr sz="1800" b="1" kern="1200">
+                          <a:solidFill>
+                            <a:schemeClr val="lt1"/>
+                          </a:solidFill>
+                          <a:latin typeface="Segoe UI"/>
+                        </a:defRPr>
+                      </a:lvl6pPr>
+                      <a:lvl7pPr marL="2743200" algn="l" defTabSz="914400" rtl="0" eaLnBrk="1" latinLnBrk="0" hangingPunct="1">
+                        <a:defRPr sz="1800" b="1" kern="1200">
+                          <a:solidFill>
+                            <a:schemeClr val="lt1"/>
+                          </a:solidFill>
+                          <a:latin typeface="Segoe UI"/>
+                        </a:defRPr>
+                      </a:lvl7pPr>
+                      <a:lvl8pPr marL="3200400" algn="l" defTabSz="914400" rtl="0" eaLnBrk="1" latinLnBrk="0" hangingPunct="1">
+                        <a:defRPr sz="1800" b="1" kern="1200">
+                          <a:solidFill>
+                            <a:schemeClr val="lt1"/>
+                          </a:solidFill>
+                          <a:latin typeface="Segoe UI"/>
+                        </a:defRPr>
+                      </a:lvl8pPr>
+                      <a:lvl9pPr marL="3657600" algn="l" defTabSz="914400" rtl="0" eaLnBrk="1" latinLnBrk="0" hangingPunct="1">
+                        <a:defRPr sz="1800" b="1" kern="1200">
+                          <a:solidFill>
+                            <a:schemeClr val="lt1"/>
+                          </a:solidFill>
+                          <a:latin typeface="Segoe UI"/>
+                        </a:defRPr>
+                      </a:lvl9pPr>
+                    </a:lstStyle>
+                    <a:p>
+                      <a:pPr algn="ctr"/>
+                      <a:r>
+                        <a:rPr lang="en-US" sz="1600" dirty="0">
+                          <a:latin typeface="Arial" panose="020B0604020202020204" pitchFamily="34" charset="0"/>
+                          <a:cs typeface="Arial" panose="020B0604020202020204" pitchFamily="34" charset="0"/>
+                        </a:rPr>
+                        <a:t>…</a:t>
+                      </a:r>
+                    </a:p>
+                  </a:txBody>
+                  <a:tcPr>
+                    <a:lnL w="12700" cmpd="sng">
+                      <a:solidFill>
+                        <a:sysClr val="window" lastClr="FFFFFF"/>
+                      </a:solidFill>
+                    </a:lnL>
+                    <a:lnR w="12700" cmpd="sng">
+                      <a:solidFill>
+                        <a:sysClr val="window" lastClr="FFFFFF"/>
+                      </a:solidFill>
+                    </a:lnR>
+                    <a:lnT w="12700" cmpd="sng">
+                      <a:solidFill>
+                        <a:sysClr val="window" lastClr="FFFFFF"/>
+                      </a:solidFill>
+                    </a:lnT>
+                    <a:lnB w="38100" cmpd="sng">
+                      <a:solidFill>
+                        <a:sysClr val="window" lastClr="FFFFFF"/>
+                      </a:solidFill>
+                    </a:lnB>
+                    <a:lnTlToBr w="12700" cmpd="sng">
+                      <a:noFill/>
+                      <a:prstDash val="solid"/>
+                    </a:lnTlToBr>
+                    <a:lnBlToTr w="12700" cmpd="sng">
+                      <a:noFill/>
+                      <a:prstDash val="solid"/>
+                    </a:lnBlToTr>
+                    <a:solidFill>
+                      <a:schemeClr val="accent1">
+                        <a:lumMod val="50000"/>
+                      </a:schemeClr>
+                    </a:solidFill>
+                  </a:tcPr>
+                </a:tc>
+                <a:tc>
+                  <a:txBody>
+                    <a:bodyPr/>
+                    <a:lstStyle>
+                      <a:lvl1pPr marL="0" algn="l" defTabSz="914400" rtl="0" eaLnBrk="1" latinLnBrk="0" hangingPunct="1">
+                        <a:defRPr sz="1800" b="1" kern="1200">
+                          <a:solidFill>
+                            <a:schemeClr val="lt1"/>
+                          </a:solidFill>
+                          <a:latin typeface="Segoe UI"/>
+                        </a:defRPr>
+                      </a:lvl1pPr>
+                      <a:lvl2pPr marL="457200" algn="l" defTabSz="914400" rtl="0" eaLnBrk="1" latinLnBrk="0" hangingPunct="1">
+                        <a:defRPr sz="1800" b="1" kern="1200">
+                          <a:solidFill>
+                            <a:schemeClr val="lt1"/>
+                          </a:solidFill>
+                          <a:latin typeface="Segoe UI"/>
+                        </a:defRPr>
+                      </a:lvl2pPr>
+                      <a:lvl3pPr marL="914400" algn="l" defTabSz="914400" rtl="0" eaLnBrk="1" latinLnBrk="0" hangingPunct="1">
+                        <a:defRPr sz="1800" b="1" kern="1200">
+                          <a:solidFill>
+                            <a:schemeClr val="lt1"/>
+                          </a:solidFill>
+                          <a:latin typeface="Segoe UI"/>
+                        </a:defRPr>
+                      </a:lvl3pPr>
+                      <a:lvl4pPr marL="1371600" algn="l" defTabSz="914400" rtl="0" eaLnBrk="1" latinLnBrk="0" hangingPunct="1">
+                        <a:defRPr sz="1800" b="1" kern="1200">
+                          <a:solidFill>
+                            <a:schemeClr val="lt1"/>
+                          </a:solidFill>
+                          <a:latin typeface="Segoe UI"/>
+                        </a:defRPr>
+                      </a:lvl4pPr>
+                      <a:lvl5pPr marL="1828800" algn="l" defTabSz="914400" rtl="0" eaLnBrk="1" latinLnBrk="0" hangingPunct="1">
+                        <a:defRPr sz="1800" b="1" kern="1200">
+                          <a:solidFill>
+                            <a:schemeClr val="lt1"/>
+                          </a:solidFill>
+                          <a:latin typeface="Segoe UI"/>
+                        </a:defRPr>
+                      </a:lvl5pPr>
+                      <a:lvl6pPr marL="2286000" algn="l" defTabSz="914400" rtl="0" eaLnBrk="1" latinLnBrk="0" hangingPunct="1">
+                        <a:defRPr sz="1800" b="1" kern="1200">
+                          <a:solidFill>
+                            <a:schemeClr val="lt1"/>
+                          </a:solidFill>
+                          <a:latin typeface="Segoe UI"/>
+                        </a:defRPr>
+                      </a:lvl6pPr>
+                      <a:lvl7pPr marL="2743200" algn="l" defTabSz="914400" rtl="0" eaLnBrk="1" latinLnBrk="0" hangingPunct="1">
+                        <a:defRPr sz="1800" b="1" kern="1200">
+                          <a:solidFill>
+                            <a:schemeClr val="lt1"/>
+                          </a:solidFill>
+                          <a:latin typeface="Segoe UI"/>
+                        </a:defRPr>
+                      </a:lvl7pPr>
+                      <a:lvl8pPr marL="3200400" algn="l" defTabSz="914400" rtl="0" eaLnBrk="1" latinLnBrk="0" hangingPunct="1">
+                        <a:defRPr sz="1800" b="1" kern="1200">
+                          <a:solidFill>
+                            <a:schemeClr val="lt1"/>
+                          </a:solidFill>
+                          <a:latin typeface="Segoe UI"/>
+                        </a:defRPr>
+                      </a:lvl8pPr>
+                      <a:lvl9pPr marL="3657600" algn="l" defTabSz="914400" rtl="0" eaLnBrk="1" latinLnBrk="0" hangingPunct="1">
+                        <a:defRPr sz="1800" b="1" kern="1200">
+                          <a:solidFill>
+                            <a:schemeClr val="lt1"/>
+                          </a:solidFill>
+                          <a:latin typeface="Segoe UI"/>
+                        </a:defRPr>
+                      </a:lvl9pPr>
+                    </a:lstStyle>
+                    <a:p>
+                      <a:pPr algn="ctr"/>
+                      <a:r>
+                        <a:rPr lang="en-US" sz="1600" dirty="0">
+                          <a:latin typeface="Arial" panose="020B0604020202020204" pitchFamily="34" charset="0"/>
+                          <a:cs typeface="Arial" panose="020B0604020202020204" pitchFamily="34" charset="0"/>
+                        </a:rPr>
+                        <a:t>IL-1</a:t>
+                      </a:r>
+                      <a:r>
+                        <a:rPr lang="el-GR" sz="1600" dirty="0">
+                          <a:latin typeface="Arial" panose="020B0604020202020204" pitchFamily="34" charset="0"/>
+                          <a:cs typeface="Arial" panose="020B0604020202020204" pitchFamily="34" charset="0"/>
+                        </a:rPr>
+                        <a:t>β</a:t>
+                      </a:r>
+                      <a:endParaRPr lang="en-US" sz="1600" baseline="-25000" dirty="0">
+                        <a:latin typeface="Arial" panose="020B0604020202020204" pitchFamily="34" charset="0"/>
+                        <a:cs typeface="Arial" panose="020B0604020202020204" pitchFamily="34" charset="0"/>
+                      </a:endParaRPr>
+                    </a:p>
+                  </a:txBody>
+                  <a:tcPr>
+                    <a:lnL w="12700" cmpd="sng">
+                      <a:solidFill>
+                        <a:sysClr val="window" lastClr="FFFFFF"/>
+                      </a:solidFill>
+                    </a:lnL>
+                    <a:lnR w="12700" cmpd="sng">
+                      <a:solidFill>
+                        <a:sysClr val="window" lastClr="FFFFFF"/>
+                      </a:solidFill>
+                    </a:lnR>
+                    <a:lnT w="12700" cmpd="sng">
+                      <a:solidFill>
+                        <a:sysClr val="window" lastClr="FFFFFF"/>
+                      </a:solidFill>
+                    </a:lnT>
+                    <a:lnB w="38100" cmpd="sng">
+                      <a:solidFill>
+                        <a:sysClr val="window" lastClr="FFFFFF"/>
+                      </a:solidFill>
+                    </a:lnB>
+                    <a:lnTlToBr w="12700" cmpd="sng">
+                      <a:noFill/>
+                      <a:prstDash val="solid"/>
+                    </a:lnTlToBr>
+                    <a:lnBlToTr w="12700" cmpd="sng">
+                      <a:noFill/>
+                      <a:prstDash val="solid"/>
+                    </a:lnBlToTr>
+                    <a:solidFill>
+                      <a:schemeClr val="accent1">
+                        <a:lumMod val="50000"/>
+                      </a:schemeClr>
+                    </a:solidFill>
+                  </a:tcPr>
+                </a:tc>
+                <a:extLst>
+                  <a:ext uri="{0D108BD9-81ED-4DB2-BD59-A6C34878D82A}">
+                    <a16:rowId xmlns:a16="http://schemas.microsoft.com/office/drawing/2014/main" val="842397295"/>
+                  </a:ext>
+                </a:extLst>
+              </a:tr>
+              <a:tr h="370840">
+                <a:tc>
+                  <a:txBody>
+                    <a:bodyPr/>
+                    <a:lstStyle>
+                      <a:lvl1pPr marL="0" algn="l" defTabSz="914400" rtl="0" eaLnBrk="1" latinLnBrk="0" hangingPunct="1">
+                        <a:defRPr sz="1800" b="1" kern="1200">
+                          <a:solidFill>
+                            <a:schemeClr val="lt1"/>
+                          </a:solidFill>
+                          <a:latin typeface="Segoe UI"/>
+                        </a:defRPr>
+                      </a:lvl1pPr>
+                      <a:lvl2pPr marL="457200" algn="l" defTabSz="914400" rtl="0" eaLnBrk="1" latinLnBrk="0" hangingPunct="1">
+                        <a:defRPr sz="1800" b="1" kern="1200">
+                          <a:solidFill>
+                            <a:schemeClr val="lt1"/>
+                          </a:solidFill>
+                          <a:latin typeface="Segoe UI"/>
+                        </a:defRPr>
+                      </a:lvl2pPr>
+                      <a:lvl3pPr marL="914400" algn="l" defTabSz="914400" rtl="0" eaLnBrk="1" latinLnBrk="0" hangingPunct="1">
+                        <a:defRPr sz="1800" b="1" kern="1200">
+                          <a:solidFill>
+                            <a:schemeClr val="lt1"/>
+                          </a:solidFill>
+                          <a:latin typeface="Segoe UI"/>
+                        </a:defRPr>
+                      </a:lvl3pPr>
+                      <a:lvl4pPr marL="1371600" algn="l" defTabSz="914400" rtl="0" eaLnBrk="1" latinLnBrk="0" hangingPunct="1">
+                        <a:defRPr sz="1800" b="1" kern="1200">
+                          <a:solidFill>
+                            <a:schemeClr val="lt1"/>
+                          </a:solidFill>
+                          <a:latin typeface="Segoe UI"/>
+                        </a:defRPr>
+                      </a:lvl4pPr>
+                      <a:lvl5pPr marL="1828800" algn="l" defTabSz="914400" rtl="0" eaLnBrk="1" latinLnBrk="0" hangingPunct="1">
+                        <a:defRPr sz="1800" b="1" kern="1200">
+                          <a:solidFill>
+                            <a:schemeClr val="lt1"/>
+                          </a:solidFill>
+                          <a:latin typeface="Segoe UI"/>
+                        </a:defRPr>
+                      </a:lvl5pPr>
+                      <a:lvl6pPr marL="2286000" algn="l" defTabSz="914400" rtl="0" eaLnBrk="1" latinLnBrk="0" hangingPunct="1">
+                        <a:defRPr sz="1800" b="1" kern="1200">
+                          <a:solidFill>
+                            <a:schemeClr val="lt1"/>
+                          </a:solidFill>
+                          <a:latin typeface="Segoe UI"/>
+                        </a:defRPr>
+                      </a:lvl6pPr>
+                      <a:lvl7pPr marL="2743200" algn="l" defTabSz="914400" rtl="0" eaLnBrk="1" latinLnBrk="0" hangingPunct="1">
+                        <a:defRPr sz="1800" b="1" kern="1200">
+                          <a:solidFill>
+                            <a:schemeClr val="lt1"/>
+                          </a:solidFill>
+                          <a:latin typeface="Segoe UI"/>
+                        </a:defRPr>
+                      </a:lvl7pPr>
+                      <a:lvl8pPr marL="3200400" algn="l" defTabSz="914400" rtl="0" eaLnBrk="1" latinLnBrk="0" hangingPunct="1">
+                        <a:defRPr sz="1800" b="1" kern="1200">
+                          <a:solidFill>
+                            <a:schemeClr val="lt1"/>
+                          </a:solidFill>
+                          <a:latin typeface="Segoe UI"/>
+                        </a:defRPr>
+                      </a:lvl8pPr>
+                      <a:lvl9pPr marL="3657600" algn="l" defTabSz="914400" rtl="0" eaLnBrk="1" latinLnBrk="0" hangingPunct="1">
+                        <a:defRPr sz="1800" b="1" kern="1200">
+                          <a:solidFill>
+                            <a:schemeClr val="lt1"/>
+                          </a:solidFill>
+                          <a:latin typeface="Segoe UI"/>
+                        </a:defRPr>
+                      </a:lvl9pPr>
+                    </a:lstStyle>
+                    <a:p>
+                      <a:pPr algn="l"/>
+                      <a:r>
+                        <a:rPr lang="en-US" sz="1600" dirty="0">
+                          <a:latin typeface="Arial" panose="020B0604020202020204" pitchFamily="34" charset="0"/>
+                          <a:cs typeface="Arial" panose="020B0604020202020204" pitchFamily="34" charset="0"/>
+                        </a:rPr>
+                        <a:t>SARS-</a:t>
+                      </a:r>
+                      <a:r>
+                        <a:rPr lang="en-US" sz="1600" dirty="0" err="1">
+                          <a:latin typeface="Arial" panose="020B0604020202020204" pitchFamily="34" charset="0"/>
+                          <a:cs typeface="Arial" panose="020B0604020202020204" pitchFamily="34" charset="0"/>
+                        </a:rPr>
+                        <a:t>CoV</a:t>
+                      </a:r>
+                      <a:endParaRPr lang="en-US" sz="1600" baseline="-25000" dirty="0">
+                        <a:latin typeface="Arial" panose="020B0604020202020204" pitchFamily="34" charset="0"/>
+                        <a:cs typeface="Arial" panose="020B0604020202020204" pitchFamily="34" charset="0"/>
+                      </a:endParaRPr>
+                    </a:p>
+                  </a:txBody>
+                  <a:tcPr>
+                    <a:lnL w="12700" cmpd="sng">
+                      <a:solidFill>
+                        <a:sysClr val="window" lastClr="FFFFFF"/>
+                      </a:solidFill>
+                    </a:lnL>
+                    <a:lnR w="12700" cmpd="sng">
+                      <a:solidFill>
+                        <a:sysClr val="window" lastClr="FFFFFF"/>
+                      </a:solidFill>
+                    </a:lnR>
+                    <a:lnT w="38100" cmpd="sng">
+                      <a:solidFill>
+                        <a:sysClr val="window" lastClr="FFFFFF"/>
+                      </a:solidFill>
+                    </a:lnT>
+                    <a:lnB w="12700" cmpd="sng">
+                      <a:solidFill>
+                        <a:sysClr val="window" lastClr="FFFFFF"/>
+                      </a:solidFill>
+                    </a:lnB>
+                    <a:lnTlToBr w="12700" cmpd="sng">
+                      <a:noFill/>
+                      <a:prstDash val="solid"/>
+                    </a:lnTlToBr>
+                    <a:lnBlToTr w="12700" cmpd="sng">
+                      <a:noFill/>
+                      <a:prstDash val="solid"/>
+                    </a:lnBlToTr>
+                    <a:solidFill>
+                      <a:schemeClr val="accent1">
+                        <a:lumMod val="50000"/>
+                      </a:schemeClr>
+                    </a:solidFill>
+                  </a:tcPr>
+                </a:tc>
+                <a:tc>
+                  <a:txBody>
+                    <a:bodyPr/>
+                    <a:lstStyle>
+                      <a:lvl1pPr marL="0" algn="l" defTabSz="914400" rtl="0" eaLnBrk="1" latinLnBrk="0" hangingPunct="1">
+                        <a:defRPr sz="1800" kern="1200">
+                          <a:solidFill>
+                            <a:schemeClr val="dk1"/>
+                          </a:solidFill>
+                          <a:latin typeface="Segoe UI"/>
+                        </a:defRPr>
+                      </a:lvl1pPr>
+                      <a:lvl2pPr marL="457200" algn="l" defTabSz="914400" rtl="0" eaLnBrk="1" latinLnBrk="0" hangingPunct="1">
+                        <a:defRPr sz="1800" kern="1200">
+                          <a:solidFill>
+                            <a:schemeClr val="dk1"/>
+                          </a:solidFill>
+                          <a:latin typeface="Segoe UI"/>
+                        </a:defRPr>
+                      </a:lvl2pPr>
+                      <a:lvl3pPr marL="914400" algn="l" defTabSz="914400" rtl="0" eaLnBrk="1" latinLnBrk="0" hangingPunct="1">
+                        <a:defRPr sz="1800" kern="1200">
+                          <a:solidFill>
+                            <a:schemeClr val="dk1"/>
+                          </a:solidFill>
+                          <a:latin typeface="Segoe UI"/>
+                        </a:defRPr>
+                      </a:lvl3pPr>
+                      <a:lvl4pPr marL="1371600" algn="l" defTabSz="914400" rtl="0" eaLnBrk="1" latinLnBrk="0" hangingPunct="1">
+                        <a:defRPr sz="1800" kern="1200">
+                          <a:solidFill>
+                            <a:schemeClr val="dk1"/>
+                          </a:solidFill>
+                          <a:latin typeface="Segoe UI"/>
+                        </a:defRPr>
+                      </a:lvl4pPr>
+                      <a:lvl5pPr marL="1828800" algn="l" defTabSz="914400" rtl="0" eaLnBrk="1" latinLnBrk="0" hangingPunct="1">
+                        <a:defRPr sz="1800" kern="1200">
+                          <a:solidFill>
+                            <a:schemeClr val="dk1"/>
+                          </a:solidFill>
+                          <a:latin typeface="Segoe UI"/>
+                        </a:defRPr>
+                      </a:lvl5pPr>
+                      <a:lvl6pPr marL="2286000" algn="l" defTabSz="914400" rtl="0" eaLnBrk="1" latinLnBrk="0" hangingPunct="1">
+                        <a:defRPr sz="1800" kern="1200">
+                          <a:solidFill>
+                            <a:schemeClr val="dk1"/>
+                          </a:solidFill>
+                          <a:latin typeface="Segoe UI"/>
+                        </a:defRPr>
+                      </a:lvl6pPr>
+                      <a:lvl7pPr marL="2743200" algn="l" defTabSz="914400" rtl="0" eaLnBrk="1" latinLnBrk="0" hangingPunct="1">
+                        <a:defRPr sz="1800" kern="1200">
+                          <a:solidFill>
+                            <a:schemeClr val="dk1"/>
+                          </a:solidFill>
+                          <a:latin typeface="Segoe UI"/>
+                        </a:defRPr>
+                      </a:lvl7pPr>
+                      <a:lvl8pPr marL="3200400" algn="l" defTabSz="914400" rtl="0" eaLnBrk="1" latinLnBrk="0" hangingPunct="1">
+                        <a:defRPr sz="1800" kern="1200">
+                          <a:solidFill>
+                            <a:schemeClr val="dk1"/>
+                          </a:solidFill>
+                          <a:latin typeface="Segoe UI"/>
+                        </a:defRPr>
+                      </a:lvl8pPr>
+                      <a:lvl9pPr marL="3657600" algn="l" defTabSz="914400" rtl="0" eaLnBrk="1" latinLnBrk="0" hangingPunct="1">
+                        <a:defRPr sz="1800" kern="1200">
+                          <a:solidFill>
+                            <a:schemeClr val="dk1"/>
+                          </a:solidFill>
+                          <a:latin typeface="Segoe UI"/>
+                        </a:defRPr>
+                      </a:lvl9pPr>
+                    </a:lstStyle>
+                    <a:p>
+                      <a:pPr algn="ctr"/>
+                      <a:endParaRPr lang="en-US" sz="1600">
+                        <a:latin typeface="Arial" panose="020B0604020202020204" pitchFamily="34" charset="0"/>
+                        <a:cs typeface="Arial" panose="020B0604020202020204" pitchFamily="34" charset="0"/>
+                      </a:endParaRPr>
+                    </a:p>
+                  </a:txBody>
+                  <a:tcPr>
+                    <a:lnL w="12700" cmpd="sng">
+                      <a:solidFill>
+                        <a:sysClr val="window" lastClr="FFFFFF"/>
+                      </a:solidFill>
+                    </a:lnL>
+                    <a:lnR w="12700" cmpd="sng">
+                      <a:solidFill>
+                        <a:sysClr val="window" lastClr="FFFFFF"/>
+                      </a:solidFill>
+                    </a:lnR>
+                    <a:lnT w="38100" cmpd="sng">
+                      <a:solidFill>
+                        <a:sysClr val="window" lastClr="FFFFFF"/>
+                      </a:solidFill>
+                    </a:lnT>
+                    <a:lnB w="12700" cmpd="sng">
+                      <a:solidFill>
+                        <a:sysClr val="window" lastClr="FFFFFF"/>
+                      </a:solidFill>
+                    </a:lnB>
+                    <a:lnTlToBr w="12700" cmpd="sng">
+                      <a:noFill/>
+                      <a:prstDash val="solid"/>
+                    </a:lnTlToBr>
+                    <a:lnBlToTr w="12700" cmpd="sng">
+                      <a:noFill/>
+                      <a:prstDash val="solid"/>
+                    </a:lnBlToTr>
+                    <a:solidFill>
+                      <a:schemeClr val="accent1">
+                        <a:lumMod val="40000"/>
+                        <a:lumOff val="60000"/>
+                      </a:schemeClr>
+                    </a:solidFill>
+                  </a:tcPr>
+                </a:tc>
+                <a:tc>
+                  <a:txBody>
+                    <a:bodyPr/>
+                    <a:lstStyle>
+                      <a:lvl1pPr marL="0" algn="l" defTabSz="914400" rtl="0" eaLnBrk="1" latinLnBrk="0" hangingPunct="1">
+                        <a:defRPr sz="1800" kern="1200">
+                          <a:solidFill>
+                            <a:schemeClr val="dk1"/>
+                          </a:solidFill>
+                          <a:latin typeface="Segoe UI"/>
+                        </a:defRPr>
+                      </a:lvl1pPr>
+                      <a:lvl2pPr marL="457200" algn="l" defTabSz="914400" rtl="0" eaLnBrk="1" latinLnBrk="0" hangingPunct="1">
+                        <a:defRPr sz="1800" kern="1200">
+                          <a:solidFill>
+                            <a:schemeClr val="dk1"/>
+                          </a:solidFill>
+                          <a:latin typeface="Segoe UI"/>
+                        </a:defRPr>
+                      </a:lvl2pPr>
+                      <a:lvl3pPr marL="914400" algn="l" defTabSz="914400" rtl="0" eaLnBrk="1" latinLnBrk="0" hangingPunct="1">
+                        <a:defRPr sz="1800" kern="1200">
+                          <a:solidFill>
+                            <a:schemeClr val="dk1"/>
+                          </a:solidFill>
+                          <a:latin typeface="Segoe UI"/>
+                        </a:defRPr>
+                      </a:lvl3pPr>
+                      <a:lvl4pPr marL="1371600" algn="l" defTabSz="914400" rtl="0" eaLnBrk="1" latinLnBrk="0" hangingPunct="1">
+                        <a:defRPr sz="1800" kern="1200">
+                          <a:solidFill>
+                            <a:schemeClr val="dk1"/>
+                          </a:solidFill>
+                          <a:latin typeface="Segoe UI"/>
+                        </a:defRPr>
+                      </a:lvl4pPr>
+                      <a:lvl5pPr marL="1828800" algn="l" defTabSz="914400" rtl="0" eaLnBrk="1" latinLnBrk="0" hangingPunct="1">
+                        <a:defRPr sz="1800" kern="1200">
+                          <a:solidFill>
+                            <a:schemeClr val="dk1"/>
+                          </a:solidFill>
+                          <a:latin typeface="Segoe UI"/>
+                        </a:defRPr>
+                      </a:lvl5pPr>
+                      <a:lvl6pPr marL="2286000" algn="l" defTabSz="914400" rtl="0" eaLnBrk="1" latinLnBrk="0" hangingPunct="1">
+                        <a:defRPr sz="1800" kern="1200">
+                          <a:solidFill>
+                            <a:schemeClr val="dk1"/>
+                          </a:solidFill>
+                          <a:latin typeface="Segoe UI"/>
+                        </a:defRPr>
+                      </a:lvl6pPr>
+                      <a:lvl7pPr marL="2743200" algn="l" defTabSz="914400" rtl="0" eaLnBrk="1" latinLnBrk="0" hangingPunct="1">
+                        <a:defRPr sz="1800" kern="1200">
+                          <a:solidFill>
+                            <a:schemeClr val="dk1"/>
+                          </a:solidFill>
+                          <a:latin typeface="Segoe UI"/>
+                        </a:defRPr>
+                      </a:lvl7pPr>
+                      <a:lvl8pPr marL="3200400" algn="l" defTabSz="914400" rtl="0" eaLnBrk="1" latinLnBrk="0" hangingPunct="1">
+                        <a:defRPr sz="1800" kern="1200">
+                          <a:solidFill>
+                            <a:schemeClr val="dk1"/>
+                          </a:solidFill>
+                          <a:latin typeface="Segoe UI"/>
+                        </a:defRPr>
+                      </a:lvl8pPr>
+                      <a:lvl9pPr marL="3657600" algn="l" defTabSz="914400" rtl="0" eaLnBrk="1" latinLnBrk="0" hangingPunct="1">
+                        <a:defRPr sz="1800" kern="1200">
+                          <a:solidFill>
+                            <a:schemeClr val="dk1"/>
+                          </a:solidFill>
+                          <a:latin typeface="Segoe UI"/>
+                        </a:defRPr>
+                      </a:lvl9pPr>
+                    </a:lstStyle>
+                    <a:p>
+                      <a:pPr algn="ctr"/>
+                      <a:endParaRPr lang="en-US" sz="1600" dirty="0">
+                        <a:latin typeface="Arial" panose="020B0604020202020204" pitchFamily="34" charset="0"/>
+                        <a:cs typeface="Arial" panose="020B0604020202020204" pitchFamily="34" charset="0"/>
+                      </a:endParaRPr>
+                    </a:p>
+                  </a:txBody>
+                  <a:tcPr>
+                    <a:lnL w="12700" cmpd="sng">
+                      <a:solidFill>
+                        <a:sysClr val="window" lastClr="FFFFFF"/>
+                      </a:solidFill>
+                    </a:lnL>
+                    <a:lnR w="12700" cmpd="sng">
+                      <a:solidFill>
+                        <a:sysClr val="window" lastClr="FFFFFF"/>
+                      </a:solidFill>
+                    </a:lnR>
+                    <a:lnT w="38100" cmpd="sng">
+                      <a:solidFill>
+                        <a:sysClr val="window" lastClr="FFFFFF"/>
+                      </a:solidFill>
+                    </a:lnT>
+                    <a:lnB w="12700" cmpd="sng">
+                      <a:solidFill>
+                        <a:sysClr val="window" lastClr="FFFFFF"/>
+                      </a:solidFill>
+                    </a:lnB>
+                    <a:lnTlToBr w="12700" cmpd="sng">
+                      <a:noFill/>
+                      <a:prstDash val="solid"/>
+                    </a:lnTlToBr>
+                    <a:lnBlToTr w="12700" cmpd="sng">
+                      <a:noFill/>
+                      <a:prstDash val="solid"/>
+                    </a:lnBlToTr>
+                    <a:solidFill>
+                      <a:schemeClr val="accent1">
+                        <a:lumMod val="40000"/>
+                        <a:lumOff val="60000"/>
+                      </a:schemeClr>
+                    </a:solidFill>
+                  </a:tcPr>
+                </a:tc>
+                <a:tc>
+                  <a:txBody>
+                    <a:bodyPr/>
+                    <a:lstStyle>
+                      <a:lvl1pPr marL="0" algn="l" defTabSz="914400" rtl="0" eaLnBrk="1" latinLnBrk="0" hangingPunct="1">
+                        <a:defRPr sz="1800" kern="1200">
+                          <a:solidFill>
+                            <a:schemeClr val="dk1"/>
+                          </a:solidFill>
+                          <a:latin typeface="Segoe UI"/>
+                        </a:defRPr>
+                      </a:lvl1pPr>
+                      <a:lvl2pPr marL="457200" algn="l" defTabSz="914400" rtl="0" eaLnBrk="1" latinLnBrk="0" hangingPunct="1">
+                        <a:defRPr sz="1800" kern="1200">
+                          <a:solidFill>
+                            <a:schemeClr val="dk1"/>
+                          </a:solidFill>
+                          <a:latin typeface="Segoe UI"/>
+                        </a:defRPr>
+                      </a:lvl2pPr>
+                      <a:lvl3pPr marL="914400" algn="l" defTabSz="914400" rtl="0" eaLnBrk="1" latinLnBrk="0" hangingPunct="1">
+                        <a:defRPr sz="1800" kern="1200">
+                          <a:solidFill>
+                            <a:schemeClr val="dk1"/>
+                          </a:solidFill>
+                          <a:latin typeface="Segoe UI"/>
+                        </a:defRPr>
+                      </a:lvl3pPr>
+                      <a:lvl4pPr marL="1371600" algn="l" defTabSz="914400" rtl="0" eaLnBrk="1" latinLnBrk="0" hangingPunct="1">
+                        <a:defRPr sz="1800" kern="1200">
+                          <a:solidFill>
+                            <a:schemeClr val="dk1"/>
+                          </a:solidFill>
+                          <a:latin typeface="Segoe UI"/>
+                        </a:defRPr>
+                      </a:lvl4pPr>
+                      <a:lvl5pPr marL="1828800" algn="l" defTabSz="914400" rtl="0" eaLnBrk="1" latinLnBrk="0" hangingPunct="1">
+                        <a:defRPr sz="1800" kern="1200">
+                          <a:solidFill>
+                            <a:schemeClr val="dk1"/>
+                          </a:solidFill>
+                          <a:latin typeface="Segoe UI"/>
+                        </a:defRPr>
+                      </a:lvl5pPr>
+                      <a:lvl6pPr marL="2286000" algn="l" defTabSz="914400" rtl="0" eaLnBrk="1" latinLnBrk="0" hangingPunct="1">
+                        <a:defRPr sz="1800" kern="1200">
+                          <a:solidFill>
+                            <a:schemeClr val="dk1"/>
+                          </a:solidFill>
+                          <a:latin typeface="Segoe UI"/>
+                        </a:defRPr>
+                      </a:lvl6pPr>
+                      <a:lvl7pPr marL="2743200" algn="l" defTabSz="914400" rtl="0" eaLnBrk="1" latinLnBrk="0" hangingPunct="1">
+                        <a:defRPr sz="1800" kern="1200">
+                          <a:solidFill>
+                            <a:schemeClr val="dk1"/>
+                          </a:solidFill>
+                          <a:latin typeface="Segoe UI"/>
+                        </a:defRPr>
+                      </a:lvl7pPr>
+                      <a:lvl8pPr marL="3200400" algn="l" defTabSz="914400" rtl="0" eaLnBrk="1" latinLnBrk="0" hangingPunct="1">
+                        <a:defRPr sz="1800" kern="1200">
+                          <a:solidFill>
+                            <a:schemeClr val="dk1"/>
+                          </a:solidFill>
+                          <a:latin typeface="Segoe UI"/>
+                        </a:defRPr>
+                      </a:lvl8pPr>
+                      <a:lvl9pPr marL="3657600" algn="l" defTabSz="914400" rtl="0" eaLnBrk="1" latinLnBrk="0" hangingPunct="1">
+                        <a:defRPr sz="1800" kern="1200">
+                          <a:solidFill>
+                            <a:schemeClr val="dk1"/>
+                          </a:solidFill>
+                          <a:latin typeface="Segoe UI"/>
+                        </a:defRPr>
+                      </a:lvl9pPr>
+                    </a:lstStyle>
+                    <a:p>
+                      <a:pPr algn="ctr"/>
+                      <a:endParaRPr lang="en-US" sz="1600" dirty="0">
+                        <a:latin typeface="Arial" panose="020B0604020202020204" pitchFamily="34" charset="0"/>
+                        <a:cs typeface="Arial" panose="020B0604020202020204" pitchFamily="34" charset="0"/>
+                      </a:endParaRPr>
+                    </a:p>
+                  </a:txBody>
+                  <a:tcPr>
+                    <a:lnL w="12700" cmpd="sng">
+                      <a:solidFill>
+                        <a:sysClr val="window" lastClr="FFFFFF"/>
+                      </a:solidFill>
+                    </a:lnL>
+                    <a:lnR w="12700" cmpd="sng">
+                      <a:solidFill>
+                        <a:sysClr val="window" lastClr="FFFFFF"/>
+                      </a:solidFill>
+                    </a:lnR>
+                    <a:lnT w="38100" cmpd="sng">
+                      <a:solidFill>
+                        <a:sysClr val="window" lastClr="FFFFFF"/>
+                      </a:solidFill>
+                    </a:lnT>
+                    <a:lnB w="12700" cmpd="sng">
+                      <a:solidFill>
+                        <a:sysClr val="window" lastClr="FFFFFF"/>
+                      </a:solidFill>
+                    </a:lnB>
+                    <a:lnTlToBr w="12700" cmpd="sng">
+                      <a:noFill/>
+                      <a:prstDash val="solid"/>
+                    </a:lnTlToBr>
+                    <a:lnBlToTr w="12700" cmpd="sng">
+                      <a:noFill/>
+                      <a:prstDash val="solid"/>
+                    </a:lnBlToTr>
+                    <a:solidFill>
+                      <a:schemeClr val="accent1">
+                        <a:lumMod val="40000"/>
+                        <a:lumOff val="60000"/>
+                      </a:schemeClr>
+                    </a:solidFill>
+                  </a:tcPr>
+                </a:tc>
+                <a:extLst>
+                  <a:ext uri="{0D108BD9-81ED-4DB2-BD59-A6C34878D82A}">
+                    <a16:rowId xmlns:a16="http://schemas.microsoft.com/office/drawing/2014/main" val="361819280"/>
+                  </a:ext>
+                </a:extLst>
+              </a:tr>
+              <a:tr h="370840">
+                <a:tc>
+                  <a:txBody>
+                    <a:bodyPr/>
+                    <a:lstStyle>
+                      <a:lvl1pPr marL="0" algn="l" defTabSz="914400" rtl="0" eaLnBrk="1" latinLnBrk="0" hangingPunct="1">
+                        <a:defRPr sz="1800" b="1" kern="1200">
+                          <a:solidFill>
+                            <a:schemeClr val="lt1"/>
+                          </a:solidFill>
+                          <a:latin typeface="Segoe UI"/>
+                        </a:defRPr>
+                      </a:lvl1pPr>
+                      <a:lvl2pPr marL="457200" algn="l" defTabSz="914400" rtl="0" eaLnBrk="1" latinLnBrk="0" hangingPunct="1">
+                        <a:defRPr sz="1800" b="1" kern="1200">
+                          <a:solidFill>
+                            <a:schemeClr val="lt1"/>
+                          </a:solidFill>
+                          <a:latin typeface="Segoe UI"/>
+                        </a:defRPr>
+                      </a:lvl2pPr>
+                      <a:lvl3pPr marL="914400" algn="l" defTabSz="914400" rtl="0" eaLnBrk="1" latinLnBrk="0" hangingPunct="1">
+                        <a:defRPr sz="1800" b="1" kern="1200">
+                          <a:solidFill>
+                            <a:schemeClr val="lt1"/>
+                          </a:solidFill>
+                          <a:latin typeface="Segoe UI"/>
+                        </a:defRPr>
+                      </a:lvl3pPr>
+                      <a:lvl4pPr marL="1371600" algn="l" defTabSz="914400" rtl="0" eaLnBrk="1" latinLnBrk="0" hangingPunct="1">
+                        <a:defRPr sz="1800" b="1" kern="1200">
+                          <a:solidFill>
+                            <a:schemeClr val="lt1"/>
+                          </a:solidFill>
+                          <a:latin typeface="Segoe UI"/>
+                        </a:defRPr>
+                      </a:lvl4pPr>
+                      <a:lvl5pPr marL="1828800" algn="l" defTabSz="914400" rtl="0" eaLnBrk="1" latinLnBrk="0" hangingPunct="1">
+                        <a:defRPr sz="1800" b="1" kern="1200">
+                          <a:solidFill>
+                            <a:schemeClr val="lt1"/>
+                          </a:solidFill>
+                          <a:latin typeface="Segoe UI"/>
+                        </a:defRPr>
+                      </a:lvl5pPr>
+                      <a:lvl6pPr marL="2286000" algn="l" defTabSz="914400" rtl="0" eaLnBrk="1" latinLnBrk="0" hangingPunct="1">
+                        <a:defRPr sz="1800" b="1" kern="1200">
+                          <a:solidFill>
+                            <a:schemeClr val="lt1"/>
+                          </a:solidFill>
+                          <a:latin typeface="Segoe UI"/>
+                        </a:defRPr>
+                      </a:lvl6pPr>
+                      <a:lvl7pPr marL="2743200" algn="l" defTabSz="914400" rtl="0" eaLnBrk="1" latinLnBrk="0" hangingPunct="1">
+                        <a:defRPr sz="1800" b="1" kern="1200">
+                          <a:solidFill>
+                            <a:schemeClr val="lt1"/>
+                          </a:solidFill>
+                          <a:latin typeface="Segoe UI"/>
+                        </a:defRPr>
+                      </a:lvl7pPr>
+                      <a:lvl8pPr marL="3200400" algn="l" defTabSz="914400" rtl="0" eaLnBrk="1" latinLnBrk="0" hangingPunct="1">
+                        <a:defRPr sz="1800" b="1" kern="1200">
+                          <a:solidFill>
+                            <a:schemeClr val="lt1"/>
+                          </a:solidFill>
+                          <a:latin typeface="Segoe UI"/>
+                        </a:defRPr>
+                      </a:lvl8pPr>
+                      <a:lvl9pPr marL="3657600" algn="l" defTabSz="914400" rtl="0" eaLnBrk="1" latinLnBrk="0" hangingPunct="1">
+                        <a:defRPr sz="1800" b="1" kern="1200">
+                          <a:solidFill>
+                            <a:schemeClr val="lt1"/>
+                          </a:solidFill>
+                          <a:latin typeface="Segoe UI"/>
+                        </a:defRPr>
+                      </a:lvl9pPr>
+                    </a:lstStyle>
+                    <a:p>
+                      <a:pPr marL="0" marR="0" lvl="0" indent="0" algn="l" defTabSz="914400" rtl="0" eaLnBrk="1" fontAlgn="auto" latinLnBrk="0" hangingPunct="1">
+                        <a:lnSpc>
+                          <a:spcPct val="100000"/>
+                        </a:lnSpc>
+                        <a:spcBef>
+                          <a:spcPts val="0"/>
+                        </a:spcBef>
+                        <a:spcAft>
+                          <a:spcPts val="0"/>
+                        </a:spcAft>
+                        <a:buClrTx/>
+                        <a:buSzTx/>
+                        <a:buFontTx/>
+                        <a:buNone/>
+                        <a:tabLst/>
+                        <a:defRPr/>
+                      </a:pPr>
+                      <a:r>
+                        <a:rPr lang="en-US" sz="1600" dirty="0">
+                          <a:latin typeface="Arial" panose="020B0604020202020204" pitchFamily="34" charset="0"/>
+                          <a:cs typeface="Arial" panose="020B0604020202020204" pitchFamily="34" charset="0"/>
+                        </a:rPr>
+                        <a:t>SARS-CoV-2 (Wuhan)</a:t>
+                      </a:r>
+                      <a:endParaRPr lang="en-US" sz="1600" baseline="-25000" dirty="0">
+                        <a:latin typeface="Arial" panose="020B0604020202020204" pitchFamily="34" charset="0"/>
+                        <a:cs typeface="Arial" panose="020B0604020202020204" pitchFamily="34" charset="0"/>
+                      </a:endParaRPr>
+                    </a:p>
+                  </a:txBody>
+                  <a:tcPr>
+                    <a:lnL w="12700" cmpd="sng">
+                      <a:solidFill>
+                        <a:sysClr val="window" lastClr="FFFFFF"/>
+                      </a:solidFill>
+                    </a:lnL>
+                    <a:lnR w="12700" cmpd="sng">
+                      <a:solidFill>
+                        <a:sysClr val="window" lastClr="FFFFFF"/>
+                      </a:solidFill>
+                    </a:lnR>
+                    <a:lnT w="12700" cmpd="sng">
+                      <a:solidFill>
+                        <a:sysClr val="window" lastClr="FFFFFF"/>
+                      </a:solidFill>
+                    </a:lnT>
+                    <a:lnB w="12700" cmpd="sng">
+                      <a:solidFill>
+                        <a:sysClr val="window" lastClr="FFFFFF"/>
+                      </a:solidFill>
+                    </a:lnB>
+                    <a:lnTlToBr w="12700" cmpd="sng">
+                      <a:noFill/>
+                      <a:prstDash val="solid"/>
+                    </a:lnTlToBr>
+                    <a:lnBlToTr w="12700" cmpd="sng">
+                      <a:noFill/>
+                      <a:prstDash val="solid"/>
+                    </a:lnBlToTr>
+                    <a:solidFill>
+                      <a:schemeClr val="accent1">
+                        <a:lumMod val="50000"/>
+                      </a:schemeClr>
+                    </a:solidFill>
+                  </a:tcPr>
+                </a:tc>
+                <a:tc>
+                  <a:txBody>
+                    <a:bodyPr/>
+                    <a:lstStyle>
+                      <a:lvl1pPr marL="0" algn="l" defTabSz="914400" rtl="0" eaLnBrk="1" latinLnBrk="0" hangingPunct="1">
+                        <a:defRPr sz="1800" kern="1200">
+                          <a:solidFill>
+                            <a:schemeClr val="dk1"/>
+                          </a:solidFill>
+                          <a:latin typeface="Segoe UI"/>
+                        </a:defRPr>
+                      </a:lvl1pPr>
+                      <a:lvl2pPr marL="457200" algn="l" defTabSz="914400" rtl="0" eaLnBrk="1" latinLnBrk="0" hangingPunct="1">
+                        <a:defRPr sz="1800" kern="1200">
+                          <a:solidFill>
+                            <a:schemeClr val="dk1"/>
+                          </a:solidFill>
+                          <a:latin typeface="Segoe UI"/>
+                        </a:defRPr>
+                      </a:lvl2pPr>
+                      <a:lvl3pPr marL="914400" algn="l" defTabSz="914400" rtl="0" eaLnBrk="1" latinLnBrk="0" hangingPunct="1">
+                        <a:defRPr sz="1800" kern="1200">
+                          <a:solidFill>
+                            <a:schemeClr val="dk1"/>
+                          </a:solidFill>
+                          <a:latin typeface="Segoe UI"/>
+                        </a:defRPr>
+                      </a:lvl3pPr>
+                      <a:lvl4pPr marL="1371600" algn="l" defTabSz="914400" rtl="0" eaLnBrk="1" latinLnBrk="0" hangingPunct="1">
+                        <a:defRPr sz="1800" kern="1200">
+                          <a:solidFill>
+                            <a:schemeClr val="dk1"/>
+                          </a:solidFill>
+                          <a:latin typeface="Segoe UI"/>
+                        </a:defRPr>
+                      </a:lvl4pPr>
+                      <a:lvl5pPr marL="1828800" algn="l" defTabSz="914400" rtl="0" eaLnBrk="1" latinLnBrk="0" hangingPunct="1">
+                        <a:defRPr sz="1800" kern="1200">
+                          <a:solidFill>
+                            <a:schemeClr val="dk1"/>
+                          </a:solidFill>
+                          <a:latin typeface="Segoe UI"/>
+                        </a:defRPr>
+                      </a:lvl5pPr>
+                      <a:lvl6pPr marL="2286000" algn="l" defTabSz="914400" rtl="0" eaLnBrk="1" latinLnBrk="0" hangingPunct="1">
+                        <a:defRPr sz="1800" kern="1200">
+                          <a:solidFill>
+                            <a:schemeClr val="dk1"/>
+                          </a:solidFill>
+                          <a:latin typeface="Segoe UI"/>
+                        </a:defRPr>
+                      </a:lvl6pPr>
+                      <a:lvl7pPr marL="2743200" algn="l" defTabSz="914400" rtl="0" eaLnBrk="1" latinLnBrk="0" hangingPunct="1">
+                        <a:defRPr sz="1800" kern="1200">
+                          <a:solidFill>
+                            <a:schemeClr val="dk1"/>
+                          </a:solidFill>
+                          <a:latin typeface="Segoe UI"/>
+                        </a:defRPr>
+                      </a:lvl7pPr>
+                      <a:lvl8pPr marL="3200400" algn="l" defTabSz="914400" rtl="0" eaLnBrk="1" latinLnBrk="0" hangingPunct="1">
+                        <a:defRPr sz="1800" kern="1200">
+                          <a:solidFill>
+                            <a:schemeClr val="dk1"/>
+                          </a:solidFill>
+                          <a:latin typeface="Segoe UI"/>
+                        </a:defRPr>
+                      </a:lvl8pPr>
+                      <a:lvl9pPr marL="3657600" algn="l" defTabSz="914400" rtl="0" eaLnBrk="1" latinLnBrk="0" hangingPunct="1">
+                        <a:defRPr sz="1800" kern="1200">
+                          <a:solidFill>
+                            <a:schemeClr val="dk1"/>
+                          </a:solidFill>
+                          <a:latin typeface="Segoe UI"/>
+                        </a:defRPr>
+                      </a:lvl9pPr>
+                    </a:lstStyle>
+                    <a:p>
+                      <a:pPr algn="ctr"/>
+                      <a:endParaRPr lang="en-US" sz="1600" dirty="0">
+                        <a:latin typeface="Arial" panose="020B0604020202020204" pitchFamily="34" charset="0"/>
+                        <a:cs typeface="Arial" panose="020B0604020202020204" pitchFamily="34" charset="0"/>
+                      </a:endParaRPr>
+                    </a:p>
+                  </a:txBody>
+                  <a:tcPr>
+                    <a:lnL w="12700" cmpd="sng">
+                      <a:solidFill>
+                        <a:sysClr val="window" lastClr="FFFFFF"/>
+                      </a:solidFill>
+                    </a:lnL>
+                    <a:lnR w="12700" cmpd="sng">
+                      <a:solidFill>
+                        <a:sysClr val="window" lastClr="FFFFFF"/>
+                      </a:solidFill>
+                    </a:lnR>
+                    <a:lnT w="12700" cmpd="sng">
+                      <a:solidFill>
+                        <a:sysClr val="window" lastClr="FFFFFF"/>
+                      </a:solidFill>
+                    </a:lnT>
+                    <a:lnB w="12700" cmpd="sng">
+                      <a:solidFill>
+                        <a:sysClr val="window" lastClr="FFFFFF"/>
+                      </a:solidFill>
+                    </a:lnB>
+                    <a:lnTlToBr w="12700" cmpd="sng">
+                      <a:noFill/>
+                      <a:prstDash val="solid"/>
+                    </a:lnTlToBr>
+                    <a:lnBlToTr w="12700" cmpd="sng">
+                      <a:noFill/>
+                      <a:prstDash val="solid"/>
+                    </a:lnBlToTr>
+                    <a:solidFill>
+                      <a:schemeClr val="accent1">
+                        <a:lumMod val="20000"/>
+                        <a:lumOff val="80000"/>
+                      </a:schemeClr>
+                    </a:solidFill>
+                  </a:tcPr>
+                </a:tc>
+                <a:tc>
+                  <a:txBody>
+                    <a:bodyPr/>
+                    <a:lstStyle>
+                      <a:lvl1pPr marL="0" algn="l" defTabSz="914400" rtl="0" eaLnBrk="1" latinLnBrk="0" hangingPunct="1">
+                        <a:defRPr sz="1800" kern="1200">
+                          <a:solidFill>
+                            <a:schemeClr val="dk1"/>
+                          </a:solidFill>
+                          <a:latin typeface="Segoe UI"/>
+                        </a:defRPr>
+                      </a:lvl1pPr>
+                      <a:lvl2pPr marL="457200" algn="l" defTabSz="914400" rtl="0" eaLnBrk="1" latinLnBrk="0" hangingPunct="1">
+                        <a:defRPr sz="1800" kern="1200">
+                          <a:solidFill>
+                            <a:schemeClr val="dk1"/>
+                          </a:solidFill>
+                          <a:latin typeface="Segoe UI"/>
+                        </a:defRPr>
+                      </a:lvl2pPr>
+                      <a:lvl3pPr marL="914400" algn="l" defTabSz="914400" rtl="0" eaLnBrk="1" latinLnBrk="0" hangingPunct="1">
+                        <a:defRPr sz="1800" kern="1200">
+                          <a:solidFill>
+                            <a:schemeClr val="dk1"/>
+                          </a:solidFill>
+                          <a:latin typeface="Segoe UI"/>
+                        </a:defRPr>
+                      </a:lvl3pPr>
+                      <a:lvl4pPr marL="1371600" algn="l" defTabSz="914400" rtl="0" eaLnBrk="1" latinLnBrk="0" hangingPunct="1">
+                        <a:defRPr sz="1800" kern="1200">
+                          <a:solidFill>
+                            <a:schemeClr val="dk1"/>
+                          </a:solidFill>
+                          <a:latin typeface="Segoe UI"/>
+                        </a:defRPr>
+                      </a:lvl4pPr>
+                      <a:lvl5pPr marL="1828800" algn="l" defTabSz="914400" rtl="0" eaLnBrk="1" latinLnBrk="0" hangingPunct="1">
+                        <a:defRPr sz="1800" kern="1200">
+                          <a:solidFill>
+                            <a:schemeClr val="dk1"/>
+                          </a:solidFill>
+                          <a:latin typeface="Segoe UI"/>
+                        </a:defRPr>
+                      </a:lvl5pPr>
+                      <a:lvl6pPr marL="2286000" algn="l" defTabSz="914400" rtl="0" eaLnBrk="1" latinLnBrk="0" hangingPunct="1">
+                        <a:defRPr sz="1800" kern="1200">
+                          <a:solidFill>
+                            <a:schemeClr val="dk1"/>
+                          </a:solidFill>
+                          <a:latin typeface="Segoe UI"/>
+                        </a:defRPr>
+                      </a:lvl6pPr>
+                      <a:lvl7pPr marL="2743200" algn="l" defTabSz="914400" rtl="0" eaLnBrk="1" latinLnBrk="0" hangingPunct="1">
+                        <a:defRPr sz="1800" kern="1200">
+                          <a:solidFill>
+                            <a:schemeClr val="dk1"/>
+                          </a:solidFill>
+                          <a:latin typeface="Segoe UI"/>
+                        </a:defRPr>
+                      </a:lvl7pPr>
+                      <a:lvl8pPr marL="3200400" algn="l" defTabSz="914400" rtl="0" eaLnBrk="1" latinLnBrk="0" hangingPunct="1">
+                        <a:defRPr sz="1800" kern="1200">
+                          <a:solidFill>
+                            <a:schemeClr val="dk1"/>
+                          </a:solidFill>
+                          <a:latin typeface="Segoe UI"/>
+                        </a:defRPr>
+                      </a:lvl8pPr>
+                      <a:lvl9pPr marL="3657600" algn="l" defTabSz="914400" rtl="0" eaLnBrk="1" latinLnBrk="0" hangingPunct="1">
+                        <a:defRPr sz="1800" kern="1200">
+                          <a:solidFill>
+                            <a:schemeClr val="dk1"/>
+                          </a:solidFill>
+                          <a:latin typeface="Segoe UI"/>
+                        </a:defRPr>
+                      </a:lvl9pPr>
+                    </a:lstStyle>
+                    <a:p>
+                      <a:pPr algn="ctr"/>
+                      <a:endParaRPr lang="en-US" sz="1600" dirty="0">
+                        <a:latin typeface="Arial" panose="020B0604020202020204" pitchFamily="34" charset="0"/>
+                        <a:cs typeface="Arial" panose="020B0604020202020204" pitchFamily="34" charset="0"/>
+                      </a:endParaRPr>
+                    </a:p>
+                  </a:txBody>
+                  <a:tcPr>
+                    <a:lnL w="12700" cmpd="sng">
+                      <a:solidFill>
+                        <a:sysClr val="window" lastClr="FFFFFF"/>
+                      </a:solidFill>
+                    </a:lnL>
+                    <a:lnR w="12700" cmpd="sng">
+                      <a:solidFill>
+                        <a:sysClr val="window" lastClr="FFFFFF"/>
+                      </a:solidFill>
+                    </a:lnR>
+                    <a:lnT w="12700" cmpd="sng">
+                      <a:solidFill>
+                        <a:sysClr val="window" lastClr="FFFFFF"/>
+                      </a:solidFill>
+                    </a:lnT>
+                    <a:lnB w="12700" cmpd="sng">
+                      <a:solidFill>
+                        <a:sysClr val="window" lastClr="FFFFFF"/>
+                      </a:solidFill>
+                    </a:lnB>
+                    <a:lnTlToBr w="12700" cmpd="sng">
+                      <a:noFill/>
+                      <a:prstDash val="solid"/>
+                    </a:lnTlToBr>
+                    <a:lnBlToTr w="12700" cmpd="sng">
+                      <a:noFill/>
+                      <a:prstDash val="solid"/>
+                    </a:lnBlToTr>
+                    <a:solidFill>
+                      <a:schemeClr val="accent1">
+                        <a:lumMod val="20000"/>
+                        <a:lumOff val="80000"/>
+                      </a:schemeClr>
+                    </a:solidFill>
+                  </a:tcPr>
+                </a:tc>
+                <a:tc>
+                  <a:txBody>
+                    <a:bodyPr/>
+                    <a:lstStyle>
+                      <a:lvl1pPr marL="0" algn="l" defTabSz="914400" rtl="0" eaLnBrk="1" latinLnBrk="0" hangingPunct="1">
+                        <a:defRPr sz="1800" kern="1200">
+                          <a:solidFill>
+                            <a:schemeClr val="dk1"/>
+                          </a:solidFill>
+                          <a:latin typeface="Segoe UI"/>
+                        </a:defRPr>
+                      </a:lvl1pPr>
+                      <a:lvl2pPr marL="457200" algn="l" defTabSz="914400" rtl="0" eaLnBrk="1" latinLnBrk="0" hangingPunct="1">
+                        <a:defRPr sz="1800" kern="1200">
+                          <a:solidFill>
+                            <a:schemeClr val="dk1"/>
+                          </a:solidFill>
+                          <a:latin typeface="Segoe UI"/>
+                        </a:defRPr>
+                      </a:lvl2pPr>
+                      <a:lvl3pPr marL="914400" algn="l" defTabSz="914400" rtl="0" eaLnBrk="1" latinLnBrk="0" hangingPunct="1">
+                        <a:defRPr sz="1800" kern="1200">
+                          <a:solidFill>
+                            <a:schemeClr val="dk1"/>
+                          </a:solidFill>
+                          <a:latin typeface="Segoe UI"/>
+                        </a:defRPr>
+                      </a:lvl3pPr>
+                      <a:lvl4pPr marL="1371600" algn="l" defTabSz="914400" rtl="0" eaLnBrk="1" latinLnBrk="0" hangingPunct="1">
+                        <a:defRPr sz="1800" kern="1200">
+                          <a:solidFill>
+                            <a:schemeClr val="dk1"/>
+                          </a:solidFill>
+                          <a:latin typeface="Segoe UI"/>
+                        </a:defRPr>
+                      </a:lvl4pPr>
+                      <a:lvl5pPr marL="1828800" algn="l" defTabSz="914400" rtl="0" eaLnBrk="1" latinLnBrk="0" hangingPunct="1">
+                        <a:defRPr sz="1800" kern="1200">
+                          <a:solidFill>
+                            <a:schemeClr val="dk1"/>
+                          </a:solidFill>
+                          <a:latin typeface="Segoe UI"/>
+                        </a:defRPr>
+                      </a:lvl5pPr>
+                      <a:lvl6pPr marL="2286000" algn="l" defTabSz="914400" rtl="0" eaLnBrk="1" latinLnBrk="0" hangingPunct="1">
+                        <a:defRPr sz="1800" kern="1200">
+                          <a:solidFill>
+                            <a:schemeClr val="dk1"/>
+                          </a:solidFill>
+                          <a:latin typeface="Segoe UI"/>
+                        </a:defRPr>
+                      </a:lvl6pPr>
+                      <a:lvl7pPr marL="2743200" algn="l" defTabSz="914400" rtl="0" eaLnBrk="1" latinLnBrk="0" hangingPunct="1">
+                        <a:defRPr sz="1800" kern="1200">
+                          <a:solidFill>
+                            <a:schemeClr val="dk1"/>
+                          </a:solidFill>
+                          <a:latin typeface="Segoe UI"/>
+                        </a:defRPr>
+                      </a:lvl7pPr>
+                      <a:lvl8pPr marL="3200400" algn="l" defTabSz="914400" rtl="0" eaLnBrk="1" latinLnBrk="0" hangingPunct="1">
+                        <a:defRPr sz="1800" kern="1200">
+                          <a:solidFill>
+                            <a:schemeClr val="dk1"/>
+                          </a:solidFill>
+                          <a:latin typeface="Segoe UI"/>
+                        </a:defRPr>
+                      </a:lvl8pPr>
+                      <a:lvl9pPr marL="3657600" algn="l" defTabSz="914400" rtl="0" eaLnBrk="1" latinLnBrk="0" hangingPunct="1">
+                        <a:defRPr sz="1800" kern="1200">
+                          <a:solidFill>
+                            <a:schemeClr val="dk1"/>
+                          </a:solidFill>
+                          <a:latin typeface="Segoe UI"/>
+                        </a:defRPr>
+                      </a:lvl9pPr>
+                    </a:lstStyle>
+                    <a:p>
+                      <a:pPr algn="ctr"/>
+                      <a:endParaRPr lang="en-US" sz="1600" dirty="0">
+                        <a:latin typeface="Arial" panose="020B0604020202020204" pitchFamily="34" charset="0"/>
+                        <a:cs typeface="Arial" panose="020B0604020202020204" pitchFamily="34" charset="0"/>
+                      </a:endParaRPr>
+                    </a:p>
+                  </a:txBody>
+                  <a:tcPr>
+                    <a:lnL w="12700" cmpd="sng">
+                      <a:solidFill>
+                        <a:sysClr val="window" lastClr="FFFFFF"/>
+                      </a:solidFill>
+                    </a:lnL>
+                    <a:lnR w="12700" cmpd="sng">
+                      <a:solidFill>
+                        <a:sysClr val="window" lastClr="FFFFFF"/>
+                      </a:solidFill>
+                    </a:lnR>
+                    <a:lnT w="12700" cmpd="sng">
+                      <a:solidFill>
+                        <a:sysClr val="window" lastClr="FFFFFF"/>
+                      </a:solidFill>
+                    </a:lnT>
+                    <a:lnB w="12700" cmpd="sng">
+                      <a:solidFill>
+                        <a:sysClr val="window" lastClr="FFFFFF"/>
+                      </a:solidFill>
+                    </a:lnB>
+                    <a:lnTlToBr w="12700" cmpd="sng">
+                      <a:noFill/>
+                      <a:prstDash val="solid"/>
+                    </a:lnTlToBr>
+                    <a:lnBlToTr w="12700" cmpd="sng">
+                      <a:noFill/>
+                      <a:prstDash val="solid"/>
+                    </a:lnBlToTr>
+                    <a:solidFill>
+                      <a:schemeClr val="accent1">
+                        <a:lumMod val="20000"/>
+                        <a:lumOff val="80000"/>
+                      </a:schemeClr>
+                    </a:solidFill>
+                  </a:tcPr>
+                </a:tc>
+                <a:extLst>
+                  <a:ext uri="{0D108BD9-81ED-4DB2-BD59-A6C34878D82A}">
+                    <a16:rowId xmlns:a16="http://schemas.microsoft.com/office/drawing/2014/main" val="2500643595"/>
+                  </a:ext>
+                </a:extLst>
+              </a:tr>
+              <a:tr h="370840">
+                <a:tc>
+                  <a:txBody>
+                    <a:bodyPr/>
+                    <a:lstStyle>
+                      <a:lvl1pPr marL="0" algn="l" defTabSz="914400" rtl="0" eaLnBrk="1" latinLnBrk="0" hangingPunct="1">
+                        <a:defRPr sz="1800" b="1" kern="1200">
+                          <a:solidFill>
+                            <a:schemeClr val="lt1"/>
+                          </a:solidFill>
+                          <a:latin typeface="Segoe UI"/>
+                        </a:defRPr>
+                      </a:lvl1pPr>
+                      <a:lvl2pPr marL="457200" algn="l" defTabSz="914400" rtl="0" eaLnBrk="1" latinLnBrk="0" hangingPunct="1">
+                        <a:defRPr sz="1800" b="1" kern="1200">
+                          <a:solidFill>
+                            <a:schemeClr val="lt1"/>
+                          </a:solidFill>
+                          <a:latin typeface="Segoe UI"/>
+                        </a:defRPr>
+                      </a:lvl2pPr>
+                      <a:lvl3pPr marL="914400" algn="l" defTabSz="914400" rtl="0" eaLnBrk="1" latinLnBrk="0" hangingPunct="1">
+                        <a:defRPr sz="1800" b="1" kern="1200">
+                          <a:solidFill>
+                            <a:schemeClr val="lt1"/>
+                          </a:solidFill>
+                          <a:latin typeface="Segoe UI"/>
+                        </a:defRPr>
+                      </a:lvl3pPr>
+                      <a:lvl4pPr marL="1371600" algn="l" defTabSz="914400" rtl="0" eaLnBrk="1" latinLnBrk="0" hangingPunct="1">
+                        <a:defRPr sz="1800" b="1" kern="1200">
+                          <a:solidFill>
+                            <a:schemeClr val="lt1"/>
+                          </a:solidFill>
+                          <a:latin typeface="Segoe UI"/>
+                        </a:defRPr>
+                      </a:lvl4pPr>
+                      <a:lvl5pPr marL="1828800" algn="l" defTabSz="914400" rtl="0" eaLnBrk="1" latinLnBrk="0" hangingPunct="1">
+                        <a:defRPr sz="1800" b="1" kern="1200">
+                          <a:solidFill>
+                            <a:schemeClr val="lt1"/>
+                          </a:solidFill>
+                          <a:latin typeface="Segoe UI"/>
+                        </a:defRPr>
+                      </a:lvl5pPr>
+                      <a:lvl6pPr marL="2286000" algn="l" defTabSz="914400" rtl="0" eaLnBrk="1" latinLnBrk="0" hangingPunct="1">
+                        <a:defRPr sz="1800" b="1" kern="1200">
+                          <a:solidFill>
+                            <a:schemeClr val="lt1"/>
+                          </a:solidFill>
+                          <a:latin typeface="Segoe UI"/>
+                        </a:defRPr>
+                      </a:lvl6pPr>
+                      <a:lvl7pPr marL="2743200" algn="l" defTabSz="914400" rtl="0" eaLnBrk="1" latinLnBrk="0" hangingPunct="1">
+                        <a:defRPr sz="1800" b="1" kern="1200">
+                          <a:solidFill>
+                            <a:schemeClr val="lt1"/>
+                          </a:solidFill>
+                          <a:latin typeface="Segoe UI"/>
+                        </a:defRPr>
+                      </a:lvl7pPr>
+                      <a:lvl8pPr marL="3200400" algn="l" defTabSz="914400" rtl="0" eaLnBrk="1" latinLnBrk="0" hangingPunct="1">
+                        <a:defRPr sz="1800" b="1" kern="1200">
+                          <a:solidFill>
+                            <a:schemeClr val="lt1"/>
+                          </a:solidFill>
+                          <a:latin typeface="Segoe UI"/>
+                        </a:defRPr>
+                      </a:lvl8pPr>
+                      <a:lvl9pPr marL="3657600" algn="l" defTabSz="914400" rtl="0" eaLnBrk="1" latinLnBrk="0" hangingPunct="1">
+                        <a:defRPr sz="1800" b="1" kern="1200">
+                          <a:solidFill>
+                            <a:schemeClr val="lt1"/>
+                          </a:solidFill>
+                          <a:latin typeface="Segoe UI"/>
+                        </a:defRPr>
+                      </a:lvl9pPr>
+                    </a:lstStyle>
+                    <a:p>
+                      <a:pPr algn="l"/>
+                      <a:r>
+                        <a:rPr lang="en-US" sz="1600" dirty="0">
+                          <a:latin typeface="Arial" panose="020B0604020202020204" pitchFamily="34" charset="0"/>
+                          <a:cs typeface="Arial" panose="020B0604020202020204" pitchFamily="34" charset="0"/>
+                        </a:rPr>
+                        <a:t>…</a:t>
+                      </a:r>
+                    </a:p>
+                  </a:txBody>
+                  <a:tcPr>
+                    <a:lnL w="12700" cmpd="sng">
+                      <a:solidFill>
+                        <a:sysClr val="window" lastClr="FFFFFF"/>
+                      </a:solidFill>
+                    </a:lnL>
+                    <a:lnR w="12700" cmpd="sng">
+                      <a:solidFill>
+                        <a:sysClr val="window" lastClr="FFFFFF"/>
+                      </a:solidFill>
+                    </a:lnR>
+                    <a:lnT w="12700" cmpd="sng">
+                      <a:solidFill>
+                        <a:sysClr val="window" lastClr="FFFFFF"/>
+                      </a:solidFill>
+                    </a:lnT>
+                    <a:lnB w="12700" cmpd="sng">
+                      <a:solidFill>
+                        <a:sysClr val="window" lastClr="FFFFFF"/>
+                      </a:solidFill>
+                    </a:lnB>
+                    <a:lnTlToBr w="12700" cmpd="sng">
+                      <a:noFill/>
+                      <a:prstDash val="solid"/>
+                    </a:lnTlToBr>
+                    <a:lnBlToTr w="12700" cmpd="sng">
+                      <a:noFill/>
+                      <a:prstDash val="solid"/>
+                    </a:lnBlToTr>
+                    <a:solidFill>
+                      <a:schemeClr val="accent1">
+                        <a:lumMod val="50000"/>
+                      </a:schemeClr>
+                    </a:solidFill>
+                  </a:tcPr>
+                </a:tc>
+                <a:tc>
+                  <a:txBody>
+                    <a:bodyPr/>
+                    <a:lstStyle>
+                      <a:lvl1pPr marL="0" algn="l" defTabSz="914400" rtl="0" eaLnBrk="1" latinLnBrk="0" hangingPunct="1">
+                        <a:defRPr sz="1800" kern="1200">
+                          <a:solidFill>
+                            <a:schemeClr val="dk1"/>
+                          </a:solidFill>
+                          <a:latin typeface="Segoe UI"/>
+                        </a:defRPr>
+                      </a:lvl1pPr>
+                      <a:lvl2pPr marL="457200" algn="l" defTabSz="914400" rtl="0" eaLnBrk="1" latinLnBrk="0" hangingPunct="1">
+                        <a:defRPr sz="1800" kern="1200">
+                          <a:solidFill>
+                            <a:schemeClr val="dk1"/>
+                          </a:solidFill>
+                          <a:latin typeface="Segoe UI"/>
+                        </a:defRPr>
+                      </a:lvl2pPr>
+                      <a:lvl3pPr marL="914400" algn="l" defTabSz="914400" rtl="0" eaLnBrk="1" latinLnBrk="0" hangingPunct="1">
+                        <a:defRPr sz="1800" kern="1200">
+                          <a:solidFill>
+                            <a:schemeClr val="dk1"/>
+                          </a:solidFill>
+                          <a:latin typeface="Segoe UI"/>
+                        </a:defRPr>
+                      </a:lvl3pPr>
+                      <a:lvl4pPr marL="1371600" algn="l" defTabSz="914400" rtl="0" eaLnBrk="1" latinLnBrk="0" hangingPunct="1">
+                        <a:defRPr sz="1800" kern="1200">
+                          <a:solidFill>
+                            <a:schemeClr val="dk1"/>
+                          </a:solidFill>
+                          <a:latin typeface="Segoe UI"/>
+                        </a:defRPr>
+                      </a:lvl4pPr>
+                      <a:lvl5pPr marL="1828800" algn="l" defTabSz="914400" rtl="0" eaLnBrk="1" latinLnBrk="0" hangingPunct="1">
+                        <a:defRPr sz="1800" kern="1200">
+                          <a:solidFill>
+                            <a:schemeClr val="dk1"/>
+                          </a:solidFill>
+                          <a:latin typeface="Segoe UI"/>
+                        </a:defRPr>
+                      </a:lvl5pPr>
+                      <a:lvl6pPr marL="2286000" algn="l" defTabSz="914400" rtl="0" eaLnBrk="1" latinLnBrk="0" hangingPunct="1">
+                        <a:defRPr sz="1800" kern="1200">
+                          <a:solidFill>
+                            <a:schemeClr val="dk1"/>
+                          </a:solidFill>
+                          <a:latin typeface="Segoe UI"/>
+                        </a:defRPr>
+                      </a:lvl6pPr>
+                      <a:lvl7pPr marL="2743200" algn="l" defTabSz="914400" rtl="0" eaLnBrk="1" latinLnBrk="0" hangingPunct="1">
+                        <a:defRPr sz="1800" kern="1200">
+                          <a:solidFill>
+                            <a:schemeClr val="dk1"/>
+                          </a:solidFill>
+                          <a:latin typeface="Segoe UI"/>
+                        </a:defRPr>
+                      </a:lvl7pPr>
+                      <a:lvl8pPr marL="3200400" algn="l" defTabSz="914400" rtl="0" eaLnBrk="1" latinLnBrk="0" hangingPunct="1">
+                        <a:defRPr sz="1800" kern="1200">
+                          <a:solidFill>
+                            <a:schemeClr val="dk1"/>
+                          </a:solidFill>
+                          <a:latin typeface="Segoe UI"/>
+                        </a:defRPr>
+                      </a:lvl8pPr>
+                      <a:lvl9pPr marL="3657600" algn="l" defTabSz="914400" rtl="0" eaLnBrk="1" latinLnBrk="0" hangingPunct="1">
+                        <a:defRPr sz="1800" kern="1200">
+                          <a:solidFill>
+                            <a:schemeClr val="dk1"/>
+                          </a:solidFill>
+                          <a:latin typeface="Segoe UI"/>
+                        </a:defRPr>
+                      </a:lvl9pPr>
+                    </a:lstStyle>
+                    <a:p>
+                      <a:pPr algn="ctr"/>
+                      <a:endParaRPr lang="en-US" sz="1600" dirty="0">
+                        <a:latin typeface="Arial" panose="020B0604020202020204" pitchFamily="34" charset="0"/>
+                        <a:cs typeface="Arial" panose="020B0604020202020204" pitchFamily="34" charset="0"/>
+                      </a:endParaRPr>
+                    </a:p>
+                  </a:txBody>
+                  <a:tcPr>
+                    <a:lnL w="12700" cmpd="sng">
+                      <a:solidFill>
+                        <a:sysClr val="window" lastClr="FFFFFF"/>
+                      </a:solidFill>
+                    </a:lnL>
+                    <a:lnR w="12700" cmpd="sng">
+                      <a:solidFill>
+                        <a:sysClr val="window" lastClr="FFFFFF"/>
+                      </a:solidFill>
+                    </a:lnR>
+                    <a:lnT w="12700" cmpd="sng">
+                      <a:solidFill>
+                        <a:sysClr val="window" lastClr="FFFFFF"/>
+                      </a:solidFill>
+                    </a:lnT>
+                    <a:lnB w="12700" cmpd="sng">
+                      <a:solidFill>
+                        <a:sysClr val="window" lastClr="FFFFFF"/>
+                      </a:solidFill>
+                    </a:lnB>
+                    <a:lnTlToBr w="12700" cmpd="sng">
+                      <a:noFill/>
+                      <a:prstDash val="solid"/>
+                    </a:lnTlToBr>
+                    <a:lnBlToTr w="12700" cmpd="sng">
+                      <a:noFill/>
+                      <a:prstDash val="solid"/>
+                    </a:lnBlToTr>
+                    <a:solidFill>
+                      <a:schemeClr val="accent1">
+                        <a:lumMod val="40000"/>
+                        <a:lumOff val="60000"/>
+                      </a:schemeClr>
+                    </a:solidFill>
+                  </a:tcPr>
+                </a:tc>
+                <a:tc>
+                  <a:txBody>
+                    <a:bodyPr/>
+                    <a:lstStyle>
+                      <a:lvl1pPr marL="0" algn="l" defTabSz="914400" rtl="0" eaLnBrk="1" latinLnBrk="0" hangingPunct="1">
+                        <a:defRPr sz="1800" kern="1200">
+                          <a:solidFill>
+                            <a:schemeClr val="dk1"/>
+                          </a:solidFill>
+                          <a:latin typeface="Segoe UI"/>
+                        </a:defRPr>
+                      </a:lvl1pPr>
+                      <a:lvl2pPr marL="457200" algn="l" defTabSz="914400" rtl="0" eaLnBrk="1" latinLnBrk="0" hangingPunct="1">
+                        <a:defRPr sz="1800" kern="1200">
+                          <a:solidFill>
+                            <a:schemeClr val="dk1"/>
+                          </a:solidFill>
+                          <a:latin typeface="Segoe UI"/>
+                        </a:defRPr>
+                      </a:lvl2pPr>
+                      <a:lvl3pPr marL="914400" algn="l" defTabSz="914400" rtl="0" eaLnBrk="1" latinLnBrk="0" hangingPunct="1">
+                        <a:defRPr sz="1800" kern="1200">
+                          <a:solidFill>
+                            <a:schemeClr val="dk1"/>
+                          </a:solidFill>
+                          <a:latin typeface="Segoe UI"/>
+                        </a:defRPr>
+                      </a:lvl3pPr>
+                      <a:lvl4pPr marL="1371600" algn="l" defTabSz="914400" rtl="0" eaLnBrk="1" latinLnBrk="0" hangingPunct="1">
+                        <a:defRPr sz="1800" kern="1200">
+                          <a:solidFill>
+                            <a:schemeClr val="dk1"/>
+                          </a:solidFill>
+                          <a:latin typeface="Segoe UI"/>
+                        </a:defRPr>
+                      </a:lvl4pPr>
+                      <a:lvl5pPr marL="1828800" algn="l" defTabSz="914400" rtl="0" eaLnBrk="1" latinLnBrk="0" hangingPunct="1">
+                        <a:defRPr sz="1800" kern="1200">
+                          <a:solidFill>
+                            <a:schemeClr val="dk1"/>
+                          </a:solidFill>
+                          <a:latin typeface="Segoe UI"/>
+                        </a:defRPr>
+                      </a:lvl5pPr>
+                      <a:lvl6pPr marL="2286000" algn="l" defTabSz="914400" rtl="0" eaLnBrk="1" latinLnBrk="0" hangingPunct="1">
+                        <a:defRPr sz="1800" kern="1200">
+                          <a:solidFill>
+                            <a:schemeClr val="dk1"/>
+                          </a:solidFill>
+                          <a:latin typeface="Segoe UI"/>
+                        </a:defRPr>
+                      </a:lvl6pPr>
+                      <a:lvl7pPr marL="2743200" algn="l" defTabSz="914400" rtl="0" eaLnBrk="1" latinLnBrk="0" hangingPunct="1">
+                        <a:defRPr sz="1800" kern="1200">
+                          <a:solidFill>
+                            <a:schemeClr val="dk1"/>
+                          </a:solidFill>
+                          <a:latin typeface="Segoe UI"/>
+                        </a:defRPr>
+                      </a:lvl7pPr>
+                      <a:lvl8pPr marL="3200400" algn="l" defTabSz="914400" rtl="0" eaLnBrk="1" latinLnBrk="0" hangingPunct="1">
+                        <a:defRPr sz="1800" kern="1200">
+                          <a:solidFill>
+                            <a:schemeClr val="dk1"/>
+                          </a:solidFill>
+                          <a:latin typeface="Segoe UI"/>
+                        </a:defRPr>
+                      </a:lvl8pPr>
+                      <a:lvl9pPr marL="3657600" algn="l" defTabSz="914400" rtl="0" eaLnBrk="1" latinLnBrk="0" hangingPunct="1">
+                        <a:defRPr sz="1800" kern="1200">
+                          <a:solidFill>
+                            <a:schemeClr val="dk1"/>
+                          </a:solidFill>
+                          <a:latin typeface="Segoe UI"/>
+                        </a:defRPr>
+                      </a:lvl9pPr>
+                    </a:lstStyle>
+                    <a:p>
+                      <a:pPr algn="ctr"/>
+                      <a:endParaRPr lang="en-US" sz="1600" dirty="0">
+                        <a:latin typeface="Arial" panose="020B0604020202020204" pitchFamily="34" charset="0"/>
+                        <a:cs typeface="Arial" panose="020B0604020202020204" pitchFamily="34" charset="0"/>
+                      </a:endParaRPr>
+                    </a:p>
+                  </a:txBody>
+                  <a:tcPr>
+                    <a:lnL w="12700" cmpd="sng">
+                      <a:solidFill>
+                        <a:sysClr val="window" lastClr="FFFFFF"/>
+                      </a:solidFill>
+                    </a:lnL>
+                    <a:lnR w="12700" cmpd="sng">
+                      <a:solidFill>
+                        <a:sysClr val="window" lastClr="FFFFFF"/>
+                      </a:solidFill>
+                    </a:lnR>
+                    <a:lnT w="12700" cmpd="sng">
+                      <a:solidFill>
+                        <a:sysClr val="window" lastClr="FFFFFF"/>
+                      </a:solidFill>
+                    </a:lnT>
+                    <a:lnB w="12700" cmpd="sng">
+                      <a:solidFill>
+                        <a:sysClr val="window" lastClr="FFFFFF"/>
+                      </a:solidFill>
+                    </a:lnB>
+                    <a:lnTlToBr w="12700" cmpd="sng">
+                      <a:noFill/>
+                      <a:prstDash val="solid"/>
+                    </a:lnTlToBr>
+                    <a:lnBlToTr w="12700" cmpd="sng">
+                      <a:noFill/>
+                      <a:prstDash val="solid"/>
+                    </a:lnBlToTr>
+                    <a:solidFill>
+                      <a:schemeClr val="accent1">
+                        <a:lumMod val="40000"/>
+                        <a:lumOff val="60000"/>
+                      </a:schemeClr>
+                    </a:solidFill>
+                  </a:tcPr>
+                </a:tc>
+                <a:tc>
+                  <a:txBody>
+                    <a:bodyPr/>
+                    <a:lstStyle>
+                      <a:lvl1pPr marL="0" algn="l" defTabSz="914400" rtl="0" eaLnBrk="1" latinLnBrk="0" hangingPunct="1">
+                        <a:defRPr sz="1800" kern="1200">
+                          <a:solidFill>
+                            <a:schemeClr val="dk1"/>
+                          </a:solidFill>
+                          <a:latin typeface="Segoe UI"/>
+                        </a:defRPr>
+                      </a:lvl1pPr>
+                      <a:lvl2pPr marL="457200" algn="l" defTabSz="914400" rtl="0" eaLnBrk="1" latinLnBrk="0" hangingPunct="1">
+                        <a:defRPr sz="1800" kern="1200">
+                          <a:solidFill>
+                            <a:schemeClr val="dk1"/>
+                          </a:solidFill>
+                          <a:latin typeface="Segoe UI"/>
+                        </a:defRPr>
+                      </a:lvl2pPr>
+                      <a:lvl3pPr marL="914400" algn="l" defTabSz="914400" rtl="0" eaLnBrk="1" latinLnBrk="0" hangingPunct="1">
+                        <a:defRPr sz="1800" kern="1200">
+                          <a:solidFill>
+                            <a:schemeClr val="dk1"/>
+                          </a:solidFill>
+                          <a:latin typeface="Segoe UI"/>
+                        </a:defRPr>
+                      </a:lvl3pPr>
+                      <a:lvl4pPr marL="1371600" algn="l" defTabSz="914400" rtl="0" eaLnBrk="1" latinLnBrk="0" hangingPunct="1">
+                        <a:defRPr sz="1800" kern="1200">
+                          <a:solidFill>
+                            <a:schemeClr val="dk1"/>
+                          </a:solidFill>
+                          <a:latin typeface="Segoe UI"/>
+                        </a:defRPr>
+                      </a:lvl4pPr>
+                      <a:lvl5pPr marL="1828800" algn="l" defTabSz="914400" rtl="0" eaLnBrk="1" latinLnBrk="0" hangingPunct="1">
+                        <a:defRPr sz="1800" kern="1200">
+                          <a:solidFill>
+                            <a:schemeClr val="dk1"/>
+                          </a:solidFill>
+                          <a:latin typeface="Segoe UI"/>
+                        </a:defRPr>
+                      </a:lvl5pPr>
+                      <a:lvl6pPr marL="2286000" algn="l" defTabSz="914400" rtl="0" eaLnBrk="1" latinLnBrk="0" hangingPunct="1">
+                        <a:defRPr sz="1800" kern="1200">
+                          <a:solidFill>
+                            <a:schemeClr val="dk1"/>
+                          </a:solidFill>
+                          <a:latin typeface="Segoe UI"/>
+                        </a:defRPr>
+                      </a:lvl6pPr>
+                      <a:lvl7pPr marL="2743200" algn="l" defTabSz="914400" rtl="0" eaLnBrk="1" latinLnBrk="0" hangingPunct="1">
+                        <a:defRPr sz="1800" kern="1200">
+                          <a:solidFill>
+                            <a:schemeClr val="dk1"/>
+                          </a:solidFill>
+                          <a:latin typeface="Segoe UI"/>
+                        </a:defRPr>
+                      </a:lvl7pPr>
+                      <a:lvl8pPr marL="3200400" algn="l" defTabSz="914400" rtl="0" eaLnBrk="1" latinLnBrk="0" hangingPunct="1">
+                        <a:defRPr sz="1800" kern="1200">
+                          <a:solidFill>
+                            <a:schemeClr val="dk1"/>
+                          </a:solidFill>
+                          <a:latin typeface="Segoe UI"/>
+                        </a:defRPr>
+                      </a:lvl8pPr>
+                      <a:lvl9pPr marL="3657600" algn="l" defTabSz="914400" rtl="0" eaLnBrk="1" latinLnBrk="0" hangingPunct="1">
+                        <a:defRPr sz="1800" kern="1200">
+                          <a:solidFill>
+                            <a:schemeClr val="dk1"/>
+                          </a:solidFill>
+                          <a:latin typeface="Segoe UI"/>
+                        </a:defRPr>
+                      </a:lvl9pPr>
+                    </a:lstStyle>
+                    <a:p>
+                      <a:pPr algn="ctr"/>
+                      <a:endParaRPr lang="en-US" sz="1600" dirty="0">
+                        <a:latin typeface="Arial" panose="020B0604020202020204" pitchFamily="34" charset="0"/>
+                        <a:cs typeface="Arial" panose="020B0604020202020204" pitchFamily="34" charset="0"/>
+                      </a:endParaRPr>
+                    </a:p>
+                  </a:txBody>
+                  <a:tcPr>
+                    <a:lnL w="12700" cmpd="sng">
+                      <a:solidFill>
+                        <a:sysClr val="window" lastClr="FFFFFF"/>
+                      </a:solidFill>
+                    </a:lnL>
+                    <a:lnR w="12700" cmpd="sng">
+                      <a:solidFill>
+                        <a:sysClr val="window" lastClr="FFFFFF"/>
+                      </a:solidFill>
+                    </a:lnR>
+                    <a:lnT w="12700" cmpd="sng">
+                      <a:solidFill>
+                        <a:sysClr val="window" lastClr="FFFFFF"/>
+                      </a:solidFill>
+                    </a:lnT>
+                    <a:lnB w="12700" cmpd="sng">
+                      <a:solidFill>
+                        <a:sysClr val="window" lastClr="FFFFFF"/>
+                      </a:solidFill>
+                    </a:lnB>
+                    <a:lnTlToBr w="12700" cmpd="sng">
+                      <a:noFill/>
+                      <a:prstDash val="solid"/>
+                    </a:lnTlToBr>
+                    <a:lnBlToTr w="12700" cmpd="sng">
+                      <a:noFill/>
+                      <a:prstDash val="solid"/>
+                    </a:lnBlToTr>
+                    <a:solidFill>
+                      <a:schemeClr val="accent1">
+                        <a:lumMod val="40000"/>
+                        <a:lumOff val="60000"/>
+                      </a:schemeClr>
+                    </a:solidFill>
+                  </a:tcPr>
+                </a:tc>
+                <a:extLst>
+                  <a:ext uri="{0D108BD9-81ED-4DB2-BD59-A6C34878D82A}">
+                    <a16:rowId xmlns:a16="http://schemas.microsoft.com/office/drawing/2014/main" val="3534683378"/>
+                  </a:ext>
+                </a:extLst>
+              </a:tr>
+              <a:tr h="370840">
+                <a:tc>
+                  <a:txBody>
+                    <a:bodyPr/>
+                    <a:lstStyle>
+                      <a:lvl1pPr marL="0" algn="l" defTabSz="914400" rtl="0" eaLnBrk="1" latinLnBrk="0" hangingPunct="1">
+                        <a:defRPr sz="1800" b="1" kern="1200">
+                          <a:solidFill>
+                            <a:schemeClr val="lt1"/>
+                          </a:solidFill>
+                          <a:latin typeface="Segoe UI"/>
+                        </a:defRPr>
+                      </a:lvl1pPr>
+                      <a:lvl2pPr marL="457200" algn="l" defTabSz="914400" rtl="0" eaLnBrk="1" latinLnBrk="0" hangingPunct="1">
+                        <a:defRPr sz="1800" b="1" kern="1200">
+                          <a:solidFill>
+                            <a:schemeClr val="lt1"/>
+                          </a:solidFill>
+                          <a:latin typeface="Segoe UI"/>
+                        </a:defRPr>
+                      </a:lvl2pPr>
+                      <a:lvl3pPr marL="914400" algn="l" defTabSz="914400" rtl="0" eaLnBrk="1" latinLnBrk="0" hangingPunct="1">
+                        <a:defRPr sz="1800" b="1" kern="1200">
+                          <a:solidFill>
+                            <a:schemeClr val="lt1"/>
+                          </a:solidFill>
+                          <a:latin typeface="Segoe UI"/>
+                        </a:defRPr>
+                      </a:lvl3pPr>
+                      <a:lvl4pPr marL="1371600" algn="l" defTabSz="914400" rtl="0" eaLnBrk="1" latinLnBrk="0" hangingPunct="1">
+                        <a:defRPr sz="1800" b="1" kern="1200">
+                          <a:solidFill>
+                            <a:schemeClr val="lt1"/>
+                          </a:solidFill>
+                          <a:latin typeface="Segoe UI"/>
+                        </a:defRPr>
+                      </a:lvl4pPr>
+                      <a:lvl5pPr marL="1828800" algn="l" defTabSz="914400" rtl="0" eaLnBrk="1" latinLnBrk="0" hangingPunct="1">
+                        <a:defRPr sz="1800" b="1" kern="1200">
+                          <a:solidFill>
+                            <a:schemeClr val="lt1"/>
+                          </a:solidFill>
+                          <a:latin typeface="Segoe UI"/>
+                        </a:defRPr>
+                      </a:lvl5pPr>
+                      <a:lvl6pPr marL="2286000" algn="l" defTabSz="914400" rtl="0" eaLnBrk="1" latinLnBrk="0" hangingPunct="1">
+                        <a:defRPr sz="1800" b="1" kern="1200">
+                          <a:solidFill>
+                            <a:schemeClr val="lt1"/>
+                          </a:solidFill>
+                          <a:latin typeface="Segoe UI"/>
+                        </a:defRPr>
+                      </a:lvl6pPr>
+                      <a:lvl7pPr marL="2743200" algn="l" defTabSz="914400" rtl="0" eaLnBrk="1" latinLnBrk="0" hangingPunct="1">
+                        <a:defRPr sz="1800" b="1" kern="1200">
+                          <a:solidFill>
+                            <a:schemeClr val="lt1"/>
+                          </a:solidFill>
+                          <a:latin typeface="Segoe UI"/>
+                        </a:defRPr>
+                      </a:lvl7pPr>
+                      <a:lvl8pPr marL="3200400" algn="l" defTabSz="914400" rtl="0" eaLnBrk="1" latinLnBrk="0" hangingPunct="1">
+                        <a:defRPr sz="1800" b="1" kern="1200">
+                          <a:solidFill>
+                            <a:schemeClr val="lt1"/>
+                          </a:solidFill>
+                          <a:latin typeface="Segoe UI"/>
+                        </a:defRPr>
+                      </a:lvl8pPr>
+                      <a:lvl9pPr marL="3657600" algn="l" defTabSz="914400" rtl="0" eaLnBrk="1" latinLnBrk="0" hangingPunct="1">
+                        <a:defRPr sz="1800" b="1" kern="1200">
+                          <a:solidFill>
+                            <a:schemeClr val="lt1"/>
+                          </a:solidFill>
+                          <a:latin typeface="Segoe UI"/>
+                        </a:defRPr>
+                      </a:lvl9pPr>
+                    </a:lstStyle>
+                    <a:p>
+                      <a:pPr marL="0" marR="0" lvl="0" indent="0" algn="l" defTabSz="914400" rtl="0" eaLnBrk="1" fontAlgn="auto" latinLnBrk="0" hangingPunct="1">
+                        <a:lnSpc>
+                          <a:spcPct val="100000"/>
+                        </a:lnSpc>
+                        <a:spcBef>
+                          <a:spcPts val="0"/>
+                        </a:spcBef>
+                        <a:spcAft>
+                          <a:spcPts val="0"/>
+                        </a:spcAft>
+                        <a:buClrTx/>
+                        <a:buSzTx/>
+                        <a:buFontTx/>
+                        <a:buNone/>
+                        <a:tabLst/>
+                        <a:defRPr/>
+                      </a:pPr>
+                      <a:r>
+                        <a:rPr lang="en-US" sz="1600" dirty="0">
+                          <a:latin typeface="Arial" panose="020B0604020202020204" pitchFamily="34" charset="0"/>
+                          <a:cs typeface="Arial" panose="020B0604020202020204" pitchFamily="34" charset="0"/>
+                        </a:rPr>
+                        <a:t>SARS-CoV-2 (XBB)</a:t>
+                      </a:r>
+                      <a:endParaRPr lang="en-US" sz="1600" baseline="-25000" dirty="0">
+                        <a:latin typeface="Arial" panose="020B0604020202020204" pitchFamily="34" charset="0"/>
+                        <a:cs typeface="Arial" panose="020B0604020202020204" pitchFamily="34" charset="0"/>
+                      </a:endParaRPr>
+                    </a:p>
+                  </a:txBody>
+                  <a:tcPr>
+                    <a:lnL w="12700" cmpd="sng">
+                      <a:solidFill>
+                        <a:sysClr val="window" lastClr="FFFFFF"/>
+                      </a:solidFill>
+                    </a:lnL>
+                    <a:lnR w="12700" cmpd="sng">
+                      <a:solidFill>
+                        <a:sysClr val="window" lastClr="FFFFFF"/>
+                      </a:solidFill>
+                    </a:lnR>
+                    <a:lnT w="12700" cmpd="sng">
+                      <a:solidFill>
+                        <a:sysClr val="window" lastClr="FFFFFF"/>
+                      </a:solidFill>
+                    </a:lnT>
+                    <a:lnB w="12700" cmpd="sng">
+                      <a:solidFill>
+                        <a:sysClr val="window" lastClr="FFFFFF"/>
+                      </a:solidFill>
+                    </a:lnB>
+                    <a:lnTlToBr w="12700" cmpd="sng">
+                      <a:noFill/>
+                      <a:prstDash val="solid"/>
+                    </a:lnTlToBr>
+                    <a:lnBlToTr w="12700" cmpd="sng">
+                      <a:noFill/>
+                      <a:prstDash val="solid"/>
+                    </a:lnBlToTr>
+                    <a:solidFill>
+                      <a:schemeClr val="accent1">
+                        <a:lumMod val="50000"/>
+                      </a:schemeClr>
+                    </a:solidFill>
+                  </a:tcPr>
+                </a:tc>
+                <a:tc>
+                  <a:txBody>
+                    <a:bodyPr/>
+                    <a:lstStyle>
+                      <a:lvl1pPr marL="0" algn="l" defTabSz="914400" rtl="0" eaLnBrk="1" latinLnBrk="0" hangingPunct="1">
+                        <a:defRPr sz="1800" kern="1200">
+                          <a:solidFill>
+                            <a:schemeClr val="dk1"/>
+                          </a:solidFill>
+                          <a:latin typeface="Segoe UI"/>
+                        </a:defRPr>
+                      </a:lvl1pPr>
+                      <a:lvl2pPr marL="457200" algn="l" defTabSz="914400" rtl="0" eaLnBrk="1" latinLnBrk="0" hangingPunct="1">
+                        <a:defRPr sz="1800" kern="1200">
+                          <a:solidFill>
+                            <a:schemeClr val="dk1"/>
+                          </a:solidFill>
+                          <a:latin typeface="Segoe UI"/>
+                        </a:defRPr>
+                      </a:lvl2pPr>
+                      <a:lvl3pPr marL="914400" algn="l" defTabSz="914400" rtl="0" eaLnBrk="1" latinLnBrk="0" hangingPunct="1">
+                        <a:defRPr sz="1800" kern="1200">
+                          <a:solidFill>
+                            <a:schemeClr val="dk1"/>
+                          </a:solidFill>
+                          <a:latin typeface="Segoe UI"/>
+                        </a:defRPr>
+                      </a:lvl3pPr>
+                      <a:lvl4pPr marL="1371600" algn="l" defTabSz="914400" rtl="0" eaLnBrk="1" latinLnBrk="0" hangingPunct="1">
+                        <a:defRPr sz="1800" kern="1200">
+                          <a:solidFill>
+                            <a:schemeClr val="dk1"/>
+                          </a:solidFill>
+                          <a:latin typeface="Segoe UI"/>
+                        </a:defRPr>
+                      </a:lvl4pPr>
+                      <a:lvl5pPr marL="1828800" algn="l" defTabSz="914400" rtl="0" eaLnBrk="1" latinLnBrk="0" hangingPunct="1">
+                        <a:defRPr sz="1800" kern="1200">
+                          <a:solidFill>
+                            <a:schemeClr val="dk1"/>
+                          </a:solidFill>
+                          <a:latin typeface="Segoe UI"/>
+                        </a:defRPr>
+                      </a:lvl5pPr>
+                      <a:lvl6pPr marL="2286000" algn="l" defTabSz="914400" rtl="0" eaLnBrk="1" latinLnBrk="0" hangingPunct="1">
+                        <a:defRPr sz="1800" kern="1200">
+                          <a:solidFill>
+                            <a:schemeClr val="dk1"/>
+                          </a:solidFill>
+                          <a:latin typeface="Segoe UI"/>
+                        </a:defRPr>
+                      </a:lvl6pPr>
+                      <a:lvl7pPr marL="2743200" algn="l" defTabSz="914400" rtl="0" eaLnBrk="1" latinLnBrk="0" hangingPunct="1">
+                        <a:defRPr sz="1800" kern="1200">
+                          <a:solidFill>
+                            <a:schemeClr val="dk1"/>
+                          </a:solidFill>
+                          <a:latin typeface="Segoe UI"/>
+                        </a:defRPr>
+                      </a:lvl7pPr>
+                      <a:lvl8pPr marL="3200400" algn="l" defTabSz="914400" rtl="0" eaLnBrk="1" latinLnBrk="0" hangingPunct="1">
+                        <a:defRPr sz="1800" kern="1200">
+                          <a:solidFill>
+                            <a:schemeClr val="dk1"/>
+                          </a:solidFill>
+                          <a:latin typeface="Segoe UI"/>
+                        </a:defRPr>
+                      </a:lvl8pPr>
+                      <a:lvl9pPr marL="3657600" algn="l" defTabSz="914400" rtl="0" eaLnBrk="1" latinLnBrk="0" hangingPunct="1">
+                        <a:defRPr sz="1800" kern="1200">
+                          <a:solidFill>
+                            <a:schemeClr val="dk1"/>
+                          </a:solidFill>
+                          <a:latin typeface="Segoe UI"/>
+                        </a:defRPr>
+                      </a:lvl9pPr>
+                    </a:lstStyle>
+                    <a:p>
+                      <a:pPr algn="ctr"/>
+                      <a:endParaRPr lang="en-US" sz="1600" dirty="0">
+                        <a:latin typeface="Arial" panose="020B0604020202020204" pitchFamily="34" charset="0"/>
+                        <a:cs typeface="Arial" panose="020B0604020202020204" pitchFamily="34" charset="0"/>
+                      </a:endParaRPr>
+                    </a:p>
+                  </a:txBody>
+                  <a:tcPr>
+                    <a:lnL w="12700" cmpd="sng">
+                      <a:solidFill>
+                        <a:sysClr val="window" lastClr="FFFFFF"/>
+                      </a:solidFill>
+                    </a:lnL>
+                    <a:lnR w="12700" cmpd="sng">
+                      <a:solidFill>
+                        <a:sysClr val="window" lastClr="FFFFFF"/>
+                      </a:solidFill>
+                    </a:lnR>
+                    <a:lnT w="12700" cmpd="sng">
+                      <a:solidFill>
+                        <a:sysClr val="window" lastClr="FFFFFF"/>
+                      </a:solidFill>
+                    </a:lnT>
+                    <a:lnB w="12700" cmpd="sng">
+                      <a:solidFill>
+                        <a:sysClr val="window" lastClr="FFFFFF"/>
+                      </a:solidFill>
+                    </a:lnB>
+                    <a:lnTlToBr w="12700" cmpd="sng">
+                      <a:noFill/>
+                      <a:prstDash val="solid"/>
+                    </a:lnTlToBr>
+                    <a:lnBlToTr w="12700" cmpd="sng">
+                      <a:noFill/>
+                      <a:prstDash val="solid"/>
+                    </a:lnBlToTr>
+                    <a:solidFill>
+                      <a:schemeClr val="accent1">
+                        <a:lumMod val="20000"/>
+                        <a:lumOff val="80000"/>
+                      </a:schemeClr>
+                    </a:solidFill>
+                  </a:tcPr>
+                </a:tc>
+                <a:tc>
+                  <a:txBody>
+                    <a:bodyPr/>
+                    <a:lstStyle>
+                      <a:lvl1pPr marL="0" algn="l" defTabSz="914400" rtl="0" eaLnBrk="1" latinLnBrk="0" hangingPunct="1">
+                        <a:defRPr sz="1800" kern="1200">
+                          <a:solidFill>
+                            <a:schemeClr val="dk1"/>
+                          </a:solidFill>
+                          <a:latin typeface="Segoe UI"/>
+                        </a:defRPr>
+                      </a:lvl1pPr>
+                      <a:lvl2pPr marL="457200" algn="l" defTabSz="914400" rtl="0" eaLnBrk="1" latinLnBrk="0" hangingPunct="1">
+                        <a:defRPr sz="1800" kern="1200">
+                          <a:solidFill>
+                            <a:schemeClr val="dk1"/>
+                          </a:solidFill>
+                          <a:latin typeface="Segoe UI"/>
+                        </a:defRPr>
+                      </a:lvl2pPr>
+                      <a:lvl3pPr marL="914400" algn="l" defTabSz="914400" rtl="0" eaLnBrk="1" latinLnBrk="0" hangingPunct="1">
+                        <a:defRPr sz="1800" kern="1200">
+                          <a:solidFill>
+                            <a:schemeClr val="dk1"/>
+                          </a:solidFill>
+                          <a:latin typeface="Segoe UI"/>
+                        </a:defRPr>
+                      </a:lvl3pPr>
+                      <a:lvl4pPr marL="1371600" algn="l" defTabSz="914400" rtl="0" eaLnBrk="1" latinLnBrk="0" hangingPunct="1">
+                        <a:defRPr sz="1800" kern="1200">
+                          <a:solidFill>
+                            <a:schemeClr val="dk1"/>
+                          </a:solidFill>
+                          <a:latin typeface="Segoe UI"/>
+                        </a:defRPr>
+                      </a:lvl4pPr>
+                      <a:lvl5pPr marL="1828800" algn="l" defTabSz="914400" rtl="0" eaLnBrk="1" latinLnBrk="0" hangingPunct="1">
+                        <a:defRPr sz="1800" kern="1200">
+                          <a:solidFill>
+                            <a:schemeClr val="dk1"/>
+                          </a:solidFill>
+                          <a:latin typeface="Segoe UI"/>
+                        </a:defRPr>
+                      </a:lvl5pPr>
+                      <a:lvl6pPr marL="2286000" algn="l" defTabSz="914400" rtl="0" eaLnBrk="1" latinLnBrk="0" hangingPunct="1">
+                        <a:defRPr sz="1800" kern="1200">
+                          <a:solidFill>
+                            <a:schemeClr val="dk1"/>
+                          </a:solidFill>
+                          <a:latin typeface="Segoe UI"/>
+                        </a:defRPr>
+                      </a:lvl6pPr>
+                      <a:lvl7pPr marL="2743200" algn="l" defTabSz="914400" rtl="0" eaLnBrk="1" latinLnBrk="0" hangingPunct="1">
+                        <a:defRPr sz="1800" kern="1200">
+                          <a:solidFill>
+                            <a:schemeClr val="dk1"/>
+                          </a:solidFill>
+                          <a:latin typeface="Segoe UI"/>
+                        </a:defRPr>
+                      </a:lvl7pPr>
+                      <a:lvl8pPr marL="3200400" algn="l" defTabSz="914400" rtl="0" eaLnBrk="1" latinLnBrk="0" hangingPunct="1">
+                        <a:defRPr sz="1800" kern="1200">
+                          <a:solidFill>
+                            <a:schemeClr val="dk1"/>
+                          </a:solidFill>
+                          <a:latin typeface="Segoe UI"/>
+                        </a:defRPr>
+                      </a:lvl8pPr>
+                      <a:lvl9pPr marL="3657600" algn="l" defTabSz="914400" rtl="0" eaLnBrk="1" latinLnBrk="0" hangingPunct="1">
+                        <a:defRPr sz="1800" kern="1200">
+                          <a:solidFill>
+                            <a:schemeClr val="dk1"/>
+                          </a:solidFill>
+                          <a:latin typeface="Segoe UI"/>
+                        </a:defRPr>
+                      </a:lvl9pPr>
+                    </a:lstStyle>
+                    <a:p>
+                      <a:pPr algn="ctr"/>
+                      <a:endParaRPr lang="en-US" sz="1600" dirty="0">
+                        <a:latin typeface="Arial" panose="020B0604020202020204" pitchFamily="34" charset="0"/>
+                        <a:cs typeface="Arial" panose="020B0604020202020204" pitchFamily="34" charset="0"/>
+                      </a:endParaRPr>
+                    </a:p>
+                  </a:txBody>
+                  <a:tcPr>
+                    <a:lnL w="12700" cmpd="sng">
+                      <a:solidFill>
+                        <a:sysClr val="window" lastClr="FFFFFF"/>
+                      </a:solidFill>
+                    </a:lnL>
+                    <a:lnR w="12700" cmpd="sng">
+                      <a:solidFill>
+                        <a:sysClr val="window" lastClr="FFFFFF"/>
+                      </a:solidFill>
+                    </a:lnR>
+                    <a:lnT w="12700" cmpd="sng">
+                      <a:solidFill>
+                        <a:sysClr val="window" lastClr="FFFFFF"/>
+                      </a:solidFill>
+                    </a:lnT>
+                    <a:lnB w="12700" cmpd="sng">
+                      <a:solidFill>
+                        <a:sysClr val="window" lastClr="FFFFFF"/>
+                      </a:solidFill>
+                    </a:lnB>
+                    <a:lnTlToBr w="12700" cmpd="sng">
+                      <a:noFill/>
+                      <a:prstDash val="solid"/>
+                    </a:lnTlToBr>
+                    <a:lnBlToTr w="12700" cmpd="sng">
+                      <a:noFill/>
+                      <a:prstDash val="solid"/>
+                    </a:lnBlToTr>
+                    <a:solidFill>
+                      <a:schemeClr val="accent1">
+                        <a:lumMod val="20000"/>
+                        <a:lumOff val="80000"/>
+                      </a:schemeClr>
+                    </a:solidFill>
+                  </a:tcPr>
+                </a:tc>
+                <a:tc>
+                  <a:txBody>
+                    <a:bodyPr/>
+                    <a:lstStyle>
+                      <a:lvl1pPr marL="0" algn="l" defTabSz="914400" rtl="0" eaLnBrk="1" latinLnBrk="0" hangingPunct="1">
+                        <a:defRPr sz="1800" kern="1200">
+                          <a:solidFill>
+                            <a:schemeClr val="dk1"/>
+                          </a:solidFill>
+                          <a:latin typeface="Segoe UI"/>
+                        </a:defRPr>
+                      </a:lvl1pPr>
+                      <a:lvl2pPr marL="457200" algn="l" defTabSz="914400" rtl="0" eaLnBrk="1" latinLnBrk="0" hangingPunct="1">
+                        <a:defRPr sz="1800" kern="1200">
+                          <a:solidFill>
+                            <a:schemeClr val="dk1"/>
+                          </a:solidFill>
+                          <a:latin typeface="Segoe UI"/>
+                        </a:defRPr>
+                      </a:lvl2pPr>
+                      <a:lvl3pPr marL="914400" algn="l" defTabSz="914400" rtl="0" eaLnBrk="1" latinLnBrk="0" hangingPunct="1">
+                        <a:defRPr sz="1800" kern="1200">
+                          <a:solidFill>
+                            <a:schemeClr val="dk1"/>
+                          </a:solidFill>
+                          <a:latin typeface="Segoe UI"/>
+                        </a:defRPr>
+                      </a:lvl3pPr>
+                      <a:lvl4pPr marL="1371600" algn="l" defTabSz="914400" rtl="0" eaLnBrk="1" latinLnBrk="0" hangingPunct="1">
+                        <a:defRPr sz="1800" kern="1200">
+                          <a:solidFill>
+                            <a:schemeClr val="dk1"/>
+                          </a:solidFill>
+                          <a:latin typeface="Segoe UI"/>
+                        </a:defRPr>
+                      </a:lvl4pPr>
+                      <a:lvl5pPr marL="1828800" algn="l" defTabSz="914400" rtl="0" eaLnBrk="1" latinLnBrk="0" hangingPunct="1">
+                        <a:defRPr sz="1800" kern="1200">
+                          <a:solidFill>
+                            <a:schemeClr val="dk1"/>
+                          </a:solidFill>
+                          <a:latin typeface="Segoe UI"/>
+                        </a:defRPr>
+                      </a:lvl5pPr>
+                      <a:lvl6pPr marL="2286000" algn="l" defTabSz="914400" rtl="0" eaLnBrk="1" latinLnBrk="0" hangingPunct="1">
+                        <a:defRPr sz="1800" kern="1200">
+                          <a:solidFill>
+                            <a:schemeClr val="dk1"/>
+                          </a:solidFill>
+                          <a:latin typeface="Segoe UI"/>
+                        </a:defRPr>
+                      </a:lvl6pPr>
+                      <a:lvl7pPr marL="2743200" algn="l" defTabSz="914400" rtl="0" eaLnBrk="1" latinLnBrk="0" hangingPunct="1">
+                        <a:defRPr sz="1800" kern="1200">
+                          <a:solidFill>
+                            <a:schemeClr val="dk1"/>
+                          </a:solidFill>
+                          <a:latin typeface="Segoe UI"/>
+                        </a:defRPr>
+                      </a:lvl7pPr>
+                      <a:lvl8pPr marL="3200400" algn="l" defTabSz="914400" rtl="0" eaLnBrk="1" latinLnBrk="0" hangingPunct="1">
+                        <a:defRPr sz="1800" kern="1200">
+                          <a:solidFill>
+                            <a:schemeClr val="dk1"/>
+                          </a:solidFill>
+                          <a:latin typeface="Segoe UI"/>
+                        </a:defRPr>
+                      </a:lvl8pPr>
+                      <a:lvl9pPr marL="3657600" algn="l" defTabSz="914400" rtl="0" eaLnBrk="1" latinLnBrk="0" hangingPunct="1">
+                        <a:defRPr sz="1800" kern="1200">
+                          <a:solidFill>
+                            <a:schemeClr val="dk1"/>
+                          </a:solidFill>
+                          <a:latin typeface="Segoe UI"/>
+                        </a:defRPr>
+                      </a:lvl9pPr>
+                    </a:lstStyle>
+                    <a:p>
+                      <a:pPr algn="ctr"/>
+                      <a:endParaRPr lang="en-US" sz="1600" dirty="0">
+                        <a:latin typeface="Arial" panose="020B0604020202020204" pitchFamily="34" charset="0"/>
+                        <a:cs typeface="Arial" panose="020B0604020202020204" pitchFamily="34" charset="0"/>
+                      </a:endParaRPr>
+                    </a:p>
+                  </a:txBody>
+                  <a:tcPr>
+                    <a:lnL w="12700" cmpd="sng">
+                      <a:solidFill>
+                        <a:sysClr val="window" lastClr="FFFFFF"/>
+                      </a:solidFill>
+                    </a:lnL>
+                    <a:lnR w="12700" cmpd="sng">
+                      <a:solidFill>
+                        <a:sysClr val="window" lastClr="FFFFFF"/>
+                      </a:solidFill>
+                    </a:lnR>
+                    <a:lnT w="12700" cmpd="sng">
+                      <a:solidFill>
+                        <a:sysClr val="window" lastClr="FFFFFF"/>
+                      </a:solidFill>
+                    </a:lnT>
+                    <a:lnB w="12700" cmpd="sng">
+                      <a:solidFill>
+                        <a:sysClr val="window" lastClr="FFFFFF"/>
+                      </a:solidFill>
+                    </a:lnB>
+                    <a:lnTlToBr w="12700" cmpd="sng">
+                      <a:noFill/>
+                      <a:prstDash val="solid"/>
+                    </a:lnTlToBr>
+                    <a:lnBlToTr w="12700" cmpd="sng">
+                      <a:noFill/>
+                      <a:prstDash val="solid"/>
+                    </a:lnBlToTr>
+                    <a:solidFill>
+                      <a:schemeClr val="accent1">
+                        <a:lumMod val="20000"/>
+                        <a:lumOff val="80000"/>
+                      </a:schemeClr>
+                    </a:solidFill>
+                  </a:tcPr>
+                </a:tc>
+                <a:extLst>
+                  <a:ext uri="{0D108BD9-81ED-4DB2-BD59-A6C34878D82A}">
+                    <a16:rowId xmlns:a16="http://schemas.microsoft.com/office/drawing/2014/main" val="3600432382"/>
+                  </a:ext>
+                </a:extLst>
+              </a:tr>
+              <a:tr h="370840">
+                <a:tc>
+                  <a:txBody>
+                    <a:bodyPr/>
+                    <a:lstStyle>
+                      <a:lvl1pPr marL="0" algn="l" defTabSz="914400" rtl="0" eaLnBrk="1" latinLnBrk="0" hangingPunct="1">
+                        <a:defRPr sz="1800" b="1" kern="1200">
+                          <a:solidFill>
+                            <a:schemeClr val="lt1"/>
+                          </a:solidFill>
+                          <a:latin typeface="Segoe UI"/>
+                        </a:defRPr>
+                      </a:lvl1pPr>
+                      <a:lvl2pPr marL="457200" algn="l" defTabSz="914400" rtl="0" eaLnBrk="1" latinLnBrk="0" hangingPunct="1">
+                        <a:defRPr sz="1800" b="1" kern="1200">
+                          <a:solidFill>
+                            <a:schemeClr val="lt1"/>
+                          </a:solidFill>
+                          <a:latin typeface="Segoe UI"/>
+                        </a:defRPr>
+                      </a:lvl2pPr>
+                      <a:lvl3pPr marL="914400" algn="l" defTabSz="914400" rtl="0" eaLnBrk="1" latinLnBrk="0" hangingPunct="1">
+                        <a:defRPr sz="1800" b="1" kern="1200">
+                          <a:solidFill>
+                            <a:schemeClr val="lt1"/>
+                          </a:solidFill>
+                          <a:latin typeface="Segoe UI"/>
+                        </a:defRPr>
+                      </a:lvl3pPr>
+                      <a:lvl4pPr marL="1371600" algn="l" defTabSz="914400" rtl="0" eaLnBrk="1" latinLnBrk="0" hangingPunct="1">
+                        <a:defRPr sz="1800" b="1" kern="1200">
+                          <a:solidFill>
+                            <a:schemeClr val="lt1"/>
+                          </a:solidFill>
+                          <a:latin typeface="Segoe UI"/>
+                        </a:defRPr>
+                      </a:lvl4pPr>
+                      <a:lvl5pPr marL="1828800" algn="l" defTabSz="914400" rtl="0" eaLnBrk="1" latinLnBrk="0" hangingPunct="1">
+                        <a:defRPr sz="1800" b="1" kern="1200">
+                          <a:solidFill>
+                            <a:schemeClr val="lt1"/>
+                          </a:solidFill>
+                          <a:latin typeface="Segoe UI"/>
+                        </a:defRPr>
+                      </a:lvl5pPr>
+                      <a:lvl6pPr marL="2286000" algn="l" defTabSz="914400" rtl="0" eaLnBrk="1" latinLnBrk="0" hangingPunct="1">
+                        <a:defRPr sz="1800" b="1" kern="1200">
+                          <a:solidFill>
+                            <a:schemeClr val="lt1"/>
+                          </a:solidFill>
+                          <a:latin typeface="Segoe UI"/>
+                        </a:defRPr>
+                      </a:lvl6pPr>
+                      <a:lvl7pPr marL="2743200" algn="l" defTabSz="914400" rtl="0" eaLnBrk="1" latinLnBrk="0" hangingPunct="1">
+                        <a:defRPr sz="1800" b="1" kern="1200">
+                          <a:solidFill>
+                            <a:schemeClr val="lt1"/>
+                          </a:solidFill>
+                          <a:latin typeface="Segoe UI"/>
+                        </a:defRPr>
+                      </a:lvl7pPr>
+                      <a:lvl8pPr marL="3200400" algn="l" defTabSz="914400" rtl="0" eaLnBrk="1" latinLnBrk="0" hangingPunct="1">
+                        <a:defRPr sz="1800" b="1" kern="1200">
+                          <a:solidFill>
+                            <a:schemeClr val="lt1"/>
+                          </a:solidFill>
+                          <a:latin typeface="Segoe UI"/>
+                        </a:defRPr>
+                      </a:lvl8pPr>
+                      <a:lvl9pPr marL="3657600" algn="l" defTabSz="914400" rtl="0" eaLnBrk="1" latinLnBrk="0" hangingPunct="1">
+                        <a:defRPr sz="1800" b="1" kern="1200">
+                          <a:solidFill>
+                            <a:schemeClr val="lt1"/>
+                          </a:solidFill>
+                          <a:latin typeface="Segoe UI"/>
+                        </a:defRPr>
+                      </a:lvl9pPr>
+                    </a:lstStyle>
+                    <a:p>
+                      <a:pPr algn="l"/>
+                      <a:r>
+                        <a:rPr lang="en-US" sz="1600" dirty="0">
+                          <a:latin typeface="Arial" panose="020B0604020202020204" pitchFamily="34" charset="0"/>
+                          <a:cs typeface="Arial" panose="020B0604020202020204" pitchFamily="34" charset="0"/>
+                        </a:rPr>
+                        <a:t>MERS-</a:t>
+                      </a:r>
+                      <a:r>
+                        <a:rPr lang="en-US" sz="1600" dirty="0" err="1">
+                          <a:latin typeface="Arial" panose="020B0604020202020204" pitchFamily="34" charset="0"/>
+                          <a:cs typeface="Arial" panose="020B0604020202020204" pitchFamily="34" charset="0"/>
+                        </a:rPr>
+                        <a:t>CoV</a:t>
+                      </a:r>
+                      <a:endParaRPr lang="en-US" sz="1600" baseline="-25000" dirty="0">
+                        <a:latin typeface="Arial" panose="020B0604020202020204" pitchFamily="34" charset="0"/>
+                        <a:cs typeface="Arial" panose="020B0604020202020204" pitchFamily="34" charset="0"/>
+                      </a:endParaRPr>
+                    </a:p>
+                  </a:txBody>
+                  <a:tcPr>
+                    <a:lnL w="12700" cmpd="sng">
+                      <a:solidFill>
+                        <a:sysClr val="window" lastClr="FFFFFF"/>
+                      </a:solidFill>
+                    </a:lnL>
+                    <a:lnR w="12700" cmpd="sng">
+                      <a:solidFill>
+                        <a:sysClr val="window" lastClr="FFFFFF"/>
+                      </a:solidFill>
+                    </a:lnR>
+                    <a:lnT w="12700" cmpd="sng">
+                      <a:solidFill>
+                        <a:sysClr val="window" lastClr="FFFFFF"/>
+                      </a:solidFill>
+                    </a:lnT>
+                    <a:lnB w="12700" cmpd="sng">
+                      <a:solidFill>
+                        <a:sysClr val="window" lastClr="FFFFFF"/>
+                      </a:solidFill>
+                    </a:lnB>
+                    <a:lnTlToBr w="12700" cmpd="sng">
+                      <a:noFill/>
+                      <a:prstDash val="solid"/>
+                    </a:lnTlToBr>
+                    <a:lnBlToTr w="12700" cmpd="sng">
+                      <a:noFill/>
+                      <a:prstDash val="solid"/>
+                    </a:lnBlToTr>
+                    <a:solidFill>
+                      <a:schemeClr val="accent1">
+                        <a:lumMod val="50000"/>
+                      </a:schemeClr>
+                    </a:solidFill>
+                  </a:tcPr>
+                </a:tc>
+                <a:tc>
+                  <a:txBody>
+                    <a:bodyPr/>
+                    <a:lstStyle>
+                      <a:lvl1pPr marL="0" algn="l" defTabSz="914400" rtl="0" eaLnBrk="1" latinLnBrk="0" hangingPunct="1">
+                        <a:defRPr sz="1800" kern="1200">
+                          <a:solidFill>
+                            <a:schemeClr val="dk1"/>
+                          </a:solidFill>
+                          <a:latin typeface="Segoe UI"/>
+                        </a:defRPr>
+                      </a:lvl1pPr>
+                      <a:lvl2pPr marL="457200" algn="l" defTabSz="914400" rtl="0" eaLnBrk="1" latinLnBrk="0" hangingPunct="1">
+                        <a:defRPr sz="1800" kern="1200">
+                          <a:solidFill>
+                            <a:schemeClr val="dk1"/>
+                          </a:solidFill>
+                          <a:latin typeface="Segoe UI"/>
+                        </a:defRPr>
+                      </a:lvl2pPr>
+                      <a:lvl3pPr marL="914400" algn="l" defTabSz="914400" rtl="0" eaLnBrk="1" latinLnBrk="0" hangingPunct="1">
+                        <a:defRPr sz="1800" kern="1200">
+                          <a:solidFill>
+                            <a:schemeClr val="dk1"/>
+                          </a:solidFill>
+                          <a:latin typeface="Segoe UI"/>
+                        </a:defRPr>
+                      </a:lvl3pPr>
+                      <a:lvl4pPr marL="1371600" algn="l" defTabSz="914400" rtl="0" eaLnBrk="1" latinLnBrk="0" hangingPunct="1">
+                        <a:defRPr sz="1800" kern="1200">
+                          <a:solidFill>
+                            <a:schemeClr val="dk1"/>
+                          </a:solidFill>
+                          <a:latin typeface="Segoe UI"/>
+                        </a:defRPr>
+                      </a:lvl4pPr>
+                      <a:lvl5pPr marL="1828800" algn="l" defTabSz="914400" rtl="0" eaLnBrk="1" latinLnBrk="0" hangingPunct="1">
+                        <a:defRPr sz="1800" kern="1200">
+                          <a:solidFill>
+                            <a:schemeClr val="dk1"/>
+                          </a:solidFill>
+                          <a:latin typeface="Segoe UI"/>
+                        </a:defRPr>
+                      </a:lvl5pPr>
+                      <a:lvl6pPr marL="2286000" algn="l" defTabSz="914400" rtl="0" eaLnBrk="1" latinLnBrk="0" hangingPunct="1">
+                        <a:defRPr sz="1800" kern="1200">
+                          <a:solidFill>
+                            <a:schemeClr val="dk1"/>
+                          </a:solidFill>
+                          <a:latin typeface="Segoe UI"/>
+                        </a:defRPr>
+                      </a:lvl6pPr>
+                      <a:lvl7pPr marL="2743200" algn="l" defTabSz="914400" rtl="0" eaLnBrk="1" latinLnBrk="0" hangingPunct="1">
+                        <a:defRPr sz="1800" kern="1200">
+                          <a:solidFill>
+                            <a:schemeClr val="dk1"/>
+                          </a:solidFill>
+                          <a:latin typeface="Segoe UI"/>
+                        </a:defRPr>
+                      </a:lvl7pPr>
+                      <a:lvl8pPr marL="3200400" algn="l" defTabSz="914400" rtl="0" eaLnBrk="1" latinLnBrk="0" hangingPunct="1">
+                        <a:defRPr sz="1800" kern="1200">
+                          <a:solidFill>
+                            <a:schemeClr val="dk1"/>
+                          </a:solidFill>
+                          <a:latin typeface="Segoe UI"/>
+                        </a:defRPr>
+                      </a:lvl8pPr>
+                      <a:lvl9pPr marL="3657600" algn="l" defTabSz="914400" rtl="0" eaLnBrk="1" latinLnBrk="0" hangingPunct="1">
+                        <a:defRPr sz="1800" kern="1200">
+                          <a:solidFill>
+                            <a:schemeClr val="dk1"/>
+                          </a:solidFill>
+                          <a:latin typeface="Segoe UI"/>
+                        </a:defRPr>
+                      </a:lvl9pPr>
+                    </a:lstStyle>
+                    <a:p>
+                      <a:pPr algn="ctr"/>
+                      <a:endParaRPr lang="en-US" sz="1600" dirty="0">
+                        <a:latin typeface="Arial" panose="020B0604020202020204" pitchFamily="34" charset="0"/>
+                        <a:cs typeface="Arial" panose="020B0604020202020204" pitchFamily="34" charset="0"/>
+                      </a:endParaRPr>
+                    </a:p>
+                  </a:txBody>
+                  <a:tcPr>
+                    <a:lnL w="12700" cmpd="sng">
+                      <a:solidFill>
+                        <a:sysClr val="window" lastClr="FFFFFF"/>
+                      </a:solidFill>
+                    </a:lnL>
+                    <a:lnR w="12700" cmpd="sng">
+                      <a:solidFill>
+                        <a:sysClr val="window" lastClr="FFFFFF"/>
+                      </a:solidFill>
+                    </a:lnR>
+                    <a:lnT w="12700" cmpd="sng">
+                      <a:solidFill>
+                        <a:sysClr val="window" lastClr="FFFFFF"/>
+                      </a:solidFill>
+                    </a:lnT>
+                    <a:lnB w="12700" cmpd="sng">
+                      <a:solidFill>
+                        <a:sysClr val="window" lastClr="FFFFFF"/>
+                      </a:solidFill>
+                    </a:lnB>
+                    <a:lnTlToBr w="12700" cmpd="sng">
+                      <a:noFill/>
+                      <a:prstDash val="solid"/>
+                    </a:lnTlToBr>
+                    <a:lnBlToTr w="12700" cmpd="sng">
+                      <a:noFill/>
+                      <a:prstDash val="solid"/>
+                    </a:lnBlToTr>
+                    <a:solidFill>
+                      <a:schemeClr val="accent1">
+                        <a:lumMod val="40000"/>
+                        <a:lumOff val="60000"/>
+                      </a:schemeClr>
+                    </a:solidFill>
+                  </a:tcPr>
+                </a:tc>
+                <a:tc>
+                  <a:txBody>
+                    <a:bodyPr/>
+                    <a:lstStyle>
+                      <a:lvl1pPr marL="0" algn="l" defTabSz="914400" rtl="0" eaLnBrk="1" latinLnBrk="0" hangingPunct="1">
+                        <a:defRPr sz="1800" kern="1200">
+                          <a:solidFill>
+                            <a:schemeClr val="dk1"/>
+                          </a:solidFill>
+                          <a:latin typeface="Segoe UI"/>
+                        </a:defRPr>
+                      </a:lvl1pPr>
+                      <a:lvl2pPr marL="457200" algn="l" defTabSz="914400" rtl="0" eaLnBrk="1" latinLnBrk="0" hangingPunct="1">
+                        <a:defRPr sz="1800" kern="1200">
+                          <a:solidFill>
+                            <a:schemeClr val="dk1"/>
+                          </a:solidFill>
+                          <a:latin typeface="Segoe UI"/>
+                        </a:defRPr>
+                      </a:lvl2pPr>
+                      <a:lvl3pPr marL="914400" algn="l" defTabSz="914400" rtl="0" eaLnBrk="1" latinLnBrk="0" hangingPunct="1">
+                        <a:defRPr sz="1800" kern="1200">
+                          <a:solidFill>
+                            <a:schemeClr val="dk1"/>
+                          </a:solidFill>
+                          <a:latin typeface="Segoe UI"/>
+                        </a:defRPr>
+                      </a:lvl3pPr>
+                      <a:lvl4pPr marL="1371600" algn="l" defTabSz="914400" rtl="0" eaLnBrk="1" latinLnBrk="0" hangingPunct="1">
+                        <a:defRPr sz="1800" kern="1200">
+                          <a:solidFill>
+                            <a:schemeClr val="dk1"/>
+                          </a:solidFill>
+                          <a:latin typeface="Segoe UI"/>
+                        </a:defRPr>
+                      </a:lvl4pPr>
+                      <a:lvl5pPr marL="1828800" algn="l" defTabSz="914400" rtl="0" eaLnBrk="1" latinLnBrk="0" hangingPunct="1">
+                        <a:defRPr sz="1800" kern="1200">
+                          <a:solidFill>
+                            <a:schemeClr val="dk1"/>
+                          </a:solidFill>
+                          <a:latin typeface="Segoe UI"/>
+                        </a:defRPr>
+                      </a:lvl5pPr>
+                      <a:lvl6pPr marL="2286000" algn="l" defTabSz="914400" rtl="0" eaLnBrk="1" latinLnBrk="0" hangingPunct="1">
+                        <a:defRPr sz="1800" kern="1200">
+                          <a:solidFill>
+                            <a:schemeClr val="dk1"/>
+                          </a:solidFill>
+                          <a:latin typeface="Segoe UI"/>
+                        </a:defRPr>
+                      </a:lvl6pPr>
+                      <a:lvl7pPr marL="2743200" algn="l" defTabSz="914400" rtl="0" eaLnBrk="1" latinLnBrk="0" hangingPunct="1">
+                        <a:defRPr sz="1800" kern="1200">
+                          <a:solidFill>
+                            <a:schemeClr val="dk1"/>
+                          </a:solidFill>
+                          <a:latin typeface="Segoe UI"/>
+                        </a:defRPr>
+                      </a:lvl7pPr>
+                      <a:lvl8pPr marL="3200400" algn="l" defTabSz="914400" rtl="0" eaLnBrk="1" latinLnBrk="0" hangingPunct="1">
+                        <a:defRPr sz="1800" kern="1200">
+                          <a:solidFill>
+                            <a:schemeClr val="dk1"/>
+                          </a:solidFill>
+                          <a:latin typeface="Segoe UI"/>
+                        </a:defRPr>
+                      </a:lvl8pPr>
+                      <a:lvl9pPr marL="3657600" algn="l" defTabSz="914400" rtl="0" eaLnBrk="1" latinLnBrk="0" hangingPunct="1">
+                        <a:defRPr sz="1800" kern="1200">
+                          <a:solidFill>
+                            <a:schemeClr val="dk1"/>
+                          </a:solidFill>
+                          <a:latin typeface="Segoe UI"/>
+                        </a:defRPr>
+                      </a:lvl9pPr>
+                    </a:lstStyle>
+                    <a:p>
+                      <a:pPr algn="ctr"/>
+                      <a:endParaRPr lang="en-US" sz="1600" dirty="0">
+                        <a:latin typeface="Arial" panose="020B0604020202020204" pitchFamily="34" charset="0"/>
+                        <a:cs typeface="Arial" panose="020B0604020202020204" pitchFamily="34" charset="0"/>
+                      </a:endParaRPr>
+                    </a:p>
+                  </a:txBody>
+                  <a:tcPr>
+                    <a:lnL w="12700" cmpd="sng">
+                      <a:solidFill>
+                        <a:sysClr val="window" lastClr="FFFFFF"/>
+                      </a:solidFill>
+                    </a:lnL>
+                    <a:lnR w="12700" cmpd="sng">
+                      <a:solidFill>
+                        <a:sysClr val="window" lastClr="FFFFFF"/>
+                      </a:solidFill>
+                    </a:lnR>
+                    <a:lnT w="12700" cmpd="sng">
+                      <a:solidFill>
+                        <a:sysClr val="window" lastClr="FFFFFF"/>
+                      </a:solidFill>
+                    </a:lnT>
+                    <a:lnB w="12700" cmpd="sng">
+                      <a:solidFill>
+                        <a:sysClr val="window" lastClr="FFFFFF"/>
+                      </a:solidFill>
+                    </a:lnB>
+                    <a:lnTlToBr w="12700" cmpd="sng">
+                      <a:noFill/>
+                      <a:prstDash val="solid"/>
+                    </a:lnTlToBr>
+                    <a:lnBlToTr w="12700" cmpd="sng">
+                      <a:noFill/>
+                      <a:prstDash val="solid"/>
+                    </a:lnBlToTr>
+                    <a:solidFill>
+                      <a:schemeClr val="accent1">
+                        <a:lumMod val="40000"/>
+                        <a:lumOff val="60000"/>
+                      </a:schemeClr>
+                    </a:solidFill>
+                  </a:tcPr>
+                </a:tc>
+                <a:tc>
+                  <a:txBody>
+                    <a:bodyPr/>
+                    <a:lstStyle>
+                      <a:lvl1pPr marL="0" algn="l" defTabSz="914400" rtl="0" eaLnBrk="1" latinLnBrk="0" hangingPunct="1">
+                        <a:defRPr sz="1800" kern="1200">
+                          <a:solidFill>
+                            <a:schemeClr val="dk1"/>
+                          </a:solidFill>
+                          <a:latin typeface="Segoe UI"/>
+                        </a:defRPr>
+                      </a:lvl1pPr>
+                      <a:lvl2pPr marL="457200" algn="l" defTabSz="914400" rtl="0" eaLnBrk="1" latinLnBrk="0" hangingPunct="1">
+                        <a:defRPr sz="1800" kern="1200">
+                          <a:solidFill>
+                            <a:schemeClr val="dk1"/>
+                          </a:solidFill>
+                          <a:latin typeface="Segoe UI"/>
+                        </a:defRPr>
+                      </a:lvl2pPr>
+                      <a:lvl3pPr marL="914400" algn="l" defTabSz="914400" rtl="0" eaLnBrk="1" latinLnBrk="0" hangingPunct="1">
+                        <a:defRPr sz="1800" kern="1200">
+                          <a:solidFill>
+                            <a:schemeClr val="dk1"/>
+                          </a:solidFill>
+                          <a:latin typeface="Segoe UI"/>
+                        </a:defRPr>
+                      </a:lvl3pPr>
+                      <a:lvl4pPr marL="1371600" algn="l" defTabSz="914400" rtl="0" eaLnBrk="1" latinLnBrk="0" hangingPunct="1">
+                        <a:defRPr sz="1800" kern="1200">
+                          <a:solidFill>
+                            <a:schemeClr val="dk1"/>
+                          </a:solidFill>
+                          <a:latin typeface="Segoe UI"/>
+                        </a:defRPr>
+                      </a:lvl4pPr>
+                      <a:lvl5pPr marL="1828800" algn="l" defTabSz="914400" rtl="0" eaLnBrk="1" latinLnBrk="0" hangingPunct="1">
+                        <a:defRPr sz="1800" kern="1200">
+                          <a:solidFill>
+                            <a:schemeClr val="dk1"/>
+                          </a:solidFill>
+                          <a:latin typeface="Segoe UI"/>
+                        </a:defRPr>
+                      </a:lvl5pPr>
+                      <a:lvl6pPr marL="2286000" algn="l" defTabSz="914400" rtl="0" eaLnBrk="1" latinLnBrk="0" hangingPunct="1">
+                        <a:defRPr sz="1800" kern="1200">
+                          <a:solidFill>
+                            <a:schemeClr val="dk1"/>
+                          </a:solidFill>
+                          <a:latin typeface="Segoe UI"/>
+                        </a:defRPr>
+                      </a:lvl6pPr>
+                      <a:lvl7pPr marL="2743200" algn="l" defTabSz="914400" rtl="0" eaLnBrk="1" latinLnBrk="0" hangingPunct="1">
+                        <a:defRPr sz="1800" kern="1200">
+                          <a:solidFill>
+                            <a:schemeClr val="dk1"/>
+                          </a:solidFill>
+                          <a:latin typeface="Segoe UI"/>
+                        </a:defRPr>
+                      </a:lvl7pPr>
+                      <a:lvl8pPr marL="3200400" algn="l" defTabSz="914400" rtl="0" eaLnBrk="1" latinLnBrk="0" hangingPunct="1">
+                        <a:defRPr sz="1800" kern="1200">
+                          <a:solidFill>
+                            <a:schemeClr val="dk1"/>
+                          </a:solidFill>
+                          <a:latin typeface="Segoe UI"/>
+                        </a:defRPr>
+                      </a:lvl8pPr>
+                      <a:lvl9pPr marL="3657600" algn="l" defTabSz="914400" rtl="0" eaLnBrk="1" latinLnBrk="0" hangingPunct="1">
+                        <a:defRPr sz="1800" kern="1200">
+                          <a:solidFill>
+                            <a:schemeClr val="dk1"/>
+                          </a:solidFill>
+                          <a:latin typeface="Segoe UI"/>
+                        </a:defRPr>
+                      </a:lvl9pPr>
+                    </a:lstStyle>
+                    <a:p>
+                      <a:pPr algn="ctr"/>
+                      <a:endParaRPr lang="en-US" sz="1600" dirty="0">
+                        <a:latin typeface="Arial" panose="020B0604020202020204" pitchFamily="34" charset="0"/>
+                        <a:cs typeface="Arial" panose="020B0604020202020204" pitchFamily="34" charset="0"/>
+                      </a:endParaRPr>
+                    </a:p>
+                  </a:txBody>
+                  <a:tcPr>
+                    <a:lnL w="12700" cmpd="sng">
+                      <a:solidFill>
+                        <a:sysClr val="window" lastClr="FFFFFF"/>
+                      </a:solidFill>
+                    </a:lnL>
+                    <a:lnR w="12700" cmpd="sng">
+                      <a:solidFill>
+                        <a:sysClr val="window" lastClr="FFFFFF"/>
+                      </a:solidFill>
+                    </a:lnR>
+                    <a:lnT w="12700" cmpd="sng">
+                      <a:solidFill>
+                        <a:sysClr val="window" lastClr="FFFFFF"/>
+                      </a:solidFill>
+                    </a:lnT>
+                    <a:lnB w="12700" cmpd="sng">
+                      <a:solidFill>
+                        <a:sysClr val="window" lastClr="FFFFFF"/>
+                      </a:solidFill>
+                    </a:lnB>
+                    <a:lnTlToBr w="12700" cmpd="sng">
+                      <a:noFill/>
+                      <a:prstDash val="solid"/>
+                    </a:lnTlToBr>
+                    <a:lnBlToTr w="12700" cmpd="sng">
+                      <a:noFill/>
+                      <a:prstDash val="solid"/>
+                    </a:lnBlToTr>
+                    <a:solidFill>
+                      <a:schemeClr val="accent1">
+                        <a:lumMod val="40000"/>
+                        <a:lumOff val="60000"/>
+                      </a:schemeClr>
+                    </a:solidFill>
+                  </a:tcPr>
+                </a:tc>
+                <a:extLst>
+                  <a:ext uri="{0D108BD9-81ED-4DB2-BD59-A6C34878D82A}">
+                    <a16:rowId xmlns:a16="http://schemas.microsoft.com/office/drawing/2014/main" val="68335261"/>
+                  </a:ext>
+                </a:extLst>
+              </a:tr>
+            </a:tbl>
+          </a:graphicData>
+        </a:graphic>
+      </p:graphicFrame>
+      <p:sp>
+        <p:nvSpPr>
+          <p:cNvPr id="17" name="Rectangle 16">
+            <a:extLst>
+              <a:ext uri="{FF2B5EF4-FFF2-40B4-BE49-F238E27FC236}">
+                <a16:creationId xmlns:a16="http://schemas.microsoft.com/office/drawing/2014/main" id="{845ADA5A-D31B-6ACB-8595-2B84D2712181}"/>
+              </a:ext>
+            </a:extLst>
+          </p:cNvPr>
+          <p:cNvSpPr/>
+          <p:nvPr/>
+        </p:nvSpPr>
+        <p:spPr>
+          <a:xfrm rot="18478249">
+            <a:off x="1999503" y="3203509"/>
+            <a:ext cx="2398413" cy="1200329"/>
+          </a:xfrm>
+          <a:prstGeom prst="rect">
+            <a:avLst/>
+          </a:prstGeom>
+          <a:noFill/>
+        </p:spPr>
+        <p:txBody>
+          <a:bodyPr wrap="none" lIns="91440" tIns="45720" rIns="91440" bIns="45720">
+            <a:spAutoFit/>
+          </a:bodyPr>
+          <a:lstStyle/>
+          <a:p>
+            <a:pPr algn="ctr"/>
+            <a:r>
+              <a:rPr lang="en-US" sz="4000" b="1" dirty="0">
+                <a:ln w="0"/>
+                <a:solidFill>
+                  <a:schemeClr val="accent1">
+                    <a:lumMod val="50000"/>
+                  </a:schemeClr>
+                </a:solidFill>
+                <a:latin typeface="Arial" panose="020B0604020202020204" pitchFamily="34" charset="0"/>
+                <a:cs typeface="Arial" panose="020B0604020202020204" pitchFamily="34" charset="0"/>
+              </a:rPr>
+              <a:t>1,088</a:t>
+            </a:r>
+          </a:p>
+          <a:p>
+            <a:pPr algn="ctr"/>
+            <a:r>
+              <a:rPr lang="en-US" sz="3200" b="1" dirty="0">
+                <a:ln w="0"/>
+                <a:solidFill>
+                  <a:schemeClr val="accent1">
+                    <a:lumMod val="50000"/>
+                  </a:schemeClr>
+                </a:solidFill>
+                <a:latin typeface="Arial" panose="020B0604020202020204" pitchFamily="34" charset="0"/>
+                <a:cs typeface="Arial" panose="020B0604020202020204" pitchFamily="34" charset="0"/>
+              </a:rPr>
+              <a:t>Complexes</a:t>
+            </a:r>
+            <a:endParaRPr lang="en-US" sz="4000" b="1" dirty="0">
+              <a:ln w="0"/>
+              <a:solidFill>
+                <a:schemeClr val="accent1">
+                  <a:lumMod val="50000"/>
+                </a:schemeClr>
+              </a:solidFill>
+              <a:latin typeface="Arial" panose="020B0604020202020204" pitchFamily="34" charset="0"/>
+              <a:cs typeface="Arial" panose="020B0604020202020204" pitchFamily="34" charset="0"/>
+            </a:endParaRPr>
+          </a:p>
+        </p:txBody>
+      </p:sp>
+      <p:sp>
+        <p:nvSpPr>
+          <p:cNvPr id="18" name="TextBox 17">
+            <a:extLst>
+              <a:ext uri="{FF2B5EF4-FFF2-40B4-BE49-F238E27FC236}">
+                <a16:creationId xmlns:a16="http://schemas.microsoft.com/office/drawing/2014/main" id="{62FB352A-D2DF-D695-1A61-7CA037E97C35}"/>
+              </a:ext>
+            </a:extLst>
+          </p:cNvPr>
+          <p:cNvSpPr txBox="1"/>
+          <p:nvPr/>
+        </p:nvSpPr>
+        <p:spPr>
+          <a:xfrm>
+            <a:off x="2164335" y="1622602"/>
+            <a:ext cx="2337095" cy="369332"/>
+          </a:xfrm>
+          <a:prstGeom prst="rect">
+            <a:avLst/>
+          </a:prstGeom>
+          <a:noFill/>
+        </p:spPr>
+        <p:txBody>
+          <a:bodyPr wrap="square" rtlCol="0">
+            <a:spAutoFit/>
+          </a:bodyPr>
+          <a:lstStyle/>
+          <a:p>
+            <a:pPr algn="ctr"/>
+            <a:r>
+              <a:rPr lang="en-US" dirty="0">
+                <a:solidFill>
+                  <a:prstClr val="black"/>
+                </a:solidFill>
+                <a:latin typeface="Arial" panose="020B0604020202020204" pitchFamily="34" charset="0"/>
+                <a:cs typeface="Arial" panose="020B0604020202020204" pitchFamily="34" charset="0"/>
+              </a:rPr>
+              <a:t>64 Human Cytokines </a:t>
+            </a:r>
+          </a:p>
+        </p:txBody>
+      </p:sp>
+      <p:sp>
+        <p:nvSpPr>
+          <p:cNvPr id="19" name="Left Brace 18">
+            <a:extLst>
+              <a:ext uri="{FF2B5EF4-FFF2-40B4-BE49-F238E27FC236}">
+                <a16:creationId xmlns:a16="http://schemas.microsoft.com/office/drawing/2014/main" id="{F681386F-F52A-5D5A-1D38-245BF0BA289D}"/>
+              </a:ext>
+            </a:extLst>
+          </p:cNvPr>
+          <p:cNvSpPr/>
+          <p:nvPr/>
+        </p:nvSpPr>
+        <p:spPr>
+          <a:xfrm rot="5400000">
+            <a:off x="3195103" y="1180727"/>
+            <a:ext cx="274256" cy="1985255"/>
+          </a:xfrm>
+          <a:prstGeom prst="leftBrace">
+            <a:avLst/>
+          </a:prstGeom>
+          <a:noFill/>
+          <a:ln w="38100" cap="flat" cmpd="sng" algn="ctr">
+            <a:solidFill>
+              <a:schemeClr val="accent1"/>
+            </a:solidFill>
+            <a:prstDash val="solid"/>
+            <a:miter lim="800000"/>
+          </a:ln>
+          <a:effectLst/>
+        </p:spPr>
+        <p:txBody>
+          <a:bodyPr rtlCol="0" anchor="ctr"/>
+          <a:lstStyle/>
+          <a:p>
+            <a:pPr marL="0" marR="0" lvl="0" indent="0" algn="ctr" defTabSz="914400" eaLnBrk="1" fontAlgn="auto" latinLnBrk="0" hangingPunct="1">
+              <a:lnSpc>
+                <a:spcPct val="100000"/>
+              </a:lnSpc>
+              <a:spcBef>
+                <a:spcPts val="0"/>
+              </a:spcBef>
+              <a:spcAft>
+                <a:spcPts val="0"/>
+              </a:spcAft>
+              <a:buClrTx/>
+              <a:buSzTx/>
+              <a:buFontTx/>
+              <a:buNone/>
+              <a:tabLst/>
+              <a:defRPr/>
+            </a:pPr>
+            <a:endParaRPr kumimoji="0" lang="en-US" sz="1800" b="0" i="0" u="none" strike="noStrike" kern="0" cap="none" spc="0" normalizeH="0" baseline="0" noProof="0">
+              <a:ln>
+                <a:noFill/>
+              </a:ln>
+              <a:solidFill>
+                <a:prstClr val="black"/>
+              </a:solidFill>
+              <a:effectLst/>
+              <a:uLnTx/>
+              <a:uFillTx/>
+              <a:latin typeface="Arial" panose="020B0604020202020204" pitchFamily="34" charset="0"/>
+              <a:cs typeface="Arial" panose="020B0604020202020204" pitchFamily="34" charset="0"/>
+            </a:endParaRPr>
+          </a:p>
+        </p:txBody>
+      </p:sp>
+      <p:sp>
+        <p:nvSpPr>
+          <p:cNvPr id="20" name="TextBox 19">
+            <a:extLst>
+              <a:ext uri="{FF2B5EF4-FFF2-40B4-BE49-F238E27FC236}">
+                <a16:creationId xmlns:a16="http://schemas.microsoft.com/office/drawing/2014/main" id="{1C77E9C0-D634-6A8E-DBA0-3433CAE82B6B}"/>
+              </a:ext>
+            </a:extLst>
+          </p:cNvPr>
+          <p:cNvSpPr txBox="1"/>
+          <p:nvPr/>
+        </p:nvSpPr>
+        <p:spPr>
+          <a:xfrm rot="16200000">
+            <a:off x="-528814" y="3685522"/>
+            <a:ext cx="1577676" cy="369332"/>
+          </a:xfrm>
+          <a:prstGeom prst="rect">
+            <a:avLst/>
+          </a:prstGeom>
+          <a:noFill/>
+        </p:spPr>
+        <p:txBody>
+          <a:bodyPr wrap="none" rtlCol="0">
+            <a:spAutoFit/>
+          </a:bodyPr>
+          <a:lstStyle/>
+          <a:p>
+            <a:pPr algn="ctr"/>
+            <a:r>
+              <a:rPr lang="en-US" dirty="0">
+                <a:solidFill>
+                  <a:prstClr val="black"/>
+                </a:solidFill>
+                <a:latin typeface="Arial" panose="020B0604020202020204" pitchFamily="34" charset="0"/>
+                <a:cs typeface="Arial" panose="020B0604020202020204" pitchFamily="34" charset="0"/>
+              </a:rPr>
+              <a:t>17 N Proteins</a:t>
+            </a:r>
+            <a:endParaRPr lang="en-US" i="1" dirty="0">
+              <a:solidFill>
+                <a:prstClr val="black"/>
+              </a:solidFill>
+              <a:latin typeface="Arial" panose="020B0604020202020204" pitchFamily="34" charset="0"/>
+              <a:cs typeface="Arial" panose="020B0604020202020204" pitchFamily="34" charset="0"/>
+            </a:endParaRPr>
+          </a:p>
+        </p:txBody>
+      </p:sp>
+      <p:sp>
+        <p:nvSpPr>
+          <p:cNvPr id="21" name="Left Brace 20">
+            <a:extLst>
+              <a:ext uri="{FF2B5EF4-FFF2-40B4-BE49-F238E27FC236}">
+                <a16:creationId xmlns:a16="http://schemas.microsoft.com/office/drawing/2014/main" id="{C48F1CE7-AE3C-45CC-C143-B467ACF498AB}"/>
+              </a:ext>
+            </a:extLst>
+          </p:cNvPr>
+          <p:cNvSpPr/>
+          <p:nvPr/>
+        </p:nvSpPr>
+        <p:spPr>
+          <a:xfrm>
+            <a:off x="487089" y="2744371"/>
+            <a:ext cx="297209" cy="2252004"/>
+          </a:xfrm>
+          <a:prstGeom prst="leftBrace">
+            <a:avLst/>
+          </a:prstGeom>
+          <a:noFill/>
+          <a:ln w="38100" cap="flat" cmpd="sng" algn="ctr">
+            <a:solidFill>
+              <a:schemeClr val="accent1"/>
+            </a:solidFill>
+            <a:prstDash val="solid"/>
+            <a:miter lim="800000"/>
+          </a:ln>
+          <a:effectLst/>
+        </p:spPr>
+        <p:txBody>
+          <a:bodyPr rtlCol="0" anchor="ctr"/>
+          <a:lstStyle/>
+          <a:p>
+            <a:pPr marL="0" marR="0" lvl="0" indent="0" algn="ctr" defTabSz="914400" eaLnBrk="1" fontAlgn="auto" latinLnBrk="0" hangingPunct="1">
+              <a:lnSpc>
+                <a:spcPct val="100000"/>
+              </a:lnSpc>
+              <a:spcBef>
+                <a:spcPts val="0"/>
+              </a:spcBef>
+              <a:spcAft>
+                <a:spcPts val="0"/>
+              </a:spcAft>
+              <a:buClrTx/>
+              <a:buSzTx/>
+              <a:buFontTx/>
+              <a:buNone/>
+              <a:tabLst/>
+              <a:defRPr/>
+            </a:pPr>
+            <a:endParaRPr kumimoji="0" lang="en-US" sz="1800" b="0" i="0" u="none" strike="noStrike" kern="0" cap="none" spc="0" normalizeH="0" baseline="0" noProof="0">
+              <a:ln>
+                <a:noFill/>
+              </a:ln>
+              <a:solidFill>
+                <a:prstClr val="black"/>
+              </a:solidFill>
+              <a:effectLst/>
+              <a:uLnTx/>
+              <a:uFillTx/>
+              <a:latin typeface="Arial" panose="020B0604020202020204" pitchFamily="34" charset="0"/>
+              <a:cs typeface="Arial" panose="020B0604020202020204" pitchFamily="34" charset="0"/>
+            </a:endParaRPr>
+          </a:p>
+        </p:txBody>
+      </p:sp>
+      <p:sp>
+        <p:nvSpPr>
+          <p:cNvPr id="5" name="Rectangle 4">
+            <a:extLst>
+              <a:ext uri="{FF2B5EF4-FFF2-40B4-BE49-F238E27FC236}">
+                <a16:creationId xmlns:a16="http://schemas.microsoft.com/office/drawing/2014/main" id="{CE5A8EB8-9881-6572-2AE9-6AED8C263687}"/>
+              </a:ext>
+            </a:extLst>
+          </p:cNvPr>
+          <p:cNvSpPr/>
+          <p:nvPr/>
+        </p:nvSpPr>
+        <p:spPr>
+          <a:xfrm>
+            <a:off x="5408857" y="2354775"/>
+            <a:ext cx="2282996" cy="1236393"/>
+          </a:xfrm>
+          <a:prstGeom prst="rect">
+            <a:avLst/>
+          </a:prstGeom>
+        </p:spPr>
+        <p:style>
+          <a:lnRef idx="2">
+            <a:schemeClr val="accent4">
+              <a:shade val="15000"/>
+            </a:schemeClr>
+          </a:lnRef>
+          <a:fillRef idx="1">
+            <a:schemeClr val="accent4"/>
+          </a:fillRef>
+          <a:effectRef idx="0">
+            <a:schemeClr val="accent4"/>
+          </a:effectRef>
+          <a:fontRef idx="minor">
+            <a:schemeClr val="lt1"/>
+          </a:fontRef>
+        </p:style>
+        <p:txBody>
+          <a:bodyPr rtlCol="0" anchor="ctr"/>
+          <a:lstStyle/>
+          <a:p>
+            <a:pPr algn="ctr"/>
+            <a:r>
+              <a:rPr lang="en-US" sz="2400" b="1" dirty="0">
+                <a:latin typeface="Arial" panose="020B0604020202020204" pitchFamily="34" charset="0"/>
+                <a:cs typeface="Arial" panose="020B0604020202020204" pitchFamily="34" charset="0"/>
+              </a:rPr>
+              <a:t>600</a:t>
+            </a:r>
+            <a:r>
+              <a:rPr lang="en-US" sz="2400" dirty="0">
+                <a:latin typeface="Arial" panose="020B0604020202020204" pitchFamily="34" charset="0"/>
+                <a:cs typeface="Arial" panose="020B0604020202020204" pitchFamily="34" charset="0"/>
+              </a:rPr>
+              <a:t> HADDOCK</a:t>
+            </a:r>
+          </a:p>
+          <a:p>
+            <a:pPr algn="ctr"/>
+            <a:r>
+              <a:rPr lang="en-US" sz="2400" dirty="0">
+                <a:latin typeface="Arial" panose="020B0604020202020204" pitchFamily="34" charset="0"/>
+                <a:cs typeface="Arial" panose="020B0604020202020204" pitchFamily="34" charset="0"/>
+              </a:rPr>
+              <a:t>Iterations</a:t>
+            </a:r>
+          </a:p>
+        </p:txBody>
+      </p:sp>
+      <p:sp>
+        <p:nvSpPr>
+          <p:cNvPr id="6" name="Rectangle 5">
+            <a:extLst>
+              <a:ext uri="{FF2B5EF4-FFF2-40B4-BE49-F238E27FC236}">
+                <a16:creationId xmlns:a16="http://schemas.microsoft.com/office/drawing/2014/main" id="{FF642CDB-9B10-F8CA-10F7-DE01F6450562}"/>
+              </a:ext>
+            </a:extLst>
+          </p:cNvPr>
+          <p:cNvSpPr/>
+          <p:nvPr/>
+        </p:nvSpPr>
+        <p:spPr>
+          <a:xfrm>
+            <a:off x="5408857" y="3732831"/>
+            <a:ext cx="2282996" cy="1236393"/>
+          </a:xfrm>
+          <a:prstGeom prst="rect">
+            <a:avLst/>
+          </a:prstGeom>
+          <a:solidFill>
+            <a:schemeClr val="accent4">
+              <a:lumMod val="75000"/>
+            </a:schemeClr>
+          </a:solidFill>
+        </p:spPr>
+        <p:style>
+          <a:lnRef idx="2">
+            <a:schemeClr val="accent4">
+              <a:shade val="15000"/>
+            </a:schemeClr>
+          </a:lnRef>
+          <a:fillRef idx="1">
+            <a:schemeClr val="accent4"/>
+          </a:fillRef>
+          <a:effectRef idx="0">
+            <a:schemeClr val="accent4"/>
+          </a:effectRef>
+          <a:fontRef idx="minor">
+            <a:schemeClr val="lt1"/>
+          </a:fontRef>
+        </p:style>
+        <p:txBody>
+          <a:bodyPr rtlCol="0" anchor="ctr"/>
+          <a:lstStyle/>
+          <a:p>
+            <a:pPr algn="ctr"/>
+            <a:r>
+              <a:rPr lang="en-US" sz="2400" b="1" dirty="0">
+                <a:latin typeface="Arial" panose="020B0604020202020204" pitchFamily="34" charset="0"/>
+                <a:cs typeface="Arial" panose="020B0604020202020204" pitchFamily="34" charset="0"/>
+              </a:rPr>
+              <a:t>25</a:t>
+            </a:r>
+          </a:p>
+          <a:p>
+            <a:pPr algn="ctr"/>
+            <a:r>
+              <a:rPr lang="en-US" sz="2400" dirty="0">
+                <a:latin typeface="Arial" panose="020B0604020202020204" pitchFamily="34" charset="0"/>
+                <a:cs typeface="Arial" panose="020B0604020202020204" pitchFamily="34" charset="0"/>
+              </a:rPr>
+              <a:t>AlphaFold2</a:t>
+            </a:r>
+          </a:p>
+          <a:p>
+            <a:pPr algn="ctr"/>
+            <a:r>
+              <a:rPr lang="en-US" sz="2400" dirty="0">
+                <a:latin typeface="Arial" panose="020B0604020202020204" pitchFamily="34" charset="0"/>
+                <a:cs typeface="Arial" panose="020B0604020202020204" pitchFamily="34" charset="0"/>
+              </a:rPr>
+              <a:t>Iterations</a:t>
+            </a:r>
+          </a:p>
+        </p:txBody>
+      </p:sp>
+      <p:cxnSp>
+        <p:nvCxnSpPr>
+          <p:cNvPr id="8" name="Straight Arrow Connector 7">
+            <a:extLst>
+              <a:ext uri="{FF2B5EF4-FFF2-40B4-BE49-F238E27FC236}">
+                <a16:creationId xmlns:a16="http://schemas.microsoft.com/office/drawing/2014/main" id="{CA8DCF3B-64AF-FA5F-3C39-FC758E2BD792}"/>
+              </a:ext>
+            </a:extLst>
+          </p:cNvPr>
+          <p:cNvCxnSpPr>
+            <a:cxnSpLocks/>
+            <a:endCxn id="5" idx="1"/>
+          </p:cNvCxnSpPr>
+          <p:nvPr/>
+        </p:nvCxnSpPr>
+        <p:spPr>
+          <a:xfrm>
+            <a:off x="4324859" y="2972971"/>
+            <a:ext cx="1083998" cy="1"/>
+          </a:xfrm>
+          <a:prstGeom prst="straightConnector1">
+            <a:avLst/>
+          </a:prstGeom>
+          <a:ln w="127000">
+            <a:tailEnd type="triangle"/>
+          </a:ln>
+        </p:spPr>
+        <p:style>
+          <a:lnRef idx="1">
+            <a:schemeClr val="accent1"/>
+          </a:lnRef>
+          <a:fillRef idx="0">
+            <a:schemeClr val="accent1"/>
+          </a:fillRef>
+          <a:effectRef idx="0">
+            <a:schemeClr val="accent1"/>
+          </a:effectRef>
+          <a:fontRef idx="minor">
+            <a:schemeClr val="tx1"/>
+          </a:fontRef>
+        </p:style>
+      </p:cxnSp>
+      <p:cxnSp>
+        <p:nvCxnSpPr>
+          <p:cNvPr id="13" name="Straight Arrow Connector 12">
+            <a:extLst>
+              <a:ext uri="{FF2B5EF4-FFF2-40B4-BE49-F238E27FC236}">
+                <a16:creationId xmlns:a16="http://schemas.microsoft.com/office/drawing/2014/main" id="{65E89C71-809E-9C25-4093-2A51736309CF}"/>
+              </a:ext>
+            </a:extLst>
+          </p:cNvPr>
+          <p:cNvCxnSpPr>
+            <a:cxnSpLocks/>
+            <a:endCxn id="6" idx="1"/>
+          </p:cNvCxnSpPr>
+          <p:nvPr/>
+        </p:nvCxnSpPr>
+        <p:spPr>
+          <a:xfrm>
+            <a:off x="4324859" y="4351026"/>
+            <a:ext cx="1083998" cy="2"/>
+          </a:xfrm>
+          <a:prstGeom prst="straightConnector1">
+            <a:avLst/>
+          </a:prstGeom>
+          <a:ln w="127000">
+            <a:tailEnd type="triangle"/>
+          </a:ln>
+        </p:spPr>
+        <p:style>
+          <a:lnRef idx="1">
+            <a:schemeClr val="accent1"/>
+          </a:lnRef>
+          <a:fillRef idx="0">
+            <a:schemeClr val="accent1"/>
+          </a:fillRef>
+          <a:effectRef idx="0">
+            <a:schemeClr val="accent1"/>
+          </a:effectRef>
+          <a:fontRef idx="minor">
+            <a:schemeClr val="tx1"/>
+          </a:fontRef>
+        </p:style>
+      </p:cxnSp>
+      <p:sp>
+        <p:nvSpPr>
+          <p:cNvPr id="22" name="Oval 21">
+            <a:extLst>
+              <a:ext uri="{FF2B5EF4-FFF2-40B4-BE49-F238E27FC236}">
+                <a16:creationId xmlns:a16="http://schemas.microsoft.com/office/drawing/2014/main" id="{CA54BB1A-C3AB-EC1C-A5C9-E003CC6FF534}"/>
+              </a:ext>
+            </a:extLst>
+          </p:cNvPr>
+          <p:cNvSpPr/>
+          <p:nvPr/>
+        </p:nvSpPr>
+        <p:spPr>
+          <a:xfrm>
+            <a:off x="4452057" y="2744371"/>
+            <a:ext cx="457200" cy="457200"/>
+          </a:xfrm>
+          <a:prstGeom prst="ellipse">
+            <a:avLst/>
+          </a:prstGeom>
+          <a:ln>
+            <a:noFill/>
+          </a:ln>
+        </p:spPr>
+        <p:style>
+          <a:lnRef idx="2">
+            <a:schemeClr val="accent1">
+              <a:shade val="15000"/>
+            </a:schemeClr>
+          </a:lnRef>
+          <a:fillRef idx="1">
+            <a:schemeClr val="accent1"/>
+          </a:fillRef>
+          <a:effectRef idx="0">
+            <a:schemeClr val="accent1"/>
+          </a:effectRef>
+          <a:fontRef idx="minor">
+            <a:schemeClr val="lt1"/>
+          </a:fontRef>
+        </p:style>
+        <p:txBody>
+          <a:bodyPr rtlCol="0" anchor="ctr"/>
+          <a:lstStyle/>
+          <a:p>
+            <a:pPr algn="ctr"/>
+            <a:endParaRPr lang="en-US"/>
+          </a:p>
+        </p:txBody>
+      </p:sp>
+      <p:pic>
+        <p:nvPicPr>
+          <p:cNvPr id="3" name="Graphic 2" descr="Close">
+            <a:extLst>
+              <a:ext uri="{FF2B5EF4-FFF2-40B4-BE49-F238E27FC236}">
+                <a16:creationId xmlns:a16="http://schemas.microsoft.com/office/drawing/2014/main" id="{E964D7C5-DA9F-6828-C709-61D4103485E6}"/>
+              </a:ext>
+            </a:extLst>
+          </p:cNvPr>
+          <p:cNvPicPr>
+            <a:picLocks noChangeAspect="1"/>
+          </p:cNvPicPr>
+          <p:nvPr/>
+        </p:nvPicPr>
+        <p:blipFill>
+          <a:blip r:embed="rId2">
+            <a:extLst>
+              <a:ext uri="{28A0092B-C50C-407E-A947-70E740481C1C}">
+                <a14:useLocalDpi xmlns:a14="http://schemas.microsoft.com/office/drawing/2010/main" val="0"/>
+              </a:ext>
+              <a:ext uri="{96DAC541-7B7A-43D3-8B79-37D633B846F1}">
+                <asvg:svgBlip xmlns:asvg="http://schemas.microsoft.com/office/drawing/2016/SVG/main" r:embed="rId3"/>
+              </a:ext>
+            </a:extLst>
+          </a:blip>
+          <a:stretch>
+            <a:fillRect/>
+          </a:stretch>
+        </p:blipFill>
+        <p:spPr>
+          <a:xfrm>
+            <a:off x="4541320" y="2835811"/>
+            <a:ext cx="274320" cy="274320"/>
+          </a:xfrm>
+          <a:prstGeom prst="rect">
+            <a:avLst/>
+          </a:prstGeom>
+        </p:spPr>
+      </p:pic>
+      <p:sp>
+        <p:nvSpPr>
+          <p:cNvPr id="23" name="Oval 22">
+            <a:extLst>
+              <a:ext uri="{FF2B5EF4-FFF2-40B4-BE49-F238E27FC236}">
+                <a16:creationId xmlns:a16="http://schemas.microsoft.com/office/drawing/2014/main" id="{AF0618EA-4A96-E801-6AF3-902853D167EE}"/>
+              </a:ext>
+            </a:extLst>
+          </p:cNvPr>
+          <p:cNvSpPr/>
+          <p:nvPr/>
+        </p:nvSpPr>
+        <p:spPr>
+          <a:xfrm>
+            <a:off x="4452057" y="4122426"/>
+            <a:ext cx="457200" cy="457200"/>
+          </a:xfrm>
+          <a:prstGeom prst="ellipse">
+            <a:avLst/>
+          </a:prstGeom>
+          <a:ln>
+            <a:noFill/>
+          </a:ln>
+        </p:spPr>
+        <p:style>
+          <a:lnRef idx="2">
+            <a:schemeClr val="accent1">
+              <a:shade val="15000"/>
+            </a:schemeClr>
+          </a:lnRef>
+          <a:fillRef idx="1">
+            <a:schemeClr val="accent1"/>
+          </a:fillRef>
+          <a:effectRef idx="0">
+            <a:schemeClr val="accent1"/>
+          </a:effectRef>
+          <a:fontRef idx="minor">
+            <a:schemeClr val="lt1"/>
+          </a:fontRef>
+        </p:style>
+        <p:txBody>
+          <a:bodyPr rtlCol="0" anchor="ctr"/>
+          <a:lstStyle/>
+          <a:p>
+            <a:pPr algn="ctr"/>
+            <a:endParaRPr lang="en-US"/>
+          </a:p>
+        </p:txBody>
+      </p:sp>
+      <p:pic>
+        <p:nvPicPr>
+          <p:cNvPr id="24" name="Graphic 23" descr="Close">
+            <a:extLst>
+              <a:ext uri="{FF2B5EF4-FFF2-40B4-BE49-F238E27FC236}">
+                <a16:creationId xmlns:a16="http://schemas.microsoft.com/office/drawing/2014/main" id="{B91E7CFE-4246-C231-829F-06EF3FF6FCAE}"/>
+              </a:ext>
+            </a:extLst>
+          </p:cNvPr>
+          <p:cNvPicPr>
+            <a:picLocks noChangeAspect="1"/>
+          </p:cNvPicPr>
+          <p:nvPr/>
+        </p:nvPicPr>
+        <p:blipFill>
+          <a:blip r:embed="rId2">
+            <a:extLst>
+              <a:ext uri="{28A0092B-C50C-407E-A947-70E740481C1C}">
+                <a14:useLocalDpi xmlns:a14="http://schemas.microsoft.com/office/drawing/2010/main" val="0"/>
+              </a:ext>
+              <a:ext uri="{96DAC541-7B7A-43D3-8B79-37D633B846F1}">
+                <asvg:svgBlip xmlns:asvg="http://schemas.microsoft.com/office/drawing/2016/SVG/main" r:embed="rId3"/>
+              </a:ext>
+            </a:extLst>
+          </a:blip>
+          <a:stretch>
+            <a:fillRect/>
+          </a:stretch>
+        </p:blipFill>
+        <p:spPr>
+          <a:xfrm>
+            <a:off x="4541320" y="4213866"/>
+            <a:ext cx="274320" cy="274320"/>
+          </a:xfrm>
+          <a:prstGeom prst="rect">
+            <a:avLst/>
+          </a:prstGeom>
+        </p:spPr>
+      </p:pic>
+      <p:sp>
+        <p:nvSpPr>
+          <p:cNvPr id="25" name="Flowchart: Alternate Process 24">
+            <a:extLst>
+              <a:ext uri="{FF2B5EF4-FFF2-40B4-BE49-F238E27FC236}">
+                <a16:creationId xmlns:a16="http://schemas.microsoft.com/office/drawing/2014/main" id="{182F8461-5968-503B-B763-03B0A63D0F39}"/>
+              </a:ext>
+            </a:extLst>
+          </p:cNvPr>
+          <p:cNvSpPr/>
+          <p:nvPr/>
+        </p:nvSpPr>
+        <p:spPr>
+          <a:xfrm>
+            <a:off x="7682641" y="1060540"/>
+            <a:ext cx="3079800" cy="633034"/>
+          </a:xfrm>
+          <a:prstGeom prst="flowChartAlternateProcess">
+            <a:avLst/>
+          </a:prstGeom>
+        </p:spPr>
+        <p:style>
+          <a:lnRef idx="2">
+            <a:schemeClr val="accent1">
+              <a:shade val="15000"/>
+            </a:schemeClr>
+          </a:lnRef>
+          <a:fillRef idx="1">
+            <a:schemeClr val="accent1"/>
+          </a:fillRef>
+          <a:effectRef idx="0">
+            <a:schemeClr val="accent1"/>
+          </a:effectRef>
+          <a:fontRef idx="minor">
+            <a:schemeClr val="lt1"/>
+          </a:fontRef>
+        </p:style>
+        <p:txBody>
+          <a:bodyPr rtlCol="0" anchor="ctr"/>
+          <a:lstStyle/>
+          <a:p>
+            <a:pPr algn="ctr"/>
+            <a:r>
+              <a:rPr lang="en-US" dirty="0"/>
+              <a:t>Filter to Best Cluster using van der Waals energies</a:t>
+            </a:r>
+          </a:p>
+        </p:txBody>
+      </p:sp>
+      <p:sp>
+        <p:nvSpPr>
+          <p:cNvPr id="26" name="Flowchart: Alternate Process 25">
+            <a:extLst>
+              <a:ext uri="{FF2B5EF4-FFF2-40B4-BE49-F238E27FC236}">
+                <a16:creationId xmlns:a16="http://schemas.microsoft.com/office/drawing/2014/main" id="{E56872AB-B471-1836-6386-5972381240E7}"/>
+              </a:ext>
+            </a:extLst>
+          </p:cNvPr>
+          <p:cNvSpPr/>
+          <p:nvPr/>
+        </p:nvSpPr>
+        <p:spPr>
+          <a:xfrm>
+            <a:off x="7682641" y="5627228"/>
+            <a:ext cx="3079800" cy="633034"/>
+          </a:xfrm>
+          <a:prstGeom prst="flowChartAlternateProcess">
+            <a:avLst/>
+          </a:prstGeom>
+        </p:spPr>
+        <p:style>
+          <a:lnRef idx="2">
+            <a:schemeClr val="accent1">
+              <a:shade val="15000"/>
+            </a:schemeClr>
+          </a:lnRef>
+          <a:fillRef idx="1">
+            <a:schemeClr val="accent1"/>
+          </a:fillRef>
+          <a:effectRef idx="0">
+            <a:schemeClr val="accent1"/>
+          </a:effectRef>
+          <a:fontRef idx="minor">
+            <a:schemeClr val="lt1"/>
+          </a:fontRef>
+        </p:style>
+        <p:txBody>
+          <a:bodyPr rtlCol="0" anchor="ctr"/>
+          <a:lstStyle/>
+          <a:p>
+            <a:pPr algn="ctr"/>
+            <a:r>
+              <a:rPr lang="en-US" dirty="0"/>
+              <a:t>Filter to Best Complex using </a:t>
+            </a:r>
+            <a:r>
+              <a:rPr lang="en-US" dirty="0" err="1"/>
+              <a:t>GDock</a:t>
+            </a:r>
+            <a:r>
+              <a:rPr lang="en-US" dirty="0"/>
+              <a:t> Scores</a:t>
+            </a:r>
+          </a:p>
+        </p:txBody>
+      </p:sp>
+      <p:cxnSp>
+        <p:nvCxnSpPr>
+          <p:cNvPr id="29" name="Straight Arrow Connector 28">
+            <a:extLst>
+              <a:ext uri="{FF2B5EF4-FFF2-40B4-BE49-F238E27FC236}">
+                <a16:creationId xmlns:a16="http://schemas.microsoft.com/office/drawing/2014/main" id="{EF629E94-EFD0-9EDB-0813-6D09221EC906}"/>
+              </a:ext>
+            </a:extLst>
+          </p:cNvPr>
+          <p:cNvCxnSpPr>
+            <a:cxnSpLocks/>
+            <a:stCxn id="38" idx="0"/>
+            <a:endCxn id="25" idx="2"/>
+          </p:cNvCxnSpPr>
+          <p:nvPr/>
+        </p:nvCxnSpPr>
+        <p:spPr>
+          <a:xfrm flipV="1">
+            <a:off x="9222541" y="1693574"/>
+            <a:ext cx="0" cy="676735"/>
+          </a:xfrm>
+          <a:prstGeom prst="straightConnector1">
+            <a:avLst/>
+          </a:prstGeom>
+          <a:ln w="127000">
+            <a:tailEnd type="triangle"/>
+          </a:ln>
+        </p:spPr>
+        <p:style>
+          <a:lnRef idx="1">
+            <a:schemeClr val="accent1"/>
+          </a:lnRef>
+          <a:fillRef idx="0">
+            <a:schemeClr val="accent1"/>
+          </a:fillRef>
+          <a:effectRef idx="0">
+            <a:schemeClr val="accent1"/>
+          </a:effectRef>
+          <a:fontRef idx="minor">
+            <a:schemeClr val="tx1"/>
+          </a:fontRef>
+        </p:style>
+      </p:cxnSp>
+      <p:cxnSp>
+        <p:nvCxnSpPr>
+          <p:cNvPr id="32" name="Straight Arrow Connector 31">
+            <a:extLst>
+              <a:ext uri="{FF2B5EF4-FFF2-40B4-BE49-F238E27FC236}">
+                <a16:creationId xmlns:a16="http://schemas.microsoft.com/office/drawing/2014/main" id="{CDC55C70-6A0E-BC72-0415-9FA034C54401}"/>
+              </a:ext>
+            </a:extLst>
+          </p:cNvPr>
+          <p:cNvCxnSpPr>
+            <a:cxnSpLocks/>
+            <a:stCxn id="40" idx="2"/>
+            <a:endCxn id="26" idx="0"/>
+          </p:cNvCxnSpPr>
+          <p:nvPr/>
+        </p:nvCxnSpPr>
+        <p:spPr>
+          <a:xfrm>
+            <a:off x="9222541" y="4953690"/>
+            <a:ext cx="0" cy="673538"/>
+          </a:xfrm>
+          <a:prstGeom prst="straightConnector1">
+            <a:avLst/>
+          </a:prstGeom>
+          <a:ln w="127000">
+            <a:tailEnd type="triangle"/>
+          </a:ln>
+        </p:spPr>
+        <p:style>
+          <a:lnRef idx="1">
+            <a:schemeClr val="accent1"/>
+          </a:lnRef>
+          <a:fillRef idx="0">
+            <a:schemeClr val="accent1"/>
+          </a:fillRef>
+          <a:effectRef idx="0">
+            <a:schemeClr val="accent1"/>
+          </a:effectRef>
+          <a:fontRef idx="minor">
+            <a:schemeClr val="tx1"/>
+          </a:fontRef>
+        </p:style>
+      </p:cxnSp>
+      <p:sp>
+        <p:nvSpPr>
+          <p:cNvPr id="36" name="Oval 35">
+            <a:extLst>
+              <a:ext uri="{FF2B5EF4-FFF2-40B4-BE49-F238E27FC236}">
+                <a16:creationId xmlns:a16="http://schemas.microsoft.com/office/drawing/2014/main" id="{448F3933-D24A-D62F-8CE1-B584FEB68CFB}"/>
+              </a:ext>
+            </a:extLst>
+          </p:cNvPr>
+          <p:cNvSpPr/>
+          <p:nvPr/>
+        </p:nvSpPr>
+        <p:spPr>
+          <a:xfrm>
+            <a:off x="7826542" y="2744371"/>
+            <a:ext cx="457200" cy="457200"/>
+          </a:xfrm>
+          <a:prstGeom prst="ellipse">
+            <a:avLst/>
+          </a:prstGeom>
+          <a:ln>
+            <a:noFill/>
+          </a:ln>
+        </p:spPr>
+        <p:style>
+          <a:lnRef idx="2">
+            <a:schemeClr val="accent1">
+              <a:shade val="15000"/>
+            </a:schemeClr>
+          </a:lnRef>
+          <a:fillRef idx="1">
+            <a:schemeClr val="accent1"/>
+          </a:fillRef>
+          <a:effectRef idx="0">
+            <a:schemeClr val="accent1"/>
+          </a:effectRef>
+          <a:fontRef idx="minor">
+            <a:schemeClr val="lt1"/>
+          </a:fontRef>
+        </p:style>
+        <p:txBody>
+          <a:bodyPr rtlCol="0" anchor="ctr"/>
+          <a:lstStyle/>
+          <a:p>
+            <a:pPr algn="ctr"/>
+            <a:r>
+              <a:rPr lang="en-US" sz="4000" dirty="0"/>
+              <a:t>=</a:t>
+            </a:r>
+          </a:p>
+        </p:txBody>
+      </p:sp>
+      <p:sp>
+        <p:nvSpPr>
+          <p:cNvPr id="37" name="Oval 36">
+            <a:extLst>
+              <a:ext uri="{FF2B5EF4-FFF2-40B4-BE49-F238E27FC236}">
+                <a16:creationId xmlns:a16="http://schemas.microsoft.com/office/drawing/2014/main" id="{4525CB3B-3CEA-7DD4-F986-535C860BCEC1}"/>
+              </a:ext>
+            </a:extLst>
+          </p:cNvPr>
+          <p:cNvSpPr/>
+          <p:nvPr/>
+        </p:nvSpPr>
+        <p:spPr>
+          <a:xfrm>
+            <a:off x="7826542" y="4123670"/>
+            <a:ext cx="457200" cy="457200"/>
+          </a:xfrm>
+          <a:prstGeom prst="ellipse">
+            <a:avLst/>
+          </a:prstGeom>
+          <a:ln>
+            <a:noFill/>
+          </a:ln>
+        </p:spPr>
+        <p:style>
+          <a:lnRef idx="2">
+            <a:schemeClr val="accent1">
+              <a:shade val="15000"/>
+            </a:schemeClr>
+          </a:lnRef>
+          <a:fillRef idx="1">
+            <a:schemeClr val="accent1"/>
+          </a:fillRef>
+          <a:effectRef idx="0">
+            <a:schemeClr val="accent1"/>
+          </a:effectRef>
+          <a:fontRef idx="minor">
+            <a:schemeClr val="lt1"/>
+          </a:fontRef>
+        </p:style>
+        <p:txBody>
+          <a:bodyPr rtlCol="0" anchor="ctr"/>
+          <a:lstStyle/>
+          <a:p>
+            <a:pPr algn="ctr"/>
+            <a:r>
+              <a:rPr lang="en-US" sz="4000" dirty="0"/>
+              <a:t>=</a:t>
+            </a:r>
+          </a:p>
+        </p:txBody>
+      </p:sp>
+      <p:sp>
+        <p:nvSpPr>
+          <p:cNvPr id="38" name="Rectangle 37">
+            <a:extLst>
+              <a:ext uri="{FF2B5EF4-FFF2-40B4-BE49-F238E27FC236}">
+                <a16:creationId xmlns:a16="http://schemas.microsoft.com/office/drawing/2014/main" id="{D49D90E8-665F-4C77-F5CD-2A234D6009AE}"/>
+              </a:ext>
+            </a:extLst>
+          </p:cNvPr>
+          <p:cNvSpPr/>
+          <p:nvPr/>
+        </p:nvSpPr>
+        <p:spPr>
+          <a:xfrm>
+            <a:off x="8418431" y="2370309"/>
+            <a:ext cx="1608220" cy="1220859"/>
+          </a:xfrm>
+          <a:prstGeom prst="rect">
+            <a:avLst/>
+          </a:prstGeom>
+          <a:solidFill>
+            <a:schemeClr val="bg1"/>
+          </a:solidFill>
+          <a:ln>
+            <a:solidFill>
+              <a:schemeClr val="accent4"/>
+            </a:solidFill>
+            <a:prstDash val="lgDash"/>
+          </a:ln>
+        </p:spPr>
+        <p:style>
+          <a:lnRef idx="2">
+            <a:schemeClr val="accent4">
+              <a:shade val="15000"/>
+            </a:schemeClr>
+          </a:lnRef>
+          <a:fillRef idx="1">
+            <a:schemeClr val="accent4"/>
+          </a:fillRef>
+          <a:effectRef idx="0">
+            <a:schemeClr val="accent4"/>
+          </a:effectRef>
+          <a:fontRef idx="minor">
+            <a:schemeClr val="lt1"/>
+          </a:fontRef>
+        </p:style>
+        <p:txBody>
+          <a:bodyPr rtlCol="0" anchor="ctr"/>
+          <a:lstStyle/>
+          <a:p>
+            <a:pPr algn="ctr"/>
+            <a:r>
+              <a:rPr lang="en-US" sz="2400" b="1" dirty="0">
+                <a:solidFill>
+                  <a:schemeClr val="accent4"/>
+                </a:solidFill>
+                <a:latin typeface="Arial" panose="020B0604020202020204" pitchFamily="34" charset="0"/>
+                <a:cs typeface="Arial" panose="020B0604020202020204" pitchFamily="34" charset="0"/>
+              </a:rPr>
+              <a:t>652,800</a:t>
+            </a:r>
+          </a:p>
+          <a:p>
+            <a:pPr algn="ctr"/>
+            <a:r>
+              <a:rPr lang="en-US" sz="2400" dirty="0">
+                <a:solidFill>
+                  <a:schemeClr val="accent4"/>
+                </a:solidFill>
+                <a:latin typeface="Arial" panose="020B0604020202020204" pitchFamily="34" charset="0"/>
+                <a:cs typeface="Arial" panose="020B0604020202020204" pitchFamily="34" charset="0"/>
+              </a:rPr>
+              <a:t>PDBs</a:t>
+            </a:r>
+          </a:p>
+        </p:txBody>
+      </p:sp>
+      <p:sp>
+        <p:nvSpPr>
+          <p:cNvPr id="40" name="Rectangle 39">
+            <a:extLst>
+              <a:ext uri="{FF2B5EF4-FFF2-40B4-BE49-F238E27FC236}">
+                <a16:creationId xmlns:a16="http://schemas.microsoft.com/office/drawing/2014/main" id="{9099686A-A2B2-CD09-01A0-12F6DD839E87}"/>
+              </a:ext>
+            </a:extLst>
+          </p:cNvPr>
+          <p:cNvSpPr/>
+          <p:nvPr/>
+        </p:nvSpPr>
+        <p:spPr>
+          <a:xfrm>
+            <a:off x="8418431" y="3732831"/>
+            <a:ext cx="1608220" cy="1220859"/>
+          </a:xfrm>
+          <a:prstGeom prst="rect">
+            <a:avLst/>
+          </a:prstGeom>
+          <a:solidFill>
+            <a:schemeClr val="bg1"/>
+          </a:solidFill>
+          <a:ln>
+            <a:solidFill>
+              <a:schemeClr val="accent4">
+                <a:lumMod val="75000"/>
+              </a:schemeClr>
+            </a:solidFill>
+            <a:prstDash val="lgDash"/>
+          </a:ln>
+        </p:spPr>
+        <p:style>
+          <a:lnRef idx="2">
+            <a:schemeClr val="accent4">
+              <a:shade val="15000"/>
+            </a:schemeClr>
+          </a:lnRef>
+          <a:fillRef idx="1">
+            <a:schemeClr val="accent4"/>
+          </a:fillRef>
+          <a:effectRef idx="0">
+            <a:schemeClr val="accent4"/>
+          </a:effectRef>
+          <a:fontRef idx="minor">
+            <a:schemeClr val="lt1"/>
+          </a:fontRef>
+        </p:style>
+        <p:txBody>
+          <a:bodyPr rtlCol="0" anchor="ctr"/>
+          <a:lstStyle/>
+          <a:p>
+            <a:pPr algn="ctr"/>
+            <a:r>
+              <a:rPr lang="en-US" sz="2400" b="1" dirty="0">
+                <a:solidFill>
+                  <a:schemeClr val="accent4">
+                    <a:lumMod val="75000"/>
+                  </a:schemeClr>
+                </a:solidFill>
+                <a:latin typeface="Arial" panose="020B0604020202020204" pitchFamily="34" charset="0"/>
+                <a:cs typeface="Arial" panose="020B0604020202020204" pitchFamily="34" charset="0"/>
+              </a:rPr>
+              <a:t>27,200</a:t>
+            </a:r>
+          </a:p>
+          <a:p>
+            <a:pPr algn="ctr"/>
+            <a:r>
+              <a:rPr lang="en-US" sz="2400" dirty="0">
+                <a:solidFill>
+                  <a:schemeClr val="accent4">
+                    <a:lumMod val="75000"/>
+                  </a:schemeClr>
+                </a:solidFill>
+                <a:latin typeface="Arial" panose="020B0604020202020204" pitchFamily="34" charset="0"/>
+                <a:cs typeface="Arial" panose="020B0604020202020204" pitchFamily="34" charset="0"/>
+              </a:rPr>
+              <a:t>PDBs</a:t>
+            </a:r>
+          </a:p>
+        </p:txBody>
+      </p:sp>
+      <p:sp>
+        <p:nvSpPr>
+          <p:cNvPr id="46" name="Rectangle 45">
+            <a:extLst>
+              <a:ext uri="{FF2B5EF4-FFF2-40B4-BE49-F238E27FC236}">
+                <a16:creationId xmlns:a16="http://schemas.microsoft.com/office/drawing/2014/main" id="{62FBF529-990F-4F67-77FD-48EE5B352BA4}"/>
+              </a:ext>
+            </a:extLst>
+          </p:cNvPr>
+          <p:cNvSpPr/>
+          <p:nvPr/>
+        </p:nvSpPr>
+        <p:spPr>
+          <a:xfrm>
+            <a:off x="10541796" y="2758193"/>
+            <a:ext cx="3249608" cy="1815882"/>
+          </a:xfrm>
+          <a:prstGeom prst="rect">
+            <a:avLst/>
+          </a:prstGeom>
+          <a:noFill/>
+        </p:spPr>
+        <p:txBody>
+          <a:bodyPr wrap="square" lIns="91440" tIns="45720" rIns="91440" bIns="45720">
+            <a:spAutoFit/>
+          </a:bodyPr>
+          <a:lstStyle/>
+          <a:p>
+            <a:pPr algn="ctr"/>
+            <a:r>
+              <a:rPr lang="en-US" sz="2800" b="1" dirty="0">
+                <a:ln w="0"/>
+                <a:solidFill>
+                  <a:schemeClr val="accent6"/>
+                </a:solidFill>
+                <a:latin typeface="Arial" panose="020B0604020202020204" pitchFamily="34" charset="0"/>
+                <a:cs typeface="Arial" panose="020B0604020202020204" pitchFamily="34" charset="0"/>
+              </a:rPr>
+              <a:t>Generate and Compare Predicted Docking Metrics</a:t>
+            </a:r>
+          </a:p>
+        </p:txBody>
+      </p:sp>
+      <p:cxnSp>
+        <p:nvCxnSpPr>
+          <p:cNvPr id="49" name="Connector: Elbow 48">
+            <a:extLst>
+              <a:ext uri="{FF2B5EF4-FFF2-40B4-BE49-F238E27FC236}">
+                <a16:creationId xmlns:a16="http://schemas.microsoft.com/office/drawing/2014/main" id="{2BA96888-17AB-BE8B-B2F4-2A9F7ADF15C9}"/>
+              </a:ext>
+            </a:extLst>
+          </p:cNvPr>
+          <p:cNvCxnSpPr>
+            <a:cxnSpLocks/>
+            <a:stCxn id="25" idx="3"/>
+            <a:endCxn id="46" idx="0"/>
+          </p:cNvCxnSpPr>
+          <p:nvPr/>
+        </p:nvCxnSpPr>
+        <p:spPr>
+          <a:xfrm>
+            <a:off x="10762441" y="1377057"/>
+            <a:ext cx="1404159" cy="1381136"/>
+          </a:xfrm>
+          <a:prstGeom prst="bentConnector2">
+            <a:avLst/>
+          </a:prstGeom>
+          <a:ln w="127000">
+            <a:solidFill>
+              <a:schemeClr val="accent6"/>
+            </a:solidFill>
+            <a:tailEnd type="triangle"/>
+          </a:ln>
+        </p:spPr>
+        <p:style>
+          <a:lnRef idx="1">
+            <a:schemeClr val="accent1"/>
+          </a:lnRef>
+          <a:fillRef idx="0">
+            <a:schemeClr val="accent1"/>
+          </a:fillRef>
+          <a:effectRef idx="0">
+            <a:schemeClr val="accent1"/>
+          </a:effectRef>
+          <a:fontRef idx="minor">
+            <a:schemeClr val="tx1"/>
+          </a:fontRef>
+        </p:style>
+      </p:cxnSp>
+    </p:spTree>
+    <p:extLst>
+      <p:ext uri="{BB962C8B-B14F-4D97-AF65-F5344CB8AC3E}">
+        <p14:creationId xmlns:p14="http://schemas.microsoft.com/office/powerpoint/2010/main" val="603366440"/>
+      </p:ext>
+    </p:extLst>
+  </p:cSld>
+  <p:clrMapOvr>
+    <a:masterClrMapping/>
+  </p:clrMapOvr>
+</p:sld>
+</file>
+
+<file path=ppt/slides/slide4.xml><?xml version="1.0" encoding="utf-8"?>
+<p:sld xmlns:a="http://schemas.openxmlformats.org/drawingml/2006/main" xmlns:r="http://schemas.openxmlformats.org/officeDocument/2006/relationships" xmlns:p="http://schemas.openxmlformats.org/presentationml/2006/main">
+  <p:cSld>
+    <p:spTree>
+      <p:nvGrpSpPr>
+        <p:cNvPr id="1" name="">
+          <a:extLst>
+            <a:ext uri="{FF2B5EF4-FFF2-40B4-BE49-F238E27FC236}">
+              <a16:creationId xmlns:a16="http://schemas.microsoft.com/office/drawing/2014/main" id="{B3614F5F-D453-CECD-4B2E-A0A2F6F31FF5}"/>
+            </a:ext>
+          </a:extLst>
+        </p:cNvPr>
+        <p:cNvGrpSpPr/>
+        <p:nvPr/>
+      </p:nvGrpSpPr>
+      <p:grpSpPr>
+        <a:xfrm>
+          <a:off x="0" y="0"/>
+          <a:ext cx="0" cy="0"/>
+          <a:chOff x="0" y="0"/>
+          <a:chExt cx="0" cy="0"/>
+        </a:xfrm>
+      </p:grpSpPr>
+      <p:sp>
+        <p:nvSpPr>
+          <p:cNvPr id="79" name="Rectangle 78">
+            <a:extLst>
+              <a:ext uri="{FF2B5EF4-FFF2-40B4-BE49-F238E27FC236}">
+                <a16:creationId xmlns:a16="http://schemas.microsoft.com/office/drawing/2014/main" id="{6E17C969-4A3C-1911-0A29-36D0D54855AA}"/>
+              </a:ext>
+            </a:extLst>
+          </p:cNvPr>
+          <p:cNvSpPr/>
+          <p:nvPr/>
+        </p:nvSpPr>
+        <p:spPr>
+          <a:xfrm>
+            <a:off x="-1130300" y="-2341934"/>
+            <a:ext cx="15963900" cy="11739933"/>
+          </a:xfrm>
+          <a:prstGeom prst="rect">
+            <a:avLst/>
+          </a:prstGeom>
+          <a:solidFill>
+            <a:schemeClr val="bg1"/>
+          </a:solidFill>
+          <a:ln>
+            <a:noFill/>
+          </a:ln>
+        </p:spPr>
+        <p:style>
+          <a:lnRef idx="2">
+            <a:schemeClr val="accent1">
+              <a:shade val="15000"/>
+            </a:schemeClr>
+          </a:lnRef>
+          <a:fillRef idx="1">
+            <a:schemeClr val="accent1"/>
+          </a:fillRef>
+          <a:effectRef idx="0">
+            <a:schemeClr val="accent1"/>
+          </a:effectRef>
+          <a:fontRef idx="minor">
+            <a:schemeClr val="lt1"/>
+          </a:fontRef>
+        </p:style>
+        <p:txBody>
+          <a:bodyPr rtlCol="0" anchor="ctr"/>
+          <a:lstStyle/>
+          <a:p>
+            <a:pPr algn="ctr"/>
+            <a:endParaRPr lang="en-US"/>
+          </a:p>
+        </p:txBody>
+      </p:sp>
+      <p:cxnSp>
+        <p:nvCxnSpPr>
+          <p:cNvPr id="8" name="Straight Arrow Connector 7">
+            <a:extLst>
+              <a:ext uri="{FF2B5EF4-FFF2-40B4-BE49-F238E27FC236}">
+                <a16:creationId xmlns:a16="http://schemas.microsoft.com/office/drawing/2014/main" id="{5B2F92CC-A120-76C8-3982-2FA00305F91E}"/>
+              </a:ext>
+            </a:extLst>
+          </p:cNvPr>
+          <p:cNvCxnSpPr>
+            <a:cxnSpLocks/>
+            <a:endCxn id="5" idx="0"/>
+          </p:cNvCxnSpPr>
+          <p:nvPr/>
+        </p:nvCxnSpPr>
+        <p:spPr>
+          <a:xfrm>
+            <a:off x="2017324" y="1077613"/>
+            <a:ext cx="0" cy="1062384"/>
+          </a:xfrm>
+          <a:prstGeom prst="straightConnector1">
+            <a:avLst/>
+          </a:prstGeom>
+          <a:ln w="127000">
+            <a:tailEnd type="triangle"/>
+          </a:ln>
+        </p:spPr>
+        <p:style>
+          <a:lnRef idx="1">
+            <a:schemeClr val="accent1"/>
+          </a:lnRef>
+          <a:fillRef idx="0">
+            <a:schemeClr val="accent1"/>
+          </a:fillRef>
+          <a:effectRef idx="0">
+            <a:schemeClr val="accent1"/>
+          </a:effectRef>
+          <a:fontRef idx="minor">
+            <a:schemeClr val="tx1"/>
+          </a:fontRef>
+        </p:style>
+      </p:cxnSp>
+      <p:cxnSp>
+        <p:nvCxnSpPr>
+          <p:cNvPr id="28" name="Straight Arrow Connector 27">
+            <a:extLst>
+              <a:ext uri="{FF2B5EF4-FFF2-40B4-BE49-F238E27FC236}">
+                <a16:creationId xmlns:a16="http://schemas.microsoft.com/office/drawing/2014/main" id="{174905D5-97C9-3E5E-5677-C0853CAC7EC1}"/>
+              </a:ext>
+            </a:extLst>
+          </p:cNvPr>
+          <p:cNvCxnSpPr>
+            <a:cxnSpLocks/>
+            <a:endCxn id="6" idx="0"/>
+          </p:cNvCxnSpPr>
+          <p:nvPr/>
+        </p:nvCxnSpPr>
+        <p:spPr>
+          <a:xfrm>
+            <a:off x="4353373" y="1066989"/>
+            <a:ext cx="12086" cy="1073007"/>
+          </a:xfrm>
+          <a:prstGeom prst="straightConnector1">
+            <a:avLst/>
+          </a:prstGeom>
+          <a:ln w="127000">
+            <a:tailEnd type="triangle"/>
+          </a:ln>
+        </p:spPr>
+        <p:style>
+          <a:lnRef idx="1">
+            <a:schemeClr val="accent1"/>
+          </a:lnRef>
+          <a:fillRef idx="0">
+            <a:schemeClr val="accent1"/>
+          </a:fillRef>
+          <a:effectRef idx="0">
+            <a:schemeClr val="accent1"/>
+          </a:effectRef>
+          <a:fontRef idx="minor">
+            <a:schemeClr val="tx1"/>
+          </a:fontRef>
+        </p:style>
+      </p:cxnSp>
+      <p:cxnSp>
+        <p:nvCxnSpPr>
+          <p:cNvPr id="48" name="Connector: Elbow 47">
+            <a:extLst>
+              <a:ext uri="{FF2B5EF4-FFF2-40B4-BE49-F238E27FC236}">
+                <a16:creationId xmlns:a16="http://schemas.microsoft.com/office/drawing/2014/main" id="{C3AB8BBC-6CD2-2F94-00EF-F2172BD95559}"/>
+              </a:ext>
+            </a:extLst>
+          </p:cNvPr>
+          <p:cNvCxnSpPr>
+            <a:cxnSpLocks/>
+            <a:stCxn id="26" idx="2"/>
+            <a:endCxn id="46" idx="0"/>
+          </p:cNvCxnSpPr>
+          <p:nvPr/>
+        </p:nvCxnSpPr>
+        <p:spPr>
+          <a:xfrm rot="5400000">
+            <a:off x="3247055" y="6902864"/>
+            <a:ext cx="1062740" cy="1174068"/>
+          </a:xfrm>
+          <a:prstGeom prst="bentConnector3">
+            <a:avLst>
+              <a:gd name="adj1" fmla="val 50000"/>
+            </a:avLst>
+          </a:prstGeom>
+          <a:ln w="127000">
+            <a:solidFill>
+              <a:schemeClr val="accent6"/>
+            </a:solidFill>
+            <a:tailEnd type="triangle"/>
+          </a:ln>
+        </p:spPr>
+        <p:style>
+          <a:lnRef idx="1">
+            <a:schemeClr val="accent1"/>
+          </a:lnRef>
+          <a:fillRef idx="0">
+            <a:schemeClr val="accent1"/>
+          </a:fillRef>
+          <a:effectRef idx="0">
+            <a:schemeClr val="accent1"/>
+          </a:effectRef>
+          <a:fontRef idx="minor">
+            <a:schemeClr val="tx1"/>
+          </a:fontRef>
+        </p:style>
+      </p:cxnSp>
+      <p:graphicFrame>
+        <p:nvGraphicFramePr>
+          <p:cNvPr id="16" name="Table 15">
+            <a:extLst>
+              <a:ext uri="{FF2B5EF4-FFF2-40B4-BE49-F238E27FC236}">
+                <a16:creationId xmlns:a16="http://schemas.microsoft.com/office/drawing/2014/main" id="{C27B85C1-EF21-A2B9-46F5-5DAA3E3BD8C2}"/>
+              </a:ext>
+            </a:extLst>
+          </p:cNvPr>
+          <p:cNvGraphicFramePr>
+            <a:graphicFrameLocks noGrp="1"/>
+          </p:cNvGraphicFramePr>
+          <p:nvPr>
+            <p:extLst>
+              <p:ext uri="{D42A27DB-BD31-4B8C-83A1-F6EECF244321}">
+                <p14:modId xmlns:p14="http://schemas.microsoft.com/office/powerpoint/2010/main" val="3897954719"/>
+              </p:ext>
+            </p:extLst>
+          </p:nvPr>
+        </p:nvGraphicFramePr>
+        <p:xfrm>
+          <a:off x="875826" y="-1551502"/>
+          <a:ext cx="4631130" cy="2641600"/>
+        </p:xfrm>
+        <a:graphic>
+          <a:graphicData uri="http://schemas.openxmlformats.org/drawingml/2006/table">
+            <a:tbl>
+              <a:tblPr firstRow="1" firstCol="1" bandRow="1"/>
+              <a:tblGrid>
+                <a:gridCol w="2007661">
+                  <a:extLst>
+                    <a:ext uri="{9D8B030D-6E8A-4147-A177-3AD203B41FA5}">
+                      <a16:colId xmlns:a16="http://schemas.microsoft.com/office/drawing/2014/main" val="692215564"/>
+                    </a:ext>
+                  </a:extLst>
+                </a:gridCol>
+                <a:gridCol w="992808">
+                  <a:extLst>
+                    <a:ext uri="{9D8B030D-6E8A-4147-A177-3AD203B41FA5}">
+                      <a16:colId xmlns:a16="http://schemas.microsoft.com/office/drawing/2014/main" val="2745094234"/>
+                    </a:ext>
+                  </a:extLst>
+                </a:gridCol>
+                <a:gridCol w="599557">
+                  <a:extLst>
+                    <a:ext uri="{9D8B030D-6E8A-4147-A177-3AD203B41FA5}">
+                      <a16:colId xmlns:a16="http://schemas.microsoft.com/office/drawing/2014/main" val="2925381175"/>
+                    </a:ext>
+                  </a:extLst>
+                </a:gridCol>
+                <a:gridCol w="1031104">
+                  <a:extLst>
+                    <a:ext uri="{9D8B030D-6E8A-4147-A177-3AD203B41FA5}">
+                      <a16:colId xmlns:a16="http://schemas.microsoft.com/office/drawing/2014/main" val="3764812946"/>
+                    </a:ext>
+                  </a:extLst>
+                </a:gridCol>
+              </a:tblGrid>
+              <a:tr h="370840">
+                <a:tc>
+                  <a:txBody>
+                    <a:bodyPr/>
+                    <a:lstStyle>
+                      <a:lvl1pPr marL="0" algn="l" defTabSz="914400" rtl="0" eaLnBrk="1" latinLnBrk="0" hangingPunct="1">
+                        <a:defRPr sz="1800" b="1" kern="1200">
+                          <a:solidFill>
+                            <a:schemeClr val="lt1"/>
+                          </a:solidFill>
+                          <a:latin typeface="Segoe UI"/>
+                        </a:defRPr>
+                      </a:lvl1pPr>
+                      <a:lvl2pPr marL="457200" algn="l" defTabSz="914400" rtl="0" eaLnBrk="1" latinLnBrk="0" hangingPunct="1">
+                        <a:defRPr sz="1800" b="1" kern="1200">
+                          <a:solidFill>
+                            <a:schemeClr val="lt1"/>
+                          </a:solidFill>
+                          <a:latin typeface="Segoe UI"/>
+                        </a:defRPr>
+                      </a:lvl2pPr>
+                      <a:lvl3pPr marL="914400" algn="l" defTabSz="914400" rtl="0" eaLnBrk="1" latinLnBrk="0" hangingPunct="1">
+                        <a:defRPr sz="1800" b="1" kern="1200">
+                          <a:solidFill>
+                            <a:schemeClr val="lt1"/>
+                          </a:solidFill>
+                          <a:latin typeface="Segoe UI"/>
+                        </a:defRPr>
+                      </a:lvl3pPr>
+                      <a:lvl4pPr marL="1371600" algn="l" defTabSz="914400" rtl="0" eaLnBrk="1" latinLnBrk="0" hangingPunct="1">
+                        <a:defRPr sz="1800" b="1" kern="1200">
+                          <a:solidFill>
+                            <a:schemeClr val="lt1"/>
+                          </a:solidFill>
+                          <a:latin typeface="Segoe UI"/>
+                        </a:defRPr>
+                      </a:lvl4pPr>
+                      <a:lvl5pPr marL="1828800" algn="l" defTabSz="914400" rtl="0" eaLnBrk="1" latinLnBrk="0" hangingPunct="1">
+                        <a:defRPr sz="1800" b="1" kern="1200">
+                          <a:solidFill>
+                            <a:schemeClr val="lt1"/>
+                          </a:solidFill>
+                          <a:latin typeface="Segoe UI"/>
+                        </a:defRPr>
+                      </a:lvl5pPr>
+                      <a:lvl6pPr marL="2286000" algn="l" defTabSz="914400" rtl="0" eaLnBrk="1" latinLnBrk="0" hangingPunct="1">
+                        <a:defRPr sz="1800" b="1" kern="1200">
+                          <a:solidFill>
+                            <a:schemeClr val="lt1"/>
+                          </a:solidFill>
+                          <a:latin typeface="Segoe UI"/>
+                        </a:defRPr>
+                      </a:lvl6pPr>
+                      <a:lvl7pPr marL="2743200" algn="l" defTabSz="914400" rtl="0" eaLnBrk="1" latinLnBrk="0" hangingPunct="1">
+                        <a:defRPr sz="1800" b="1" kern="1200">
+                          <a:solidFill>
+                            <a:schemeClr val="lt1"/>
+                          </a:solidFill>
+                          <a:latin typeface="Segoe UI"/>
+                        </a:defRPr>
+                      </a:lvl7pPr>
+                      <a:lvl8pPr marL="3200400" algn="l" defTabSz="914400" rtl="0" eaLnBrk="1" latinLnBrk="0" hangingPunct="1">
+                        <a:defRPr sz="1800" b="1" kern="1200">
+                          <a:solidFill>
+                            <a:schemeClr val="lt1"/>
+                          </a:solidFill>
+                          <a:latin typeface="Segoe UI"/>
+                        </a:defRPr>
+                      </a:lvl8pPr>
+                      <a:lvl9pPr marL="3657600" algn="l" defTabSz="914400" rtl="0" eaLnBrk="1" latinLnBrk="0" hangingPunct="1">
+                        <a:defRPr sz="1800" b="1" kern="1200">
+                          <a:solidFill>
+                            <a:schemeClr val="lt1"/>
+                          </a:solidFill>
+                          <a:latin typeface="Segoe UI"/>
+                        </a:defRPr>
+                      </a:lvl9pPr>
+                    </a:lstStyle>
+                    <a:p>
+                      <a:pPr algn="ctr"/>
+                      <a:endParaRPr lang="en-US" sz="1600" dirty="0">
+                        <a:latin typeface="Arial" panose="020B0604020202020204" pitchFamily="34" charset="0"/>
+                        <a:cs typeface="Arial" panose="020B0604020202020204" pitchFamily="34" charset="0"/>
+                      </a:endParaRPr>
+                    </a:p>
+                  </a:txBody>
+                  <a:tcPr>
+                    <a:lnL w="12700" cmpd="sng">
+                      <a:solidFill>
+                        <a:sysClr val="window" lastClr="FFFFFF"/>
+                      </a:solidFill>
+                    </a:lnL>
+                    <a:lnR w="12700" cmpd="sng">
+                      <a:solidFill>
+                        <a:sysClr val="window" lastClr="FFFFFF"/>
+                      </a:solidFill>
+                    </a:lnR>
+                    <a:lnT w="12700" cmpd="sng">
+                      <a:solidFill>
+                        <a:sysClr val="window" lastClr="FFFFFF"/>
+                      </a:solidFill>
+                    </a:lnT>
+                    <a:lnB w="38100" cmpd="sng">
+                      <a:solidFill>
+                        <a:sysClr val="window" lastClr="FFFFFF"/>
+                      </a:solidFill>
+                    </a:lnB>
+                    <a:lnTlToBr w="12700" cmpd="sng">
+                      <a:noFill/>
+                      <a:prstDash val="solid"/>
+                    </a:lnTlToBr>
+                    <a:lnBlToTr w="12700" cmpd="sng">
+                      <a:noFill/>
+                      <a:prstDash val="solid"/>
+                    </a:lnBlToTr>
+                    <a:solidFill>
+                      <a:schemeClr val="accent1">
+                        <a:lumMod val="50000"/>
+                      </a:schemeClr>
+                    </a:solidFill>
+                  </a:tcPr>
+                </a:tc>
+                <a:tc>
+                  <a:txBody>
+                    <a:bodyPr/>
+                    <a:lstStyle>
+                      <a:lvl1pPr marL="0" algn="l" defTabSz="914400" rtl="0" eaLnBrk="1" latinLnBrk="0" hangingPunct="1">
+                        <a:defRPr sz="1800" b="1" kern="1200">
+                          <a:solidFill>
+                            <a:schemeClr val="lt1"/>
+                          </a:solidFill>
+                          <a:latin typeface="Segoe UI"/>
+                        </a:defRPr>
+                      </a:lvl1pPr>
+                      <a:lvl2pPr marL="457200" algn="l" defTabSz="914400" rtl="0" eaLnBrk="1" latinLnBrk="0" hangingPunct="1">
+                        <a:defRPr sz="1800" b="1" kern="1200">
+                          <a:solidFill>
+                            <a:schemeClr val="lt1"/>
+                          </a:solidFill>
+                          <a:latin typeface="Segoe UI"/>
+                        </a:defRPr>
+                      </a:lvl2pPr>
+                      <a:lvl3pPr marL="914400" algn="l" defTabSz="914400" rtl="0" eaLnBrk="1" latinLnBrk="0" hangingPunct="1">
+                        <a:defRPr sz="1800" b="1" kern="1200">
+                          <a:solidFill>
+                            <a:schemeClr val="lt1"/>
+                          </a:solidFill>
+                          <a:latin typeface="Segoe UI"/>
+                        </a:defRPr>
+                      </a:lvl3pPr>
+                      <a:lvl4pPr marL="1371600" algn="l" defTabSz="914400" rtl="0" eaLnBrk="1" latinLnBrk="0" hangingPunct="1">
+                        <a:defRPr sz="1800" b="1" kern="1200">
+                          <a:solidFill>
+                            <a:schemeClr val="lt1"/>
+                          </a:solidFill>
+                          <a:latin typeface="Segoe UI"/>
+                        </a:defRPr>
+                      </a:lvl4pPr>
+                      <a:lvl5pPr marL="1828800" algn="l" defTabSz="914400" rtl="0" eaLnBrk="1" latinLnBrk="0" hangingPunct="1">
+                        <a:defRPr sz="1800" b="1" kern="1200">
+                          <a:solidFill>
+                            <a:schemeClr val="lt1"/>
+                          </a:solidFill>
+                          <a:latin typeface="Segoe UI"/>
+                        </a:defRPr>
+                      </a:lvl5pPr>
+                      <a:lvl6pPr marL="2286000" algn="l" defTabSz="914400" rtl="0" eaLnBrk="1" latinLnBrk="0" hangingPunct="1">
+                        <a:defRPr sz="1800" b="1" kern="1200">
+                          <a:solidFill>
+                            <a:schemeClr val="lt1"/>
+                          </a:solidFill>
+                          <a:latin typeface="Segoe UI"/>
+                        </a:defRPr>
+                      </a:lvl6pPr>
+                      <a:lvl7pPr marL="2743200" algn="l" defTabSz="914400" rtl="0" eaLnBrk="1" latinLnBrk="0" hangingPunct="1">
+                        <a:defRPr sz="1800" b="1" kern="1200">
+                          <a:solidFill>
+                            <a:schemeClr val="lt1"/>
+                          </a:solidFill>
+                          <a:latin typeface="Segoe UI"/>
+                        </a:defRPr>
+                      </a:lvl7pPr>
+                      <a:lvl8pPr marL="3200400" algn="l" defTabSz="914400" rtl="0" eaLnBrk="1" latinLnBrk="0" hangingPunct="1">
+                        <a:defRPr sz="1800" b="1" kern="1200">
+                          <a:solidFill>
+                            <a:schemeClr val="lt1"/>
+                          </a:solidFill>
+                          <a:latin typeface="Segoe UI"/>
+                        </a:defRPr>
+                      </a:lvl8pPr>
+                      <a:lvl9pPr marL="3657600" algn="l" defTabSz="914400" rtl="0" eaLnBrk="1" latinLnBrk="0" hangingPunct="1">
+                        <a:defRPr sz="1800" b="1" kern="1200">
+                          <a:solidFill>
+                            <a:schemeClr val="lt1"/>
+                          </a:solidFill>
+                          <a:latin typeface="Segoe UI"/>
+                        </a:defRPr>
+                      </a:lvl9pPr>
+                    </a:lstStyle>
+                    <a:p>
+                      <a:pPr algn="ctr"/>
+                      <a:r>
+                        <a:rPr lang="en-US" sz="1600" dirty="0">
+                          <a:latin typeface="Arial" panose="020B0604020202020204" pitchFamily="34" charset="0"/>
+                          <a:cs typeface="Arial" panose="020B0604020202020204" pitchFamily="34" charset="0"/>
+                        </a:rPr>
+                        <a:t>CCL1</a:t>
+                      </a:r>
+                      <a:endParaRPr lang="en-US" sz="1600" baseline="-25000" dirty="0">
+                        <a:latin typeface="Arial" panose="020B0604020202020204" pitchFamily="34" charset="0"/>
+                        <a:cs typeface="Arial" panose="020B0604020202020204" pitchFamily="34" charset="0"/>
+                      </a:endParaRPr>
+                    </a:p>
+                  </a:txBody>
+                  <a:tcPr>
+                    <a:lnL w="12700" cmpd="sng">
+                      <a:solidFill>
+                        <a:sysClr val="window" lastClr="FFFFFF"/>
+                      </a:solidFill>
+                    </a:lnL>
+                    <a:lnR w="12700" cmpd="sng">
+                      <a:solidFill>
+                        <a:sysClr val="window" lastClr="FFFFFF"/>
+                      </a:solidFill>
+                    </a:lnR>
+                    <a:lnT w="12700" cmpd="sng">
+                      <a:solidFill>
+                        <a:sysClr val="window" lastClr="FFFFFF"/>
+                      </a:solidFill>
+                    </a:lnT>
+                    <a:lnB w="38100" cmpd="sng">
+                      <a:solidFill>
+                        <a:sysClr val="window" lastClr="FFFFFF"/>
+                      </a:solidFill>
+                    </a:lnB>
+                    <a:lnTlToBr w="12700" cmpd="sng">
+                      <a:noFill/>
+                      <a:prstDash val="solid"/>
+                    </a:lnTlToBr>
+                    <a:lnBlToTr w="12700" cmpd="sng">
+                      <a:noFill/>
+                      <a:prstDash val="solid"/>
+                    </a:lnBlToTr>
+                    <a:solidFill>
+                      <a:schemeClr val="accent1">
+                        <a:lumMod val="50000"/>
+                      </a:schemeClr>
+                    </a:solidFill>
+                  </a:tcPr>
+                </a:tc>
+                <a:tc>
+                  <a:txBody>
+                    <a:bodyPr/>
+                    <a:lstStyle>
+                      <a:lvl1pPr marL="0" algn="l" defTabSz="914400" rtl="0" eaLnBrk="1" latinLnBrk="0" hangingPunct="1">
+                        <a:defRPr sz="1800" b="1" kern="1200">
+                          <a:solidFill>
+                            <a:schemeClr val="lt1"/>
+                          </a:solidFill>
+                          <a:latin typeface="Segoe UI"/>
+                        </a:defRPr>
+                      </a:lvl1pPr>
+                      <a:lvl2pPr marL="457200" algn="l" defTabSz="914400" rtl="0" eaLnBrk="1" latinLnBrk="0" hangingPunct="1">
+                        <a:defRPr sz="1800" b="1" kern="1200">
+                          <a:solidFill>
+                            <a:schemeClr val="lt1"/>
+                          </a:solidFill>
+                          <a:latin typeface="Segoe UI"/>
+                        </a:defRPr>
+                      </a:lvl2pPr>
+                      <a:lvl3pPr marL="914400" algn="l" defTabSz="914400" rtl="0" eaLnBrk="1" latinLnBrk="0" hangingPunct="1">
+                        <a:defRPr sz="1800" b="1" kern="1200">
+                          <a:solidFill>
+                            <a:schemeClr val="lt1"/>
+                          </a:solidFill>
+                          <a:latin typeface="Segoe UI"/>
+                        </a:defRPr>
+                      </a:lvl3pPr>
+                      <a:lvl4pPr marL="1371600" algn="l" defTabSz="914400" rtl="0" eaLnBrk="1" latinLnBrk="0" hangingPunct="1">
+                        <a:defRPr sz="1800" b="1" kern="1200">
+                          <a:solidFill>
+                            <a:schemeClr val="lt1"/>
+                          </a:solidFill>
+                          <a:latin typeface="Segoe UI"/>
+                        </a:defRPr>
+                      </a:lvl4pPr>
+                      <a:lvl5pPr marL="1828800" algn="l" defTabSz="914400" rtl="0" eaLnBrk="1" latinLnBrk="0" hangingPunct="1">
+                        <a:defRPr sz="1800" b="1" kern="1200">
+                          <a:solidFill>
+                            <a:schemeClr val="lt1"/>
+                          </a:solidFill>
+                          <a:latin typeface="Segoe UI"/>
+                        </a:defRPr>
+                      </a:lvl5pPr>
+                      <a:lvl6pPr marL="2286000" algn="l" defTabSz="914400" rtl="0" eaLnBrk="1" latinLnBrk="0" hangingPunct="1">
+                        <a:defRPr sz="1800" b="1" kern="1200">
+                          <a:solidFill>
+                            <a:schemeClr val="lt1"/>
+                          </a:solidFill>
+                          <a:latin typeface="Segoe UI"/>
+                        </a:defRPr>
+                      </a:lvl6pPr>
+                      <a:lvl7pPr marL="2743200" algn="l" defTabSz="914400" rtl="0" eaLnBrk="1" latinLnBrk="0" hangingPunct="1">
+                        <a:defRPr sz="1800" b="1" kern="1200">
+                          <a:solidFill>
+                            <a:schemeClr val="lt1"/>
+                          </a:solidFill>
+                          <a:latin typeface="Segoe UI"/>
+                        </a:defRPr>
+                      </a:lvl7pPr>
+                      <a:lvl8pPr marL="3200400" algn="l" defTabSz="914400" rtl="0" eaLnBrk="1" latinLnBrk="0" hangingPunct="1">
+                        <a:defRPr sz="1800" b="1" kern="1200">
+                          <a:solidFill>
+                            <a:schemeClr val="lt1"/>
+                          </a:solidFill>
+                          <a:latin typeface="Segoe UI"/>
+                        </a:defRPr>
+                      </a:lvl8pPr>
+                      <a:lvl9pPr marL="3657600" algn="l" defTabSz="914400" rtl="0" eaLnBrk="1" latinLnBrk="0" hangingPunct="1">
+                        <a:defRPr sz="1800" b="1" kern="1200">
+                          <a:solidFill>
+                            <a:schemeClr val="lt1"/>
+                          </a:solidFill>
+                          <a:latin typeface="Segoe UI"/>
+                        </a:defRPr>
+                      </a:lvl9pPr>
+                    </a:lstStyle>
+                    <a:p>
+                      <a:pPr algn="ctr"/>
+                      <a:r>
+                        <a:rPr lang="en-US" sz="1600" dirty="0">
+                          <a:latin typeface="Arial" panose="020B0604020202020204" pitchFamily="34" charset="0"/>
+                          <a:cs typeface="Arial" panose="020B0604020202020204" pitchFamily="34" charset="0"/>
+                        </a:rPr>
+                        <a:t>…</a:t>
+                      </a:r>
+                    </a:p>
+                  </a:txBody>
+                  <a:tcPr>
+                    <a:lnL w="12700" cmpd="sng">
+                      <a:solidFill>
+                        <a:sysClr val="window" lastClr="FFFFFF"/>
+                      </a:solidFill>
+                    </a:lnL>
+                    <a:lnR w="12700" cmpd="sng">
+                      <a:solidFill>
+                        <a:sysClr val="window" lastClr="FFFFFF"/>
+                      </a:solidFill>
+                    </a:lnR>
+                    <a:lnT w="12700" cmpd="sng">
+                      <a:solidFill>
+                        <a:sysClr val="window" lastClr="FFFFFF"/>
+                      </a:solidFill>
+                    </a:lnT>
+                    <a:lnB w="38100" cmpd="sng">
+                      <a:solidFill>
+                        <a:sysClr val="window" lastClr="FFFFFF"/>
+                      </a:solidFill>
+                    </a:lnB>
+                    <a:lnTlToBr w="12700" cmpd="sng">
+                      <a:noFill/>
+                      <a:prstDash val="solid"/>
+                    </a:lnTlToBr>
+                    <a:lnBlToTr w="12700" cmpd="sng">
+                      <a:noFill/>
+                      <a:prstDash val="solid"/>
+                    </a:lnBlToTr>
+                    <a:solidFill>
+                      <a:schemeClr val="accent1">
+                        <a:lumMod val="50000"/>
+                      </a:schemeClr>
+                    </a:solidFill>
+                  </a:tcPr>
+                </a:tc>
+                <a:tc>
+                  <a:txBody>
+                    <a:bodyPr/>
+                    <a:lstStyle>
+                      <a:lvl1pPr marL="0" algn="l" defTabSz="914400" rtl="0" eaLnBrk="1" latinLnBrk="0" hangingPunct="1">
+                        <a:defRPr sz="1800" b="1" kern="1200">
+                          <a:solidFill>
+                            <a:schemeClr val="lt1"/>
+                          </a:solidFill>
+                          <a:latin typeface="Segoe UI"/>
+                        </a:defRPr>
+                      </a:lvl1pPr>
+                      <a:lvl2pPr marL="457200" algn="l" defTabSz="914400" rtl="0" eaLnBrk="1" latinLnBrk="0" hangingPunct="1">
+                        <a:defRPr sz="1800" b="1" kern="1200">
+                          <a:solidFill>
+                            <a:schemeClr val="lt1"/>
+                          </a:solidFill>
+                          <a:latin typeface="Segoe UI"/>
+                        </a:defRPr>
+                      </a:lvl2pPr>
+                      <a:lvl3pPr marL="914400" algn="l" defTabSz="914400" rtl="0" eaLnBrk="1" latinLnBrk="0" hangingPunct="1">
+                        <a:defRPr sz="1800" b="1" kern="1200">
+                          <a:solidFill>
+                            <a:schemeClr val="lt1"/>
+                          </a:solidFill>
+                          <a:latin typeface="Segoe UI"/>
+                        </a:defRPr>
+                      </a:lvl3pPr>
+                      <a:lvl4pPr marL="1371600" algn="l" defTabSz="914400" rtl="0" eaLnBrk="1" latinLnBrk="0" hangingPunct="1">
+                        <a:defRPr sz="1800" b="1" kern="1200">
+                          <a:solidFill>
+                            <a:schemeClr val="lt1"/>
+                          </a:solidFill>
+                          <a:latin typeface="Segoe UI"/>
+                        </a:defRPr>
+                      </a:lvl4pPr>
+                      <a:lvl5pPr marL="1828800" algn="l" defTabSz="914400" rtl="0" eaLnBrk="1" latinLnBrk="0" hangingPunct="1">
+                        <a:defRPr sz="1800" b="1" kern="1200">
+                          <a:solidFill>
+                            <a:schemeClr val="lt1"/>
+                          </a:solidFill>
+                          <a:latin typeface="Segoe UI"/>
+                        </a:defRPr>
+                      </a:lvl5pPr>
+                      <a:lvl6pPr marL="2286000" algn="l" defTabSz="914400" rtl="0" eaLnBrk="1" latinLnBrk="0" hangingPunct="1">
+                        <a:defRPr sz="1800" b="1" kern="1200">
+                          <a:solidFill>
+                            <a:schemeClr val="lt1"/>
+                          </a:solidFill>
+                          <a:latin typeface="Segoe UI"/>
+                        </a:defRPr>
+                      </a:lvl6pPr>
+                      <a:lvl7pPr marL="2743200" algn="l" defTabSz="914400" rtl="0" eaLnBrk="1" latinLnBrk="0" hangingPunct="1">
+                        <a:defRPr sz="1800" b="1" kern="1200">
+                          <a:solidFill>
+                            <a:schemeClr val="lt1"/>
+                          </a:solidFill>
+                          <a:latin typeface="Segoe UI"/>
+                        </a:defRPr>
+                      </a:lvl7pPr>
+                      <a:lvl8pPr marL="3200400" algn="l" defTabSz="914400" rtl="0" eaLnBrk="1" latinLnBrk="0" hangingPunct="1">
+                        <a:defRPr sz="1800" b="1" kern="1200">
+                          <a:solidFill>
+                            <a:schemeClr val="lt1"/>
+                          </a:solidFill>
+                          <a:latin typeface="Segoe UI"/>
+                        </a:defRPr>
+                      </a:lvl8pPr>
+                      <a:lvl9pPr marL="3657600" algn="l" defTabSz="914400" rtl="0" eaLnBrk="1" latinLnBrk="0" hangingPunct="1">
+                        <a:defRPr sz="1800" b="1" kern="1200">
+                          <a:solidFill>
+                            <a:schemeClr val="lt1"/>
+                          </a:solidFill>
+                          <a:latin typeface="Segoe UI"/>
+                        </a:defRPr>
+                      </a:lvl9pPr>
+                    </a:lstStyle>
+                    <a:p>
+                      <a:pPr algn="ctr"/>
+                      <a:r>
+                        <a:rPr lang="en-US" sz="1600" dirty="0">
+                          <a:latin typeface="Arial" panose="020B0604020202020204" pitchFamily="34" charset="0"/>
+                          <a:cs typeface="Arial" panose="020B0604020202020204" pitchFamily="34" charset="0"/>
+                        </a:rPr>
+                        <a:t>IL-1</a:t>
+                      </a:r>
+                      <a:r>
+                        <a:rPr lang="el-GR" sz="1600" dirty="0">
+                          <a:latin typeface="Arial" panose="020B0604020202020204" pitchFamily="34" charset="0"/>
+                          <a:cs typeface="Arial" panose="020B0604020202020204" pitchFamily="34" charset="0"/>
+                        </a:rPr>
+                        <a:t>β</a:t>
+                      </a:r>
+                      <a:endParaRPr lang="en-US" sz="1600" baseline="-25000" dirty="0">
+                        <a:latin typeface="Arial" panose="020B0604020202020204" pitchFamily="34" charset="0"/>
+                        <a:cs typeface="Arial" panose="020B0604020202020204" pitchFamily="34" charset="0"/>
+                      </a:endParaRPr>
+                    </a:p>
+                  </a:txBody>
+                  <a:tcPr>
+                    <a:lnL w="12700" cmpd="sng">
+                      <a:solidFill>
+                        <a:sysClr val="window" lastClr="FFFFFF"/>
+                      </a:solidFill>
+                    </a:lnL>
+                    <a:lnR w="12700" cmpd="sng">
+                      <a:solidFill>
+                        <a:sysClr val="window" lastClr="FFFFFF"/>
+                      </a:solidFill>
+                    </a:lnR>
+                    <a:lnT w="12700" cmpd="sng">
+                      <a:solidFill>
+                        <a:sysClr val="window" lastClr="FFFFFF"/>
+                      </a:solidFill>
+                    </a:lnT>
+                    <a:lnB w="38100" cmpd="sng">
+                      <a:solidFill>
+                        <a:sysClr val="window" lastClr="FFFFFF"/>
+                      </a:solidFill>
+                    </a:lnB>
+                    <a:lnTlToBr w="12700" cmpd="sng">
+                      <a:noFill/>
+                      <a:prstDash val="solid"/>
+                    </a:lnTlToBr>
+                    <a:lnBlToTr w="12700" cmpd="sng">
+                      <a:noFill/>
+                      <a:prstDash val="solid"/>
+                    </a:lnBlToTr>
+                    <a:solidFill>
+                      <a:schemeClr val="accent1">
+                        <a:lumMod val="50000"/>
+                      </a:schemeClr>
+                    </a:solidFill>
+                  </a:tcPr>
+                </a:tc>
+                <a:extLst>
+                  <a:ext uri="{0D108BD9-81ED-4DB2-BD59-A6C34878D82A}">
+                    <a16:rowId xmlns:a16="http://schemas.microsoft.com/office/drawing/2014/main" val="842397295"/>
+                  </a:ext>
+                </a:extLst>
+              </a:tr>
+              <a:tr h="370840">
+                <a:tc>
+                  <a:txBody>
+                    <a:bodyPr/>
+                    <a:lstStyle>
+                      <a:lvl1pPr marL="0" algn="l" defTabSz="914400" rtl="0" eaLnBrk="1" latinLnBrk="0" hangingPunct="1">
+                        <a:defRPr sz="1800" b="1" kern="1200">
+                          <a:solidFill>
+                            <a:schemeClr val="lt1"/>
+                          </a:solidFill>
+                          <a:latin typeface="Segoe UI"/>
+                        </a:defRPr>
+                      </a:lvl1pPr>
+                      <a:lvl2pPr marL="457200" algn="l" defTabSz="914400" rtl="0" eaLnBrk="1" latinLnBrk="0" hangingPunct="1">
+                        <a:defRPr sz="1800" b="1" kern="1200">
+                          <a:solidFill>
+                            <a:schemeClr val="lt1"/>
+                          </a:solidFill>
+                          <a:latin typeface="Segoe UI"/>
+                        </a:defRPr>
+                      </a:lvl2pPr>
+                      <a:lvl3pPr marL="914400" algn="l" defTabSz="914400" rtl="0" eaLnBrk="1" latinLnBrk="0" hangingPunct="1">
+                        <a:defRPr sz="1800" b="1" kern="1200">
+                          <a:solidFill>
+                            <a:schemeClr val="lt1"/>
+                          </a:solidFill>
+                          <a:latin typeface="Segoe UI"/>
+                        </a:defRPr>
+                      </a:lvl3pPr>
+                      <a:lvl4pPr marL="1371600" algn="l" defTabSz="914400" rtl="0" eaLnBrk="1" latinLnBrk="0" hangingPunct="1">
+                        <a:defRPr sz="1800" b="1" kern="1200">
+                          <a:solidFill>
+                            <a:schemeClr val="lt1"/>
+                          </a:solidFill>
+                          <a:latin typeface="Segoe UI"/>
+                        </a:defRPr>
+                      </a:lvl4pPr>
+                      <a:lvl5pPr marL="1828800" algn="l" defTabSz="914400" rtl="0" eaLnBrk="1" latinLnBrk="0" hangingPunct="1">
+                        <a:defRPr sz="1800" b="1" kern="1200">
+                          <a:solidFill>
+                            <a:schemeClr val="lt1"/>
+                          </a:solidFill>
+                          <a:latin typeface="Segoe UI"/>
+                        </a:defRPr>
+                      </a:lvl5pPr>
+                      <a:lvl6pPr marL="2286000" algn="l" defTabSz="914400" rtl="0" eaLnBrk="1" latinLnBrk="0" hangingPunct="1">
+                        <a:defRPr sz="1800" b="1" kern="1200">
+                          <a:solidFill>
+                            <a:schemeClr val="lt1"/>
+                          </a:solidFill>
+                          <a:latin typeface="Segoe UI"/>
+                        </a:defRPr>
+                      </a:lvl6pPr>
+                      <a:lvl7pPr marL="2743200" algn="l" defTabSz="914400" rtl="0" eaLnBrk="1" latinLnBrk="0" hangingPunct="1">
+                        <a:defRPr sz="1800" b="1" kern="1200">
+                          <a:solidFill>
+                            <a:schemeClr val="lt1"/>
+                          </a:solidFill>
+                          <a:latin typeface="Segoe UI"/>
+                        </a:defRPr>
+                      </a:lvl7pPr>
+                      <a:lvl8pPr marL="3200400" algn="l" defTabSz="914400" rtl="0" eaLnBrk="1" latinLnBrk="0" hangingPunct="1">
+                        <a:defRPr sz="1800" b="1" kern="1200">
+                          <a:solidFill>
+                            <a:schemeClr val="lt1"/>
+                          </a:solidFill>
+                          <a:latin typeface="Segoe UI"/>
+                        </a:defRPr>
+                      </a:lvl8pPr>
+                      <a:lvl9pPr marL="3657600" algn="l" defTabSz="914400" rtl="0" eaLnBrk="1" latinLnBrk="0" hangingPunct="1">
+                        <a:defRPr sz="1800" b="1" kern="1200">
+                          <a:solidFill>
+                            <a:schemeClr val="lt1"/>
+                          </a:solidFill>
+                          <a:latin typeface="Segoe UI"/>
+                        </a:defRPr>
+                      </a:lvl9pPr>
+                    </a:lstStyle>
+                    <a:p>
+                      <a:pPr algn="l"/>
+                      <a:r>
+                        <a:rPr lang="en-US" sz="1600" dirty="0">
+                          <a:latin typeface="Arial" panose="020B0604020202020204" pitchFamily="34" charset="0"/>
+                          <a:cs typeface="Arial" panose="020B0604020202020204" pitchFamily="34" charset="0"/>
+                        </a:rPr>
+                        <a:t>SARS-</a:t>
+                      </a:r>
+                      <a:r>
+                        <a:rPr lang="en-US" sz="1600" dirty="0" err="1">
+                          <a:latin typeface="Arial" panose="020B0604020202020204" pitchFamily="34" charset="0"/>
+                          <a:cs typeface="Arial" panose="020B0604020202020204" pitchFamily="34" charset="0"/>
+                        </a:rPr>
+                        <a:t>CoV</a:t>
+                      </a:r>
+                      <a:endParaRPr lang="en-US" sz="1600" baseline="-25000" dirty="0">
+                        <a:latin typeface="Arial" panose="020B0604020202020204" pitchFamily="34" charset="0"/>
+                        <a:cs typeface="Arial" panose="020B0604020202020204" pitchFamily="34" charset="0"/>
+                      </a:endParaRPr>
+                    </a:p>
+                  </a:txBody>
+                  <a:tcPr>
+                    <a:lnL w="12700" cmpd="sng">
+                      <a:solidFill>
+                        <a:sysClr val="window" lastClr="FFFFFF"/>
+                      </a:solidFill>
+                    </a:lnL>
+                    <a:lnR w="12700" cmpd="sng">
+                      <a:solidFill>
+                        <a:sysClr val="window" lastClr="FFFFFF"/>
+                      </a:solidFill>
+                    </a:lnR>
+                    <a:lnT w="38100" cmpd="sng">
+                      <a:solidFill>
+                        <a:sysClr val="window" lastClr="FFFFFF"/>
+                      </a:solidFill>
+                    </a:lnT>
+                    <a:lnB w="12700" cmpd="sng">
+                      <a:solidFill>
+                        <a:sysClr val="window" lastClr="FFFFFF"/>
+                      </a:solidFill>
+                    </a:lnB>
+                    <a:lnTlToBr w="12700" cmpd="sng">
+                      <a:noFill/>
+                      <a:prstDash val="solid"/>
+                    </a:lnTlToBr>
+                    <a:lnBlToTr w="12700" cmpd="sng">
+                      <a:noFill/>
+                      <a:prstDash val="solid"/>
+                    </a:lnBlToTr>
+                    <a:solidFill>
+                      <a:schemeClr val="accent1">
+                        <a:lumMod val="50000"/>
+                      </a:schemeClr>
+                    </a:solidFill>
+                  </a:tcPr>
+                </a:tc>
+                <a:tc>
+                  <a:txBody>
+                    <a:bodyPr/>
+                    <a:lstStyle>
+                      <a:lvl1pPr marL="0" algn="l" defTabSz="914400" rtl="0" eaLnBrk="1" latinLnBrk="0" hangingPunct="1">
+                        <a:defRPr sz="1800" kern="1200">
+                          <a:solidFill>
+                            <a:schemeClr val="dk1"/>
+                          </a:solidFill>
+                          <a:latin typeface="Segoe UI"/>
+                        </a:defRPr>
+                      </a:lvl1pPr>
+                      <a:lvl2pPr marL="457200" algn="l" defTabSz="914400" rtl="0" eaLnBrk="1" latinLnBrk="0" hangingPunct="1">
+                        <a:defRPr sz="1800" kern="1200">
+                          <a:solidFill>
+                            <a:schemeClr val="dk1"/>
+                          </a:solidFill>
+                          <a:latin typeface="Segoe UI"/>
+                        </a:defRPr>
+                      </a:lvl2pPr>
+                      <a:lvl3pPr marL="914400" algn="l" defTabSz="914400" rtl="0" eaLnBrk="1" latinLnBrk="0" hangingPunct="1">
+                        <a:defRPr sz="1800" kern="1200">
+                          <a:solidFill>
+                            <a:schemeClr val="dk1"/>
+                          </a:solidFill>
+                          <a:latin typeface="Segoe UI"/>
+                        </a:defRPr>
+                      </a:lvl3pPr>
+                      <a:lvl4pPr marL="1371600" algn="l" defTabSz="914400" rtl="0" eaLnBrk="1" latinLnBrk="0" hangingPunct="1">
+                        <a:defRPr sz="1800" kern="1200">
+                          <a:solidFill>
+                            <a:schemeClr val="dk1"/>
+                          </a:solidFill>
+                          <a:latin typeface="Segoe UI"/>
+                        </a:defRPr>
+                      </a:lvl4pPr>
+                      <a:lvl5pPr marL="1828800" algn="l" defTabSz="914400" rtl="0" eaLnBrk="1" latinLnBrk="0" hangingPunct="1">
+                        <a:defRPr sz="1800" kern="1200">
+                          <a:solidFill>
+                            <a:schemeClr val="dk1"/>
+                          </a:solidFill>
+                          <a:latin typeface="Segoe UI"/>
+                        </a:defRPr>
+                      </a:lvl5pPr>
+                      <a:lvl6pPr marL="2286000" algn="l" defTabSz="914400" rtl="0" eaLnBrk="1" latinLnBrk="0" hangingPunct="1">
+                        <a:defRPr sz="1800" kern="1200">
+                          <a:solidFill>
+                            <a:schemeClr val="dk1"/>
+                          </a:solidFill>
+                          <a:latin typeface="Segoe UI"/>
+                        </a:defRPr>
+                      </a:lvl6pPr>
+                      <a:lvl7pPr marL="2743200" algn="l" defTabSz="914400" rtl="0" eaLnBrk="1" latinLnBrk="0" hangingPunct="1">
+                        <a:defRPr sz="1800" kern="1200">
+                          <a:solidFill>
+                            <a:schemeClr val="dk1"/>
+                          </a:solidFill>
+                          <a:latin typeface="Segoe UI"/>
+                        </a:defRPr>
+                      </a:lvl7pPr>
+                      <a:lvl8pPr marL="3200400" algn="l" defTabSz="914400" rtl="0" eaLnBrk="1" latinLnBrk="0" hangingPunct="1">
+                        <a:defRPr sz="1800" kern="1200">
+                          <a:solidFill>
+                            <a:schemeClr val="dk1"/>
+                          </a:solidFill>
+                          <a:latin typeface="Segoe UI"/>
+                        </a:defRPr>
+                      </a:lvl8pPr>
+                      <a:lvl9pPr marL="3657600" algn="l" defTabSz="914400" rtl="0" eaLnBrk="1" latinLnBrk="0" hangingPunct="1">
+                        <a:defRPr sz="1800" kern="1200">
+                          <a:solidFill>
+                            <a:schemeClr val="dk1"/>
+                          </a:solidFill>
+                          <a:latin typeface="Segoe UI"/>
+                        </a:defRPr>
+                      </a:lvl9pPr>
+                    </a:lstStyle>
+                    <a:p>
+                      <a:pPr algn="ctr"/>
+                      <a:endParaRPr lang="en-US" sz="1600">
+                        <a:latin typeface="Arial" panose="020B0604020202020204" pitchFamily="34" charset="0"/>
+                        <a:cs typeface="Arial" panose="020B0604020202020204" pitchFamily="34" charset="0"/>
+                      </a:endParaRPr>
+                    </a:p>
+                  </a:txBody>
+                  <a:tcPr>
+                    <a:lnL w="12700" cmpd="sng">
+                      <a:solidFill>
+                        <a:sysClr val="window" lastClr="FFFFFF"/>
+                      </a:solidFill>
+                    </a:lnL>
+                    <a:lnR w="12700" cmpd="sng">
+                      <a:solidFill>
+                        <a:sysClr val="window" lastClr="FFFFFF"/>
+                      </a:solidFill>
+                    </a:lnR>
+                    <a:lnT w="38100" cmpd="sng">
+                      <a:solidFill>
+                        <a:sysClr val="window" lastClr="FFFFFF"/>
+                      </a:solidFill>
+                    </a:lnT>
+                    <a:lnB w="12700" cmpd="sng">
+                      <a:solidFill>
+                        <a:sysClr val="window" lastClr="FFFFFF"/>
+                      </a:solidFill>
+                    </a:lnB>
+                    <a:lnTlToBr w="12700" cmpd="sng">
+                      <a:noFill/>
+                      <a:prstDash val="solid"/>
+                    </a:lnTlToBr>
+                    <a:lnBlToTr w="12700" cmpd="sng">
+                      <a:noFill/>
+                      <a:prstDash val="solid"/>
+                    </a:lnBlToTr>
+                    <a:solidFill>
+                      <a:schemeClr val="accent1">
+                        <a:lumMod val="40000"/>
+                        <a:lumOff val="60000"/>
+                      </a:schemeClr>
+                    </a:solidFill>
+                  </a:tcPr>
+                </a:tc>
+                <a:tc>
+                  <a:txBody>
+                    <a:bodyPr/>
+                    <a:lstStyle>
+                      <a:lvl1pPr marL="0" algn="l" defTabSz="914400" rtl="0" eaLnBrk="1" latinLnBrk="0" hangingPunct="1">
+                        <a:defRPr sz="1800" kern="1200">
+                          <a:solidFill>
+                            <a:schemeClr val="dk1"/>
+                          </a:solidFill>
+                          <a:latin typeface="Segoe UI"/>
+                        </a:defRPr>
+                      </a:lvl1pPr>
+                      <a:lvl2pPr marL="457200" algn="l" defTabSz="914400" rtl="0" eaLnBrk="1" latinLnBrk="0" hangingPunct="1">
+                        <a:defRPr sz="1800" kern="1200">
+                          <a:solidFill>
+                            <a:schemeClr val="dk1"/>
+                          </a:solidFill>
+                          <a:latin typeface="Segoe UI"/>
+                        </a:defRPr>
+                      </a:lvl2pPr>
+                      <a:lvl3pPr marL="914400" algn="l" defTabSz="914400" rtl="0" eaLnBrk="1" latinLnBrk="0" hangingPunct="1">
+                        <a:defRPr sz="1800" kern="1200">
+                          <a:solidFill>
+                            <a:schemeClr val="dk1"/>
+                          </a:solidFill>
+                          <a:latin typeface="Segoe UI"/>
+                        </a:defRPr>
+                      </a:lvl3pPr>
+                      <a:lvl4pPr marL="1371600" algn="l" defTabSz="914400" rtl="0" eaLnBrk="1" latinLnBrk="0" hangingPunct="1">
+                        <a:defRPr sz="1800" kern="1200">
+                          <a:solidFill>
+                            <a:schemeClr val="dk1"/>
+                          </a:solidFill>
+                          <a:latin typeface="Segoe UI"/>
+                        </a:defRPr>
+                      </a:lvl4pPr>
+                      <a:lvl5pPr marL="1828800" algn="l" defTabSz="914400" rtl="0" eaLnBrk="1" latinLnBrk="0" hangingPunct="1">
+                        <a:defRPr sz="1800" kern="1200">
+                          <a:solidFill>
+                            <a:schemeClr val="dk1"/>
+                          </a:solidFill>
+                          <a:latin typeface="Segoe UI"/>
+                        </a:defRPr>
+                      </a:lvl5pPr>
+                      <a:lvl6pPr marL="2286000" algn="l" defTabSz="914400" rtl="0" eaLnBrk="1" latinLnBrk="0" hangingPunct="1">
+                        <a:defRPr sz="1800" kern="1200">
+                          <a:solidFill>
+                            <a:schemeClr val="dk1"/>
+                          </a:solidFill>
+                          <a:latin typeface="Segoe UI"/>
+                        </a:defRPr>
+                      </a:lvl6pPr>
+                      <a:lvl7pPr marL="2743200" algn="l" defTabSz="914400" rtl="0" eaLnBrk="1" latinLnBrk="0" hangingPunct="1">
+                        <a:defRPr sz="1800" kern="1200">
+                          <a:solidFill>
+                            <a:schemeClr val="dk1"/>
+                          </a:solidFill>
+                          <a:latin typeface="Segoe UI"/>
+                        </a:defRPr>
+                      </a:lvl7pPr>
+                      <a:lvl8pPr marL="3200400" algn="l" defTabSz="914400" rtl="0" eaLnBrk="1" latinLnBrk="0" hangingPunct="1">
+                        <a:defRPr sz="1800" kern="1200">
+                          <a:solidFill>
+                            <a:schemeClr val="dk1"/>
+                          </a:solidFill>
+                          <a:latin typeface="Segoe UI"/>
+                        </a:defRPr>
+                      </a:lvl8pPr>
+                      <a:lvl9pPr marL="3657600" algn="l" defTabSz="914400" rtl="0" eaLnBrk="1" latinLnBrk="0" hangingPunct="1">
+                        <a:defRPr sz="1800" kern="1200">
+                          <a:solidFill>
+                            <a:schemeClr val="dk1"/>
+                          </a:solidFill>
+                          <a:latin typeface="Segoe UI"/>
+                        </a:defRPr>
+                      </a:lvl9pPr>
+                    </a:lstStyle>
+                    <a:p>
+                      <a:pPr algn="ctr"/>
+                      <a:endParaRPr lang="en-US" sz="1600" dirty="0">
+                        <a:latin typeface="Arial" panose="020B0604020202020204" pitchFamily="34" charset="0"/>
+                        <a:cs typeface="Arial" panose="020B0604020202020204" pitchFamily="34" charset="0"/>
+                      </a:endParaRPr>
+                    </a:p>
+                  </a:txBody>
+                  <a:tcPr>
+                    <a:lnL w="12700" cmpd="sng">
+                      <a:solidFill>
+                        <a:sysClr val="window" lastClr="FFFFFF"/>
+                      </a:solidFill>
+                    </a:lnL>
+                    <a:lnR w="12700" cmpd="sng">
+                      <a:solidFill>
+                        <a:sysClr val="window" lastClr="FFFFFF"/>
+                      </a:solidFill>
+                    </a:lnR>
+                    <a:lnT w="38100" cmpd="sng">
+                      <a:solidFill>
+                        <a:sysClr val="window" lastClr="FFFFFF"/>
+                      </a:solidFill>
+                    </a:lnT>
+                    <a:lnB w="12700" cmpd="sng">
+                      <a:solidFill>
+                        <a:sysClr val="window" lastClr="FFFFFF"/>
+                      </a:solidFill>
+                    </a:lnB>
+                    <a:lnTlToBr w="12700" cmpd="sng">
+                      <a:noFill/>
+                      <a:prstDash val="solid"/>
+                    </a:lnTlToBr>
+                    <a:lnBlToTr w="12700" cmpd="sng">
+                      <a:noFill/>
+                      <a:prstDash val="solid"/>
+                    </a:lnBlToTr>
+                    <a:solidFill>
+                      <a:schemeClr val="accent1">
+                        <a:lumMod val="40000"/>
+                        <a:lumOff val="60000"/>
+                      </a:schemeClr>
+                    </a:solidFill>
+                  </a:tcPr>
+                </a:tc>
+                <a:tc>
+                  <a:txBody>
+                    <a:bodyPr/>
+                    <a:lstStyle>
+                      <a:lvl1pPr marL="0" algn="l" defTabSz="914400" rtl="0" eaLnBrk="1" latinLnBrk="0" hangingPunct="1">
+                        <a:defRPr sz="1800" kern="1200">
+                          <a:solidFill>
+                            <a:schemeClr val="dk1"/>
+                          </a:solidFill>
+                          <a:latin typeface="Segoe UI"/>
+                        </a:defRPr>
+                      </a:lvl1pPr>
+                      <a:lvl2pPr marL="457200" algn="l" defTabSz="914400" rtl="0" eaLnBrk="1" latinLnBrk="0" hangingPunct="1">
+                        <a:defRPr sz="1800" kern="1200">
+                          <a:solidFill>
+                            <a:schemeClr val="dk1"/>
+                          </a:solidFill>
+                          <a:latin typeface="Segoe UI"/>
+                        </a:defRPr>
+                      </a:lvl2pPr>
+                      <a:lvl3pPr marL="914400" algn="l" defTabSz="914400" rtl="0" eaLnBrk="1" latinLnBrk="0" hangingPunct="1">
+                        <a:defRPr sz="1800" kern="1200">
+                          <a:solidFill>
+                            <a:schemeClr val="dk1"/>
+                          </a:solidFill>
+                          <a:latin typeface="Segoe UI"/>
+                        </a:defRPr>
+                      </a:lvl3pPr>
+                      <a:lvl4pPr marL="1371600" algn="l" defTabSz="914400" rtl="0" eaLnBrk="1" latinLnBrk="0" hangingPunct="1">
+                        <a:defRPr sz="1800" kern="1200">
+                          <a:solidFill>
+                            <a:schemeClr val="dk1"/>
+                          </a:solidFill>
+                          <a:latin typeface="Segoe UI"/>
+                        </a:defRPr>
+                      </a:lvl4pPr>
+                      <a:lvl5pPr marL="1828800" algn="l" defTabSz="914400" rtl="0" eaLnBrk="1" latinLnBrk="0" hangingPunct="1">
+                        <a:defRPr sz="1800" kern="1200">
+                          <a:solidFill>
+                            <a:schemeClr val="dk1"/>
+                          </a:solidFill>
+                          <a:latin typeface="Segoe UI"/>
+                        </a:defRPr>
+                      </a:lvl5pPr>
+                      <a:lvl6pPr marL="2286000" algn="l" defTabSz="914400" rtl="0" eaLnBrk="1" latinLnBrk="0" hangingPunct="1">
+                        <a:defRPr sz="1800" kern="1200">
+                          <a:solidFill>
+                            <a:schemeClr val="dk1"/>
+                          </a:solidFill>
+                          <a:latin typeface="Segoe UI"/>
+                        </a:defRPr>
+                      </a:lvl6pPr>
+                      <a:lvl7pPr marL="2743200" algn="l" defTabSz="914400" rtl="0" eaLnBrk="1" latinLnBrk="0" hangingPunct="1">
+                        <a:defRPr sz="1800" kern="1200">
+                          <a:solidFill>
+                            <a:schemeClr val="dk1"/>
+                          </a:solidFill>
+                          <a:latin typeface="Segoe UI"/>
+                        </a:defRPr>
+                      </a:lvl7pPr>
+                      <a:lvl8pPr marL="3200400" algn="l" defTabSz="914400" rtl="0" eaLnBrk="1" latinLnBrk="0" hangingPunct="1">
+                        <a:defRPr sz="1800" kern="1200">
+                          <a:solidFill>
+                            <a:schemeClr val="dk1"/>
+                          </a:solidFill>
+                          <a:latin typeface="Segoe UI"/>
+                        </a:defRPr>
+                      </a:lvl8pPr>
+                      <a:lvl9pPr marL="3657600" algn="l" defTabSz="914400" rtl="0" eaLnBrk="1" latinLnBrk="0" hangingPunct="1">
+                        <a:defRPr sz="1800" kern="1200">
+                          <a:solidFill>
+                            <a:schemeClr val="dk1"/>
+                          </a:solidFill>
+                          <a:latin typeface="Segoe UI"/>
+                        </a:defRPr>
+                      </a:lvl9pPr>
+                    </a:lstStyle>
+                    <a:p>
+                      <a:pPr algn="ctr"/>
+                      <a:endParaRPr lang="en-US" sz="1600" dirty="0">
+                        <a:latin typeface="Arial" panose="020B0604020202020204" pitchFamily="34" charset="0"/>
+                        <a:cs typeface="Arial" panose="020B0604020202020204" pitchFamily="34" charset="0"/>
+                      </a:endParaRPr>
+                    </a:p>
+                  </a:txBody>
+                  <a:tcPr>
+                    <a:lnL w="12700" cmpd="sng">
+                      <a:solidFill>
+                        <a:sysClr val="window" lastClr="FFFFFF"/>
+                      </a:solidFill>
+                    </a:lnL>
+                    <a:lnR w="12700" cmpd="sng">
+                      <a:solidFill>
+                        <a:sysClr val="window" lastClr="FFFFFF"/>
+                      </a:solidFill>
+                    </a:lnR>
+                    <a:lnT w="38100" cmpd="sng">
+                      <a:solidFill>
+                        <a:sysClr val="window" lastClr="FFFFFF"/>
+                      </a:solidFill>
+                    </a:lnT>
+                    <a:lnB w="12700" cmpd="sng">
+                      <a:solidFill>
+                        <a:sysClr val="window" lastClr="FFFFFF"/>
+                      </a:solidFill>
+                    </a:lnB>
+                    <a:lnTlToBr w="12700" cmpd="sng">
+                      <a:noFill/>
+                      <a:prstDash val="solid"/>
+                    </a:lnTlToBr>
+                    <a:lnBlToTr w="12700" cmpd="sng">
+                      <a:noFill/>
+                      <a:prstDash val="solid"/>
+                    </a:lnBlToTr>
+                    <a:solidFill>
+                      <a:schemeClr val="accent1">
+                        <a:lumMod val="40000"/>
+                        <a:lumOff val="60000"/>
+                      </a:schemeClr>
+                    </a:solidFill>
+                  </a:tcPr>
+                </a:tc>
+                <a:extLst>
+                  <a:ext uri="{0D108BD9-81ED-4DB2-BD59-A6C34878D82A}">
+                    <a16:rowId xmlns:a16="http://schemas.microsoft.com/office/drawing/2014/main" val="361819280"/>
+                  </a:ext>
+                </a:extLst>
+              </a:tr>
+              <a:tr h="370840">
+                <a:tc>
+                  <a:txBody>
+                    <a:bodyPr/>
+                    <a:lstStyle>
+                      <a:lvl1pPr marL="0" algn="l" defTabSz="914400" rtl="0" eaLnBrk="1" latinLnBrk="0" hangingPunct="1">
+                        <a:defRPr sz="1800" b="1" kern="1200">
+                          <a:solidFill>
+                            <a:schemeClr val="lt1"/>
+                          </a:solidFill>
+                          <a:latin typeface="Segoe UI"/>
+                        </a:defRPr>
+                      </a:lvl1pPr>
+                      <a:lvl2pPr marL="457200" algn="l" defTabSz="914400" rtl="0" eaLnBrk="1" latinLnBrk="0" hangingPunct="1">
+                        <a:defRPr sz="1800" b="1" kern="1200">
+                          <a:solidFill>
+                            <a:schemeClr val="lt1"/>
+                          </a:solidFill>
+                          <a:latin typeface="Segoe UI"/>
+                        </a:defRPr>
+                      </a:lvl2pPr>
+                      <a:lvl3pPr marL="914400" algn="l" defTabSz="914400" rtl="0" eaLnBrk="1" latinLnBrk="0" hangingPunct="1">
+                        <a:defRPr sz="1800" b="1" kern="1200">
+                          <a:solidFill>
+                            <a:schemeClr val="lt1"/>
+                          </a:solidFill>
+                          <a:latin typeface="Segoe UI"/>
+                        </a:defRPr>
+                      </a:lvl3pPr>
+                      <a:lvl4pPr marL="1371600" algn="l" defTabSz="914400" rtl="0" eaLnBrk="1" latinLnBrk="0" hangingPunct="1">
+                        <a:defRPr sz="1800" b="1" kern="1200">
+                          <a:solidFill>
+                            <a:schemeClr val="lt1"/>
+                          </a:solidFill>
+                          <a:latin typeface="Segoe UI"/>
+                        </a:defRPr>
+                      </a:lvl4pPr>
+                      <a:lvl5pPr marL="1828800" algn="l" defTabSz="914400" rtl="0" eaLnBrk="1" latinLnBrk="0" hangingPunct="1">
+                        <a:defRPr sz="1800" b="1" kern="1200">
+                          <a:solidFill>
+                            <a:schemeClr val="lt1"/>
+                          </a:solidFill>
+                          <a:latin typeface="Segoe UI"/>
+                        </a:defRPr>
+                      </a:lvl5pPr>
+                      <a:lvl6pPr marL="2286000" algn="l" defTabSz="914400" rtl="0" eaLnBrk="1" latinLnBrk="0" hangingPunct="1">
+                        <a:defRPr sz="1800" b="1" kern="1200">
+                          <a:solidFill>
+                            <a:schemeClr val="lt1"/>
+                          </a:solidFill>
+                          <a:latin typeface="Segoe UI"/>
+                        </a:defRPr>
+                      </a:lvl6pPr>
+                      <a:lvl7pPr marL="2743200" algn="l" defTabSz="914400" rtl="0" eaLnBrk="1" latinLnBrk="0" hangingPunct="1">
+                        <a:defRPr sz="1800" b="1" kern="1200">
+                          <a:solidFill>
+                            <a:schemeClr val="lt1"/>
+                          </a:solidFill>
+                          <a:latin typeface="Segoe UI"/>
+                        </a:defRPr>
+                      </a:lvl7pPr>
+                      <a:lvl8pPr marL="3200400" algn="l" defTabSz="914400" rtl="0" eaLnBrk="1" latinLnBrk="0" hangingPunct="1">
+                        <a:defRPr sz="1800" b="1" kern="1200">
+                          <a:solidFill>
+                            <a:schemeClr val="lt1"/>
+                          </a:solidFill>
+                          <a:latin typeface="Segoe UI"/>
+                        </a:defRPr>
+                      </a:lvl8pPr>
+                      <a:lvl9pPr marL="3657600" algn="l" defTabSz="914400" rtl="0" eaLnBrk="1" latinLnBrk="0" hangingPunct="1">
+                        <a:defRPr sz="1800" b="1" kern="1200">
+                          <a:solidFill>
+                            <a:schemeClr val="lt1"/>
+                          </a:solidFill>
+                          <a:latin typeface="Segoe UI"/>
+                        </a:defRPr>
+                      </a:lvl9pPr>
+                    </a:lstStyle>
+                    <a:p>
+                      <a:pPr marL="0" marR="0" lvl="0" indent="0" algn="l" defTabSz="914400" rtl="0" eaLnBrk="1" fontAlgn="auto" latinLnBrk="0" hangingPunct="1">
+                        <a:lnSpc>
+                          <a:spcPct val="100000"/>
+                        </a:lnSpc>
+                        <a:spcBef>
+                          <a:spcPts val="0"/>
+                        </a:spcBef>
+                        <a:spcAft>
+                          <a:spcPts val="0"/>
+                        </a:spcAft>
+                        <a:buClrTx/>
+                        <a:buSzTx/>
+                        <a:buFontTx/>
+                        <a:buNone/>
+                        <a:tabLst/>
+                        <a:defRPr/>
+                      </a:pPr>
+                      <a:r>
+                        <a:rPr lang="en-US" sz="1600" dirty="0">
+                          <a:latin typeface="Arial" panose="020B0604020202020204" pitchFamily="34" charset="0"/>
+                          <a:cs typeface="Arial" panose="020B0604020202020204" pitchFamily="34" charset="0"/>
+                        </a:rPr>
+                        <a:t>SARS-CoV-2 (Wuhan)</a:t>
+                      </a:r>
+                      <a:endParaRPr lang="en-US" sz="1600" baseline="-25000" dirty="0">
+                        <a:latin typeface="Arial" panose="020B0604020202020204" pitchFamily="34" charset="0"/>
+                        <a:cs typeface="Arial" panose="020B0604020202020204" pitchFamily="34" charset="0"/>
+                      </a:endParaRPr>
+                    </a:p>
+                  </a:txBody>
+                  <a:tcPr>
+                    <a:lnL w="12700" cmpd="sng">
+                      <a:solidFill>
+                        <a:sysClr val="window" lastClr="FFFFFF"/>
+                      </a:solidFill>
+                    </a:lnL>
+                    <a:lnR w="12700" cmpd="sng">
+                      <a:solidFill>
+                        <a:sysClr val="window" lastClr="FFFFFF"/>
+                      </a:solidFill>
+                    </a:lnR>
+                    <a:lnT w="12700" cmpd="sng">
+                      <a:solidFill>
+                        <a:sysClr val="window" lastClr="FFFFFF"/>
+                      </a:solidFill>
+                    </a:lnT>
+                    <a:lnB w="12700" cmpd="sng">
+                      <a:solidFill>
+                        <a:sysClr val="window" lastClr="FFFFFF"/>
+                      </a:solidFill>
+                    </a:lnB>
+                    <a:lnTlToBr w="12700" cmpd="sng">
+                      <a:noFill/>
+                      <a:prstDash val="solid"/>
+                    </a:lnTlToBr>
+                    <a:lnBlToTr w="12700" cmpd="sng">
+                      <a:noFill/>
+                      <a:prstDash val="solid"/>
+                    </a:lnBlToTr>
+                    <a:solidFill>
+                      <a:schemeClr val="accent1">
+                        <a:lumMod val="50000"/>
+                      </a:schemeClr>
+                    </a:solidFill>
+                  </a:tcPr>
+                </a:tc>
+                <a:tc>
+                  <a:txBody>
+                    <a:bodyPr/>
+                    <a:lstStyle>
+                      <a:lvl1pPr marL="0" algn="l" defTabSz="914400" rtl="0" eaLnBrk="1" latinLnBrk="0" hangingPunct="1">
+                        <a:defRPr sz="1800" kern="1200">
+                          <a:solidFill>
+                            <a:schemeClr val="dk1"/>
+                          </a:solidFill>
+                          <a:latin typeface="Segoe UI"/>
+                        </a:defRPr>
+                      </a:lvl1pPr>
+                      <a:lvl2pPr marL="457200" algn="l" defTabSz="914400" rtl="0" eaLnBrk="1" latinLnBrk="0" hangingPunct="1">
+                        <a:defRPr sz="1800" kern="1200">
+                          <a:solidFill>
+                            <a:schemeClr val="dk1"/>
+                          </a:solidFill>
+                          <a:latin typeface="Segoe UI"/>
+                        </a:defRPr>
+                      </a:lvl2pPr>
+                      <a:lvl3pPr marL="914400" algn="l" defTabSz="914400" rtl="0" eaLnBrk="1" latinLnBrk="0" hangingPunct="1">
+                        <a:defRPr sz="1800" kern="1200">
+                          <a:solidFill>
+                            <a:schemeClr val="dk1"/>
+                          </a:solidFill>
+                          <a:latin typeface="Segoe UI"/>
+                        </a:defRPr>
+                      </a:lvl3pPr>
+                      <a:lvl4pPr marL="1371600" algn="l" defTabSz="914400" rtl="0" eaLnBrk="1" latinLnBrk="0" hangingPunct="1">
+                        <a:defRPr sz="1800" kern="1200">
+                          <a:solidFill>
+                            <a:schemeClr val="dk1"/>
+                          </a:solidFill>
+                          <a:latin typeface="Segoe UI"/>
+                        </a:defRPr>
+                      </a:lvl4pPr>
+                      <a:lvl5pPr marL="1828800" algn="l" defTabSz="914400" rtl="0" eaLnBrk="1" latinLnBrk="0" hangingPunct="1">
+                        <a:defRPr sz="1800" kern="1200">
+                          <a:solidFill>
+                            <a:schemeClr val="dk1"/>
+                          </a:solidFill>
+                          <a:latin typeface="Segoe UI"/>
+                        </a:defRPr>
+                      </a:lvl5pPr>
+                      <a:lvl6pPr marL="2286000" algn="l" defTabSz="914400" rtl="0" eaLnBrk="1" latinLnBrk="0" hangingPunct="1">
+                        <a:defRPr sz="1800" kern="1200">
+                          <a:solidFill>
+                            <a:schemeClr val="dk1"/>
+                          </a:solidFill>
+                          <a:latin typeface="Segoe UI"/>
+                        </a:defRPr>
+                      </a:lvl6pPr>
+                      <a:lvl7pPr marL="2743200" algn="l" defTabSz="914400" rtl="0" eaLnBrk="1" latinLnBrk="0" hangingPunct="1">
+                        <a:defRPr sz="1800" kern="1200">
+                          <a:solidFill>
+                            <a:schemeClr val="dk1"/>
+                          </a:solidFill>
+                          <a:latin typeface="Segoe UI"/>
+                        </a:defRPr>
+                      </a:lvl7pPr>
+                      <a:lvl8pPr marL="3200400" algn="l" defTabSz="914400" rtl="0" eaLnBrk="1" latinLnBrk="0" hangingPunct="1">
+                        <a:defRPr sz="1800" kern="1200">
+                          <a:solidFill>
+                            <a:schemeClr val="dk1"/>
+                          </a:solidFill>
+                          <a:latin typeface="Segoe UI"/>
+                        </a:defRPr>
+                      </a:lvl8pPr>
+                      <a:lvl9pPr marL="3657600" algn="l" defTabSz="914400" rtl="0" eaLnBrk="1" latinLnBrk="0" hangingPunct="1">
+                        <a:defRPr sz="1800" kern="1200">
+                          <a:solidFill>
+                            <a:schemeClr val="dk1"/>
+                          </a:solidFill>
+                          <a:latin typeface="Segoe UI"/>
+                        </a:defRPr>
+                      </a:lvl9pPr>
+                    </a:lstStyle>
+                    <a:p>
+                      <a:pPr algn="ctr"/>
+                      <a:endParaRPr lang="en-US" sz="1600" dirty="0">
+                        <a:latin typeface="Arial" panose="020B0604020202020204" pitchFamily="34" charset="0"/>
+                        <a:cs typeface="Arial" panose="020B0604020202020204" pitchFamily="34" charset="0"/>
+                      </a:endParaRPr>
+                    </a:p>
+                  </a:txBody>
+                  <a:tcPr>
+                    <a:lnL w="12700" cmpd="sng">
+                      <a:solidFill>
+                        <a:sysClr val="window" lastClr="FFFFFF"/>
+                      </a:solidFill>
+                    </a:lnL>
+                    <a:lnR w="12700" cmpd="sng">
+                      <a:solidFill>
+                        <a:sysClr val="window" lastClr="FFFFFF"/>
+                      </a:solidFill>
+                    </a:lnR>
+                    <a:lnT w="12700" cmpd="sng">
+                      <a:solidFill>
+                        <a:sysClr val="window" lastClr="FFFFFF"/>
+                      </a:solidFill>
+                    </a:lnT>
+                    <a:lnB w="12700" cmpd="sng">
+                      <a:solidFill>
+                        <a:sysClr val="window" lastClr="FFFFFF"/>
+                      </a:solidFill>
+                    </a:lnB>
+                    <a:lnTlToBr w="12700" cmpd="sng">
+                      <a:noFill/>
+                      <a:prstDash val="solid"/>
+                    </a:lnTlToBr>
+                    <a:lnBlToTr w="12700" cmpd="sng">
+                      <a:noFill/>
+                      <a:prstDash val="solid"/>
+                    </a:lnBlToTr>
+                    <a:solidFill>
+                      <a:schemeClr val="accent1">
+                        <a:lumMod val="20000"/>
+                        <a:lumOff val="80000"/>
+                      </a:schemeClr>
+                    </a:solidFill>
+                  </a:tcPr>
+                </a:tc>
+                <a:tc>
+                  <a:txBody>
+                    <a:bodyPr/>
+                    <a:lstStyle>
+                      <a:lvl1pPr marL="0" algn="l" defTabSz="914400" rtl="0" eaLnBrk="1" latinLnBrk="0" hangingPunct="1">
+                        <a:defRPr sz="1800" kern="1200">
+                          <a:solidFill>
+                            <a:schemeClr val="dk1"/>
+                          </a:solidFill>
+                          <a:latin typeface="Segoe UI"/>
+                        </a:defRPr>
+                      </a:lvl1pPr>
+                      <a:lvl2pPr marL="457200" algn="l" defTabSz="914400" rtl="0" eaLnBrk="1" latinLnBrk="0" hangingPunct="1">
+                        <a:defRPr sz="1800" kern="1200">
+                          <a:solidFill>
+                            <a:schemeClr val="dk1"/>
+                          </a:solidFill>
+                          <a:latin typeface="Segoe UI"/>
+                        </a:defRPr>
+                      </a:lvl2pPr>
+                      <a:lvl3pPr marL="914400" algn="l" defTabSz="914400" rtl="0" eaLnBrk="1" latinLnBrk="0" hangingPunct="1">
+                        <a:defRPr sz="1800" kern="1200">
+                          <a:solidFill>
+                            <a:schemeClr val="dk1"/>
+                          </a:solidFill>
+                          <a:latin typeface="Segoe UI"/>
+                        </a:defRPr>
+                      </a:lvl3pPr>
+                      <a:lvl4pPr marL="1371600" algn="l" defTabSz="914400" rtl="0" eaLnBrk="1" latinLnBrk="0" hangingPunct="1">
+                        <a:defRPr sz="1800" kern="1200">
+                          <a:solidFill>
+                            <a:schemeClr val="dk1"/>
+                          </a:solidFill>
+                          <a:latin typeface="Segoe UI"/>
+                        </a:defRPr>
+                      </a:lvl4pPr>
+                      <a:lvl5pPr marL="1828800" algn="l" defTabSz="914400" rtl="0" eaLnBrk="1" latinLnBrk="0" hangingPunct="1">
+                        <a:defRPr sz="1800" kern="1200">
+                          <a:solidFill>
+                            <a:schemeClr val="dk1"/>
+                          </a:solidFill>
+                          <a:latin typeface="Segoe UI"/>
+                        </a:defRPr>
+                      </a:lvl5pPr>
+                      <a:lvl6pPr marL="2286000" algn="l" defTabSz="914400" rtl="0" eaLnBrk="1" latinLnBrk="0" hangingPunct="1">
+                        <a:defRPr sz="1800" kern="1200">
+                          <a:solidFill>
+                            <a:schemeClr val="dk1"/>
+                          </a:solidFill>
+                          <a:latin typeface="Segoe UI"/>
+                        </a:defRPr>
+                      </a:lvl6pPr>
+                      <a:lvl7pPr marL="2743200" algn="l" defTabSz="914400" rtl="0" eaLnBrk="1" latinLnBrk="0" hangingPunct="1">
+                        <a:defRPr sz="1800" kern="1200">
+                          <a:solidFill>
+                            <a:schemeClr val="dk1"/>
+                          </a:solidFill>
+                          <a:latin typeface="Segoe UI"/>
+                        </a:defRPr>
+                      </a:lvl7pPr>
+                      <a:lvl8pPr marL="3200400" algn="l" defTabSz="914400" rtl="0" eaLnBrk="1" latinLnBrk="0" hangingPunct="1">
+                        <a:defRPr sz="1800" kern="1200">
+                          <a:solidFill>
+                            <a:schemeClr val="dk1"/>
+                          </a:solidFill>
+                          <a:latin typeface="Segoe UI"/>
+                        </a:defRPr>
+                      </a:lvl8pPr>
+                      <a:lvl9pPr marL="3657600" algn="l" defTabSz="914400" rtl="0" eaLnBrk="1" latinLnBrk="0" hangingPunct="1">
+                        <a:defRPr sz="1800" kern="1200">
+                          <a:solidFill>
+                            <a:schemeClr val="dk1"/>
+                          </a:solidFill>
+                          <a:latin typeface="Segoe UI"/>
+                        </a:defRPr>
+                      </a:lvl9pPr>
+                    </a:lstStyle>
+                    <a:p>
+                      <a:pPr algn="ctr"/>
+                      <a:endParaRPr lang="en-US" sz="1600" dirty="0">
+                        <a:latin typeface="Arial" panose="020B0604020202020204" pitchFamily="34" charset="0"/>
+                        <a:cs typeface="Arial" panose="020B0604020202020204" pitchFamily="34" charset="0"/>
+                      </a:endParaRPr>
+                    </a:p>
+                  </a:txBody>
+                  <a:tcPr>
+                    <a:lnL w="12700" cmpd="sng">
+                      <a:solidFill>
+                        <a:sysClr val="window" lastClr="FFFFFF"/>
+                      </a:solidFill>
+                    </a:lnL>
+                    <a:lnR w="12700" cmpd="sng">
+                      <a:solidFill>
+                        <a:sysClr val="window" lastClr="FFFFFF"/>
+                      </a:solidFill>
+                    </a:lnR>
+                    <a:lnT w="12700" cmpd="sng">
+                      <a:solidFill>
+                        <a:sysClr val="window" lastClr="FFFFFF"/>
+                      </a:solidFill>
+                    </a:lnT>
+                    <a:lnB w="12700" cmpd="sng">
+                      <a:solidFill>
+                        <a:sysClr val="window" lastClr="FFFFFF"/>
+                      </a:solidFill>
+                    </a:lnB>
+                    <a:lnTlToBr w="12700" cmpd="sng">
+                      <a:noFill/>
+                      <a:prstDash val="solid"/>
+                    </a:lnTlToBr>
+                    <a:lnBlToTr w="12700" cmpd="sng">
+                      <a:noFill/>
+                      <a:prstDash val="solid"/>
+                    </a:lnBlToTr>
+                    <a:solidFill>
+                      <a:schemeClr val="accent1">
+                        <a:lumMod val="20000"/>
+                        <a:lumOff val="80000"/>
+                      </a:schemeClr>
+                    </a:solidFill>
+                  </a:tcPr>
+                </a:tc>
+                <a:tc>
+                  <a:txBody>
+                    <a:bodyPr/>
+                    <a:lstStyle>
+                      <a:lvl1pPr marL="0" algn="l" defTabSz="914400" rtl="0" eaLnBrk="1" latinLnBrk="0" hangingPunct="1">
+                        <a:defRPr sz="1800" kern="1200">
+                          <a:solidFill>
+                            <a:schemeClr val="dk1"/>
+                          </a:solidFill>
+                          <a:latin typeface="Segoe UI"/>
+                        </a:defRPr>
+                      </a:lvl1pPr>
+                      <a:lvl2pPr marL="457200" algn="l" defTabSz="914400" rtl="0" eaLnBrk="1" latinLnBrk="0" hangingPunct="1">
+                        <a:defRPr sz="1800" kern="1200">
+                          <a:solidFill>
+                            <a:schemeClr val="dk1"/>
+                          </a:solidFill>
+                          <a:latin typeface="Segoe UI"/>
+                        </a:defRPr>
+                      </a:lvl2pPr>
+                      <a:lvl3pPr marL="914400" algn="l" defTabSz="914400" rtl="0" eaLnBrk="1" latinLnBrk="0" hangingPunct="1">
+                        <a:defRPr sz="1800" kern="1200">
+                          <a:solidFill>
+                            <a:schemeClr val="dk1"/>
+                          </a:solidFill>
+                          <a:latin typeface="Segoe UI"/>
+                        </a:defRPr>
+                      </a:lvl3pPr>
+                      <a:lvl4pPr marL="1371600" algn="l" defTabSz="914400" rtl="0" eaLnBrk="1" latinLnBrk="0" hangingPunct="1">
+                        <a:defRPr sz="1800" kern="1200">
+                          <a:solidFill>
+                            <a:schemeClr val="dk1"/>
+                          </a:solidFill>
+                          <a:latin typeface="Segoe UI"/>
+                        </a:defRPr>
+                      </a:lvl4pPr>
+                      <a:lvl5pPr marL="1828800" algn="l" defTabSz="914400" rtl="0" eaLnBrk="1" latinLnBrk="0" hangingPunct="1">
+                        <a:defRPr sz="1800" kern="1200">
+                          <a:solidFill>
+                            <a:schemeClr val="dk1"/>
+                          </a:solidFill>
+                          <a:latin typeface="Segoe UI"/>
+                        </a:defRPr>
+                      </a:lvl5pPr>
+                      <a:lvl6pPr marL="2286000" algn="l" defTabSz="914400" rtl="0" eaLnBrk="1" latinLnBrk="0" hangingPunct="1">
+                        <a:defRPr sz="1800" kern="1200">
+                          <a:solidFill>
+                            <a:schemeClr val="dk1"/>
+                          </a:solidFill>
+                          <a:latin typeface="Segoe UI"/>
+                        </a:defRPr>
+                      </a:lvl6pPr>
+                      <a:lvl7pPr marL="2743200" algn="l" defTabSz="914400" rtl="0" eaLnBrk="1" latinLnBrk="0" hangingPunct="1">
+                        <a:defRPr sz="1800" kern="1200">
+                          <a:solidFill>
+                            <a:schemeClr val="dk1"/>
+                          </a:solidFill>
+                          <a:latin typeface="Segoe UI"/>
+                        </a:defRPr>
+                      </a:lvl7pPr>
+                      <a:lvl8pPr marL="3200400" algn="l" defTabSz="914400" rtl="0" eaLnBrk="1" latinLnBrk="0" hangingPunct="1">
+                        <a:defRPr sz="1800" kern="1200">
+                          <a:solidFill>
+                            <a:schemeClr val="dk1"/>
+                          </a:solidFill>
+                          <a:latin typeface="Segoe UI"/>
+                        </a:defRPr>
+                      </a:lvl8pPr>
+                      <a:lvl9pPr marL="3657600" algn="l" defTabSz="914400" rtl="0" eaLnBrk="1" latinLnBrk="0" hangingPunct="1">
+                        <a:defRPr sz="1800" kern="1200">
+                          <a:solidFill>
+                            <a:schemeClr val="dk1"/>
+                          </a:solidFill>
+                          <a:latin typeface="Segoe UI"/>
+                        </a:defRPr>
+                      </a:lvl9pPr>
+                    </a:lstStyle>
+                    <a:p>
+                      <a:pPr algn="ctr"/>
+                      <a:endParaRPr lang="en-US" sz="1600" dirty="0">
+                        <a:latin typeface="Arial" panose="020B0604020202020204" pitchFamily="34" charset="0"/>
+                        <a:cs typeface="Arial" panose="020B0604020202020204" pitchFamily="34" charset="0"/>
+                      </a:endParaRPr>
+                    </a:p>
+                  </a:txBody>
+                  <a:tcPr>
+                    <a:lnL w="12700" cmpd="sng">
+                      <a:solidFill>
+                        <a:sysClr val="window" lastClr="FFFFFF"/>
+                      </a:solidFill>
+                    </a:lnL>
+                    <a:lnR w="12700" cmpd="sng">
+                      <a:solidFill>
+                        <a:sysClr val="window" lastClr="FFFFFF"/>
+                      </a:solidFill>
+                    </a:lnR>
+                    <a:lnT w="12700" cmpd="sng">
+                      <a:solidFill>
+                        <a:sysClr val="window" lastClr="FFFFFF"/>
+                      </a:solidFill>
+                    </a:lnT>
+                    <a:lnB w="12700" cmpd="sng">
+                      <a:solidFill>
+                        <a:sysClr val="window" lastClr="FFFFFF"/>
+                      </a:solidFill>
+                    </a:lnB>
+                    <a:lnTlToBr w="12700" cmpd="sng">
+                      <a:noFill/>
+                      <a:prstDash val="solid"/>
+                    </a:lnTlToBr>
+                    <a:lnBlToTr w="12700" cmpd="sng">
+                      <a:noFill/>
+                      <a:prstDash val="solid"/>
+                    </a:lnBlToTr>
+                    <a:solidFill>
+                      <a:schemeClr val="accent1">
+                        <a:lumMod val="20000"/>
+                        <a:lumOff val="80000"/>
+                      </a:schemeClr>
+                    </a:solidFill>
+                  </a:tcPr>
+                </a:tc>
+                <a:extLst>
+                  <a:ext uri="{0D108BD9-81ED-4DB2-BD59-A6C34878D82A}">
+                    <a16:rowId xmlns:a16="http://schemas.microsoft.com/office/drawing/2014/main" val="2500643595"/>
+                  </a:ext>
+                </a:extLst>
+              </a:tr>
+              <a:tr h="370840">
+                <a:tc>
+                  <a:txBody>
+                    <a:bodyPr/>
+                    <a:lstStyle>
+                      <a:lvl1pPr marL="0" algn="l" defTabSz="914400" rtl="0" eaLnBrk="1" latinLnBrk="0" hangingPunct="1">
+                        <a:defRPr sz="1800" b="1" kern="1200">
+                          <a:solidFill>
+                            <a:schemeClr val="lt1"/>
+                          </a:solidFill>
+                          <a:latin typeface="Segoe UI"/>
+                        </a:defRPr>
+                      </a:lvl1pPr>
+                      <a:lvl2pPr marL="457200" algn="l" defTabSz="914400" rtl="0" eaLnBrk="1" latinLnBrk="0" hangingPunct="1">
+                        <a:defRPr sz="1800" b="1" kern="1200">
+                          <a:solidFill>
+                            <a:schemeClr val="lt1"/>
+                          </a:solidFill>
+                          <a:latin typeface="Segoe UI"/>
+                        </a:defRPr>
+                      </a:lvl2pPr>
+                      <a:lvl3pPr marL="914400" algn="l" defTabSz="914400" rtl="0" eaLnBrk="1" latinLnBrk="0" hangingPunct="1">
+                        <a:defRPr sz="1800" b="1" kern="1200">
+                          <a:solidFill>
+                            <a:schemeClr val="lt1"/>
+                          </a:solidFill>
+                          <a:latin typeface="Segoe UI"/>
+                        </a:defRPr>
+                      </a:lvl3pPr>
+                      <a:lvl4pPr marL="1371600" algn="l" defTabSz="914400" rtl="0" eaLnBrk="1" latinLnBrk="0" hangingPunct="1">
+                        <a:defRPr sz="1800" b="1" kern="1200">
+                          <a:solidFill>
+                            <a:schemeClr val="lt1"/>
+                          </a:solidFill>
+                          <a:latin typeface="Segoe UI"/>
+                        </a:defRPr>
+                      </a:lvl4pPr>
+                      <a:lvl5pPr marL="1828800" algn="l" defTabSz="914400" rtl="0" eaLnBrk="1" latinLnBrk="0" hangingPunct="1">
+                        <a:defRPr sz="1800" b="1" kern="1200">
+                          <a:solidFill>
+                            <a:schemeClr val="lt1"/>
+                          </a:solidFill>
+                          <a:latin typeface="Segoe UI"/>
+                        </a:defRPr>
+                      </a:lvl5pPr>
+                      <a:lvl6pPr marL="2286000" algn="l" defTabSz="914400" rtl="0" eaLnBrk="1" latinLnBrk="0" hangingPunct="1">
+                        <a:defRPr sz="1800" b="1" kern="1200">
+                          <a:solidFill>
+                            <a:schemeClr val="lt1"/>
+                          </a:solidFill>
+                          <a:latin typeface="Segoe UI"/>
+                        </a:defRPr>
+                      </a:lvl6pPr>
+                      <a:lvl7pPr marL="2743200" algn="l" defTabSz="914400" rtl="0" eaLnBrk="1" latinLnBrk="0" hangingPunct="1">
+                        <a:defRPr sz="1800" b="1" kern="1200">
+                          <a:solidFill>
+                            <a:schemeClr val="lt1"/>
+                          </a:solidFill>
+                          <a:latin typeface="Segoe UI"/>
+                        </a:defRPr>
+                      </a:lvl7pPr>
+                      <a:lvl8pPr marL="3200400" algn="l" defTabSz="914400" rtl="0" eaLnBrk="1" latinLnBrk="0" hangingPunct="1">
+                        <a:defRPr sz="1800" b="1" kern="1200">
+                          <a:solidFill>
+                            <a:schemeClr val="lt1"/>
+                          </a:solidFill>
+                          <a:latin typeface="Segoe UI"/>
+                        </a:defRPr>
+                      </a:lvl8pPr>
+                      <a:lvl9pPr marL="3657600" algn="l" defTabSz="914400" rtl="0" eaLnBrk="1" latinLnBrk="0" hangingPunct="1">
+                        <a:defRPr sz="1800" b="1" kern="1200">
+                          <a:solidFill>
+                            <a:schemeClr val="lt1"/>
+                          </a:solidFill>
+                          <a:latin typeface="Segoe UI"/>
+                        </a:defRPr>
+                      </a:lvl9pPr>
+                    </a:lstStyle>
+                    <a:p>
+                      <a:pPr algn="l"/>
+                      <a:r>
+                        <a:rPr lang="en-US" sz="1600" dirty="0">
+                          <a:latin typeface="Arial" panose="020B0604020202020204" pitchFamily="34" charset="0"/>
+                          <a:cs typeface="Arial" panose="020B0604020202020204" pitchFamily="34" charset="0"/>
+                        </a:rPr>
+                        <a:t>…</a:t>
+                      </a:r>
+                    </a:p>
+                  </a:txBody>
+                  <a:tcPr>
+                    <a:lnL w="12700" cmpd="sng">
+                      <a:solidFill>
+                        <a:sysClr val="window" lastClr="FFFFFF"/>
+                      </a:solidFill>
+                    </a:lnL>
+                    <a:lnR w="12700" cmpd="sng">
+                      <a:solidFill>
+                        <a:sysClr val="window" lastClr="FFFFFF"/>
+                      </a:solidFill>
+                    </a:lnR>
+                    <a:lnT w="12700" cmpd="sng">
+                      <a:solidFill>
+                        <a:sysClr val="window" lastClr="FFFFFF"/>
+                      </a:solidFill>
+                    </a:lnT>
+                    <a:lnB w="12700" cmpd="sng">
+                      <a:solidFill>
+                        <a:sysClr val="window" lastClr="FFFFFF"/>
+                      </a:solidFill>
+                    </a:lnB>
+                    <a:lnTlToBr w="12700" cmpd="sng">
+                      <a:noFill/>
+                      <a:prstDash val="solid"/>
+                    </a:lnTlToBr>
+                    <a:lnBlToTr w="12700" cmpd="sng">
+                      <a:noFill/>
+                      <a:prstDash val="solid"/>
+                    </a:lnBlToTr>
+                    <a:solidFill>
+                      <a:schemeClr val="accent1">
+                        <a:lumMod val="50000"/>
+                      </a:schemeClr>
+                    </a:solidFill>
+                  </a:tcPr>
+                </a:tc>
+                <a:tc>
+                  <a:txBody>
+                    <a:bodyPr/>
+                    <a:lstStyle>
+                      <a:lvl1pPr marL="0" algn="l" defTabSz="914400" rtl="0" eaLnBrk="1" latinLnBrk="0" hangingPunct="1">
+                        <a:defRPr sz="1800" kern="1200">
+                          <a:solidFill>
+                            <a:schemeClr val="dk1"/>
+                          </a:solidFill>
+                          <a:latin typeface="Segoe UI"/>
+                        </a:defRPr>
+                      </a:lvl1pPr>
+                      <a:lvl2pPr marL="457200" algn="l" defTabSz="914400" rtl="0" eaLnBrk="1" latinLnBrk="0" hangingPunct="1">
+                        <a:defRPr sz="1800" kern="1200">
+                          <a:solidFill>
+                            <a:schemeClr val="dk1"/>
+                          </a:solidFill>
+                          <a:latin typeface="Segoe UI"/>
+                        </a:defRPr>
+                      </a:lvl2pPr>
+                      <a:lvl3pPr marL="914400" algn="l" defTabSz="914400" rtl="0" eaLnBrk="1" latinLnBrk="0" hangingPunct="1">
+                        <a:defRPr sz="1800" kern="1200">
+                          <a:solidFill>
+                            <a:schemeClr val="dk1"/>
+                          </a:solidFill>
+                          <a:latin typeface="Segoe UI"/>
+                        </a:defRPr>
+                      </a:lvl3pPr>
+                      <a:lvl4pPr marL="1371600" algn="l" defTabSz="914400" rtl="0" eaLnBrk="1" latinLnBrk="0" hangingPunct="1">
+                        <a:defRPr sz="1800" kern="1200">
+                          <a:solidFill>
+                            <a:schemeClr val="dk1"/>
+                          </a:solidFill>
+                          <a:latin typeface="Segoe UI"/>
+                        </a:defRPr>
+                      </a:lvl4pPr>
+                      <a:lvl5pPr marL="1828800" algn="l" defTabSz="914400" rtl="0" eaLnBrk="1" latinLnBrk="0" hangingPunct="1">
+                        <a:defRPr sz="1800" kern="1200">
+                          <a:solidFill>
+                            <a:schemeClr val="dk1"/>
+                          </a:solidFill>
+                          <a:latin typeface="Segoe UI"/>
+                        </a:defRPr>
+                      </a:lvl5pPr>
+                      <a:lvl6pPr marL="2286000" algn="l" defTabSz="914400" rtl="0" eaLnBrk="1" latinLnBrk="0" hangingPunct="1">
+                        <a:defRPr sz="1800" kern="1200">
+                          <a:solidFill>
+                            <a:schemeClr val="dk1"/>
+                          </a:solidFill>
+                          <a:latin typeface="Segoe UI"/>
+                        </a:defRPr>
+                      </a:lvl6pPr>
+                      <a:lvl7pPr marL="2743200" algn="l" defTabSz="914400" rtl="0" eaLnBrk="1" latinLnBrk="0" hangingPunct="1">
+                        <a:defRPr sz="1800" kern="1200">
+                          <a:solidFill>
+                            <a:schemeClr val="dk1"/>
+                          </a:solidFill>
+                          <a:latin typeface="Segoe UI"/>
+                        </a:defRPr>
+                      </a:lvl7pPr>
+                      <a:lvl8pPr marL="3200400" algn="l" defTabSz="914400" rtl="0" eaLnBrk="1" latinLnBrk="0" hangingPunct="1">
+                        <a:defRPr sz="1800" kern="1200">
+                          <a:solidFill>
+                            <a:schemeClr val="dk1"/>
+                          </a:solidFill>
+                          <a:latin typeface="Segoe UI"/>
+                        </a:defRPr>
+                      </a:lvl8pPr>
+                      <a:lvl9pPr marL="3657600" algn="l" defTabSz="914400" rtl="0" eaLnBrk="1" latinLnBrk="0" hangingPunct="1">
+                        <a:defRPr sz="1800" kern="1200">
+                          <a:solidFill>
+                            <a:schemeClr val="dk1"/>
+                          </a:solidFill>
+                          <a:latin typeface="Segoe UI"/>
+                        </a:defRPr>
+                      </a:lvl9pPr>
+                    </a:lstStyle>
+                    <a:p>
+                      <a:pPr algn="ctr"/>
+                      <a:endParaRPr lang="en-US" sz="1600" dirty="0">
+                        <a:latin typeface="Arial" panose="020B0604020202020204" pitchFamily="34" charset="0"/>
+                        <a:cs typeface="Arial" panose="020B0604020202020204" pitchFamily="34" charset="0"/>
+                      </a:endParaRPr>
+                    </a:p>
+                  </a:txBody>
+                  <a:tcPr>
+                    <a:lnL w="12700" cmpd="sng">
+                      <a:solidFill>
+                        <a:sysClr val="window" lastClr="FFFFFF"/>
+                      </a:solidFill>
+                    </a:lnL>
+                    <a:lnR w="12700" cmpd="sng">
+                      <a:solidFill>
+                        <a:sysClr val="window" lastClr="FFFFFF"/>
+                      </a:solidFill>
+                    </a:lnR>
+                    <a:lnT w="12700" cmpd="sng">
+                      <a:solidFill>
+                        <a:sysClr val="window" lastClr="FFFFFF"/>
+                      </a:solidFill>
+                    </a:lnT>
+                    <a:lnB w="12700" cmpd="sng">
+                      <a:solidFill>
+                        <a:sysClr val="window" lastClr="FFFFFF"/>
+                      </a:solidFill>
+                    </a:lnB>
+                    <a:lnTlToBr w="12700" cmpd="sng">
+                      <a:noFill/>
+                      <a:prstDash val="solid"/>
+                    </a:lnTlToBr>
+                    <a:lnBlToTr w="12700" cmpd="sng">
+                      <a:noFill/>
+                      <a:prstDash val="solid"/>
+                    </a:lnBlToTr>
+                    <a:solidFill>
+                      <a:schemeClr val="accent1">
+                        <a:lumMod val="40000"/>
+                        <a:lumOff val="60000"/>
+                      </a:schemeClr>
+                    </a:solidFill>
+                  </a:tcPr>
+                </a:tc>
+                <a:tc>
+                  <a:txBody>
+                    <a:bodyPr/>
+                    <a:lstStyle>
+                      <a:lvl1pPr marL="0" algn="l" defTabSz="914400" rtl="0" eaLnBrk="1" latinLnBrk="0" hangingPunct="1">
+                        <a:defRPr sz="1800" kern="1200">
+                          <a:solidFill>
+                            <a:schemeClr val="dk1"/>
+                          </a:solidFill>
+                          <a:latin typeface="Segoe UI"/>
+                        </a:defRPr>
+                      </a:lvl1pPr>
+                      <a:lvl2pPr marL="457200" algn="l" defTabSz="914400" rtl="0" eaLnBrk="1" latinLnBrk="0" hangingPunct="1">
+                        <a:defRPr sz="1800" kern="1200">
+                          <a:solidFill>
+                            <a:schemeClr val="dk1"/>
+                          </a:solidFill>
+                          <a:latin typeface="Segoe UI"/>
+                        </a:defRPr>
+                      </a:lvl2pPr>
+                      <a:lvl3pPr marL="914400" algn="l" defTabSz="914400" rtl="0" eaLnBrk="1" latinLnBrk="0" hangingPunct="1">
+                        <a:defRPr sz="1800" kern="1200">
+                          <a:solidFill>
+                            <a:schemeClr val="dk1"/>
+                          </a:solidFill>
+                          <a:latin typeface="Segoe UI"/>
+                        </a:defRPr>
+                      </a:lvl3pPr>
+                      <a:lvl4pPr marL="1371600" algn="l" defTabSz="914400" rtl="0" eaLnBrk="1" latinLnBrk="0" hangingPunct="1">
+                        <a:defRPr sz="1800" kern="1200">
+                          <a:solidFill>
+                            <a:schemeClr val="dk1"/>
+                          </a:solidFill>
+                          <a:latin typeface="Segoe UI"/>
+                        </a:defRPr>
+                      </a:lvl4pPr>
+                      <a:lvl5pPr marL="1828800" algn="l" defTabSz="914400" rtl="0" eaLnBrk="1" latinLnBrk="0" hangingPunct="1">
+                        <a:defRPr sz="1800" kern="1200">
+                          <a:solidFill>
+                            <a:schemeClr val="dk1"/>
+                          </a:solidFill>
+                          <a:latin typeface="Segoe UI"/>
+                        </a:defRPr>
+                      </a:lvl5pPr>
+                      <a:lvl6pPr marL="2286000" algn="l" defTabSz="914400" rtl="0" eaLnBrk="1" latinLnBrk="0" hangingPunct="1">
+                        <a:defRPr sz="1800" kern="1200">
+                          <a:solidFill>
+                            <a:schemeClr val="dk1"/>
+                          </a:solidFill>
+                          <a:latin typeface="Segoe UI"/>
+                        </a:defRPr>
+                      </a:lvl6pPr>
+                      <a:lvl7pPr marL="2743200" algn="l" defTabSz="914400" rtl="0" eaLnBrk="1" latinLnBrk="0" hangingPunct="1">
+                        <a:defRPr sz="1800" kern="1200">
+                          <a:solidFill>
+                            <a:schemeClr val="dk1"/>
+                          </a:solidFill>
+                          <a:latin typeface="Segoe UI"/>
+                        </a:defRPr>
+                      </a:lvl7pPr>
+                      <a:lvl8pPr marL="3200400" algn="l" defTabSz="914400" rtl="0" eaLnBrk="1" latinLnBrk="0" hangingPunct="1">
+                        <a:defRPr sz="1800" kern="1200">
+                          <a:solidFill>
+                            <a:schemeClr val="dk1"/>
+                          </a:solidFill>
+                          <a:latin typeface="Segoe UI"/>
+                        </a:defRPr>
+                      </a:lvl8pPr>
+                      <a:lvl9pPr marL="3657600" algn="l" defTabSz="914400" rtl="0" eaLnBrk="1" latinLnBrk="0" hangingPunct="1">
+                        <a:defRPr sz="1800" kern="1200">
+                          <a:solidFill>
+                            <a:schemeClr val="dk1"/>
+                          </a:solidFill>
+                          <a:latin typeface="Segoe UI"/>
+                        </a:defRPr>
+                      </a:lvl9pPr>
+                    </a:lstStyle>
+                    <a:p>
+                      <a:pPr algn="ctr"/>
+                      <a:endParaRPr lang="en-US" sz="1600" dirty="0">
+                        <a:latin typeface="Arial" panose="020B0604020202020204" pitchFamily="34" charset="0"/>
+                        <a:cs typeface="Arial" panose="020B0604020202020204" pitchFamily="34" charset="0"/>
+                      </a:endParaRPr>
+                    </a:p>
+                  </a:txBody>
+                  <a:tcPr>
+                    <a:lnL w="12700" cmpd="sng">
+                      <a:solidFill>
+                        <a:sysClr val="window" lastClr="FFFFFF"/>
+                      </a:solidFill>
+                    </a:lnL>
+                    <a:lnR w="12700" cmpd="sng">
+                      <a:solidFill>
+                        <a:sysClr val="window" lastClr="FFFFFF"/>
+                      </a:solidFill>
+                    </a:lnR>
+                    <a:lnT w="12700" cmpd="sng">
+                      <a:solidFill>
+                        <a:sysClr val="window" lastClr="FFFFFF"/>
+                      </a:solidFill>
+                    </a:lnT>
+                    <a:lnB w="12700" cmpd="sng">
+                      <a:solidFill>
+                        <a:sysClr val="window" lastClr="FFFFFF"/>
+                      </a:solidFill>
+                    </a:lnB>
+                    <a:lnTlToBr w="12700" cmpd="sng">
+                      <a:noFill/>
+                      <a:prstDash val="solid"/>
+                    </a:lnTlToBr>
+                    <a:lnBlToTr w="12700" cmpd="sng">
+                      <a:noFill/>
+                      <a:prstDash val="solid"/>
+                    </a:lnBlToTr>
+                    <a:solidFill>
+                      <a:schemeClr val="accent1">
+                        <a:lumMod val="40000"/>
+                        <a:lumOff val="60000"/>
+                      </a:schemeClr>
+                    </a:solidFill>
+                  </a:tcPr>
+                </a:tc>
+                <a:tc>
+                  <a:txBody>
+                    <a:bodyPr/>
+                    <a:lstStyle>
+                      <a:lvl1pPr marL="0" algn="l" defTabSz="914400" rtl="0" eaLnBrk="1" latinLnBrk="0" hangingPunct="1">
+                        <a:defRPr sz="1800" kern="1200">
+                          <a:solidFill>
+                            <a:schemeClr val="dk1"/>
+                          </a:solidFill>
+                          <a:latin typeface="Segoe UI"/>
+                        </a:defRPr>
+                      </a:lvl1pPr>
+                      <a:lvl2pPr marL="457200" algn="l" defTabSz="914400" rtl="0" eaLnBrk="1" latinLnBrk="0" hangingPunct="1">
+                        <a:defRPr sz="1800" kern="1200">
+                          <a:solidFill>
+                            <a:schemeClr val="dk1"/>
+                          </a:solidFill>
+                          <a:latin typeface="Segoe UI"/>
+                        </a:defRPr>
+                      </a:lvl2pPr>
+                      <a:lvl3pPr marL="914400" algn="l" defTabSz="914400" rtl="0" eaLnBrk="1" latinLnBrk="0" hangingPunct="1">
+                        <a:defRPr sz="1800" kern="1200">
+                          <a:solidFill>
+                            <a:schemeClr val="dk1"/>
+                          </a:solidFill>
+                          <a:latin typeface="Segoe UI"/>
+                        </a:defRPr>
+                      </a:lvl3pPr>
+                      <a:lvl4pPr marL="1371600" algn="l" defTabSz="914400" rtl="0" eaLnBrk="1" latinLnBrk="0" hangingPunct="1">
+                        <a:defRPr sz="1800" kern="1200">
+                          <a:solidFill>
+                            <a:schemeClr val="dk1"/>
+                          </a:solidFill>
+                          <a:latin typeface="Segoe UI"/>
+                        </a:defRPr>
+                      </a:lvl4pPr>
+                      <a:lvl5pPr marL="1828800" algn="l" defTabSz="914400" rtl="0" eaLnBrk="1" latinLnBrk="0" hangingPunct="1">
+                        <a:defRPr sz="1800" kern="1200">
+                          <a:solidFill>
+                            <a:schemeClr val="dk1"/>
+                          </a:solidFill>
+                          <a:latin typeface="Segoe UI"/>
+                        </a:defRPr>
+                      </a:lvl5pPr>
+                      <a:lvl6pPr marL="2286000" algn="l" defTabSz="914400" rtl="0" eaLnBrk="1" latinLnBrk="0" hangingPunct="1">
+                        <a:defRPr sz="1800" kern="1200">
+                          <a:solidFill>
+                            <a:schemeClr val="dk1"/>
+                          </a:solidFill>
+                          <a:latin typeface="Segoe UI"/>
+                        </a:defRPr>
+                      </a:lvl6pPr>
+                      <a:lvl7pPr marL="2743200" algn="l" defTabSz="914400" rtl="0" eaLnBrk="1" latinLnBrk="0" hangingPunct="1">
+                        <a:defRPr sz="1800" kern="1200">
+                          <a:solidFill>
+                            <a:schemeClr val="dk1"/>
+                          </a:solidFill>
+                          <a:latin typeface="Segoe UI"/>
+                        </a:defRPr>
+                      </a:lvl7pPr>
+                      <a:lvl8pPr marL="3200400" algn="l" defTabSz="914400" rtl="0" eaLnBrk="1" latinLnBrk="0" hangingPunct="1">
+                        <a:defRPr sz="1800" kern="1200">
+                          <a:solidFill>
+                            <a:schemeClr val="dk1"/>
+                          </a:solidFill>
+                          <a:latin typeface="Segoe UI"/>
+                        </a:defRPr>
+                      </a:lvl8pPr>
+                      <a:lvl9pPr marL="3657600" algn="l" defTabSz="914400" rtl="0" eaLnBrk="1" latinLnBrk="0" hangingPunct="1">
+                        <a:defRPr sz="1800" kern="1200">
+                          <a:solidFill>
+                            <a:schemeClr val="dk1"/>
+                          </a:solidFill>
+                          <a:latin typeface="Segoe UI"/>
+                        </a:defRPr>
+                      </a:lvl9pPr>
+                    </a:lstStyle>
+                    <a:p>
+                      <a:pPr algn="ctr"/>
+                      <a:endParaRPr lang="en-US" sz="1600" dirty="0">
+                        <a:latin typeface="Arial" panose="020B0604020202020204" pitchFamily="34" charset="0"/>
+                        <a:cs typeface="Arial" panose="020B0604020202020204" pitchFamily="34" charset="0"/>
+                      </a:endParaRPr>
+                    </a:p>
+                  </a:txBody>
+                  <a:tcPr>
+                    <a:lnL w="12700" cmpd="sng">
+                      <a:solidFill>
+                        <a:sysClr val="window" lastClr="FFFFFF"/>
+                      </a:solidFill>
+                    </a:lnL>
+                    <a:lnR w="12700" cmpd="sng">
+                      <a:solidFill>
+                        <a:sysClr val="window" lastClr="FFFFFF"/>
+                      </a:solidFill>
+                    </a:lnR>
+                    <a:lnT w="12700" cmpd="sng">
+                      <a:solidFill>
+                        <a:sysClr val="window" lastClr="FFFFFF"/>
+                      </a:solidFill>
+                    </a:lnT>
+                    <a:lnB w="12700" cmpd="sng">
+                      <a:solidFill>
+                        <a:sysClr val="window" lastClr="FFFFFF"/>
+                      </a:solidFill>
+                    </a:lnB>
+                    <a:lnTlToBr w="12700" cmpd="sng">
+                      <a:noFill/>
+                      <a:prstDash val="solid"/>
+                    </a:lnTlToBr>
+                    <a:lnBlToTr w="12700" cmpd="sng">
+                      <a:noFill/>
+                      <a:prstDash val="solid"/>
+                    </a:lnBlToTr>
+                    <a:solidFill>
+                      <a:schemeClr val="accent1">
+                        <a:lumMod val="40000"/>
+                        <a:lumOff val="60000"/>
+                      </a:schemeClr>
+                    </a:solidFill>
+                  </a:tcPr>
+                </a:tc>
+                <a:extLst>
+                  <a:ext uri="{0D108BD9-81ED-4DB2-BD59-A6C34878D82A}">
+                    <a16:rowId xmlns:a16="http://schemas.microsoft.com/office/drawing/2014/main" val="3534683378"/>
+                  </a:ext>
+                </a:extLst>
+              </a:tr>
+              <a:tr h="370840">
+                <a:tc>
+                  <a:txBody>
+                    <a:bodyPr/>
+                    <a:lstStyle>
+                      <a:lvl1pPr marL="0" algn="l" defTabSz="914400" rtl="0" eaLnBrk="1" latinLnBrk="0" hangingPunct="1">
+                        <a:defRPr sz="1800" b="1" kern="1200">
+                          <a:solidFill>
+                            <a:schemeClr val="lt1"/>
+                          </a:solidFill>
+                          <a:latin typeface="Segoe UI"/>
+                        </a:defRPr>
+                      </a:lvl1pPr>
+                      <a:lvl2pPr marL="457200" algn="l" defTabSz="914400" rtl="0" eaLnBrk="1" latinLnBrk="0" hangingPunct="1">
+                        <a:defRPr sz="1800" b="1" kern="1200">
+                          <a:solidFill>
+                            <a:schemeClr val="lt1"/>
+                          </a:solidFill>
+                          <a:latin typeface="Segoe UI"/>
+                        </a:defRPr>
+                      </a:lvl2pPr>
+                      <a:lvl3pPr marL="914400" algn="l" defTabSz="914400" rtl="0" eaLnBrk="1" latinLnBrk="0" hangingPunct="1">
+                        <a:defRPr sz="1800" b="1" kern="1200">
+                          <a:solidFill>
+                            <a:schemeClr val="lt1"/>
+                          </a:solidFill>
+                          <a:latin typeface="Segoe UI"/>
+                        </a:defRPr>
+                      </a:lvl3pPr>
+                      <a:lvl4pPr marL="1371600" algn="l" defTabSz="914400" rtl="0" eaLnBrk="1" latinLnBrk="0" hangingPunct="1">
+                        <a:defRPr sz="1800" b="1" kern="1200">
+                          <a:solidFill>
+                            <a:schemeClr val="lt1"/>
+                          </a:solidFill>
+                          <a:latin typeface="Segoe UI"/>
+                        </a:defRPr>
+                      </a:lvl4pPr>
+                      <a:lvl5pPr marL="1828800" algn="l" defTabSz="914400" rtl="0" eaLnBrk="1" latinLnBrk="0" hangingPunct="1">
+                        <a:defRPr sz="1800" b="1" kern="1200">
+                          <a:solidFill>
+                            <a:schemeClr val="lt1"/>
+                          </a:solidFill>
+                          <a:latin typeface="Segoe UI"/>
+                        </a:defRPr>
+                      </a:lvl5pPr>
+                      <a:lvl6pPr marL="2286000" algn="l" defTabSz="914400" rtl="0" eaLnBrk="1" latinLnBrk="0" hangingPunct="1">
+                        <a:defRPr sz="1800" b="1" kern="1200">
+                          <a:solidFill>
+                            <a:schemeClr val="lt1"/>
+                          </a:solidFill>
+                          <a:latin typeface="Segoe UI"/>
+                        </a:defRPr>
+                      </a:lvl6pPr>
+                      <a:lvl7pPr marL="2743200" algn="l" defTabSz="914400" rtl="0" eaLnBrk="1" latinLnBrk="0" hangingPunct="1">
+                        <a:defRPr sz="1800" b="1" kern="1200">
+                          <a:solidFill>
+                            <a:schemeClr val="lt1"/>
+                          </a:solidFill>
+                          <a:latin typeface="Segoe UI"/>
+                        </a:defRPr>
+                      </a:lvl7pPr>
+                      <a:lvl8pPr marL="3200400" algn="l" defTabSz="914400" rtl="0" eaLnBrk="1" latinLnBrk="0" hangingPunct="1">
+                        <a:defRPr sz="1800" b="1" kern="1200">
+                          <a:solidFill>
+                            <a:schemeClr val="lt1"/>
+                          </a:solidFill>
+                          <a:latin typeface="Segoe UI"/>
+                        </a:defRPr>
+                      </a:lvl8pPr>
+                      <a:lvl9pPr marL="3657600" algn="l" defTabSz="914400" rtl="0" eaLnBrk="1" latinLnBrk="0" hangingPunct="1">
+                        <a:defRPr sz="1800" b="1" kern="1200">
+                          <a:solidFill>
+                            <a:schemeClr val="lt1"/>
+                          </a:solidFill>
+                          <a:latin typeface="Segoe UI"/>
+                        </a:defRPr>
+                      </a:lvl9pPr>
+                    </a:lstStyle>
+                    <a:p>
+                      <a:pPr marL="0" marR="0" lvl="0" indent="0" algn="l" defTabSz="914400" rtl="0" eaLnBrk="1" fontAlgn="auto" latinLnBrk="0" hangingPunct="1">
+                        <a:lnSpc>
+                          <a:spcPct val="100000"/>
+                        </a:lnSpc>
+                        <a:spcBef>
+                          <a:spcPts val="0"/>
+                        </a:spcBef>
+                        <a:spcAft>
+                          <a:spcPts val="0"/>
+                        </a:spcAft>
+                        <a:buClrTx/>
+                        <a:buSzTx/>
+                        <a:buFontTx/>
+                        <a:buNone/>
+                        <a:tabLst/>
+                        <a:defRPr/>
+                      </a:pPr>
+                      <a:r>
+                        <a:rPr lang="en-US" sz="1600" dirty="0">
+                          <a:latin typeface="Arial" panose="020B0604020202020204" pitchFamily="34" charset="0"/>
+                          <a:cs typeface="Arial" panose="020B0604020202020204" pitchFamily="34" charset="0"/>
+                        </a:rPr>
+                        <a:t>SARS-CoV-2 (XBB)</a:t>
+                      </a:r>
+                      <a:endParaRPr lang="en-US" sz="1600" baseline="-25000" dirty="0">
+                        <a:latin typeface="Arial" panose="020B0604020202020204" pitchFamily="34" charset="0"/>
+                        <a:cs typeface="Arial" panose="020B0604020202020204" pitchFamily="34" charset="0"/>
+                      </a:endParaRPr>
+                    </a:p>
+                  </a:txBody>
+                  <a:tcPr>
+                    <a:lnL w="12700" cmpd="sng">
+                      <a:solidFill>
+                        <a:sysClr val="window" lastClr="FFFFFF"/>
+                      </a:solidFill>
+                    </a:lnL>
+                    <a:lnR w="12700" cmpd="sng">
+                      <a:solidFill>
+                        <a:sysClr val="window" lastClr="FFFFFF"/>
+                      </a:solidFill>
+                    </a:lnR>
+                    <a:lnT w="12700" cmpd="sng">
+                      <a:solidFill>
+                        <a:sysClr val="window" lastClr="FFFFFF"/>
+                      </a:solidFill>
+                    </a:lnT>
+                    <a:lnB w="12700" cmpd="sng">
+                      <a:solidFill>
+                        <a:sysClr val="window" lastClr="FFFFFF"/>
+                      </a:solidFill>
+                    </a:lnB>
+                    <a:lnTlToBr w="12700" cmpd="sng">
+                      <a:noFill/>
+                      <a:prstDash val="solid"/>
+                    </a:lnTlToBr>
+                    <a:lnBlToTr w="12700" cmpd="sng">
+                      <a:noFill/>
+                      <a:prstDash val="solid"/>
+                    </a:lnBlToTr>
+                    <a:solidFill>
+                      <a:schemeClr val="accent1">
+                        <a:lumMod val="50000"/>
+                      </a:schemeClr>
+                    </a:solidFill>
+                  </a:tcPr>
+                </a:tc>
+                <a:tc>
+                  <a:txBody>
+                    <a:bodyPr/>
+                    <a:lstStyle>
+                      <a:lvl1pPr marL="0" algn="l" defTabSz="914400" rtl="0" eaLnBrk="1" latinLnBrk="0" hangingPunct="1">
+                        <a:defRPr sz="1800" kern="1200">
+                          <a:solidFill>
+                            <a:schemeClr val="dk1"/>
+                          </a:solidFill>
+                          <a:latin typeface="Segoe UI"/>
+                        </a:defRPr>
+                      </a:lvl1pPr>
+                      <a:lvl2pPr marL="457200" algn="l" defTabSz="914400" rtl="0" eaLnBrk="1" latinLnBrk="0" hangingPunct="1">
+                        <a:defRPr sz="1800" kern="1200">
+                          <a:solidFill>
+                            <a:schemeClr val="dk1"/>
+                          </a:solidFill>
+                          <a:latin typeface="Segoe UI"/>
+                        </a:defRPr>
+                      </a:lvl2pPr>
+                      <a:lvl3pPr marL="914400" algn="l" defTabSz="914400" rtl="0" eaLnBrk="1" latinLnBrk="0" hangingPunct="1">
+                        <a:defRPr sz="1800" kern="1200">
+                          <a:solidFill>
+                            <a:schemeClr val="dk1"/>
+                          </a:solidFill>
+                          <a:latin typeface="Segoe UI"/>
+                        </a:defRPr>
+                      </a:lvl3pPr>
+                      <a:lvl4pPr marL="1371600" algn="l" defTabSz="914400" rtl="0" eaLnBrk="1" latinLnBrk="0" hangingPunct="1">
+                        <a:defRPr sz="1800" kern="1200">
+                          <a:solidFill>
+                            <a:schemeClr val="dk1"/>
+                          </a:solidFill>
+                          <a:latin typeface="Segoe UI"/>
+                        </a:defRPr>
+                      </a:lvl4pPr>
+                      <a:lvl5pPr marL="1828800" algn="l" defTabSz="914400" rtl="0" eaLnBrk="1" latinLnBrk="0" hangingPunct="1">
+                        <a:defRPr sz="1800" kern="1200">
+                          <a:solidFill>
+                            <a:schemeClr val="dk1"/>
+                          </a:solidFill>
+                          <a:latin typeface="Segoe UI"/>
+                        </a:defRPr>
+                      </a:lvl5pPr>
+                      <a:lvl6pPr marL="2286000" algn="l" defTabSz="914400" rtl="0" eaLnBrk="1" latinLnBrk="0" hangingPunct="1">
+                        <a:defRPr sz="1800" kern="1200">
+                          <a:solidFill>
+                            <a:schemeClr val="dk1"/>
+                          </a:solidFill>
+                          <a:latin typeface="Segoe UI"/>
+                        </a:defRPr>
+                      </a:lvl6pPr>
+                      <a:lvl7pPr marL="2743200" algn="l" defTabSz="914400" rtl="0" eaLnBrk="1" latinLnBrk="0" hangingPunct="1">
+                        <a:defRPr sz="1800" kern="1200">
+                          <a:solidFill>
+                            <a:schemeClr val="dk1"/>
+                          </a:solidFill>
+                          <a:latin typeface="Segoe UI"/>
+                        </a:defRPr>
+                      </a:lvl7pPr>
+                      <a:lvl8pPr marL="3200400" algn="l" defTabSz="914400" rtl="0" eaLnBrk="1" latinLnBrk="0" hangingPunct="1">
+                        <a:defRPr sz="1800" kern="1200">
+                          <a:solidFill>
+                            <a:schemeClr val="dk1"/>
+                          </a:solidFill>
+                          <a:latin typeface="Segoe UI"/>
+                        </a:defRPr>
+                      </a:lvl8pPr>
+                      <a:lvl9pPr marL="3657600" algn="l" defTabSz="914400" rtl="0" eaLnBrk="1" latinLnBrk="0" hangingPunct="1">
+                        <a:defRPr sz="1800" kern="1200">
+                          <a:solidFill>
+                            <a:schemeClr val="dk1"/>
+                          </a:solidFill>
+                          <a:latin typeface="Segoe UI"/>
+                        </a:defRPr>
+                      </a:lvl9pPr>
+                    </a:lstStyle>
+                    <a:p>
+                      <a:pPr algn="ctr"/>
+                      <a:endParaRPr lang="en-US" sz="1600" dirty="0">
+                        <a:latin typeface="Arial" panose="020B0604020202020204" pitchFamily="34" charset="0"/>
+                        <a:cs typeface="Arial" panose="020B0604020202020204" pitchFamily="34" charset="0"/>
+                      </a:endParaRPr>
+                    </a:p>
+                  </a:txBody>
+                  <a:tcPr>
+                    <a:lnL w="12700" cmpd="sng">
+                      <a:solidFill>
+                        <a:sysClr val="window" lastClr="FFFFFF"/>
+                      </a:solidFill>
+                    </a:lnL>
+                    <a:lnR w="12700" cmpd="sng">
+                      <a:solidFill>
+                        <a:sysClr val="window" lastClr="FFFFFF"/>
+                      </a:solidFill>
+                    </a:lnR>
+                    <a:lnT w="12700" cmpd="sng">
+                      <a:solidFill>
+                        <a:sysClr val="window" lastClr="FFFFFF"/>
+                      </a:solidFill>
+                    </a:lnT>
+                    <a:lnB w="12700" cmpd="sng">
+                      <a:solidFill>
+                        <a:sysClr val="window" lastClr="FFFFFF"/>
+                      </a:solidFill>
+                    </a:lnB>
+                    <a:lnTlToBr w="12700" cmpd="sng">
+                      <a:noFill/>
+                      <a:prstDash val="solid"/>
+                    </a:lnTlToBr>
+                    <a:lnBlToTr w="12700" cmpd="sng">
+                      <a:noFill/>
+                      <a:prstDash val="solid"/>
+                    </a:lnBlToTr>
+                    <a:solidFill>
+                      <a:schemeClr val="accent1">
+                        <a:lumMod val="20000"/>
+                        <a:lumOff val="80000"/>
+                      </a:schemeClr>
+                    </a:solidFill>
+                  </a:tcPr>
+                </a:tc>
+                <a:tc>
+                  <a:txBody>
+                    <a:bodyPr/>
+                    <a:lstStyle>
+                      <a:lvl1pPr marL="0" algn="l" defTabSz="914400" rtl="0" eaLnBrk="1" latinLnBrk="0" hangingPunct="1">
+                        <a:defRPr sz="1800" kern="1200">
+                          <a:solidFill>
+                            <a:schemeClr val="dk1"/>
+                          </a:solidFill>
+                          <a:latin typeface="Segoe UI"/>
+                        </a:defRPr>
+                      </a:lvl1pPr>
+                      <a:lvl2pPr marL="457200" algn="l" defTabSz="914400" rtl="0" eaLnBrk="1" latinLnBrk="0" hangingPunct="1">
+                        <a:defRPr sz="1800" kern="1200">
+                          <a:solidFill>
+                            <a:schemeClr val="dk1"/>
+                          </a:solidFill>
+                          <a:latin typeface="Segoe UI"/>
+                        </a:defRPr>
+                      </a:lvl2pPr>
+                      <a:lvl3pPr marL="914400" algn="l" defTabSz="914400" rtl="0" eaLnBrk="1" latinLnBrk="0" hangingPunct="1">
+                        <a:defRPr sz="1800" kern="1200">
+                          <a:solidFill>
+                            <a:schemeClr val="dk1"/>
+                          </a:solidFill>
+                          <a:latin typeface="Segoe UI"/>
+                        </a:defRPr>
+                      </a:lvl3pPr>
+                      <a:lvl4pPr marL="1371600" algn="l" defTabSz="914400" rtl="0" eaLnBrk="1" latinLnBrk="0" hangingPunct="1">
+                        <a:defRPr sz="1800" kern="1200">
+                          <a:solidFill>
+                            <a:schemeClr val="dk1"/>
+                          </a:solidFill>
+                          <a:latin typeface="Segoe UI"/>
+                        </a:defRPr>
+                      </a:lvl4pPr>
+                      <a:lvl5pPr marL="1828800" algn="l" defTabSz="914400" rtl="0" eaLnBrk="1" latinLnBrk="0" hangingPunct="1">
+                        <a:defRPr sz="1800" kern="1200">
+                          <a:solidFill>
+                            <a:schemeClr val="dk1"/>
+                          </a:solidFill>
+                          <a:latin typeface="Segoe UI"/>
+                        </a:defRPr>
+                      </a:lvl5pPr>
+                      <a:lvl6pPr marL="2286000" algn="l" defTabSz="914400" rtl="0" eaLnBrk="1" latinLnBrk="0" hangingPunct="1">
+                        <a:defRPr sz="1800" kern="1200">
+                          <a:solidFill>
+                            <a:schemeClr val="dk1"/>
+                          </a:solidFill>
+                          <a:latin typeface="Segoe UI"/>
+                        </a:defRPr>
+                      </a:lvl6pPr>
+                      <a:lvl7pPr marL="2743200" algn="l" defTabSz="914400" rtl="0" eaLnBrk="1" latinLnBrk="0" hangingPunct="1">
+                        <a:defRPr sz="1800" kern="1200">
+                          <a:solidFill>
+                            <a:schemeClr val="dk1"/>
+                          </a:solidFill>
+                          <a:latin typeface="Segoe UI"/>
+                        </a:defRPr>
+                      </a:lvl7pPr>
+                      <a:lvl8pPr marL="3200400" algn="l" defTabSz="914400" rtl="0" eaLnBrk="1" latinLnBrk="0" hangingPunct="1">
+                        <a:defRPr sz="1800" kern="1200">
+                          <a:solidFill>
+                            <a:schemeClr val="dk1"/>
+                          </a:solidFill>
+                          <a:latin typeface="Segoe UI"/>
+                        </a:defRPr>
+                      </a:lvl8pPr>
+                      <a:lvl9pPr marL="3657600" algn="l" defTabSz="914400" rtl="0" eaLnBrk="1" latinLnBrk="0" hangingPunct="1">
+                        <a:defRPr sz="1800" kern="1200">
+                          <a:solidFill>
+                            <a:schemeClr val="dk1"/>
+                          </a:solidFill>
+                          <a:latin typeface="Segoe UI"/>
+                        </a:defRPr>
+                      </a:lvl9pPr>
+                    </a:lstStyle>
+                    <a:p>
+                      <a:pPr algn="ctr"/>
+                      <a:endParaRPr lang="en-US" sz="1600" dirty="0">
+                        <a:latin typeface="Arial" panose="020B0604020202020204" pitchFamily="34" charset="0"/>
+                        <a:cs typeface="Arial" panose="020B0604020202020204" pitchFamily="34" charset="0"/>
+                      </a:endParaRPr>
+                    </a:p>
+                  </a:txBody>
+                  <a:tcPr>
+                    <a:lnL w="12700" cmpd="sng">
+                      <a:solidFill>
+                        <a:sysClr val="window" lastClr="FFFFFF"/>
+                      </a:solidFill>
+                    </a:lnL>
+                    <a:lnR w="12700" cmpd="sng">
+                      <a:solidFill>
+                        <a:sysClr val="window" lastClr="FFFFFF"/>
+                      </a:solidFill>
+                    </a:lnR>
+                    <a:lnT w="12700" cmpd="sng">
+                      <a:solidFill>
+                        <a:sysClr val="window" lastClr="FFFFFF"/>
+                      </a:solidFill>
+                    </a:lnT>
+                    <a:lnB w="12700" cmpd="sng">
+                      <a:solidFill>
+                        <a:sysClr val="window" lastClr="FFFFFF"/>
+                      </a:solidFill>
+                    </a:lnB>
+                    <a:lnTlToBr w="12700" cmpd="sng">
+                      <a:noFill/>
+                      <a:prstDash val="solid"/>
+                    </a:lnTlToBr>
+                    <a:lnBlToTr w="12700" cmpd="sng">
+                      <a:noFill/>
+                      <a:prstDash val="solid"/>
+                    </a:lnBlToTr>
+                    <a:solidFill>
+                      <a:schemeClr val="accent1">
+                        <a:lumMod val="20000"/>
+                        <a:lumOff val="80000"/>
+                      </a:schemeClr>
+                    </a:solidFill>
+                  </a:tcPr>
+                </a:tc>
+                <a:tc>
+                  <a:txBody>
+                    <a:bodyPr/>
+                    <a:lstStyle>
+                      <a:lvl1pPr marL="0" algn="l" defTabSz="914400" rtl="0" eaLnBrk="1" latinLnBrk="0" hangingPunct="1">
+                        <a:defRPr sz="1800" kern="1200">
+                          <a:solidFill>
+                            <a:schemeClr val="dk1"/>
+                          </a:solidFill>
+                          <a:latin typeface="Segoe UI"/>
+                        </a:defRPr>
+                      </a:lvl1pPr>
+                      <a:lvl2pPr marL="457200" algn="l" defTabSz="914400" rtl="0" eaLnBrk="1" latinLnBrk="0" hangingPunct="1">
+                        <a:defRPr sz="1800" kern="1200">
+                          <a:solidFill>
+                            <a:schemeClr val="dk1"/>
+                          </a:solidFill>
+                          <a:latin typeface="Segoe UI"/>
+                        </a:defRPr>
+                      </a:lvl2pPr>
+                      <a:lvl3pPr marL="914400" algn="l" defTabSz="914400" rtl="0" eaLnBrk="1" latinLnBrk="0" hangingPunct="1">
+                        <a:defRPr sz="1800" kern="1200">
+                          <a:solidFill>
+                            <a:schemeClr val="dk1"/>
+                          </a:solidFill>
+                          <a:latin typeface="Segoe UI"/>
+                        </a:defRPr>
+                      </a:lvl3pPr>
+                      <a:lvl4pPr marL="1371600" algn="l" defTabSz="914400" rtl="0" eaLnBrk="1" latinLnBrk="0" hangingPunct="1">
+                        <a:defRPr sz="1800" kern="1200">
+                          <a:solidFill>
+                            <a:schemeClr val="dk1"/>
+                          </a:solidFill>
+                          <a:latin typeface="Segoe UI"/>
+                        </a:defRPr>
+                      </a:lvl4pPr>
+                      <a:lvl5pPr marL="1828800" algn="l" defTabSz="914400" rtl="0" eaLnBrk="1" latinLnBrk="0" hangingPunct="1">
+                        <a:defRPr sz="1800" kern="1200">
+                          <a:solidFill>
+                            <a:schemeClr val="dk1"/>
+                          </a:solidFill>
+                          <a:latin typeface="Segoe UI"/>
+                        </a:defRPr>
+                      </a:lvl5pPr>
+                      <a:lvl6pPr marL="2286000" algn="l" defTabSz="914400" rtl="0" eaLnBrk="1" latinLnBrk="0" hangingPunct="1">
+                        <a:defRPr sz="1800" kern="1200">
+                          <a:solidFill>
+                            <a:schemeClr val="dk1"/>
+                          </a:solidFill>
+                          <a:latin typeface="Segoe UI"/>
+                        </a:defRPr>
+                      </a:lvl6pPr>
+                      <a:lvl7pPr marL="2743200" algn="l" defTabSz="914400" rtl="0" eaLnBrk="1" latinLnBrk="0" hangingPunct="1">
+                        <a:defRPr sz="1800" kern="1200">
+                          <a:solidFill>
+                            <a:schemeClr val="dk1"/>
+                          </a:solidFill>
+                          <a:latin typeface="Segoe UI"/>
+                        </a:defRPr>
+                      </a:lvl7pPr>
+                      <a:lvl8pPr marL="3200400" algn="l" defTabSz="914400" rtl="0" eaLnBrk="1" latinLnBrk="0" hangingPunct="1">
+                        <a:defRPr sz="1800" kern="1200">
+                          <a:solidFill>
+                            <a:schemeClr val="dk1"/>
+                          </a:solidFill>
+                          <a:latin typeface="Segoe UI"/>
+                        </a:defRPr>
+                      </a:lvl8pPr>
+                      <a:lvl9pPr marL="3657600" algn="l" defTabSz="914400" rtl="0" eaLnBrk="1" latinLnBrk="0" hangingPunct="1">
+                        <a:defRPr sz="1800" kern="1200">
+                          <a:solidFill>
+                            <a:schemeClr val="dk1"/>
+                          </a:solidFill>
+                          <a:latin typeface="Segoe UI"/>
+                        </a:defRPr>
+                      </a:lvl9pPr>
+                    </a:lstStyle>
+                    <a:p>
+                      <a:pPr algn="ctr"/>
+                      <a:endParaRPr lang="en-US" sz="1600" dirty="0">
+                        <a:latin typeface="Arial" panose="020B0604020202020204" pitchFamily="34" charset="0"/>
+                        <a:cs typeface="Arial" panose="020B0604020202020204" pitchFamily="34" charset="0"/>
+                      </a:endParaRPr>
+                    </a:p>
+                  </a:txBody>
+                  <a:tcPr>
+                    <a:lnL w="12700" cmpd="sng">
+                      <a:solidFill>
+                        <a:sysClr val="window" lastClr="FFFFFF"/>
+                      </a:solidFill>
+                    </a:lnL>
+                    <a:lnR w="12700" cmpd="sng">
+                      <a:solidFill>
+                        <a:sysClr val="window" lastClr="FFFFFF"/>
+                      </a:solidFill>
+                    </a:lnR>
+                    <a:lnT w="12700" cmpd="sng">
+                      <a:solidFill>
+                        <a:sysClr val="window" lastClr="FFFFFF"/>
+                      </a:solidFill>
+                    </a:lnT>
+                    <a:lnB w="12700" cmpd="sng">
+                      <a:solidFill>
+                        <a:sysClr val="window" lastClr="FFFFFF"/>
+                      </a:solidFill>
+                    </a:lnB>
+                    <a:lnTlToBr w="12700" cmpd="sng">
+                      <a:noFill/>
+                      <a:prstDash val="solid"/>
+                    </a:lnTlToBr>
+                    <a:lnBlToTr w="12700" cmpd="sng">
+                      <a:noFill/>
+                      <a:prstDash val="solid"/>
+                    </a:lnBlToTr>
+                    <a:solidFill>
+                      <a:schemeClr val="accent1">
+                        <a:lumMod val="20000"/>
+                        <a:lumOff val="80000"/>
+                      </a:schemeClr>
+                    </a:solidFill>
+                  </a:tcPr>
+                </a:tc>
+                <a:extLst>
+                  <a:ext uri="{0D108BD9-81ED-4DB2-BD59-A6C34878D82A}">
+                    <a16:rowId xmlns:a16="http://schemas.microsoft.com/office/drawing/2014/main" val="3600432382"/>
+                  </a:ext>
+                </a:extLst>
+              </a:tr>
+              <a:tr h="370840">
+                <a:tc>
+                  <a:txBody>
+                    <a:bodyPr/>
+                    <a:lstStyle>
+                      <a:lvl1pPr marL="0" algn="l" defTabSz="914400" rtl="0" eaLnBrk="1" latinLnBrk="0" hangingPunct="1">
+                        <a:defRPr sz="1800" b="1" kern="1200">
+                          <a:solidFill>
+                            <a:schemeClr val="lt1"/>
+                          </a:solidFill>
+                          <a:latin typeface="Segoe UI"/>
+                        </a:defRPr>
+                      </a:lvl1pPr>
+                      <a:lvl2pPr marL="457200" algn="l" defTabSz="914400" rtl="0" eaLnBrk="1" latinLnBrk="0" hangingPunct="1">
+                        <a:defRPr sz="1800" b="1" kern="1200">
+                          <a:solidFill>
+                            <a:schemeClr val="lt1"/>
+                          </a:solidFill>
+                          <a:latin typeface="Segoe UI"/>
+                        </a:defRPr>
+                      </a:lvl2pPr>
+                      <a:lvl3pPr marL="914400" algn="l" defTabSz="914400" rtl="0" eaLnBrk="1" latinLnBrk="0" hangingPunct="1">
+                        <a:defRPr sz="1800" b="1" kern="1200">
+                          <a:solidFill>
+                            <a:schemeClr val="lt1"/>
+                          </a:solidFill>
+                          <a:latin typeface="Segoe UI"/>
+                        </a:defRPr>
+                      </a:lvl3pPr>
+                      <a:lvl4pPr marL="1371600" algn="l" defTabSz="914400" rtl="0" eaLnBrk="1" latinLnBrk="0" hangingPunct="1">
+                        <a:defRPr sz="1800" b="1" kern="1200">
+                          <a:solidFill>
+                            <a:schemeClr val="lt1"/>
+                          </a:solidFill>
+                          <a:latin typeface="Segoe UI"/>
+                        </a:defRPr>
+                      </a:lvl4pPr>
+                      <a:lvl5pPr marL="1828800" algn="l" defTabSz="914400" rtl="0" eaLnBrk="1" latinLnBrk="0" hangingPunct="1">
+                        <a:defRPr sz="1800" b="1" kern="1200">
+                          <a:solidFill>
+                            <a:schemeClr val="lt1"/>
+                          </a:solidFill>
+                          <a:latin typeface="Segoe UI"/>
+                        </a:defRPr>
+                      </a:lvl5pPr>
+                      <a:lvl6pPr marL="2286000" algn="l" defTabSz="914400" rtl="0" eaLnBrk="1" latinLnBrk="0" hangingPunct="1">
+                        <a:defRPr sz="1800" b="1" kern="1200">
+                          <a:solidFill>
+                            <a:schemeClr val="lt1"/>
+                          </a:solidFill>
+                          <a:latin typeface="Segoe UI"/>
+                        </a:defRPr>
+                      </a:lvl6pPr>
+                      <a:lvl7pPr marL="2743200" algn="l" defTabSz="914400" rtl="0" eaLnBrk="1" latinLnBrk="0" hangingPunct="1">
+                        <a:defRPr sz="1800" b="1" kern="1200">
+                          <a:solidFill>
+                            <a:schemeClr val="lt1"/>
+                          </a:solidFill>
+                          <a:latin typeface="Segoe UI"/>
+                        </a:defRPr>
+                      </a:lvl7pPr>
+                      <a:lvl8pPr marL="3200400" algn="l" defTabSz="914400" rtl="0" eaLnBrk="1" latinLnBrk="0" hangingPunct="1">
+                        <a:defRPr sz="1800" b="1" kern="1200">
+                          <a:solidFill>
+                            <a:schemeClr val="lt1"/>
+                          </a:solidFill>
+                          <a:latin typeface="Segoe UI"/>
+                        </a:defRPr>
+                      </a:lvl8pPr>
+                      <a:lvl9pPr marL="3657600" algn="l" defTabSz="914400" rtl="0" eaLnBrk="1" latinLnBrk="0" hangingPunct="1">
+                        <a:defRPr sz="1800" b="1" kern="1200">
+                          <a:solidFill>
+                            <a:schemeClr val="lt1"/>
+                          </a:solidFill>
+                          <a:latin typeface="Segoe UI"/>
+                        </a:defRPr>
+                      </a:lvl9pPr>
+                    </a:lstStyle>
+                    <a:p>
+                      <a:pPr algn="l"/>
+                      <a:r>
+                        <a:rPr lang="en-US" sz="1600" dirty="0">
+                          <a:latin typeface="Arial" panose="020B0604020202020204" pitchFamily="34" charset="0"/>
+                          <a:cs typeface="Arial" panose="020B0604020202020204" pitchFamily="34" charset="0"/>
+                        </a:rPr>
+                        <a:t>MERS-</a:t>
+                      </a:r>
+                      <a:r>
+                        <a:rPr lang="en-US" sz="1600" dirty="0" err="1">
+                          <a:latin typeface="Arial" panose="020B0604020202020204" pitchFamily="34" charset="0"/>
+                          <a:cs typeface="Arial" panose="020B0604020202020204" pitchFamily="34" charset="0"/>
+                        </a:rPr>
+                        <a:t>CoV</a:t>
+                      </a:r>
+                      <a:endParaRPr lang="en-US" sz="1600" baseline="-25000" dirty="0">
+                        <a:latin typeface="Arial" panose="020B0604020202020204" pitchFamily="34" charset="0"/>
+                        <a:cs typeface="Arial" panose="020B0604020202020204" pitchFamily="34" charset="0"/>
+                      </a:endParaRPr>
+                    </a:p>
+                  </a:txBody>
+                  <a:tcPr>
+                    <a:lnL w="12700" cmpd="sng">
+                      <a:solidFill>
+                        <a:sysClr val="window" lastClr="FFFFFF"/>
+                      </a:solidFill>
+                    </a:lnL>
+                    <a:lnR w="12700" cmpd="sng">
+                      <a:solidFill>
+                        <a:sysClr val="window" lastClr="FFFFFF"/>
+                      </a:solidFill>
+                    </a:lnR>
+                    <a:lnT w="12700" cmpd="sng">
+                      <a:solidFill>
+                        <a:sysClr val="window" lastClr="FFFFFF"/>
+                      </a:solidFill>
+                    </a:lnT>
+                    <a:lnB w="12700" cmpd="sng">
+                      <a:solidFill>
+                        <a:sysClr val="window" lastClr="FFFFFF"/>
+                      </a:solidFill>
+                    </a:lnB>
+                    <a:lnTlToBr w="12700" cmpd="sng">
+                      <a:noFill/>
+                      <a:prstDash val="solid"/>
+                    </a:lnTlToBr>
+                    <a:lnBlToTr w="12700" cmpd="sng">
+                      <a:noFill/>
+                      <a:prstDash val="solid"/>
+                    </a:lnBlToTr>
+                    <a:solidFill>
+                      <a:schemeClr val="accent1">
+                        <a:lumMod val="50000"/>
+                      </a:schemeClr>
+                    </a:solidFill>
+                  </a:tcPr>
+                </a:tc>
+                <a:tc>
+                  <a:txBody>
+                    <a:bodyPr/>
+                    <a:lstStyle>
+                      <a:lvl1pPr marL="0" algn="l" defTabSz="914400" rtl="0" eaLnBrk="1" latinLnBrk="0" hangingPunct="1">
+                        <a:defRPr sz="1800" kern="1200">
+                          <a:solidFill>
+                            <a:schemeClr val="dk1"/>
+                          </a:solidFill>
+                          <a:latin typeface="Segoe UI"/>
+                        </a:defRPr>
+                      </a:lvl1pPr>
+                      <a:lvl2pPr marL="457200" algn="l" defTabSz="914400" rtl="0" eaLnBrk="1" latinLnBrk="0" hangingPunct="1">
+                        <a:defRPr sz="1800" kern="1200">
+                          <a:solidFill>
+                            <a:schemeClr val="dk1"/>
+                          </a:solidFill>
+                          <a:latin typeface="Segoe UI"/>
+                        </a:defRPr>
+                      </a:lvl2pPr>
+                      <a:lvl3pPr marL="914400" algn="l" defTabSz="914400" rtl="0" eaLnBrk="1" latinLnBrk="0" hangingPunct="1">
+                        <a:defRPr sz="1800" kern="1200">
+                          <a:solidFill>
+                            <a:schemeClr val="dk1"/>
+                          </a:solidFill>
+                          <a:latin typeface="Segoe UI"/>
+                        </a:defRPr>
+                      </a:lvl3pPr>
+                      <a:lvl4pPr marL="1371600" algn="l" defTabSz="914400" rtl="0" eaLnBrk="1" latinLnBrk="0" hangingPunct="1">
+                        <a:defRPr sz="1800" kern="1200">
+                          <a:solidFill>
+                            <a:schemeClr val="dk1"/>
+                          </a:solidFill>
+                          <a:latin typeface="Segoe UI"/>
+                        </a:defRPr>
+                      </a:lvl4pPr>
+                      <a:lvl5pPr marL="1828800" algn="l" defTabSz="914400" rtl="0" eaLnBrk="1" latinLnBrk="0" hangingPunct="1">
+                        <a:defRPr sz="1800" kern="1200">
+                          <a:solidFill>
+                            <a:schemeClr val="dk1"/>
+                          </a:solidFill>
+                          <a:latin typeface="Segoe UI"/>
+                        </a:defRPr>
+                      </a:lvl5pPr>
+                      <a:lvl6pPr marL="2286000" algn="l" defTabSz="914400" rtl="0" eaLnBrk="1" latinLnBrk="0" hangingPunct="1">
+                        <a:defRPr sz="1800" kern="1200">
+                          <a:solidFill>
+                            <a:schemeClr val="dk1"/>
+                          </a:solidFill>
+                          <a:latin typeface="Segoe UI"/>
+                        </a:defRPr>
+                      </a:lvl6pPr>
+                      <a:lvl7pPr marL="2743200" algn="l" defTabSz="914400" rtl="0" eaLnBrk="1" latinLnBrk="0" hangingPunct="1">
+                        <a:defRPr sz="1800" kern="1200">
+                          <a:solidFill>
+                            <a:schemeClr val="dk1"/>
+                          </a:solidFill>
+                          <a:latin typeface="Segoe UI"/>
+                        </a:defRPr>
+                      </a:lvl7pPr>
+                      <a:lvl8pPr marL="3200400" algn="l" defTabSz="914400" rtl="0" eaLnBrk="1" latinLnBrk="0" hangingPunct="1">
+                        <a:defRPr sz="1800" kern="1200">
+                          <a:solidFill>
+                            <a:schemeClr val="dk1"/>
+                          </a:solidFill>
+                          <a:latin typeface="Segoe UI"/>
+                        </a:defRPr>
+                      </a:lvl8pPr>
+                      <a:lvl9pPr marL="3657600" algn="l" defTabSz="914400" rtl="0" eaLnBrk="1" latinLnBrk="0" hangingPunct="1">
+                        <a:defRPr sz="1800" kern="1200">
+                          <a:solidFill>
+                            <a:schemeClr val="dk1"/>
+                          </a:solidFill>
+                          <a:latin typeface="Segoe UI"/>
+                        </a:defRPr>
+                      </a:lvl9pPr>
+                    </a:lstStyle>
+                    <a:p>
+                      <a:pPr algn="ctr"/>
+                      <a:endParaRPr lang="en-US" sz="1600" dirty="0">
+                        <a:latin typeface="Arial" panose="020B0604020202020204" pitchFamily="34" charset="0"/>
+                        <a:cs typeface="Arial" panose="020B0604020202020204" pitchFamily="34" charset="0"/>
+                      </a:endParaRPr>
+                    </a:p>
+                  </a:txBody>
+                  <a:tcPr>
+                    <a:lnL w="12700" cmpd="sng">
+                      <a:solidFill>
+                        <a:sysClr val="window" lastClr="FFFFFF"/>
+                      </a:solidFill>
+                    </a:lnL>
+                    <a:lnR w="12700" cmpd="sng">
+                      <a:solidFill>
+                        <a:sysClr val="window" lastClr="FFFFFF"/>
+                      </a:solidFill>
+                    </a:lnR>
+                    <a:lnT w="12700" cmpd="sng">
+                      <a:solidFill>
+                        <a:sysClr val="window" lastClr="FFFFFF"/>
+                      </a:solidFill>
+                    </a:lnT>
+                    <a:lnB w="12700" cmpd="sng">
+                      <a:solidFill>
+                        <a:sysClr val="window" lastClr="FFFFFF"/>
+                      </a:solidFill>
+                    </a:lnB>
+                    <a:lnTlToBr w="12700" cmpd="sng">
+                      <a:noFill/>
+                      <a:prstDash val="solid"/>
+                    </a:lnTlToBr>
+                    <a:lnBlToTr w="12700" cmpd="sng">
+                      <a:noFill/>
+                      <a:prstDash val="solid"/>
+                    </a:lnBlToTr>
+                    <a:solidFill>
+                      <a:schemeClr val="accent1">
+                        <a:lumMod val="40000"/>
+                        <a:lumOff val="60000"/>
+                      </a:schemeClr>
+                    </a:solidFill>
+                  </a:tcPr>
+                </a:tc>
+                <a:tc>
+                  <a:txBody>
+                    <a:bodyPr/>
+                    <a:lstStyle>
+                      <a:lvl1pPr marL="0" algn="l" defTabSz="914400" rtl="0" eaLnBrk="1" latinLnBrk="0" hangingPunct="1">
+                        <a:defRPr sz="1800" kern="1200">
+                          <a:solidFill>
+                            <a:schemeClr val="dk1"/>
+                          </a:solidFill>
+                          <a:latin typeface="Segoe UI"/>
+                        </a:defRPr>
+                      </a:lvl1pPr>
+                      <a:lvl2pPr marL="457200" algn="l" defTabSz="914400" rtl="0" eaLnBrk="1" latinLnBrk="0" hangingPunct="1">
+                        <a:defRPr sz="1800" kern="1200">
+                          <a:solidFill>
+                            <a:schemeClr val="dk1"/>
+                          </a:solidFill>
+                          <a:latin typeface="Segoe UI"/>
+                        </a:defRPr>
+                      </a:lvl2pPr>
+                      <a:lvl3pPr marL="914400" algn="l" defTabSz="914400" rtl="0" eaLnBrk="1" latinLnBrk="0" hangingPunct="1">
+                        <a:defRPr sz="1800" kern="1200">
+                          <a:solidFill>
+                            <a:schemeClr val="dk1"/>
+                          </a:solidFill>
+                          <a:latin typeface="Segoe UI"/>
+                        </a:defRPr>
+                      </a:lvl3pPr>
+                      <a:lvl4pPr marL="1371600" algn="l" defTabSz="914400" rtl="0" eaLnBrk="1" latinLnBrk="0" hangingPunct="1">
+                        <a:defRPr sz="1800" kern="1200">
+                          <a:solidFill>
+                            <a:schemeClr val="dk1"/>
+                          </a:solidFill>
+                          <a:latin typeface="Segoe UI"/>
+                        </a:defRPr>
+                      </a:lvl4pPr>
+                      <a:lvl5pPr marL="1828800" algn="l" defTabSz="914400" rtl="0" eaLnBrk="1" latinLnBrk="0" hangingPunct="1">
+                        <a:defRPr sz="1800" kern="1200">
+                          <a:solidFill>
+                            <a:schemeClr val="dk1"/>
+                          </a:solidFill>
+                          <a:latin typeface="Segoe UI"/>
+                        </a:defRPr>
+                      </a:lvl5pPr>
+                      <a:lvl6pPr marL="2286000" algn="l" defTabSz="914400" rtl="0" eaLnBrk="1" latinLnBrk="0" hangingPunct="1">
+                        <a:defRPr sz="1800" kern="1200">
+                          <a:solidFill>
+                            <a:schemeClr val="dk1"/>
+                          </a:solidFill>
+                          <a:latin typeface="Segoe UI"/>
+                        </a:defRPr>
+                      </a:lvl6pPr>
+                      <a:lvl7pPr marL="2743200" algn="l" defTabSz="914400" rtl="0" eaLnBrk="1" latinLnBrk="0" hangingPunct="1">
+                        <a:defRPr sz="1800" kern="1200">
+                          <a:solidFill>
+                            <a:schemeClr val="dk1"/>
+                          </a:solidFill>
+                          <a:latin typeface="Segoe UI"/>
+                        </a:defRPr>
+                      </a:lvl7pPr>
+                      <a:lvl8pPr marL="3200400" algn="l" defTabSz="914400" rtl="0" eaLnBrk="1" latinLnBrk="0" hangingPunct="1">
+                        <a:defRPr sz="1800" kern="1200">
+                          <a:solidFill>
+                            <a:schemeClr val="dk1"/>
+                          </a:solidFill>
+                          <a:latin typeface="Segoe UI"/>
+                        </a:defRPr>
+                      </a:lvl8pPr>
+                      <a:lvl9pPr marL="3657600" algn="l" defTabSz="914400" rtl="0" eaLnBrk="1" latinLnBrk="0" hangingPunct="1">
+                        <a:defRPr sz="1800" kern="1200">
+                          <a:solidFill>
+                            <a:schemeClr val="dk1"/>
+                          </a:solidFill>
+                          <a:latin typeface="Segoe UI"/>
+                        </a:defRPr>
+                      </a:lvl9pPr>
+                    </a:lstStyle>
+                    <a:p>
+                      <a:pPr algn="ctr"/>
+                      <a:endParaRPr lang="en-US" sz="1600" dirty="0">
+                        <a:latin typeface="Arial" panose="020B0604020202020204" pitchFamily="34" charset="0"/>
+                        <a:cs typeface="Arial" panose="020B0604020202020204" pitchFamily="34" charset="0"/>
+                      </a:endParaRPr>
+                    </a:p>
+                  </a:txBody>
+                  <a:tcPr>
+                    <a:lnL w="12700" cmpd="sng">
+                      <a:solidFill>
+                        <a:sysClr val="window" lastClr="FFFFFF"/>
+                      </a:solidFill>
+                    </a:lnL>
+                    <a:lnR w="12700" cmpd="sng">
+                      <a:solidFill>
+                        <a:sysClr val="window" lastClr="FFFFFF"/>
+                      </a:solidFill>
+                    </a:lnR>
+                    <a:lnT w="12700" cmpd="sng">
+                      <a:solidFill>
+                        <a:sysClr val="window" lastClr="FFFFFF"/>
+                      </a:solidFill>
+                    </a:lnT>
+                    <a:lnB w="12700" cmpd="sng">
+                      <a:solidFill>
+                        <a:sysClr val="window" lastClr="FFFFFF"/>
+                      </a:solidFill>
+                    </a:lnB>
+                    <a:lnTlToBr w="12700" cmpd="sng">
+                      <a:noFill/>
+                      <a:prstDash val="solid"/>
+                    </a:lnTlToBr>
+                    <a:lnBlToTr w="12700" cmpd="sng">
+                      <a:noFill/>
+                      <a:prstDash val="solid"/>
+                    </a:lnBlToTr>
+                    <a:solidFill>
+                      <a:schemeClr val="accent1">
+                        <a:lumMod val="40000"/>
+                        <a:lumOff val="60000"/>
+                      </a:schemeClr>
+                    </a:solidFill>
+                  </a:tcPr>
+                </a:tc>
+                <a:tc>
+                  <a:txBody>
+                    <a:bodyPr/>
+                    <a:lstStyle>
+                      <a:lvl1pPr marL="0" algn="l" defTabSz="914400" rtl="0" eaLnBrk="1" latinLnBrk="0" hangingPunct="1">
+                        <a:defRPr sz="1800" kern="1200">
+                          <a:solidFill>
+                            <a:schemeClr val="dk1"/>
+                          </a:solidFill>
+                          <a:latin typeface="Segoe UI"/>
+                        </a:defRPr>
+                      </a:lvl1pPr>
+                      <a:lvl2pPr marL="457200" algn="l" defTabSz="914400" rtl="0" eaLnBrk="1" latinLnBrk="0" hangingPunct="1">
+                        <a:defRPr sz="1800" kern="1200">
+                          <a:solidFill>
+                            <a:schemeClr val="dk1"/>
+                          </a:solidFill>
+                          <a:latin typeface="Segoe UI"/>
+                        </a:defRPr>
+                      </a:lvl2pPr>
+                      <a:lvl3pPr marL="914400" algn="l" defTabSz="914400" rtl="0" eaLnBrk="1" latinLnBrk="0" hangingPunct="1">
+                        <a:defRPr sz="1800" kern="1200">
+                          <a:solidFill>
+                            <a:schemeClr val="dk1"/>
+                          </a:solidFill>
+                          <a:latin typeface="Segoe UI"/>
+                        </a:defRPr>
+                      </a:lvl3pPr>
+                      <a:lvl4pPr marL="1371600" algn="l" defTabSz="914400" rtl="0" eaLnBrk="1" latinLnBrk="0" hangingPunct="1">
+                        <a:defRPr sz="1800" kern="1200">
+                          <a:solidFill>
+                            <a:schemeClr val="dk1"/>
+                          </a:solidFill>
+                          <a:latin typeface="Segoe UI"/>
+                        </a:defRPr>
+                      </a:lvl4pPr>
+                      <a:lvl5pPr marL="1828800" algn="l" defTabSz="914400" rtl="0" eaLnBrk="1" latinLnBrk="0" hangingPunct="1">
+                        <a:defRPr sz="1800" kern="1200">
+                          <a:solidFill>
+                            <a:schemeClr val="dk1"/>
+                          </a:solidFill>
+                          <a:latin typeface="Segoe UI"/>
+                        </a:defRPr>
+                      </a:lvl5pPr>
+                      <a:lvl6pPr marL="2286000" algn="l" defTabSz="914400" rtl="0" eaLnBrk="1" latinLnBrk="0" hangingPunct="1">
+                        <a:defRPr sz="1800" kern="1200">
+                          <a:solidFill>
+                            <a:schemeClr val="dk1"/>
+                          </a:solidFill>
+                          <a:latin typeface="Segoe UI"/>
+                        </a:defRPr>
+                      </a:lvl6pPr>
+                      <a:lvl7pPr marL="2743200" algn="l" defTabSz="914400" rtl="0" eaLnBrk="1" latinLnBrk="0" hangingPunct="1">
+                        <a:defRPr sz="1800" kern="1200">
+                          <a:solidFill>
+                            <a:schemeClr val="dk1"/>
+                          </a:solidFill>
+                          <a:latin typeface="Segoe UI"/>
+                        </a:defRPr>
+                      </a:lvl7pPr>
+                      <a:lvl8pPr marL="3200400" algn="l" defTabSz="914400" rtl="0" eaLnBrk="1" latinLnBrk="0" hangingPunct="1">
+                        <a:defRPr sz="1800" kern="1200">
+                          <a:solidFill>
+                            <a:schemeClr val="dk1"/>
+                          </a:solidFill>
+                          <a:latin typeface="Segoe UI"/>
+                        </a:defRPr>
+                      </a:lvl8pPr>
+                      <a:lvl9pPr marL="3657600" algn="l" defTabSz="914400" rtl="0" eaLnBrk="1" latinLnBrk="0" hangingPunct="1">
+                        <a:defRPr sz="1800" kern="1200">
+                          <a:solidFill>
+                            <a:schemeClr val="dk1"/>
+                          </a:solidFill>
+                          <a:latin typeface="Segoe UI"/>
+                        </a:defRPr>
+                      </a:lvl9pPr>
+                    </a:lstStyle>
+                    <a:p>
+                      <a:pPr algn="ctr"/>
+                      <a:endParaRPr lang="en-US" sz="1600" dirty="0">
+                        <a:latin typeface="Arial" panose="020B0604020202020204" pitchFamily="34" charset="0"/>
+                        <a:cs typeface="Arial" panose="020B0604020202020204" pitchFamily="34" charset="0"/>
+                      </a:endParaRPr>
+                    </a:p>
+                  </a:txBody>
+                  <a:tcPr>
+                    <a:lnL w="12700" cmpd="sng">
+                      <a:solidFill>
+                        <a:sysClr val="window" lastClr="FFFFFF"/>
+                      </a:solidFill>
+                    </a:lnL>
+                    <a:lnR w="12700" cmpd="sng">
+                      <a:solidFill>
+                        <a:sysClr val="window" lastClr="FFFFFF"/>
+                      </a:solidFill>
+                    </a:lnR>
+                    <a:lnT w="12700" cmpd="sng">
+                      <a:solidFill>
+                        <a:sysClr val="window" lastClr="FFFFFF"/>
+                      </a:solidFill>
+                    </a:lnT>
+                    <a:lnB w="12700" cmpd="sng">
+                      <a:solidFill>
+                        <a:sysClr val="window" lastClr="FFFFFF"/>
+                      </a:solidFill>
+                    </a:lnB>
+                    <a:lnTlToBr w="12700" cmpd="sng">
+                      <a:noFill/>
+                      <a:prstDash val="solid"/>
+                    </a:lnTlToBr>
+                    <a:lnBlToTr w="12700" cmpd="sng">
+                      <a:noFill/>
+                      <a:prstDash val="solid"/>
+                    </a:lnBlToTr>
+                    <a:solidFill>
+                      <a:schemeClr val="accent1">
+                        <a:lumMod val="40000"/>
+                        <a:lumOff val="60000"/>
+                      </a:schemeClr>
+                    </a:solidFill>
+                  </a:tcPr>
+                </a:tc>
+                <a:extLst>
+                  <a:ext uri="{0D108BD9-81ED-4DB2-BD59-A6C34878D82A}">
+                    <a16:rowId xmlns:a16="http://schemas.microsoft.com/office/drawing/2014/main" val="68335261"/>
+                  </a:ext>
+                </a:extLst>
+              </a:tr>
+            </a:tbl>
+          </a:graphicData>
+        </a:graphic>
+      </p:graphicFrame>
+      <p:sp>
+        <p:nvSpPr>
+          <p:cNvPr id="17" name="Rectangle 16">
+            <a:extLst>
+              <a:ext uri="{FF2B5EF4-FFF2-40B4-BE49-F238E27FC236}">
+                <a16:creationId xmlns:a16="http://schemas.microsoft.com/office/drawing/2014/main" id="{7BCA1963-42ED-A25E-A661-2C019B77D638}"/>
+              </a:ext>
+            </a:extLst>
+          </p:cNvPr>
+          <p:cNvSpPr/>
+          <p:nvPr/>
+        </p:nvSpPr>
+        <p:spPr>
+          <a:xfrm rot="18478249">
+            <a:off x="2951863" y="-755023"/>
+            <a:ext cx="2398413" cy="1200329"/>
+          </a:xfrm>
+          <a:prstGeom prst="rect">
+            <a:avLst/>
+          </a:prstGeom>
+          <a:noFill/>
+        </p:spPr>
+        <p:txBody>
+          <a:bodyPr wrap="none" lIns="91440" tIns="45720" rIns="91440" bIns="45720">
+            <a:spAutoFit/>
+          </a:bodyPr>
+          <a:lstStyle/>
+          <a:p>
+            <a:pPr algn="ctr"/>
+            <a:r>
+              <a:rPr lang="en-US" sz="4000" b="1" dirty="0">
+                <a:ln w="0"/>
+                <a:solidFill>
+                  <a:schemeClr val="accent1">
+                    <a:lumMod val="50000"/>
+                  </a:schemeClr>
+                </a:solidFill>
+                <a:latin typeface="Arial" panose="020B0604020202020204" pitchFamily="34" charset="0"/>
+                <a:cs typeface="Arial" panose="020B0604020202020204" pitchFamily="34" charset="0"/>
+              </a:rPr>
+              <a:t>1,088</a:t>
+            </a:r>
+          </a:p>
+          <a:p>
+            <a:pPr algn="ctr"/>
+            <a:r>
+              <a:rPr lang="en-US" sz="3200" b="1" dirty="0">
+                <a:ln w="0"/>
+                <a:solidFill>
+                  <a:schemeClr val="accent1">
+                    <a:lumMod val="50000"/>
+                  </a:schemeClr>
+                </a:solidFill>
+                <a:latin typeface="Arial" panose="020B0604020202020204" pitchFamily="34" charset="0"/>
+                <a:cs typeface="Arial" panose="020B0604020202020204" pitchFamily="34" charset="0"/>
+              </a:rPr>
+              <a:t>Complexes</a:t>
+            </a:r>
+            <a:endParaRPr lang="en-US" sz="4000" b="1" dirty="0">
+              <a:ln w="0"/>
+              <a:solidFill>
+                <a:schemeClr val="accent1">
+                  <a:lumMod val="50000"/>
+                </a:schemeClr>
+              </a:solidFill>
+              <a:latin typeface="Arial" panose="020B0604020202020204" pitchFamily="34" charset="0"/>
+              <a:cs typeface="Arial" panose="020B0604020202020204" pitchFamily="34" charset="0"/>
+            </a:endParaRPr>
+          </a:p>
+        </p:txBody>
+      </p:sp>
+      <p:sp>
+        <p:nvSpPr>
+          <p:cNvPr id="18" name="TextBox 17">
+            <a:extLst>
+              <a:ext uri="{FF2B5EF4-FFF2-40B4-BE49-F238E27FC236}">
+                <a16:creationId xmlns:a16="http://schemas.microsoft.com/office/drawing/2014/main" id="{5FEED669-3278-BC7A-E586-DE2A34113ABE}"/>
+              </a:ext>
+            </a:extLst>
+          </p:cNvPr>
+          <p:cNvSpPr txBox="1"/>
+          <p:nvPr/>
+        </p:nvSpPr>
+        <p:spPr>
+          <a:xfrm>
+            <a:off x="3030146" y="-2257387"/>
+            <a:ext cx="2337095" cy="369332"/>
+          </a:xfrm>
+          <a:prstGeom prst="rect">
+            <a:avLst/>
+          </a:prstGeom>
+          <a:noFill/>
+        </p:spPr>
+        <p:txBody>
+          <a:bodyPr wrap="square" rtlCol="0">
+            <a:spAutoFit/>
+          </a:bodyPr>
+          <a:lstStyle/>
+          <a:p>
+            <a:pPr algn="ctr"/>
+            <a:r>
+              <a:rPr lang="en-US" dirty="0">
+                <a:solidFill>
+                  <a:prstClr val="black"/>
+                </a:solidFill>
+                <a:latin typeface="Arial" panose="020B0604020202020204" pitchFamily="34" charset="0"/>
+                <a:cs typeface="Arial" panose="020B0604020202020204" pitchFamily="34" charset="0"/>
+              </a:rPr>
+              <a:t>64 Human Cytokines </a:t>
+            </a:r>
+          </a:p>
+        </p:txBody>
+      </p:sp>
+      <p:sp>
+        <p:nvSpPr>
+          <p:cNvPr id="19" name="Left Brace 18">
+            <a:extLst>
+              <a:ext uri="{FF2B5EF4-FFF2-40B4-BE49-F238E27FC236}">
+                <a16:creationId xmlns:a16="http://schemas.microsoft.com/office/drawing/2014/main" id="{A54AA85C-3269-CDC8-CE97-818DABBAB5B8}"/>
+              </a:ext>
+            </a:extLst>
+          </p:cNvPr>
+          <p:cNvSpPr/>
+          <p:nvPr/>
+        </p:nvSpPr>
+        <p:spPr>
+          <a:xfrm rot="5400000">
+            <a:off x="4060405" y="-3042350"/>
+            <a:ext cx="274256" cy="2618849"/>
+          </a:xfrm>
+          <a:prstGeom prst="leftBrace">
+            <a:avLst/>
+          </a:prstGeom>
+          <a:noFill/>
+          <a:ln w="38100" cap="flat" cmpd="sng" algn="ctr">
+            <a:solidFill>
+              <a:schemeClr val="accent1"/>
+            </a:solidFill>
+            <a:prstDash val="solid"/>
+            <a:miter lim="800000"/>
+          </a:ln>
+          <a:effectLst/>
+        </p:spPr>
+        <p:txBody>
+          <a:bodyPr rtlCol="0" anchor="ctr"/>
+          <a:lstStyle/>
+          <a:p>
+            <a:pPr marL="0" marR="0" lvl="0" indent="0" algn="ctr" defTabSz="914400" eaLnBrk="1" fontAlgn="auto" latinLnBrk="0" hangingPunct="1">
+              <a:lnSpc>
+                <a:spcPct val="100000"/>
+              </a:lnSpc>
+              <a:spcBef>
+                <a:spcPts val="0"/>
+              </a:spcBef>
+              <a:spcAft>
+                <a:spcPts val="0"/>
+              </a:spcAft>
+              <a:buClrTx/>
+              <a:buSzTx/>
+              <a:buFontTx/>
+              <a:buNone/>
+              <a:tabLst/>
+              <a:defRPr/>
+            </a:pPr>
+            <a:endParaRPr kumimoji="0" lang="en-US" sz="1800" b="0" i="0" u="none" strike="noStrike" kern="0" cap="none" spc="0" normalizeH="0" baseline="0" noProof="0">
+              <a:ln>
+                <a:noFill/>
+              </a:ln>
+              <a:solidFill>
+                <a:prstClr val="black"/>
+              </a:solidFill>
+              <a:effectLst/>
+              <a:uLnTx/>
+              <a:uFillTx/>
+              <a:latin typeface="Arial" panose="020B0604020202020204" pitchFamily="34" charset="0"/>
+              <a:cs typeface="Arial" panose="020B0604020202020204" pitchFamily="34" charset="0"/>
+            </a:endParaRPr>
+          </a:p>
+        </p:txBody>
+      </p:sp>
+      <p:sp>
+        <p:nvSpPr>
+          <p:cNvPr id="20" name="TextBox 19">
+            <a:extLst>
+              <a:ext uri="{FF2B5EF4-FFF2-40B4-BE49-F238E27FC236}">
+                <a16:creationId xmlns:a16="http://schemas.microsoft.com/office/drawing/2014/main" id="{08D496A3-26D6-BDD9-3015-2CF2863E4683}"/>
+              </a:ext>
+            </a:extLst>
+          </p:cNvPr>
+          <p:cNvSpPr txBox="1"/>
+          <p:nvPr/>
+        </p:nvSpPr>
+        <p:spPr>
+          <a:xfrm rot="16200000">
+            <a:off x="-445526" y="-220755"/>
+            <a:ext cx="1577676" cy="369332"/>
+          </a:xfrm>
+          <a:prstGeom prst="rect">
+            <a:avLst/>
+          </a:prstGeom>
+          <a:noFill/>
+        </p:spPr>
+        <p:txBody>
+          <a:bodyPr wrap="none" rtlCol="0">
+            <a:spAutoFit/>
+          </a:bodyPr>
+          <a:lstStyle/>
+          <a:p>
+            <a:pPr algn="ctr"/>
+            <a:r>
+              <a:rPr lang="en-US" dirty="0">
+                <a:solidFill>
+                  <a:prstClr val="black"/>
+                </a:solidFill>
+                <a:latin typeface="Arial" panose="020B0604020202020204" pitchFamily="34" charset="0"/>
+                <a:cs typeface="Arial" panose="020B0604020202020204" pitchFamily="34" charset="0"/>
+              </a:rPr>
+              <a:t>17 N Proteins</a:t>
+            </a:r>
+            <a:endParaRPr lang="en-US" i="1" dirty="0">
+              <a:solidFill>
+                <a:prstClr val="black"/>
+              </a:solidFill>
+              <a:latin typeface="Arial" panose="020B0604020202020204" pitchFamily="34" charset="0"/>
+              <a:cs typeface="Arial" panose="020B0604020202020204" pitchFamily="34" charset="0"/>
+            </a:endParaRPr>
+          </a:p>
+        </p:txBody>
+      </p:sp>
+      <p:sp>
+        <p:nvSpPr>
+          <p:cNvPr id="21" name="Left Brace 20">
+            <a:extLst>
+              <a:ext uri="{FF2B5EF4-FFF2-40B4-BE49-F238E27FC236}">
+                <a16:creationId xmlns:a16="http://schemas.microsoft.com/office/drawing/2014/main" id="{F05D77A5-6C45-4826-A214-BC19CCBF638C}"/>
+              </a:ext>
+            </a:extLst>
+          </p:cNvPr>
+          <p:cNvSpPr/>
+          <p:nvPr/>
+        </p:nvSpPr>
+        <p:spPr>
+          <a:xfrm>
+            <a:off x="547517" y="-1161906"/>
+            <a:ext cx="297209" cy="2228895"/>
+          </a:xfrm>
+          <a:prstGeom prst="leftBrace">
+            <a:avLst/>
+          </a:prstGeom>
+          <a:noFill/>
+          <a:ln w="38100" cap="flat" cmpd="sng" algn="ctr">
+            <a:solidFill>
+              <a:schemeClr val="accent1"/>
+            </a:solidFill>
+            <a:prstDash val="solid"/>
+            <a:miter lim="800000"/>
+          </a:ln>
+          <a:effectLst/>
+        </p:spPr>
+        <p:txBody>
+          <a:bodyPr rtlCol="0" anchor="ctr"/>
+          <a:lstStyle/>
+          <a:p>
+            <a:pPr marL="0" marR="0" lvl="0" indent="0" algn="ctr" defTabSz="914400" eaLnBrk="1" fontAlgn="auto" latinLnBrk="0" hangingPunct="1">
+              <a:lnSpc>
+                <a:spcPct val="100000"/>
+              </a:lnSpc>
+              <a:spcBef>
+                <a:spcPts val="0"/>
+              </a:spcBef>
+              <a:spcAft>
+                <a:spcPts val="0"/>
+              </a:spcAft>
+              <a:buClrTx/>
+              <a:buSzTx/>
+              <a:buFontTx/>
+              <a:buNone/>
+              <a:tabLst/>
+              <a:defRPr/>
+            </a:pPr>
+            <a:endParaRPr kumimoji="0" lang="en-US" sz="1800" b="0" i="0" u="none" strike="noStrike" kern="0" cap="none" spc="0" normalizeH="0" baseline="0" noProof="0">
+              <a:ln>
+                <a:noFill/>
+              </a:ln>
+              <a:solidFill>
+                <a:prstClr val="black"/>
+              </a:solidFill>
+              <a:effectLst/>
+              <a:uLnTx/>
+              <a:uFillTx/>
+              <a:latin typeface="Arial" panose="020B0604020202020204" pitchFamily="34" charset="0"/>
+              <a:cs typeface="Arial" panose="020B0604020202020204" pitchFamily="34" charset="0"/>
+            </a:endParaRPr>
+          </a:p>
+        </p:txBody>
+      </p:sp>
+      <p:sp>
+        <p:nvSpPr>
+          <p:cNvPr id="5" name="Rectangle 4">
+            <a:extLst>
+              <a:ext uri="{FF2B5EF4-FFF2-40B4-BE49-F238E27FC236}">
+                <a16:creationId xmlns:a16="http://schemas.microsoft.com/office/drawing/2014/main" id="{06A75E7B-F969-45B4-EC01-1E1FE4A20109}"/>
+              </a:ext>
+            </a:extLst>
+          </p:cNvPr>
+          <p:cNvSpPr/>
+          <p:nvPr/>
+        </p:nvSpPr>
+        <p:spPr>
+          <a:xfrm>
+            <a:off x="875826" y="2139997"/>
+            <a:ext cx="2282996" cy="1236393"/>
+          </a:xfrm>
+          <a:prstGeom prst="rect">
+            <a:avLst/>
+          </a:prstGeom>
+        </p:spPr>
+        <p:style>
+          <a:lnRef idx="2">
+            <a:schemeClr val="accent4">
+              <a:shade val="15000"/>
+            </a:schemeClr>
+          </a:lnRef>
+          <a:fillRef idx="1">
+            <a:schemeClr val="accent4"/>
+          </a:fillRef>
+          <a:effectRef idx="0">
+            <a:schemeClr val="accent4"/>
+          </a:effectRef>
+          <a:fontRef idx="minor">
+            <a:schemeClr val="lt1"/>
+          </a:fontRef>
+        </p:style>
+        <p:txBody>
+          <a:bodyPr rtlCol="0" anchor="ctr"/>
+          <a:lstStyle/>
+          <a:p>
+            <a:pPr algn="ctr"/>
+            <a:r>
+              <a:rPr lang="en-US" sz="2400" b="1" dirty="0">
+                <a:latin typeface="Arial" panose="020B0604020202020204" pitchFamily="34" charset="0"/>
+                <a:cs typeface="Arial" panose="020B0604020202020204" pitchFamily="34" charset="0"/>
+              </a:rPr>
+              <a:t>600</a:t>
+            </a:r>
+            <a:r>
+              <a:rPr lang="en-US" sz="2400" dirty="0">
+                <a:latin typeface="Arial" panose="020B0604020202020204" pitchFamily="34" charset="0"/>
+                <a:cs typeface="Arial" panose="020B0604020202020204" pitchFamily="34" charset="0"/>
+              </a:rPr>
+              <a:t> HADDOCK</a:t>
+            </a:r>
+          </a:p>
+          <a:p>
+            <a:pPr algn="ctr"/>
+            <a:r>
+              <a:rPr lang="en-US" sz="2400" dirty="0">
+                <a:latin typeface="Arial" panose="020B0604020202020204" pitchFamily="34" charset="0"/>
+                <a:cs typeface="Arial" panose="020B0604020202020204" pitchFamily="34" charset="0"/>
+              </a:rPr>
+              <a:t>Iterations</a:t>
+            </a:r>
+          </a:p>
+        </p:txBody>
+      </p:sp>
+      <p:sp>
+        <p:nvSpPr>
+          <p:cNvPr id="6" name="Rectangle 5">
+            <a:extLst>
+              <a:ext uri="{FF2B5EF4-FFF2-40B4-BE49-F238E27FC236}">
+                <a16:creationId xmlns:a16="http://schemas.microsoft.com/office/drawing/2014/main" id="{24808255-5367-DF38-AB62-C86042A53CA2}"/>
+              </a:ext>
+            </a:extLst>
+          </p:cNvPr>
+          <p:cNvSpPr/>
+          <p:nvPr/>
+        </p:nvSpPr>
+        <p:spPr>
+          <a:xfrm>
+            <a:off x="3223961" y="2139996"/>
+            <a:ext cx="2282996" cy="1236393"/>
+          </a:xfrm>
+          <a:prstGeom prst="rect">
+            <a:avLst/>
+          </a:prstGeom>
+          <a:solidFill>
+            <a:schemeClr val="accent4">
+              <a:lumMod val="75000"/>
+            </a:schemeClr>
+          </a:solidFill>
+        </p:spPr>
+        <p:style>
+          <a:lnRef idx="2">
+            <a:schemeClr val="accent4">
+              <a:shade val="15000"/>
+            </a:schemeClr>
+          </a:lnRef>
+          <a:fillRef idx="1">
+            <a:schemeClr val="accent4"/>
+          </a:fillRef>
+          <a:effectRef idx="0">
+            <a:schemeClr val="accent4"/>
+          </a:effectRef>
+          <a:fontRef idx="minor">
+            <a:schemeClr val="lt1"/>
+          </a:fontRef>
+        </p:style>
+        <p:txBody>
+          <a:bodyPr rtlCol="0" anchor="ctr"/>
+          <a:lstStyle/>
+          <a:p>
+            <a:pPr algn="ctr"/>
+            <a:r>
+              <a:rPr lang="en-US" sz="2400" b="1" dirty="0">
+                <a:latin typeface="Arial" panose="020B0604020202020204" pitchFamily="34" charset="0"/>
+                <a:cs typeface="Arial" panose="020B0604020202020204" pitchFamily="34" charset="0"/>
+              </a:rPr>
+              <a:t>25</a:t>
+            </a:r>
+          </a:p>
+          <a:p>
+            <a:pPr algn="ctr"/>
+            <a:r>
+              <a:rPr lang="en-US" sz="2400" dirty="0">
+                <a:latin typeface="Arial" panose="020B0604020202020204" pitchFamily="34" charset="0"/>
+                <a:cs typeface="Arial" panose="020B0604020202020204" pitchFamily="34" charset="0"/>
+              </a:rPr>
+              <a:t>AlphaFold2</a:t>
+            </a:r>
+          </a:p>
+          <a:p>
+            <a:pPr algn="ctr"/>
+            <a:r>
+              <a:rPr lang="en-US" sz="2400" dirty="0">
+                <a:latin typeface="Arial" panose="020B0604020202020204" pitchFamily="34" charset="0"/>
+                <a:cs typeface="Arial" panose="020B0604020202020204" pitchFamily="34" charset="0"/>
+              </a:rPr>
+              <a:t>Iterations</a:t>
+            </a:r>
+          </a:p>
+        </p:txBody>
+      </p:sp>
+      <p:grpSp>
+        <p:nvGrpSpPr>
+          <p:cNvPr id="10" name="Group 9">
+            <a:extLst>
+              <a:ext uri="{FF2B5EF4-FFF2-40B4-BE49-F238E27FC236}">
+                <a16:creationId xmlns:a16="http://schemas.microsoft.com/office/drawing/2014/main" id="{8C3A8867-69F7-C442-F29D-DD01D68C9D4A}"/>
+              </a:ext>
+            </a:extLst>
+          </p:cNvPr>
+          <p:cNvGrpSpPr/>
+          <p:nvPr/>
+        </p:nvGrpSpPr>
+        <p:grpSpPr>
+          <a:xfrm>
+            <a:off x="1788724" y="1224339"/>
+            <a:ext cx="457200" cy="457200"/>
+            <a:chOff x="4452057" y="2744371"/>
+            <a:chExt cx="457200" cy="457200"/>
+          </a:xfrm>
+        </p:grpSpPr>
+        <p:sp>
+          <p:nvSpPr>
+            <p:cNvPr id="22" name="Oval 21">
+              <a:extLst>
+                <a:ext uri="{FF2B5EF4-FFF2-40B4-BE49-F238E27FC236}">
+                  <a16:creationId xmlns:a16="http://schemas.microsoft.com/office/drawing/2014/main" id="{B5DD47C5-86DC-F2A2-AF40-DD59D09E3973}"/>
+                </a:ext>
+              </a:extLst>
+            </p:cNvPr>
+            <p:cNvSpPr/>
+            <p:nvPr/>
+          </p:nvSpPr>
+          <p:spPr>
+            <a:xfrm>
+              <a:off x="4452057" y="2744371"/>
+              <a:ext cx="457200" cy="457200"/>
+            </a:xfrm>
+            <a:prstGeom prst="ellipse">
+              <a:avLst/>
+            </a:prstGeom>
+            <a:ln>
+              <a:noFill/>
+            </a:ln>
+          </p:spPr>
+          <p:style>
+            <a:lnRef idx="2">
+              <a:schemeClr val="accent1">
+                <a:shade val="15000"/>
+              </a:schemeClr>
+            </a:lnRef>
+            <a:fillRef idx="1">
+              <a:schemeClr val="accent1"/>
+            </a:fillRef>
+            <a:effectRef idx="0">
+              <a:schemeClr val="accent1"/>
+            </a:effectRef>
+            <a:fontRef idx="minor">
+              <a:schemeClr val="lt1"/>
+            </a:fontRef>
+          </p:style>
+          <p:txBody>
+            <a:bodyPr rtlCol="0" anchor="ctr"/>
+            <a:lstStyle/>
+            <a:p>
+              <a:pPr algn="ctr"/>
+              <a:endParaRPr lang="en-US"/>
+            </a:p>
+          </p:txBody>
+        </p:sp>
+        <p:sp>
+          <p:nvSpPr>
+            <p:cNvPr id="2" name="Graphic 2" descr="Close">
+              <a:extLst>
+                <a:ext uri="{FF2B5EF4-FFF2-40B4-BE49-F238E27FC236}">
+                  <a16:creationId xmlns:a16="http://schemas.microsoft.com/office/drawing/2014/main" id="{53BC2801-2525-1554-F07C-E79E4355F910}"/>
+                </a:ext>
+              </a:extLst>
+            </p:cNvPr>
+            <p:cNvSpPr/>
+            <p:nvPr/>
+          </p:nvSpPr>
+          <p:spPr>
+            <a:xfrm>
+              <a:off x="4579502" y="2871816"/>
+              <a:ext cx="202311" cy="202311"/>
+            </a:xfrm>
+            <a:custGeom>
+              <a:avLst/>
+              <a:gdLst>
+                <a:gd name="connsiteX0" fmla="*/ 202311 w 202311"/>
+                <a:gd name="connsiteY0" fmla="*/ 24289 h 202311"/>
+                <a:gd name="connsiteX1" fmla="*/ 178022 w 202311"/>
+                <a:gd name="connsiteY1" fmla="*/ 0 h 202311"/>
+                <a:gd name="connsiteX2" fmla="*/ 101156 w 202311"/>
+                <a:gd name="connsiteY2" fmla="*/ 76867 h 202311"/>
+                <a:gd name="connsiteX3" fmla="*/ 24289 w 202311"/>
+                <a:gd name="connsiteY3" fmla="*/ 0 h 202311"/>
+                <a:gd name="connsiteX4" fmla="*/ 0 w 202311"/>
+                <a:gd name="connsiteY4" fmla="*/ 24289 h 202311"/>
+                <a:gd name="connsiteX5" fmla="*/ 76867 w 202311"/>
+                <a:gd name="connsiteY5" fmla="*/ 101156 h 202311"/>
+                <a:gd name="connsiteX6" fmla="*/ 0 w 202311"/>
+                <a:gd name="connsiteY6" fmla="*/ 178022 h 202311"/>
+                <a:gd name="connsiteX7" fmla="*/ 24289 w 202311"/>
+                <a:gd name="connsiteY7" fmla="*/ 202311 h 202311"/>
+                <a:gd name="connsiteX8" fmla="*/ 101156 w 202311"/>
+                <a:gd name="connsiteY8" fmla="*/ 125444 h 202311"/>
+                <a:gd name="connsiteX9" fmla="*/ 178022 w 202311"/>
+                <a:gd name="connsiteY9" fmla="*/ 202311 h 202311"/>
+                <a:gd name="connsiteX10" fmla="*/ 202311 w 202311"/>
+                <a:gd name="connsiteY10" fmla="*/ 178022 h 202311"/>
+                <a:gd name="connsiteX11" fmla="*/ 125444 w 202311"/>
+                <a:gd name="connsiteY11" fmla="*/ 101156 h 202311"/>
+              </a:gdLst>
+              <a:ahLst/>
+              <a:cxnLst>
+                <a:cxn ang="0">
+                  <a:pos x="connsiteX0" y="connsiteY0"/>
+                </a:cxn>
+                <a:cxn ang="0">
+                  <a:pos x="connsiteX1" y="connsiteY1"/>
+                </a:cxn>
+                <a:cxn ang="0">
+                  <a:pos x="connsiteX2" y="connsiteY2"/>
+                </a:cxn>
+                <a:cxn ang="0">
+                  <a:pos x="connsiteX3" y="connsiteY3"/>
+                </a:cxn>
+                <a:cxn ang="0">
+                  <a:pos x="connsiteX4" y="connsiteY4"/>
+                </a:cxn>
+                <a:cxn ang="0">
+                  <a:pos x="connsiteX5" y="connsiteY5"/>
+                </a:cxn>
+                <a:cxn ang="0">
+                  <a:pos x="connsiteX6" y="connsiteY6"/>
+                </a:cxn>
+                <a:cxn ang="0">
+                  <a:pos x="connsiteX7" y="connsiteY7"/>
+                </a:cxn>
+                <a:cxn ang="0">
+                  <a:pos x="connsiteX8" y="connsiteY8"/>
+                </a:cxn>
+                <a:cxn ang="0">
+                  <a:pos x="connsiteX9" y="connsiteY9"/>
+                </a:cxn>
+                <a:cxn ang="0">
+                  <a:pos x="connsiteX10" y="connsiteY10"/>
+                </a:cxn>
+                <a:cxn ang="0">
+                  <a:pos x="connsiteX11" y="connsiteY11"/>
+                </a:cxn>
+              </a:cxnLst>
+              <a:rect l="l" t="t" r="r" b="b"/>
+              <a:pathLst>
+                <a:path w="202311" h="202311">
+                  <a:moveTo>
+                    <a:pt x="202311" y="24289"/>
+                  </a:moveTo>
+                  <a:lnTo>
+                    <a:pt x="178022" y="0"/>
+                  </a:lnTo>
+                  <a:lnTo>
+                    <a:pt x="101156" y="76867"/>
+                  </a:lnTo>
+                  <a:lnTo>
+                    <a:pt x="24289" y="0"/>
+                  </a:lnTo>
+                  <a:lnTo>
+                    <a:pt x="0" y="24289"/>
+                  </a:lnTo>
+                  <a:lnTo>
+                    <a:pt x="76867" y="101156"/>
+                  </a:lnTo>
+                  <a:lnTo>
+                    <a:pt x="0" y="178022"/>
+                  </a:lnTo>
+                  <a:lnTo>
+                    <a:pt x="24289" y="202311"/>
+                  </a:lnTo>
+                  <a:lnTo>
+                    <a:pt x="101156" y="125444"/>
+                  </a:lnTo>
+                  <a:lnTo>
+                    <a:pt x="178022" y="202311"/>
+                  </a:lnTo>
+                  <a:lnTo>
+                    <a:pt x="202311" y="178022"/>
+                  </a:lnTo>
+                  <a:lnTo>
+                    <a:pt x="125444" y="101156"/>
+                  </a:lnTo>
+                  <a:close/>
+                </a:path>
+              </a:pathLst>
+            </a:custGeom>
+            <a:solidFill>
+              <a:schemeClr val="bg1"/>
+            </a:solidFill>
+            <a:ln w="2778" cap="flat">
+              <a:noFill/>
+              <a:prstDash val="solid"/>
+              <a:miter/>
+            </a:ln>
+          </p:spPr>
+          <p:txBody>
+            <a:bodyPr rtlCol="0" anchor="ctr"/>
+            <a:lstStyle/>
+            <a:p>
+              <a:endParaRPr lang="en-US"/>
+            </a:p>
+          </p:txBody>
+        </p:sp>
+      </p:grpSp>
+      <p:sp>
+        <p:nvSpPr>
+          <p:cNvPr id="25" name="Flowchart: Alternate Process 24">
+            <a:extLst>
+              <a:ext uri="{FF2B5EF4-FFF2-40B4-BE49-F238E27FC236}">
+                <a16:creationId xmlns:a16="http://schemas.microsoft.com/office/drawing/2014/main" id="{660E1DCE-D0B7-E5DC-DDFE-CDCEB925D763}"/>
+              </a:ext>
+            </a:extLst>
+          </p:cNvPr>
+          <p:cNvSpPr/>
+          <p:nvPr/>
+        </p:nvSpPr>
+        <p:spPr>
+          <a:xfrm>
+            <a:off x="875826" y="5737670"/>
+            <a:ext cx="2282996" cy="1220859"/>
+          </a:xfrm>
+          <a:prstGeom prst="flowChartAlternateProcess">
+            <a:avLst/>
+          </a:prstGeom>
+        </p:spPr>
+        <p:style>
+          <a:lnRef idx="2">
+            <a:schemeClr val="accent1">
+              <a:shade val="15000"/>
+            </a:schemeClr>
+          </a:lnRef>
+          <a:fillRef idx="1">
+            <a:schemeClr val="accent1"/>
+          </a:fillRef>
+          <a:effectRef idx="0">
+            <a:schemeClr val="accent1"/>
+          </a:effectRef>
+          <a:fontRef idx="minor">
+            <a:schemeClr val="lt1"/>
+          </a:fontRef>
+        </p:style>
+        <p:txBody>
+          <a:bodyPr rtlCol="0" anchor="ctr"/>
+          <a:lstStyle/>
+          <a:p>
+            <a:pPr algn="ctr"/>
+            <a:r>
+              <a:rPr lang="en-US" dirty="0"/>
+              <a:t>Filter to Best Cluster using</a:t>
+            </a:r>
+          </a:p>
+          <a:p>
+            <a:pPr algn="ctr"/>
+            <a:r>
+              <a:rPr lang="en-US" dirty="0"/>
+              <a:t> van der Waals energies</a:t>
+            </a:r>
+          </a:p>
+        </p:txBody>
+      </p:sp>
+      <p:sp>
+        <p:nvSpPr>
+          <p:cNvPr id="26" name="Flowchart: Alternate Process 25">
+            <a:extLst>
+              <a:ext uri="{FF2B5EF4-FFF2-40B4-BE49-F238E27FC236}">
+                <a16:creationId xmlns:a16="http://schemas.microsoft.com/office/drawing/2014/main" id="{6232D116-E755-EF3C-F114-40813EF76814}"/>
+              </a:ext>
+            </a:extLst>
+          </p:cNvPr>
+          <p:cNvSpPr/>
+          <p:nvPr/>
+        </p:nvSpPr>
+        <p:spPr>
+          <a:xfrm>
+            <a:off x="3223961" y="5737670"/>
+            <a:ext cx="2282995" cy="1220858"/>
+          </a:xfrm>
+          <a:prstGeom prst="flowChartAlternateProcess">
+            <a:avLst/>
+          </a:prstGeom>
+        </p:spPr>
+        <p:style>
+          <a:lnRef idx="2">
+            <a:schemeClr val="accent1">
+              <a:shade val="15000"/>
+            </a:schemeClr>
+          </a:lnRef>
+          <a:fillRef idx="1">
+            <a:schemeClr val="accent1"/>
+          </a:fillRef>
+          <a:effectRef idx="0">
+            <a:schemeClr val="accent1"/>
+          </a:effectRef>
+          <a:fontRef idx="minor">
+            <a:schemeClr val="lt1"/>
+          </a:fontRef>
+        </p:style>
+        <p:txBody>
+          <a:bodyPr rtlCol="0" anchor="ctr"/>
+          <a:lstStyle/>
+          <a:p>
+            <a:pPr algn="ctr"/>
+            <a:r>
+              <a:rPr lang="en-US" dirty="0"/>
+              <a:t>Filter to Best Complex using </a:t>
+            </a:r>
+            <a:r>
+              <a:rPr lang="en-US" dirty="0" err="1"/>
+              <a:t>GDock</a:t>
+            </a:r>
+            <a:r>
+              <a:rPr lang="en-US" dirty="0"/>
+              <a:t> Scores</a:t>
+            </a:r>
+          </a:p>
+        </p:txBody>
+      </p:sp>
+      <p:cxnSp>
+        <p:nvCxnSpPr>
+          <p:cNvPr id="29" name="Straight Arrow Connector 28">
+            <a:extLst>
+              <a:ext uri="{FF2B5EF4-FFF2-40B4-BE49-F238E27FC236}">
+                <a16:creationId xmlns:a16="http://schemas.microsoft.com/office/drawing/2014/main" id="{E8279CAC-5132-A9D3-1998-9452D6C4C203}"/>
+              </a:ext>
+            </a:extLst>
+          </p:cNvPr>
+          <p:cNvCxnSpPr>
+            <a:cxnSpLocks/>
+            <a:stCxn id="38" idx="2"/>
+            <a:endCxn id="25" idx="0"/>
+          </p:cNvCxnSpPr>
+          <p:nvPr/>
+        </p:nvCxnSpPr>
+        <p:spPr>
+          <a:xfrm>
+            <a:off x="2017324" y="5246207"/>
+            <a:ext cx="0" cy="491463"/>
+          </a:xfrm>
+          <a:prstGeom prst="straightConnector1">
+            <a:avLst/>
+          </a:prstGeom>
+          <a:ln w="127000">
+            <a:tailEnd type="triangle"/>
+          </a:ln>
+        </p:spPr>
+        <p:style>
+          <a:lnRef idx="1">
+            <a:schemeClr val="accent1"/>
+          </a:lnRef>
+          <a:fillRef idx="0">
+            <a:schemeClr val="accent1"/>
+          </a:fillRef>
+          <a:effectRef idx="0">
+            <a:schemeClr val="accent1"/>
+          </a:effectRef>
+          <a:fontRef idx="minor">
+            <a:schemeClr val="tx1"/>
+          </a:fontRef>
+        </p:style>
+      </p:cxnSp>
+      <p:cxnSp>
+        <p:nvCxnSpPr>
+          <p:cNvPr id="32" name="Straight Arrow Connector 31">
+            <a:extLst>
+              <a:ext uri="{FF2B5EF4-FFF2-40B4-BE49-F238E27FC236}">
+                <a16:creationId xmlns:a16="http://schemas.microsoft.com/office/drawing/2014/main" id="{E1F60F43-EC47-074B-AB09-74B3CBF184D8}"/>
+              </a:ext>
+            </a:extLst>
+          </p:cNvPr>
+          <p:cNvCxnSpPr>
+            <a:cxnSpLocks/>
+            <a:stCxn id="40" idx="2"/>
+            <a:endCxn id="26" idx="0"/>
+          </p:cNvCxnSpPr>
+          <p:nvPr/>
+        </p:nvCxnSpPr>
+        <p:spPr>
+          <a:xfrm>
+            <a:off x="4365459" y="5246206"/>
+            <a:ext cx="0" cy="491464"/>
+          </a:xfrm>
+          <a:prstGeom prst="straightConnector1">
+            <a:avLst/>
+          </a:prstGeom>
+          <a:ln w="127000">
+            <a:tailEnd type="triangle"/>
+          </a:ln>
+        </p:spPr>
+        <p:style>
+          <a:lnRef idx="1">
+            <a:schemeClr val="accent1"/>
+          </a:lnRef>
+          <a:fillRef idx="0">
+            <a:schemeClr val="accent1"/>
+          </a:fillRef>
+          <a:effectRef idx="0">
+            <a:schemeClr val="accent1"/>
+          </a:effectRef>
+          <a:fontRef idx="minor">
+            <a:schemeClr val="tx1"/>
+          </a:fontRef>
+        </p:style>
+      </p:cxnSp>
+      <p:sp>
+        <p:nvSpPr>
+          <p:cNvPr id="36" name="Oval 35">
+            <a:extLst>
+              <a:ext uri="{FF2B5EF4-FFF2-40B4-BE49-F238E27FC236}">
+                <a16:creationId xmlns:a16="http://schemas.microsoft.com/office/drawing/2014/main" id="{EE5BA5E6-B1E7-65F7-60E8-BA9B2F8A4B49}"/>
+              </a:ext>
+            </a:extLst>
+          </p:cNvPr>
+          <p:cNvSpPr/>
+          <p:nvPr/>
+        </p:nvSpPr>
+        <p:spPr>
+          <a:xfrm>
+            <a:off x="1788724" y="3472269"/>
+            <a:ext cx="457200" cy="457200"/>
+          </a:xfrm>
+          <a:prstGeom prst="ellipse">
+            <a:avLst/>
+          </a:prstGeom>
+          <a:ln>
+            <a:noFill/>
+          </a:ln>
+        </p:spPr>
+        <p:style>
+          <a:lnRef idx="2">
+            <a:schemeClr val="accent1">
+              <a:shade val="15000"/>
+            </a:schemeClr>
+          </a:lnRef>
+          <a:fillRef idx="1">
+            <a:schemeClr val="accent1"/>
+          </a:fillRef>
+          <a:effectRef idx="0">
+            <a:schemeClr val="accent1"/>
+          </a:effectRef>
+          <a:fontRef idx="minor">
+            <a:schemeClr val="lt1"/>
+          </a:fontRef>
+        </p:style>
+        <p:txBody>
+          <a:bodyPr rtlCol="0" anchor="ctr"/>
+          <a:lstStyle/>
+          <a:p>
+            <a:pPr algn="ctr"/>
+            <a:r>
+              <a:rPr lang="en-US" sz="4000" dirty="0"/>
+              <a:t>=</a:t>
+            </a:r>
+          </a:p>
+        </p:txBody>
+      </p:sp>
+      <p:sp>
+        <p:nvSpPr>
+          <p:cNvPr id="37" name="Oval 36">
+            <a:extLst>
+              <a:ext uri="{FF2B5EF4-FFF2-40B4-BE49-F238E27FC236}">
+                <a16:creationId xmlns:a16="http://schemas.microsoft.com/office/drawing/2014/main" id="{58BBBD20-D58F-38E4-97CB-480F4004C225}"/>
+              </a:ext>
+            </a:extLst>
+          </p:cNvPr>
+          <p:cNvSpPr/>
+          <p:nvPr/>
+        </p:nvSpPr>
+        <p:spPr>
+          <a:xfrm>
+            <a:off x="4136859" y="3472269"/>
+            <a:ext cx="457200" cy="457200"/>
+          </a:xfrm>
+          <a:prstGeom prst="ellipse">
+            <a:avLst/>
+          </a:prstGeom>
+          <a:ln>
+            <a:noFill/>
+          </a:ln>
+        </p:spPr>
+        <p:style>
+          <a:lnRef idx="2">
+            <a:schemeClr val="accent1">
+              <a:shade val="15000"/>
+            </a:schemeClr>
+          </a:lnRef>
+          <a:fillRef idx="1">
+            <a:schemeClr val="accent1"/>
+          </a:fillRef>
+          <a:effectRef idx="0">
+            <a:schemeClr val="accent1"/>
+          </a:effectRef>
+          <a:fontRef idx="minor">
+            <a:schemeClr val="lt1"/>
+          </a:fontRef>
+        </p:style>
+        <p:txBody>
+          <a:bodyPr rtlCol="0" anchor="ctr"/>
+          <a:lstStyle/>
+          <a:p>
+            <a:pPr algn="ctr"/>
+            <a:r>
+              <a:rPr lang="en-US" sz="4000" dirty="0"/>
+              <a:t>=</a:t>
+            </a:r>
+          </a:p>
+        </p:txBody>
+      </p:sp>
+      <p:sp>
+        <p:nvSpPr>
+          <p:cNvPr id="38" name="Rectangle 37">
+            <a:extLst>
+              <a:ext uri="{FF2B5EF4-FFF2-40B4-BE49-F238E27FC236}">
+                <a16:creationId xmlns:a16="http://schemas.microsoft.com/office/drawing/2014/main" id="{6A0926E2-3A4D-1DF0-EC40-AC21065651AC}"/>
+              </a:ext>
+            </a:extLst>
+          </p:cNvPr>
+          <p:cNvSpPr/>
+          <p:nvPr/>
+        </p:nvSpPr>
+        <p:spPr>
+          <a:xfrm>
+            <a:off x="1213214" y="4025348"/>
+            <a:ext cx="1608220" cy="1220859"/>
+          </a:xfrm>
+          <a:prstGeom prst="rect">
+            <a:avLst/>
+          </a:prstGeom>
+          <a:solidFill>
+            <a:schemeClr val="bg1"/>
+          </a:solidFill>
+          <a:ln>
+            <a:solidFill>
+              <a:schemeClr val="accent4"/>
+            </a:solidFill>
+            <a:prstDash val="lgDash"/>
+          </a:ln>
+        </p:spPr>
+        <p:style>
+          <a:lnRef idx="2">
+            <a:schemeClr val="accent4">
+              <a:shade val="15000"/>
+            </a:schemeClr>
+          </a:lnRef>
+          <a:fillRef idx="1">
+            <a:schemeClr val="accent4"/>
+          </a:fillRef>
+          <a:effectRef idx="0">
+            <a:schemeClr val="accent4"/>
+          </a:effectRef>
+          <a:fontRef idx="minor">
+            <a:schemeClr val="lt1"/>
+          </a:fontRef>
+        </p:style>
+        <p:txBody>
+          <a:bodyPr rtlCol="0" anchor="ctr"/>
+          <a:lstStyle/>
+          <a:p>
+            <a:pPr algn="ctr"/>
+            <a:r>
+              <a:rPr lang="en-US" sz="2400" b="1" dirty="0">
+                <a:solidFill>
+                  <a:schemeClr val="accent4"/>
+                </a:solidFill>
+                <a:latin typeface="Arial" panose="020B0604020202020204" pitchFamily="34" charset="0"/>
+                <a:cs typeface="Arial" panose="020B0604020202020204" pitchFamily="34" charset="0"/>
+              </a:rPr>
+              <a:t>652,800</a:t>
+            </a:r>
+          </a:p>
+          <a:p>
+            <a:pPr algn="ctr"/>
+            <a:r>
+              <a:rPr lang="en-US" sz="2400" dirty="0">
+                <a:solidFill>
+                  <a:schemeClr val="accent4"/>
+                </a:solidFill>
+                <a:latin typeface="Arial" panose="020B0604020202020204" pitchFamily="34" charset="0"/>
+                <a:cs typeface="Arial" panose="020B0604020202020204" pitchFamily="34" charset="0"/>
+              </a:rPr>
+              <a:t>PDBs</a:t>
+            </a:r>
+          </a:p>
+        </p:txBody>
+      </p:sp>
+      <p:sp>
+        <p:nvSpPr>
+          <p:cNvPr id="40" name="Rectangle 39">
+            <a:extLst>
+              <a:ext uri="{FF2B5EF4-FFF2-40B4-BE49-F238E27FC236}">
+                <a16:creationId xmlns:a16="http://schemas.microsoft.com/office/drawing/2014/main" id="{3624EC4B-36CB-7FDF-BBC6-BE974ACA60A5}"/>
+              </a:ext>
+            </a:extLst>
+          </p:cNvPr>
+          <p:cNvSpPr/>
+          <p:nvPr/>
+        </p:nvSpPr>
+        <p:spPr>
+          <a:xfrm>
+            <a:off x="3561349" y="4025347"/>
+            <a:ext cx="1608220" cy="1220859"/>
+          </a:xfrm>
+          <a:prstGeom prst="rect">
+            <a:avLst/>
+          </a:prstGeom>
+          <a:solidFill>
+            <a:schemeClr val="bg1"/>
+          </a:solidFill>
+          <a:ln>
+            <a:solidFill>
+              <a:schemeClr val="accent4">
+                <a:lumMod val="75000"/>
+              </a:schemeClr>
+            </a:solidFill>
+            <a:prstDash val="lgDash"/>
+          </a:ln>
+        </p:spPr>
+        <p:style>
+          <a:lnRef idx="2">
+            <a:schemeClr val="accent4">
+              <a:shade val="15000"/>
+            </a:schemeClr>
+          </a:lnRef>
+          <a:fillRef idx="1">
+            <a:schemeClr val="accent4"/>
+          </a:fillRef>
+          <a:effectRef idx="0">
+            <a:schemeClr val="accent4"/>
+          </a:effectRef>
+          <a:fontRef idx="minor">
+            <a:schemeClr val="lt1"/>
+          </a:fontRef>
+        </p:style>
+        <p:txBody>
+          <a:bodyPr rtlCol="0" anchor="ctr"/>
+          <a:lstStyle/>
+          <a:p>
+            <a:pPr algn="ctr"/>
+            <a:r>
+              <a:rPr lang="en-US" sz="2400" b="1" dirty="0">
+                <a:solidFill>
+                  <a:schemeClr val="accent4">
+                    <a:lumMod val="75000"/>
+                  </a:schemeClr>
+                </a:solidFill>
+                <a:latin typeface="Arial" panose="020B0604020202020204" pitchFamily="34" charset="0"/>
+                <a:cs typeface="Arial" panose="020B0604020202020204" pitchFamily="34" charset="0"/>
+              </a:rPr>
+              <a:t>27,200</a:t>
+            </a:r>
+          </a:p>
+          <a:p>
+            <a:pPr algn="ctr"/>
+            <a:r>
+              <a:rPr lang="en-US" sz="2400" dirty="0">
+                <a:solidFill>
+                  <a:schemeClr val="accent4">
+                    <a:lumMod val="75000"/>
+                  </a:schemeClr>
+                </a:solidFill>
+                <a:latin typeface="Arial" panose="020B0604020202020204" pitchFamily="34" charset="0"/>
+                <a:cs typeface="Arial" panose="020B0604020202020204" pitchFamily="34" charset="0"/>
+              </a:rPr>
+              <a:t>PDBs</a:t>
+            </a:r>
+          </a:p>
+        </p:txBody>
+      </p:sp>
+      <p:sp>
+        <p:nvSpPr>
+          <p:cNvPr id="46" name="Rectangle 45">
+            <a:extLst>
+              <a:ext uri="{FF2B5EF4-FFF2-40B4-BE49-F238E27FC236}">
+                <a16:creationId xmlns:a16="http://schemas.microsoft.com/office/drawing/2014/main" id="{3F75CAB9-5416-B1E5-D9F5-37465451C019}"/>
+              </a:ext>
+            </a:extLst>
+          </p:cNvPr>
+          <p:cNvSpPr/>
+          <p:nvPr/>
+        </p:nvSpPr>
+        <p:spPr>
+          <a:xfrm>
+            <a:off x="718464" y="8021268"/>
+            <a:ext cx="4945854" cy="954107"/>
+          </a:xfrm>
+          <a:prstGeom prst="rect">
+            <a:avLst/>
+          </a:prstGeom>
+          <a:noFill/>
+        </p:spPr>
+        <p:txBody>
+          <a:bodyPr wrap="square" lIns="91440" tIns="45720" rIns="91440" bIns="45720">
+            <a:spAutoFit/>
+          </a:bodyPr>
+          <a:lstStyle/>
+          <a:p>
+            <a:pPr algn="ctr"/>
+            <a:r>
+              <a:rPr lang="en-US" sz="2800" b="1" dirty="0">
+                <a:ln w="0"/>
+                <a:solidFill>
+                  <a:schemeClr val="accent6"/>
+                </a:solidFill>
+                <a:latin typeface="Arial" panose="020B0604020202020204" pitchFamily="34" charset="0"/>
+                <a:cs typeface="Arial" panose="020B0604020202020204" pitchFamily="34" charset="0"/>
+              </a:rPr>
+              <a:t>Generate and Compare Predicted Docking Metrics</a:t>
+            </a:r>
+          </a:p>
+        </p:txBody>
+      </p:sp>
+      <p:cxnSp>
+        <p:nvCxnSpPr>
+          <p:cNvPr id="49" name="Connector: Elbow 48">
+            <a:extLst>
+              <a:ext uri="{FF2B5EF4-FFF2-40B4-BE49-F238E27FC236}">
+                <a16:creationId xmlns:a16="http://schemas.microsoft.com/office/drawing/2014/main" id="{6DE6C3C9-E8FC-F63D-ABC1-7389892903B7}"/>
+              </a:ext>
+            </a:extLst>
+          </p:cNvPr>
+          <p:cNvCxnSpPr>
+            <a:cxnSpLocks/>
+            <a:stCxn id="25" idx="2"/>
+            <a:endCxn id="46" idx="0"/>
+          </p:cNvCxnSpPr>
+          <p:nvPr/>
+        </p:nvCxnSpPr>
+        <p:spPr>
+          <a:xfrm rot="16200000" flipH="1">
+            <a:off x="2072988" y="6902864"/>
+            <a:ext cx="1062739" cy="1174067"/>
+          </a:xfrm>
+          <a:prstGeom prst="bentConnector3">
+            <a:avLst>
+              <a:gd name="adj1" fmla="val 50000"/>
+            </a:avLst>
+          </a:prstGeom>
+          <a:ln w="127000">
+            <a:solidFill>
+              <a:schemeClr val="accent6"/>
+            </a:solidFill>
+            <a:tailEnd type="triangle"/>
+          </a:ln>
+        </p:spPr>
+        <p:style>
+          <a:lnRef idx="1">
+            <a:schemeClr val="accent1"/>
+          </a:lnRef>
+          <a:fillRef idx="0">
+            <a:schemeClr val="accent1"/>
+          </a:fillRef>
+          <a:effectRef idx="0">
+            <a:schemeClr val="accent1"/>
+          </a:effectRef>
+          <a:fontRef idx="minor">
+            <a:schemeClr val="tx1"/>
+          </a:fontRef>
+        </p:style>
+      </p:cxnSp>
+      <p:grpSp>
+        <p:nvGrpSpPr>
+          <p:cNvPr id="30" name="Group 29">
+            <a:extLst>
+              <a:ext uri="{FF2B5EF4-FFF2-40B4-BE49-F238E27FC236}">
+                <a16:creationId xmlns:a16="http://schemas.microsoft.com/office/drawing/2014/main" id="{CDB283CD-A2BB-75C4-564A-6179C4B74F13}"/>
+              </a:ext>
+            </a:extLst>
+          </p:cNvPr>
+          <p:cNvGrpSpPr/>
+          <p:nvPr/>
+        </p:nvGrpSpPr>
+        <p:grpSpPr>
+          <a:xfrm>
+            <a:off x="4124773" y="1213715"/>
+            <a:ext cx="457200" cy="457200"/>
+            <a:chOff x="4452057" y="2744371"/>
+            <a:chExt cx="457200" cy="457200"/>
+          </a:xfrm>
+        </p:grpSpPr>
+        <p:sp>
+          <p:nvSpPr>
+            <p:cNvPr id="31" name="Oval 30">
+              <a:extLst>
+                <a:ext uri="{FF2B5EF4-FFF2-40B4-BE49-F238E27FC236}">
+                  <a16:creationId xmlns:a16="http://schemas.microsoft.com/office/drawing/2014/main" id="{6A8A5CB9-0C44-6A84-0F3A-919D13477C14}"/>
+                </a:ext>
+              </a:extLst>
+            </p:cNvPr>
+            <p:cNvSpPr/>
+            <p:nvPr/>
+          </p:nvSpPr>
+          <p:spPr>
+            <a:xfrm>
+              <a:off x="4452057" y="2744371"/>
+              <a:ext cx="457200" cy="457200"/>
+            </a:xfrm>
+            <a:prstGeom prst="ellipse">
+              <a:avLst/>
+            </a:prstGeom>
+            <a:ln>
+              <a:noFill/>
+            </a:ln>
+          </p:spPr>
+          <p:style>
+            <a:lnRef idx="2">
+              <a:schemeClr val="accent1">
+                <a:shade val="15000"/>
+              </a:schemeClr>
+            </a:lnRef>
+            <a:fillRef idx="1">
+              <a:schemeClr val="accent1"/>
+            </a:fillRef>
+            <a:effectRef idx="0">
+              <a:schemeClr val="accent1"/>
+            </a:effectRef>
+            <a:fontRef idx="minor">
+              <a:schemeClr val="lt1"/>
+            </a:fontRef>
+          </p:style>
+          <p:txBody>
+            <a:bodyPr rtlCol="0" anchor="ctr"/>
+            <a:lstStyle/>
+            <a:p>
+              <a:pPr algn="ctr"/>
+              <a:endParaRPr lang="en-US"/>
+            </a:p>
+          </p:txBody>
+        </p:sp>
+        <p:sp>
+          <p:nvSpPr>
+            <p:cNvPr id="33" name="Graphic 2" descr="Close">
+              <a:extLst>
+                <a:ext uri="{FF2B5EF4-FFF2-40B4-BE49-F238E27FC236}">
+                  <a16:creationId xmlns:a16="http://schemas.microsoft.com/office/drawing/2014/main" id="{36B096EB-D81C-C3AC-2881-7AB3A5A53CBD}"/>
+                </a:ext>
+              </a:extLst>
+            </p:cNvPr>
+            <p:cNvSpPr/>
+            <p:nvPr/>
+          </p:nvSpPr>
+          <p:spPr>
+            <a:xfrm>
+              <a:off x="4579502" y="2871816"/>
+              <a:ext cx="202311" cy="202311"/>
+            </a:xfrm>
+            <a:custGeom>
+              <a:avLst/>
+              <a:gdLst>
+                <a:gd name="connsiteX0" fmla="*/ 202311 w 202311"/>
+                <a:gd name="connsiteY0" fmla="*/ 24289 h 202311"/>
+                <a:gd name="connsiteX1" fmla="*/ 178022 w 202311"/>
+                <a:gd name="connsiteY1" fmla="*/ 0 h 202311"/>
+                <a:gd name="connsiteX2" fmla="*/ 101156 w 202311"/>
+                <a:gd name="connsiteY2" fmla="*/ 76867 h 202311"/>
+                <a:gd name="connsiteX3" fmla="*/ 24289 w 202311"/>
+                <a:gd name="connsiteY3" fmla="*/ 0 h 202311"/>
+                <a:gd name="connsiteX4" fmla="*/ 0 w 202311"/>
+                <a:gd name="connsiteY4" fmla="*/ 24289 h 202311"/>
+                <a:gd name="connsiteX5" fmla="*/ 76867 w 202311"/>
+                <a:gd name="connsiteY5" fmla="*/ 101156 h 202311"/>
+                <a:gd name="connsiteX6" fmla="*/ 0 w 202311"/>
+                <a:gd name="connsiteY6" fmla="*/ 178022 h 202311"/>
+                <a:gd name="connsiteX7" fmla="*/ 24289 w 202311"/>
+                <a:gd name="connsiteY7" fmla="*/ 202311 h 202311"/>
+                <a:gd name="connsiteX8" fmla="*/ 101156 w 202311"/>
+                <a:gd name="connsiteY8" fmla="*/ 125444 h 202311"/>
+                <a:gd name="connsiteX9" fmla="*/ 178022 w 202311"/>
+                <a:gd name="connsiteY9" fmla="*/ 202311 h 202311"/>
+                <a:gd name="connsiteX10" fmla="*/ 202311 w 202311"/>
+                <a:gd name="connsiteY10" fmla="*/ 178022 h 202311"/>
+                <a:gd name="connsiteX11" fmla="*/ 125444 w 202311"/>
+                <a:gd name="connsiteY11" fmla="*/ 101156 h 202311"/>
+              </a:gdLst>
+              <a:ahLst/>
+              <a:cxnLst>
+                <a:cxn ang="0">
+                  <a:pos x="connsiteX0" y="connsiteY0"/>
+                </a:cxn>
+                <a:cxn ang="0">
+                  <a:pos x="connsiteX1" y="connsiteY1"/>
+                </a:cxn>
+                <a:cxn ang="0">
+                  <a:pos x="connsiteX2" y="connsiteY2"/>
+                </a:cxn>
+                <a:cxn ang="0">
+                  <a:pos x="connsiteX3" y="connsiteY3"/>
+                </a:cxn>
+                <a:cxn ang="0">
+                  <a:pos x="connsiteX4" y="connsiteY4"/>
+                </a:cxn>
+                <a:cxn ang="0">
+                  <a:pos x="connsiteX5" y="connsiteY5"/>
+                </a:cxn>
+                <a:cxn ang="0">
+                  <a:pos x="connsiteX6" y="connsiteY6"/>
+                </a:cxn>
+                <a:cxn ang="0">
+                  <a:pos x="connsiteX7" y="connsiteY7"/>
+                </a:cxn>
+                <a:cxn ang="0">
+                  <a:pos x="connsiteX8" y="connsiteY8"/>
+                </a:cxn>
+                <a:cxn ang="0">
+                  <a:pos x="connsiteX9" y="connsiteY9"/>
+                </a:cxn>
+                <a:cxn ang="0">
+                  <a:pos x="connsiteX10" y="connsiteY10"/>
+                </a:cxn>
+                <a:cxn ang="0">
+                  <a:pos x="connsiteX11" y="connsiteY11"/>
+                </a:cxn>
+              </a:cxnLst>
+              <a:rect l="l" t="t" r="r" b="b"/>
+              <a:pathLst>
+                <a:path w="202311" h="202311">
+                  <a:moveTo>
+                    <a:pt x="202311" y="24289"/>
+                  </a:moveTo>
+                  <a:lnTo>
+                    <a:pt x="178022" y="0"/>
+                  </a:lnTo>
+                  <a:lnTo>
+                    <a:pt x="101156" y="76867"/>
+                  </a:lnTo>
+                  <a:lnTo>
+                    <a:pt x="24289" y="0"/>
+                  </a:lnTo>
+                  <a:lnTo>
+                    <a:pt x="0" y="24289"/>
+                  </a:lnTo>
+                  <a:lnTo>
+                    <a:pt x="76867" y="101156"/>
+                  </a:lnTo>
+                  <a:lnTo>
+                    <a:pt x="0" y="178022"/>
+                  </a:lnTo>
+                  <a:lnTo>
+                    <a:pt x="24289" y="202311"/>
+                  </a:lnTo>
+                  <a:lnTo>
+                    <a:pt x="101156" y="125444"/>
+                  </a:lnTo>
+                  <a:lnTo>
+                    <a:pt x="178022" y="202311"/>
+                  </a:lnTo>
+                  <a:lnTo>
+                    <a:pt x="202311" y="178022"/>
+                  </a:lnTo>
+                  <a:lnTo>
+                    <a:pt x="125444" y="101156"/>
+                  </a:lnTo>
+                  <a:close/>
+                </a:path>
+              </a:pathLst>
+            </a:custGeom>
+            <a:solidFill>
+              <a:schemeClr val="bg1"/>
+            </a:solidFill>
+            <a:ln w="2778" cap="flat">
+              <a:noFill/>
+              <a:prstDash val="solid"/>
+              <a:miter/>
+            </a:ln>
+          </p:spPr>
+          <p:txBody>
+            <a:bodyPr rtlCol="0" anchor="ctr"/>
+            <a:lstStyle/>
+            <a:p>
+              <a:endParaRPr lang="en-US"/>
+            </a:p>
+          </p:txBody>
+        </p:sp>
+      </p:grpSp>
+    </p:spTree>
+    <p:extLst>
+      <p:ext uri="{BB962C8B-B14F-4D97-AF65-F5344CB8AC3E}">
+        <p14:creationId xmlns:p14="http://schemas.microsoft.com/office/powerpoint/2010/main" val="3164853041"/>
+      </p:ext>
+    </p:extLst>
+  </p:cSld>
+  <p:clrMapOvr>
+    <a:masterClrMapping/>
+  </p:clrMapOvr>
+</p:sld>
+</file>
+
 <file path=ppt/theme/theme1.xml><?xml version="1.0" encoding="utf-8"?>
 <a:theme xmlns:a="http://schemas.openxmlformats.org/drawingml/2006/main" name="Office Theme">
   <a:themeElements>
